--- a/2-excel-ai-magic-with-copilot/2-excel-ai-magic-with-copilot.pptx
+++ b/2-excel-ai-magic-with-copilot/2-excel-ai-magic-with-copilot.pptx
@@ -5,49 +5,33 @@
     <p:sldMasterId id="2147483648" r:id="rId1"/>
   </p:sldMasterIdLst>
   <p:notesMasterIdLst>
-    <p:notesMasterId r:id="rId30"/>
+    <p:notesMasterId r:id="rId23"/>
   </p:notesMasterIdLst>
   <p:sldIdLst>
     <p:sldId id="463" r:id="rId2"/>
-    <p:sldId id="358" r:id="rId3"/>
-    <p:sldId id="258" r:id="rId4"/>
-    <p:sldId id="404" r:id="rId5"/>
-    <p:sldId id="407" r:id="rId6"/>
-    <p:sldId id="424" r:id="rId7"/>
-    <p:sldId id="462" r:id="rId8"/>
-    <p:sldId id="461" r:id="rId9"/>
-    <p:sldId id="415" r:id="rId10"/>
-    <p:sldId id="405" r:id="rId11"/>
-    <p:sldId id="412" r:id="rId12"/>
-    <p:sldId id="413" r:id="rId13"/>
-    <p:sldId id="434" r:id="rId14"/>
-    <p:sldId id="433" r:id="rId15"/>
-    <p:sldId id="418" r:id="rId16"/>
-    <p:sldId id="419" r:id="rId17"/>
-    <p:sldId id="414" r:id="rId18"/>
-    <p:sldId id="455" r:id="rId19"/>
-    <p:sldId id="449" r:id="rId20"/>
-    <p:sldId id="451" r:id="rId21"/>
-    <p:sldId id="450" r:id="rId22"/>
-    <p:sldId id="456" r:id="rId23"/>
-    <p:sldId id="457" r:id="rId24"/>
-    <p:sldId id="420" r:id="rId25"/>
-    <p:sldId id="432" r:id="rId26"/>
-    <p:sldId id="421" r:id="rId27"/>
-    <p:sldId id="422" r:id="rId28"/>
-    <p:sldId id="417" r:id="rId29"/>
+    <p:sldId id="464" r:id="rId3"/>
+    <p:sldId id="404" r:id="rId4"/>
+    <p:sldId id="407" r:id="rId5"/>
+    <p:sldId id="469" r:id="rId6"/>
+    <p:sldId id="465" r:id="rId7"/>
+    <p:sldId id="466" r:id="rId8"/>
+    <p:sldId id="467" r:id="rId9"/>
+    <p:sldId id="468" r:id="rId10"/>
+    <p:sldId id="415" r:id="rId11"/>
+    <p:sldId id="405" r:id="rId12"/>
+    <p:sldId id="412" r:id="rId13"/>
+    <p:sldId id="470" r:id="rId14"/>
+    <p:sldId id="471" r:id="rId15"/>
+    <p:sldId id="413" r:id="rId16"/>
+    <p:sldId id="434" r:id="rId17"/>
+    <p:sldId id="433" r:id="rId18"/>
+    <p:sldId id="418" r:id="rId19"/>
+    <p:sldId id="472" r:id="rId20"/>
+    <p:sldId id="414" r:id="rId21"/>
+    <p:sldId id="417" r:id="rId22"/>
   </p:sldIdLst>
   <p:sldSz cx="18288000" cy="10287000"/>
   <p:notesSz cx="6858000" cy="9144000"/>
-  <p:embeddedFontLst>
-    <p:embeddedFont>
-      <p:font typeface="Consolas" panose="020B0609020204030204" pitchFamily="49" charset="0"/>
-      <p:regular r:id="rId31"/>
-      <p:bold r:id="rId32"/>
-      <p:italic r:id="rId33"/>
-      <p:boldItalic r:id="rId34"/>
-    </p:embeddedFont>
-  </p:embeddedFontLst>
   <p:defaultTextStyle>
     <a:defPPr>
       <a:defRPr lang="en-US"/>
@@ -573,7 +557,31 @@
           <a:bodyPr/>
           <a:lstStyle/>
           <a:p>
-            <a:endParaRPr lang="en-US" dirty="0"/>
+            <a:pPr marL="228600" indent="-228600">
+              <a:buAutoNum type="arabicPeriod"/>
+            </a:pPr>
+            <a:r>
+              <a:rPr lang="en-US" dirty="0"/>
+              <a:t>False!</a:t>
+            </a:r>
+          </a:p>
+          <a:p>
+            <a:pPr marL="228600" indent="-228600">
+              <a:buAutoNum type="arabicPeriod"/>
+            </a:pPr>
+            <a:r>
+              <a:rPr lang="en-US" dirty="0"/>
+              <a:t>Function, Formula, Function</a:t>
+            </a:r>
+          </a:p>
+          <a:p>
+            <a:pPr marL="228600" indent="-228600">
+              <a:buAutoNum type="arabicPeriod"/>
+            </a:pPr>
+            <a:r>
+              <a:rPr lang="en-US" dirty="0"/>
+              <a:t>Argument</a:t>
+            </a:r>
           </a:p>
         </p:txBody>
       </p:sp>
@@ -592,9 +600,9 @@
           <a:bodyPr/>
           <a:lstStyle/>
           <a:p>
-            <a:fld id="{FFB500C5-13F7-48FC-8160-C29AECF6C602}" type="slidenum">
+            <a:fld id="{1300335D-9F13-4B80-ADC5-B0EA3E10FF6B}" type="slidenum">
               <a:rPr lang="en-US" smtClean="0"/>
-              <a:t>2</a:t>
+              <a:t>4</a:t>
             </a:fld>
             <a:endParaRPr lang="en-US"/>
           </a:p>
@@ -603,7 +611,7 @@
     </p:spTree>
     <p:extLst>
       <p:ext uri="{BB962C8B-B14F-4D97-AF65-F5344CB8AC3E}">
-        <p14:creationId xmlns:p14="http://schemas.microsoft.com/office/powerpoint/2010/main" val="1700759013"/>
+        <p14:creationId xmlns:p14="http://schemas.microsoft.com/office/powerpoint/2010/main" val="624549242"/>
       </p:ext>
     </p:extLst>
   </p:cSld>
@@ -621,7 +629,7 @@
         <p:cNvPr id="1" name="">
           <a:extLst>
             <a:ext uri="{FF2B5EF4-FFF2-40B4-BE49-F238E27FC236}">
-              <a16:creationId xmlns:a16="http://schemas.microsoft.com/office/drawing/2014/main" id="{9586FE51-4C75-B34F-B939-1FB705B24CCF}"/>
+              <a16:creationId xmlns:a16="http://schemas.microsoft.com/office/drawing/2014/main" id="{64701AFD-D5D3-9924-B46C-10A820A1141B}"/>
             </a:ext>
           </a:extLst>
         </p:cNvPr>
@@ -641,7 +649,7 @@
           <p:cNvPr id="2" name="Slide Image Placeholder 1">
             <a:extLst>
               <a:ext uri="{FF2B5EF4-FFF2-40B4-BE49-F238E27FC236}">
-                <a16:creationId xmlns:a16="http://schemas.microsoft.com/office/drawing/2014/main" id="{37A03EF2-25A5-BC40-F2B0-B2ED71DCE316}"/>
+                <a16:creationId xmlns:a16="http://schemas.microsoft.com/office/drawing/2014/main" id="{35A888FE-FFD4-2B35-B6FC-AE5AA7DA12B4}"/>
               </a:ext>
             </a:extLst>
           </p:cNvPr>
@@ -659,7 +667,7 @@
           <p:cNvPr id="3" name="Notes Placeholder 2">
             <a:extLst>
               <a:ext uri="{FF2B5EF4-FFF2-40B4-BE49-F238E27FC236}">
-                <a16:creationId xmlns:a16="http://schemas.microsoft.com/office/drawing/2014/main" id="{59AA97BA-FF52-B135-E8A4-CF00305129AF}"/>
+                <a16:creationId xmlns:a16="http://schemas.microsoft.com/office/drawing/2014/main" id="{8D9F2DF5-406E-9AEF-81F6-AD90D4DC93A9}"/>
               </a:ext>
             </a:extLst>
           </p:cNvPr>
@@ -708,7 +716,7 @@
           <p:cNvPr id="4" name="Slide Number Placeholder 3">
             <a:extLst>
               <a:ext uri="{FF2B5EF4-FFF2-40B4-BE49-F238E27FC236}">
-                <a16:creationId xmlns:a16="http://schemas.microsoft.com/office/drawing/2014/main" id="{2687C8FA-EAB5-A8C8-FA50-10AB8905D4BE}"/>
+                <a16:creationId xmlns:a16="http://schemas.microsoft.com/office/drawing/2014/main" id="{C6C1B47D-EB82-6450-440B-A256B72E12C3}"/>
               </a:ext>
             </a:extLst>
           </p:cNvPr>
@@ -735,7 +743,7 @@
     </p:spTree>
     <p:extLst>
       <p:ext uri="{BB962C8B-B14F-4D97-AF65-F5344CB8AC3E}">
-        <p14:creationId xmlns:p14="http://schemas.microsoft.com/office/powerpoint/2010/main" val="1861136690"/>
+        <p14:creationId xmlns:p14="http://schemas.microsoft.com/office/powerpoint/2010/main" val="446272461"/>
       </p:ext>
     </p:extLst>
   </p:cSld>
@@ -745,7 +753,7 @@
 </p:notes>
 </file>
 
-<file path=ppt/notesSlides/notesSlide11.xml><?xml version="1.0" encoding="utf-8"?>
+<file path=ppt/notesSlides/notesSlide2.xml><?xml version="1.0" encoding="utf-8"?>
 <p:notes xmlns:a="http://schemas.openxmlformats.org/drawingml/2006/main" xmlns:r="http://schemas.openxmlformats.org/officeDocument/2006/relationships" xmlns:p="http://schemas.openxmlformats.org/presentationml/2006/main">
   <p:cSld>
     <p:spTree>
@@ -753,7 +761,7 @@
         <p:cNvPr id="1" name="">
           <a:extLst>
             <a:ext uri="{FF2B5EF4-FFF2-40B4-BE49-F238E27FC236}">
-              <a16:creationId xmlns:a16="http://schemas.microsoft.com/office/drawing/2014/main" id="{C5E719C2-337C-0EFC-D1E4-F0E4CCC2E1DC}"/>
+              <a16:creationId xmlns:a16="http://schemas.microsoft.com/office/drawing/2014/main" id="{81E4C213-9964-2A41-F49E-A726B7A133F4}"/>
             </a:ext>
           </a:extLst>
         </p:cNvPr>
@@ -773,7 +781,7 @@
           <p:cNvPr id="2" name="Slide Image Placeholder 1">
             <a:extLst>
               <a:ext uri="{FF2B5EF4-FFF2-40B4-BE49-F238E27FC236}">
-                <a16:creationId xmlns:a16="http://schemas.microsoft.com/office/drawing/2014/main" id="{11200493-673C-5411-3FA9-9637B7B46B8B}"/>
+                <a16:creationId xmlns:a16="http://schemas.microsoft.com/office/drawing/2014/main" id="{E15A75D7-FD4B-A8D5-EA20-75D54B5311C7}"/>
               </a:ext>
             </a:extLst>
           </p:cNvPr>
@@ -791,7 +799,7 @@
           <p:cNvPr id="3" name="Notes Placeholder 2">
             <a:extLst>
               <a:ext uri="{FF2B5EF4-FFF2-40B4-BE49-F238E27FC236}">
-                <a16:creationId xmlns:a16="http://schemas.microsoft.com/office/drawing/2014/main" id="{E9DBC97C-B16F-F4B2-ABCA-64581848BEC7}"/>
+                <a16:creationId xmlns:a16="http://schemas.microsoft.com/office/drawing/2014/main" id="{E5AD0973-2A69-B584-7DC0-3E5860E2745D}"/>
               </a:ext>
             </a:extLst>
           </p:cNvPr>
@@ -840,7 +848,7 @@
           <p:cNvPr id="4" name="Slide Number Placeholder 3">
             <a:extLst>
               <a:ext uri="{FF2B5EF4-FFF2-40B4-BE49-F238E27FC236}">
-                <a16:creationId xmlns:a16="http://schemas.microsoft.com/office/drawing/2014/main" id="{BF9581CD-E6D1-5721-3D61-4A2303C2E948}"/>
+                <a16:creationId xmlns:a16="http://schemas.microsoft.com/office/drawing/2014/main" id="{2008EC5B-D5A6-897E-CE07-3D98E15792CA}"/>
               </a:ext>
             </a:extLst>
           </p:cNvPr>
@@ -858,7 +866,7 @@
           <a:p>
             <a:fld id="{1300335D-9F13-4B80-ADC5-B0EA3E10FF6B}" type="slidenum">
               <a:rPr lang="en-US" smtClean="0"/>
-              <a:t>20</a:t>
+              <a:t>7</a:t>
             </a:fld>
             <a:endParaRPr lang="en-US"/>
           </a:p>
@@ -867,775 +875,7 @@
     </p:spTree>
     <p:extLst>
       <p:ext uri="{BB962C8B-B14F-4D97-AF65-F5344CB8AC3E}">
-        <p14:creationId xmlns:p14="http://schemas.microsoft.com/office/powerpoint/2010/main" val="2814826355"/>
-      </p:ext>
-    </p:extLst>
-  </p:cSld>
-  <p:clrMapOvr>
-    <a:masterClrMapping/>
-  </p:clrMapOvr>
-</p:notes>
-</file>
-
-<file path=ppt/notesSlides/notesSlide12.xml><?xml version="1.0" encoding="utf-8"?>
-<p:notes xmlns:a="http://schemas.openxmlformats.org/drawingml/2006/main" xmlns:r="http://schemas.openxmlformats.org/officeDocument/2006/relationships" xmlns:p="http://schemas.openxmlformats.org/presentationml/2006/main">
-  <p:cSld>
-    <p:spTree>
-      <p:nvGrpSpPr>
-        <p:cNvPr id="1" name="">
-          <a:extLst>
-            <a:ext uri="{FF2B5EF4-FFF2-40B4-BE49-F238E27FC236}">
-              <a16:creationId xmlns:a16="http://schemas.microsoft.com/office/drawing/2014/main" id="{DA40D229-E627-1461-6019-A8AE08964E72}"/>
-            </a:ext>
-          </a:extLst>
-        </p:cNvPr>
-        <p:cNvGrpSpPr/>
-        <p:nvPr/>
-      </p:nvGrpSpPr>
-      <p:grpSpPr>
-        <a:xfrm>
-          <a:off x="0" y="0"/>
-          <a:ext cx="0" cy="0"/>
-          <a:chOff x="0" y="0"/>
-          <a:chExt cx="0" cy="0"/>
-        </a:xfrm>
-      </p:grpSpPr>
-      <p:sp>
-        <p:nvSpPr>
-          <p:cNvPr id="2" name="Slide Image Placeholder 1">
-            <a:extLst>
-              <a:ext uri="{FF2B5EF4-FFF2-40B4-BE49-F238E27FC236}">
-                <a16:creationId xmlns:a16="http://schemas.microsoft.com/office/drawing/2014/main" id="{758F9E12-358C-3C97-1F0B-325AC2E201E8}"/>
-              </a:ext>
-            </a:extLst>
-          </p:cNvPr>
-          <p:cNvSpPr>
-            <a:spLocks noGrp="1" noRot="1" noChangeAspect="1"/>
-          </p:cNvSpPr>
-          <p:nvPr>
-            <p:ph type="sldImg"/>
-          </p:nvPr>
-        </p:nvSpPr>
-        <p:spPr/>
-      </p:sp>
-      <p:sp>
-        <p:nvSpPr>
-          <p:cNvPr id="3" name="Notes Placeholder 2">
-            <a:extLst>
-              <a:ext uri="{FF2B5EF4-FFF2-40B4-BE49-F238E27FC236}">
-                <a16:creationId xmlns:a16="http://schemas.microsoft.com/office/drawing/2014/main" id="{EA1966B0-2D77-D6E1-25B7-E096BA84B870}"/>
-              </a:ext>
-            </a:extLst>
-          </p:cNvPr>
-          <p:cNvSpPr>
-            <a:spLocks noGrp="1"/>
-          </p:cNvSpPr>
-          <p:nvPr>
-            <p:ph type="body" idx="1"/>
-          </p:nvPr>
-        </p:nvSpPr>
-        <p:spPr/>
-        <p:txBody>
-          <a:bodyPr/>
-          <a:lstStyle/>
-          <a:p>
-            <a:pPr marL="228600" indent="-228600">
-              <a:buAutoNum type="arabicPeriod"/>
-            </a:pPr>
-            <a:r>
-              <a:rPr lang="en-US" dirty="0"/>
-              <a:t>False!</a:t>
-            </a:r>
-          </a:p>
-          <a:p>
-            <a:pPr marL="228600" indent="-228600">
-              <a:buAutoNum type="arabicPeriod"/>
-            </a:pPr>
-            <a:r>
-              <a:rPr lang="en-US" dirty="0"/>
-              <a:t>Function, Formula, Function</a:t>
-            </a:r>
-          </a:p>
-          <a:p>
-            <a:pPr marL="228600" indent="-228600">
-              <a:buAutoNum type="arabicPeriod"/>
-            </a:pPr>
-            <a:r>
-              <a:rPr lang="en-US" dirty="0"/>
-              <a:t>Argument</a:t>
-            </a:r>
-          </a:p>
-        </p:txBody>
-      </p:sp>
-      <p:sp>
-        <p:nvSpPr>
-          <p:cNvPr id="4" name="Slide Number Placeholder 3">
-            <a:extLst>
-              <a:ext uri="{FF2B5EF4-FFF2-40B4-BE49-F238E27FC236}">
-                <a16:creationId xmlns:a16="http://schemas.microsoft.com/office/drawing/2014/main" id="{14A63094-3660-AE05-B120-3A7226203F04}"/>
-              </a:ext>
-            </a:extLst>
-          </p:cNvPr>
-          <p:cNvSpPr>
-            <a:spLocks noGrp="1"/>
-          </p:cNvSpPr>
-          <p:nvPr>
-            <p:ph type="sldNum" sz="quarter" idx="5"/>
-          </p:nvPr>
-        </p:nvSpPr>
-        <p:spPr/>
-        <p:txBody>
-          <a:bodyPr/>
-          <a:lstStyle/>
-          <a:p>
-            <a:fld id="{1300335D-9F13-4B80-ADC5-B0EA3E10FF6B}" type="slidenum">
-              <a:rPr lang="en-US" smtClean="0"/>
-              <a:t>21</a:t>
-            </a:fld>
-            <a:endParaRPr lang="en-US"/>
-          </a:p>
-        </p:txBody>
-      </p:sp>
-    </p:spTree>
-    <p:extLst>
-      <p:ext uri="{BB962C8B-B14F-4D97-AF65-F5344CB8AC3E}">
-        <p14:creationId xmlns:p14="http://schemas.microsoft.com/office/powerpoint/2010/main" val="4111116368"/>
-      </p:ext>
-    </p:extLst>
-  </p:cSld>
-  <p:clrMapOvr>
-    <a:masterClrMapping/>
-  </p:clrMapOvr>
-</p:notes>
-</file>
-
-<file path=ppt/notesSlides/notesSlide13.xml><?xml version="1.0" encoding="utf-8"?>
-<p:notes xmlns:a="http://schemas.openxmlformats.org/drawingml/2006/main" xmlns:r="http://schemas.openxmlformats.org/officeDocument/2006/relationships" xmlns:p="http://schemas.openxmlformats.org/presentationml/2006/main">
-  <p:cSld>
-    <p:spTree>
-      <p:nvGrpSpPr>
-        <p:cNvPr id="1" name="">
-          <a:extLst>
-            <a:ext uri="{FF2B5EF4-FFF2-40B4-BE49-F238E27FC236}">
-              <a16:creationId xmlns:a16="http://schemas.microsoft.com/office/drawing/2014/main" id="{67AD85E2-7E1B-F10E-1475-AB460455C915}"/>
-            </a:ext>
-          </a:extLst>
-        </p:cNvPr>
-        <p:cNvGrpSpPr/>
-        <p:nvPr/>
-      </p:nvGrpSpPr>
-      <p:grpSpPr>
-        <a:xfrm>
-          <a:off x="0" y="0"/>
-          <a:ext cx="0" cy="0"/>
-          <a:chOff x="0" y="0"/>
-          <a:chExt cx="0" cy="0"/>
-        </a:xfrm>
-      </p:grpSpPr>
-      <p:sp>
-        <p:nvSpPr>
-          <p:cNvPr id="2" name="Slide Image Placeholder 1">
-            <a:extLst>
-              <a:ext uri="{FF2B5EF4-FFF2-40B4-BE49-F238E27FC236}">
-                <a16:creationId xmlns:a16="http://schemas.microsoft.com/office/drawing/2014/main" id="{54055F85-BEA4-163F-2CD3-A9DAE6E77CE1}"/>
-              </a:ext>
-            </a:extLst>
-          </p:cNvPr>
-          <p:cNvSpPr>
-            <a:spLocks noGrp="1" noRot="1" noChangeAspect="1"/>
-          </p:cNvSpPr>
-          <p:nvPr>
-            <p:ph type="sldImg"/>
-          </p:nvPr>
-        </p:nvSpPr>
-        <p:spPr/>
-      </p:sp>
-      <p:sp>
-        <p:nvSpPr>
-          <p:cNvPr id="3" name="Notes Placeholder 2">
-            <a:extLst>
-              <a:ext uri="{FF2B5EF4-FFF2-40B4-BE49-F238E27FC236}">
-                <a16:creationId xmlns:a16="http://schemas.microsoft.com/office/drawing/2014/main" id="{CE75D6A2-E113-BDDB-EBEE-CF52A3A068A4}"/>
-              </a:ext>
-            </a:extLst>
-          </p:cNvPr>
-          <p:cNvSpPr>
-            <a:spLocks noGrp="1"/>
-          </p:cNvSpPr>
-          <p:nvPr>
-            <p:ph type="body" idx="1"/>
-          </p:nvPr>
-        </p:nvSpPr>
-        <p:spPr/>
-        <p:txBody>
-          <a:bodyPr/>
-          <a:lstStyle/>
-          <a:p>
-            <a:pPr marL="228600" indent="-228600">
-              <a:buAutoNum type="arabicPeriod"/>
-            </a:pPr>
-            <a:r>
-              <a:rPr lang="en-US" dirty="0"/>
-              <a:t>False!</a:t>
-            </a:r>
-          </a:p>
-          <a:p>
-            <a:pPr marL="228600" indent="-228600">
-              <a:buAutoNum type="arabicPeriod"/>
-            </a:pPr>
-            <a:r>
-              <a:rPr lang="en-US" dirty="0"/>
-              <a:t>Function, Formula, Function</a:t>
-            </a:r>
-          </a:p>
-          <a:p>
-            <a:pPr marL="228600" indent="-228600">
-              <a:buAutoNum type="arabicPeriod"/>
-            </a:pPr>
-            <a:r>
-              <a:rPr lang="en-US" dirty="0"/>
-              <a:t>Argument</a:t>
-            </a:r>
-          </a:p>
-        </p:txBody>
-      </p:sp>
-      <p:sp>
-        <p:nvSpPr>
-          <p:cNvPr id="4" name="Slide Number Placeholder 3">
-            <a:extLst>
-              <a:ext uri="{FF2B5EF4-FFF2-40B4-BE49-F238E27FC236}">
-                <a16:creationId xmlns:a16="http://schemas.microsoft.com/office/drawing/2014/main" id="{FA6D414B-E933-D51E-D1F9-797BE79CD834}"/>
-              </a:ext>
-            </a:extLst>
-          </p:cNvPr>
-          <p:cNvSpPr>
-            <a:spLocks noGrp="1"/>
-          </p:cNvSpPr>
-          <p:nvPr>
-            <p:ph type="sldNum" sz="quarter" idx="5"/>
-          </p:nvPr>
-        </p:nvSpPr>
-        <p:spPr/>
-        <p:txBody>
-          <a:bodyPr/>
-          <a:lstStyle/>
-          <a:p>
-            <a:fld id="{1300335D-9F13-4B80-ADC5-B0EA3E10FF6B}" type="slidenum">
-              <a:rPr lang="en-US" smtClean="0"/>
-              <a:t>23</a:t>
-            </a:fld>
-            <a:endParaRPr lang="en-US"/>
-          </a:p>
-        </p:txBody>
-      </p:sp>
-    </p:spTree>
-    <p:extLst>
-      <p:ext uri="{BB962C8B-B14F-4D97-AF65-F5344CB8AC3E}">
-        <p14:creationId xmlns:p14="http://schemas.microsoft.com/office/powerpoint/2010/main" val="2530139613"/>
-      </p:ext>
-    </p:extLst>
-  </p:cSld>
-  <p:clrMapOvr>
-    <a:masterClrMapping/>
-  </p:clrMapOvr>
-</p:notes>
-</file>
-
-<file path=ppt/notesSlides/notesSlide14.xml><?xml version="1.0" encoding="utf-8"?>
-<p:notes xmlns:a="http://schemas.openxmlformats.org/drawingml/2006/main" xmlns:r="http://schemas.openxmlformats.org/officeDocument/2006/relationships" xmlns:p="http://schemas.openxmlformats.org/presentationml/2006/main">
-  <p:cSld>
-    <p:spTree>
-      <p:nvGrpSpPr>
-        <p:cNvPr id="1" name="">
-          <a:extLst>
-            <a:ext uri="{FF2B5EF4-FFF2-40B4-BE49-F238E27FC236}">
-              <a16:creationId xmlns:a16="http://schemas.microsoft.com/office/drawing/2014/main" id="{44A846EA-F836-1451-EA3D-68369E823433}"/>
-            </a:ext>
-          </a:extLst>
-        </p:cNvPr>
-        <p:cNvGrpSpPr/>
-        <p:nvPr/>
-      </p:nvGrpSpPr>
-      <p:grpSpPr>
-        <a:xfrm>
-          <a:off x="0" y="0"/>
-          <a:ext cx="0" cy="0"/>
-          <a:chOff x="0" y="0"/>
-          <a:chExt cx="0" cy="0"/>
-        </a:xfrm>
-      </p:grpSpPr>
-      <p:sp>
-        <p:nvSpPr>
-          <p:cNvPr id="2" name="Slide Image Placeholder 1">
-            <a:extLst>
-              <a:ext uri="{FF2B5EF4-FFF2-40B4-BE49-F238E27FC236}">
-                <a16:creationId xmlns:a16="http://schemas.microsoft.com/office/drawing/2014/main" id="{0A4BBF46-A6CB-8448-5459-922B18480EC8}"/>
-              </a:ext>
-            </a:extLst>
-          </p:cNvPr>
-          <p:cNvSpPr>
-            <a:spLocks noGrp="1" noRot="1" noChangeAspect="1"/>
-          </p:cNvSpPr>
-          <p:nvPr>
-            <p:ph type="sldImg"/>
-          </p:nvPr>
-        </p:nvSpPr>
-        <p:spPr/>
-      </p:sp>
-      <p:sp>
-        <p:nvSpPr>
-          <p:cNvPr id="3" name="Notes Placeholder 2">
-            <a:extLst>
-              <a:ext uri="{FF2B5EF4-FFF2-40B4-BE49-F238E27FC236}">
-                <a16:creationId xmlns:a16="http://schemas.microsoft.com/office/drawing/2014/main" id="{5921CF27-9D1A-1412-36DD-D50D06512292}"/>
-              </a:ext>
-            </a:extLst>
-          </p:cNvPr>
-          <p:cNvSpPr>
-            <a:spLocks noGrp="1"/>
-          </p:cNvSpPr>
-          <p:nvPr>
-            <p:ph type="body" idx="1"/>
-          </p:nvPr>
-        </p:nvSpPr>
-        <p:spPr/>
-        <p:txBody>
-          <a:bodyPr/>
-          <a:lstStyle/>
-          <a:p>
-            <a:pPr marL="228600" indent="-228600">
-              <a:buAutoNum type="arabicPeriod"/>
-            </a:pPr>
-            <a:r>
-              <a:rPr lang="en-US" dirty="0"/>
-              <a:t>False!</a:t>
-            </a:r>
-          </a:p>
-          <a:p>
-            <a:pPr marL="228600" indent="-228600">
-              <a:buAutoNum type="arabicPeriod"/>
-            </a:pPr>
-            <a:r>
-              <a:rPr lang="en-US" dirty="0"/>
-              <a:t>Function, Formula, Function</a:t>
-            </a:r>
-          </a:p>
-          <a:p>
-            <a:pPr marL="228600" indent="-228600">
-              <a:buAutoNum type="arabicPeriod"/>
-            </a:pPr>
-            <a:r>
-              <a:rPr lang="en-US" dirty="0"/>
-              <a:t>Argument</a:t>
-            </a:r>
-          </a:p>
-        </p:txBody>
-      </p:sp>
-      <p:sp>
-        <p:nvSpPr>
-          <p:cNvPr id="4" name="Slide Number Placeholder 3">
-            <a:extLst>
-              <a:ext uri="{FF2B5EF4-FFF2-40B4-BE49-F238E27FC236}">
-                <a16:creationId xmlns:a16="http://schemas.microsoft.com/office/drawing/2014/main" id="{A4772422-6D50-E8D6-9884-1324195959B4}"/>
-              </a:ext>
-            </a:extLst>
-          </p:cNvPr>
-          <p:cNvSpPr>
-            <a:spLocks noGrp="1"/>
-          </p:cNvSpPr>
-          <p:nvPr>
-            <p:ph type="sldNum" sz="quarter" idx="5"/>
-          </p:nvPr>
-        </p:nvSpPr>
-        <p:spPr/>
-        <p:txBody>
-          <a:bodyPr/>
-          <a:lstStyle/>
-          <a:p>
-            <a:fld id="{1300335D-9F13-4B80-ADC5-B0EA3E10FF6B}" type="slidenum">
-              <a:rPr lang="en-US" smtClean="0"/>
-              <a:t>25</a:t>
-            </a:fld>
-            <a:endParaRPr lang="en-US"/>
-          </a:p>
-        </p:txBody>
-      </p:sp>
-    </p:spTree>
-    <p:extLst>
-      <p:ext uri="{BB962C8B-B14F-4D97-AF65-F5344CB8AC3E}">
-        <p14:creationId xmlns:p14="http://schemas.microsoft.com/office/powerpoint/2010/main" val="2632015681"/>
-      </p:ext>
-    </p:extLst>
-  </p:cSld>
-  <p:clrMapOvr>
-    <a:masterClrMapping/>
-  </p:clrMapOvr>
-</p:notes>
-</file>
-
-<file path=ppt/notesSlides/notesSlide15.xml><?xml version="1.0" encoding="utf-8"?>
-<p:notes xmlns:a="http://schemas.openxmlformats.org/drawingml/2006/main" xmlns:r="http://schemas.openxmlformats.org/officeDocument/2006/relationships" xmlns:p="http://schemas.openxmlformats.org/presentationml/2006/main">
-  <p:cSld>
-    <p:spTree>
-      <p:nvGrpSpPr>
-        <p:cNvPr id="1" name="">
-          <a:extLst>
-            <a:ext uri="{FF2B5EF4-FFF2-40B4-BE49-F238E27FC236}">
-              <a16:creationId xmlns:a16="http://schemas.microsoft.com/office/drawing/2014/main" id="{C5EB07CB-F821-6FB4-504B-18E965356C12}"/>
-            </a:ext>
-          </a:extLst>
-        </p:cNvPr>
-        <p:cNvGrpSpPr/>
-        <p:nvPr/>
-      </p:nvGrpSpPr>
-      <p:grpSpPr>
-        <a:xfrm>
-          <a:off x="0" y="0"/>
-          <a:ext cx="0" cy="0"/>
-          <a:chOff x="0" y="0"/>
-          <a:chExt cx="0" cy="0"/>
-        </a:xfrm>
-      </p:grpSpPr>
-      <p:sp>
-        <p:nvSpPr>
-          <p:cNvPr id="2" name="Slide Image Placeholder 1">
-            <a:extLst>
-              <a:ext uri="{FF2B5EF4-FFF2-40B4-BE49-F238E27FC236}">
-                <a16:creationId xmlns:a16="http://schemas.microsoft.com/office/drawing/2014/main" id="{897D5398-4244-A9DA-3ECC-2EF32CEB134C}"/>
-              </a:ext>
-            </a:extLst>
-          </p:cNvPr>
-          <p:cNvSpPr>
-            <a:spLocks noGrp="1" noRot="1" noChangeAspect="1"/>
-          </p:cNvSpPr>
-          <p:nvPr>
-            <p:ph type="sldImg"/>
-          </p:nvPr>
-        </p:nvSpPr>
-        <p:spPr/>
-      </p:sp>
-      <p:sp>
-        <p:nvSpPr>
-          <p:cNvPr id="3" name="Notes Placeholder 2">
-            <a:extLst>
-              <a:ext uri="{FF2B5EF4-FFF2-40B4-BE49-F238E27FC236}">
-                <a16:creationId xmlns:a16="http://schemas.microsoft.com/office/drawing/2014/main" id="{1E9B10CA-058E-BD6C-9BAE-E38604E28A20}"/>
-              </a:ext>
-            </a:extLst>
-          </p:cNvPr>
-          <p:cNvSpPr>
-            <a:spLocks noGrp="1"/>
-          </p:cNvSpPr>
-          <p:nvPr>
-            <p:ph type="body" idx="1"/>
-          </p:nvPr>
-        </p:nvSpPr>
-        <p:spPr/>
-        <p:txBody>
-          <a:bodyPr/>
-          <a:lstStyle/>
-          <a:p>
-            <a:pPr marL="228600" indent="-228600">
-              <a:buAutoNum type="arabicPeriod"/>
-            </a:pPr>
-            <a:r>
-              <a:rPr lang="en-US" dirty="0"/>
-              <a:t>False!</a:t>
-            </a:r>
-          </a:p>
-          <a:p>
-            <a:pPr marL="228600" indent="-228600">
-              <a:buAutoNum type="arabicPeriod"/>
-            </a:pPr>
-            <a:r>
-              <a:rPr lang="en-US" dirty="0"/>
-              <a:t>Function, Formula, Function</a:t>
-            </a:r>
-          </a:p>
-          <a:p>
-            <a:pPr marL="228600" indent="-228600">
-              <a:buAutoNum type="arabicPeriod"/>
-            </a:pPr>
-            <a:r>
-              <a:rPr lang="en-US" dirty="0"/>
-              <a:t>Argument</a:t>
-            </a:r>
-          </a:p>
-        </p:txBody>
-      </p:sp>
-      <p:sp>
-        <p:nvSpPr>
-          <p:cNvPr id="4" name="Slide Number Placeholder 3">
-            <a:extLst>
-              <a:ext uri="{FF2B5EF4-FFF2-40B4-BE49-F238E27FC236}">
-                <a16:creationId xmlns:a16="http://schemas.microsoft.com/office/drawing/2014/main" id="{802F1B72-8B6B-0B77-346D-7D3F89D3CCDC}"/>
-              </a:ext>
-            </a:extLst>
-          </p:cNvPr>
-          <p:cNvSpPr>
-            <a:spLocks noGrp="1"/>
-          </p:cNvSpPr>
-          <p:nvPr>
-            <p:ph type="sldNum" sz="quarter" idx="5"/>
-          </p:nvPr>
-        </p:nvSpPr>
-        <p:spPr/>
-        <p:txBody>
-          <a:bodyPr/>
-          <a:lstStyle/>
-          <a:p>
-            <a:fld id="{1300335D-9F13-4B80-ADC5-B0EA3E10FF6B}" type="slidenum">
-              <a:rPr lang="en-US" smtClean="0"/>
-              <a:t>26</a:t>
-            </a:fld>
-            <a:endParaRPr lang="en-US"/>
-          </a:p>
-        </p:txBody>
-      </p:sp>
-    </p:spTree>
-    <p:extLst>
-      <p:ext uri="{BB962C8B-B14F-4D97-AF65-F5344CB8AC3E}">
-        <p14:creationId xmlns:p14="http://schemas.microsoft.com/office/powerpoint/2010/main" val="1487323375"/>
-      </p:ext>
-    </p:extLst>
-  </p:cSld>
-  <p:clrMapOvr>
-    <a:masterClrMapping/>
-  </p:clrMapOvr>
-</p:notes>
-</file>
-
-<file path=ppt/notesSlides/notesSlide16.xml><?xml version="1.0" encoding="utf-8"?>
-<p:notes xmlns:a="http://schemas.openxmlformats.org/drawingml/2006/main" xmlns:r="http://schemas.openxmlformats.org/officeDocument/2006/relationships" xmlns:p="http://schemas.openxmlformats.org/presentationml/2006/main">
-  <p:cSld>
-    <p:spTree>
-      <p:nvGrpSpPr>
-        <p:cNvPr id="1" name="">
-          <a:extLst>
-            <a:ext uri="{FF2B5EF4-FFF2-40B4-BE49-F238E27FC236}">
-              <a16:creationId xmlns:a16="http://schemas.microsoft.com/office/drawing/2014/main" id="{6EB2B178-9BF2-6FE4-71B1-D08940B7CF5A}"/>
-            </a:ext>
-          </a:extLst>
-        </p:cNvPr>
-        <p:cNvGrpSpPr/>
-        <p:nvPr/>
-      </p:nvGrpSpPr>
-      <p:grpSpPr>
-        <a:xfrm>
-          <a:off x="0" y="0"/>
-          <a:ext cx="0" cy="0"/>
-          <a:chOff x="0" y="0"/>
-          <a:chExt cx="0" cy="0"/>
-        </a:xfrm>
-      </p:grpSpPr>
-      <p:sp>
-        <p:nvSpPr>
-          <p:cNvPr id="2" name="Slide Image Placeholder 1">
-            <a:extLst>
-              <a:ext uri="{FF2B5EF4-FFF2-40B4-BE49-F238E27FC236}">
-                <a16:creationId xmlns:a16="http://schemas.microsoft.com/office/drawing/2014/main" id="{5CFBB5FA-2773-806B-FC2B-2E67A305699F}"/>
-              </a:ext>
-            </a:extLst>
-          </p:cNvPr>
-          <p:cNvSpPr>
-            <a:spLocks noGrp="1" noRot="1" noChangeAspect="1"/>
-          </p:cNvSpPr>
-          <p:nvPr>
-            <p:ph type="sldImg"/>
-          </p:nvPr>
-        </p:nvSpPr>
-        <p:spPr/>
-      </p:sp>
-      <p:sp>
-        <p:nvSpPr>
-          <p:cNvPr id="3" name="Notes Placeholder 2">
-            <a:extLst>
-              <a:ext uri="{FF2B5EF4-FFF2-40B4-BE49-F238E27FC236}">
-                <a16:creationId xmlns:a16="http://schemas.microsoft.com/office/drawing/2014/main" id="{BF5C56A1-DC22-AF0C-E72D-4D535DA7C58F}"/>
-              </a:ext>
-            </a:extLst>
-          </p:cNvPr>
-          <p:cNvSpPr>
-            <a:spLocks noGrp="1"/>
-          </p:cNvSpPr>
-          <p:nvPr>
-            <p:ph type="body" idx="1"/>
-          </p:nvPr>
-        </p:nvSpPr>
-        <p:spPr/>
-        <p:txBody>
-          <a:bodyPr/>
-          <a:lstStyle/>
-          <a:p>
-            <a:pPr marL="228600" indent="-228600">
-              <a:buAutoNum type="arabicPeriod"/>
-            </a:pPr>
-            <a:r>
-              <a:rPr lang="en-US" dirty="0"/>
-              <a:t>False!</a:t>
-            </a:r>
-          </a:p>
-          <a:p>
-            <a:pPr marL="228600" indent="-228600">
-              <a:buAutoNum type="arabicPeriod"/>
-            </a:pPr>
-            <a:r>
-              <a:rPr lang="en-US" dirty="0"/>
-              <a:t>Function, Formula, Function</a:t>
-            </a:r>
-          </a:p>
-          <a:p>
-            <a:pPr marL="228600" indent="-228600">
-              <a:buAutoNum type="arabicPeriod"/>
-            </a:pPr>
-            <a:r>
-              <a:rPr lang="en-US" dirty="0"/>
-              <a:t>Argument</a:t>
-            </a:r>
-          </a:p>
-        </p:txBody>
-      </p:sp>
-      <p:sp>
-        <p:nvSpPr>
-          <p:cNvPr id="4" name="Slide Number Placeholder 3">
-            <a:extLst>
-              <a:ext uri="{FF2B5EF4-FFF2-40B4-BE49-F238E27FC236}">
-                <a16:creationId xmlns:a16="http://schemas.microsoft.com/office/drawing/2014/main" id="{099270AD-6A83-895A-222F-13E01E65317F}"/>
-              </a:ext>
-            </a:extLst>
-          </p:cNvPr>
-          <p:cNvSpPr>
-            <a:spLocks noGrp="1"/>
-          </p:cNvSpPr>
-          <p:nvPr>
-            <p:ph type="sldNum" sz="quarter" idx="5"/>
-          </p:nvPr>
-        </p:nvSpPr>
-        <p:spPr/>
-        <p:txBody>
-          <a:bodyPr/>
-          <a:lstStyle/>
-          <a:p>
-            <a:fld id="{1300335D-9F13-4B80-ADC5-B0EA3E10FF6B}" type="slidenum">
-              <a:rPr lang="en-US" smtClean="0"/>
-              <a:t>27</a:t>
-            </a:fld>
-            <a:endParaRPr lang="en-US"/>
-          </a:p>
-        </p:txBody>
-      </p:sp>
-    </p:spTree>
-    <p:extLst>
-      <p:ext uri="{BB962C8B-B14F-4D97-AF65-F5344CB8AC3E}">
-        <p14:creationId xmlns:p14="http://schemas.microsoft.com/office/powerpoint/2010/main" val="1010347830"/>
-      </p:ext>
-    </p:extLst>
-  </p:cSld>
-  <p:clrMapOvr>
-    <a:masterClrMapping/>
-  </p:clrMapOvr>
-</p:notes>
-</file>
-
-<file path=ppt/notesSlides/notesSlide2.xml><?xml version="1.0" encoding="utf-8"?>
-<p:notes xmlns:a="http://schemas.openxmlformats.org/drawingml/2006/main" xmlns:r="http://schemas.openxmlformats.org/officeDocument/2006/relationships" xmlns:p="http://schemas.openxmlformats.org/presentationml/2006/main">
-  <p:cSld>
-    <p:spTree>
-      <p:nvGrpSpPr>
-        <p:cNvPr id="1" name=""/>
-        <p:cNvGrpSpPr/>
-        <p:nvPr/>
-      </p:nvGrpSpPr>
-      <p:grpSpPr>
-        <a:xfrm>
-          <a:off x="0" y="0"/>
-          <a:ext cx="0" cy="0"/>
-          <a:chOff x="0" y="0"/>
-          <a:chExt cx="0" cy="0"/>
-        </a:xfrm>
-      </p:grpSpPr>
-      <p:sp>
-        <p:nvSpPr>
-          <p:cNvPr id="2" name="Slide Image Placeholder 1"/>
-          <p:cNvSpPr>
-            <a:spLocks noGrp="1" noRot="1" noChangeAspect="1"/>
-          </p:cNvSpPr>
-          <p:nvPr>
-            <p:ph type="sldImg"/>
-          </p:nvPr>
-        </p:nvSpPr>
-        <p:spPr/>
-      </p:sp>
-      <p:sp>
-        <p:nvSpPr>
-          <p:cNvPr id="3" name="Notes Placeholder 2"/>
-          <p:cNvSpPr>
-            <a:spLocks noGrp="1"/>
-          </p:cNvSpPr>
-          <p:nvPr>
-            <p:ph type="body" idx="1"/>
-          </p:nvPr>
-        </p:nvSpPr>
-        <p:spPr/>
-        <p:txBody>
-          <a:bodyPr/>
-          <a:lstStyle/>
-          <a:p>
-            <a:pPr marL="228600" indent="-228600">
-              <a:buAutoNum type="arabicPeriod"/>
-            </a:pPr>
-            <a:r>
-              <a:rPr lang="en-US" dirty="0"/>
-              <a:t>False!</a:t>
-            </a:r>
-          </a:p>
-          <a:p>
-            <a:pPr marL="228600" indent="-228600">
-              <a:buAutoNum type="arabicPeriod"/>
-            </a:pPr>
-            <a:r>
-              <a:rPr lang="en-US" dirty="0"/>
-              <a:t>Function, Formula, Function</a:t>
-            </a:r>
-          </a:p>
-          <a:p>
-            <a:pPr marL="228600" indent="-228600">
-              <a:buAutoNum type="arabicPeriod"/>
-            </a:pPr>
-            <a:r>
-              <a:rPr lang="en-US" dirty="0"/>
-              <a:t>Argument</a:t>
-            </a:r>
-          </a:p>
-        </p:txBody>
-      </p:sp>
-      <p:sp>
-        <p:nvSpPr>
-          <p:cNvPr id="4" name="Slide Number Placeholder 3"/>
-          <p:cNvSpPr>
-            <a:spLocks noGrp="1"/>
-          </p:cNvSpPr>
-          <p:nvPr>
-            <p:ph type="sldNum" sz="quarter" idx="5"/>
-          </p:nvPr>
-        </p:nvSpPr>
-        <p:spPr/>
-        <p:txBody>
-          <a:bodyPr/>
-          <a:lstStyle/>
-          <a:p>
-            <a:fld id="{1300335D-9F13-4B80-ADC5-B0EA3E10FF6B}" type="slidenum">
-              <a:rPr lang="en-US" smtClean="0"/>
-              <a:t>5</a:t>
-            </a:fld>
-            <a:endParaRPr lang="en-US"/>
-          </a:p>
-        </p:txBody>
-      </p:sp>
-    </p:spTree>
-    <p:extLst>
-      <p:ext uri="{BB962C8B-B14F-4D97-AF65-F5344CB8AC3E}">
-        <p14:creationId xmlns:p14="http://schemas.microsoft.com/office/powerpoint/2010/main" val="624549242"/>
+        <p14:creationId xmlns:p14="http://schemas.microsoft.com/office/powerpoint/2010/main" val="562906363"/>
       </p:ext>
     </p:extLst>
   </p:cSld>
@@ -1653,7 +893,7 @@
         <p:cNvPr id="1" name="">
           <a:extLst>
             <a:ext uri="{FF2B5EF4-FFF2-40B4-BE49-F238E27FC236}">
-              <a16:creationId xmlns:a16="http://schemas.microsoft.com/office/drawing/2014/main" id="{DBC72745-20C1-E1E0-B745-E3536DDC2E89}"/>
+              <a16:creationId xmlns:a16="http://schemas.microsoft.com/office/drawing/2014/main" id="{D135D300-D438-8351-F0DD-67FA98ACCE83}"/>
             </a:ext>
           </a:extLst>
         </p:cNvPr>
@@ -1673,7 +913,7 @@
           <p:cNvPr id="2" name="Slide Image Placeholder 1">
             <a:extLst>
               <a:ext uri="{FF2B5EF4-FFF2-40B4-BE49-F238E27FC236}">
-                <a16:creationId xmlns:a16="http://schemas.microsoft.com/office/drawing/2014/main" id="{053BB3DA-A1A8-64D1-71C7-14F517D05BDE}"/>
+                <a16:creationId xmlns:a16="http://schemas.microsoft.com/office/drawing/2014/main" id="{8F5DE865-EEEC-0CD7-1EEC-454CC2D97BAE}"/>
               </a:ext>
             </a:extLst>
           </p:cNvPr>
@@ -1691,7 +931,7 @@
           <p:cNvPr id="3" name="Notes Placeholder 2">
             <a:extLst>
               <a:ext uri="{FF2B5EF4-FFF2-40B4-BE49-F238E27FC236}">
-                <a16:creationId xmlns:a16="http://schemas.microsoft.com/office/drawing/2014/main" id="{D70E1DF0-7987-5DF6-EB19-7E92F40D1AB6}"/>
+                <a16:creationId xmlns:a16="http://schemas.microsoft.com/office/drawing/2014/main" id="{8CA96083-A284-0155-2CC2-766A61F2F602}"/>
               </a:ext>
             </a:extLst>
           </p:cNvPr>
@@ -1740,7 +980,7 @@
           <p:cNvPr id="4" name="Slide Number Placeholder 3">
             <a:extLst>
               <a:ext uri="{FF2B5EF4-FFF2-40B4-BE49-F238E27FC236}">
-                <a16:creationId xmlns:a16="http://schemas.microsoft.com/office/drawing/2014/main" id="{F538EEE6-A66E-65DD-F057-829E6BA3E891}"/>
+                <a16:creationId xmlns:a16="http://schemas.microsoft.com/office/drawing/2014/main" id="{CC95843D-E2EB-372E-7BD4-439F6E9F4FA6}"/>
               </a:ext>
             </a:extLst>
           </p:cNvPr>
@@ -1758,7 +998,7 @@
           <a:p>
             <a:fld id="{1300335D-9F13-4B80-ADC5-B0EA3E10FF6B}" type="slidenum">
               <a:rPr lang="en-US" smtClean="0"/>
-              <a:t>6</a:t>
+              <a:t>8</a:t>
             </a:fld>
             <a:endParaRPr lang="en-US"/>
           </a:p>
@@ -1767,7 +1007,7 @@
     </p:spTree>
     <p:extLst>
       <p:ext uri="{BB962C8B-B14F-4D97-AF65-F5344CB8AC3E}">
-        <p14:creationId xmlns:p14="http://schemas.microsoft.com/office/powerpoint/2010/main" val="2906957019"/>
+        <p14:creationId xmlns:p14="http://schemas.microsoft.com/office/powerpoint/2010/main" val="2921748578"/>
       </p:ext>
     </p:extLst>
   </p:cSld>
@@ -1785,7 +1025,7 @@
         <p:cNvPr id="1" name="">
           <a:extLst>
             <a:ext uri="{FF2B5EF4-FFF2-40B4-BE49-F238E27FC236}">
-              <a16:creationId xmlns:a16="http://schemas.microsoft.com/office/drawing/2014/main" id="{EED828FB-0007-B2BD-37FE-D41DD6F534E3}"/>
+              <a16:creationId xmlns:a16="http://schemas.microsoft.com/office/drawing/2014/main" id="{3DF2A21D-1B21-4FAF-1B42-4CFA906DBC53}"/>
             </a:ext>
           </a:extLst>
         </p:cNvPr>
@@ -1805,7 +1045,7 @@
           <p:cNvPr id="2" name="Slide Image Placeholder 1">
             <a:extLst>
               <a:ext uri="{FF2B5EF4-FFF2-40B4-BE49-F238E27FC236}">
-                <a16:creationId xmlns:a16="http://schemas.microsoft.com/office/drawing/2014/main" id="{6BE51F53-D288-3255-DBEC-EF6D43FFB063}"/>
+                <a16:creationId xmlns:a16="http://schemas.microsoft.com/office/drawing/2014/main" id="{E3B9C4C7-4123-F1DE-12C6-CA27C2ED0261}"/>
               </a:ext>
             </a:extLst>
           </p:cNvPr>
@@ -1823,7 +1063,7 @@
           <p:cNvPr id="3" name="Notes Placeholder 2">
             <a:extLst>
               <a:ext uri="{FF2B5EF4-FFF2-40B4-BE49-F238E27FC236}">
-                <a16:creationId xmlns:a16="http://schemas.microsoft.com/office/drawing/2014/main" id="{10165605-75F7-187B-6D47-2669B2ED4524}"/>
+                <a16:creationId xmlns:a16="http://schemas.microsoft.com/office/drawing/2014/main" id="{9E30DCD8-584C-D09A-BDC6-9B2AFEC9CFB6}"/>
               </a:ext>
             </a:extLst>
           </p:cNvPr>
@@ -1872,7 +1112,7 @@
           <p:cNvPr id="4" name="Slide Number Placeholder 3">
             <a:extLst>
               <a:ext uri="{FF2B5EF4-FFF2-40B4-BE49-F238E27FC236}">
-                <a16:creationId xmlns:a16="http://schemas.microsoft.com/office/drawing/2014/main" id="{E49E3FA1-DB8E-159A-2E23-F13A120EE348}"/>
+                <a16:creationId xmlns:a16="http://schemas.microsoft.com/office/drawing/2014/main" id="{8D62576D-67BF-13F5-0F7C-D1DA54B44C6F}"/>
               </a:ext>
             </a:extLst>
           </p:cNvPr>
@@ -1890,7 +1130,7 @@
           <a:p>
             <a:fld id="{1300335D-9F13-4B80-ADC5-B0EA3E10FF6B}" type="slidenum">
               <a:rPr lang="en-US" smtClean="0"/>
-              <a:t>7</a:t>
+              <a:t>9</a:t>
             </a:fld>
             <a:endParaRPr lang="en-US"/>
           </a:p>
@@ -1899,7 +1139,7 @@
     </p:spTree>
     <p:extLst>
       <p:ext uri="{BB962C8B-B14F-4D97-AF65-F5344CB8AC3E}">
-        <p14:creationId xmlns:p14="http://schemas.microsoft.com/office/powerpoint/2010/main" val="3339207713"/>
+        <p14:creationId xmlns:p14="http://schemas.microsoft.com/office/powerpoint/2010/main" val="3045173254"/>
       </p:ext>
     </p:extLst>
   </p:cSld>
@@ -1910,138 +1150,6 @@
 </file>
 
 <file path=ppt/notesSlides/notesSlide5.xml><?xml version="1.0" encoding="utf-8"?>
-<p:notes xmlns:a="http://schemas.openxmlformats.org/drawingml/2006/main" xmlns:r="http://schemas.openxmlformats.org/officeDocument/2006/relationships" xmlns:p="http://schemas.openxmlformats.org/presentationml/2006/main">
-  <p:cSld>
-    <p:spTree>
-      <p:nvGrpSpPr>
-        <p:cNvPr id="1" name="">
-          <a:extLst>
-            <a:ext uri="{FF2B5EF4-FFF2-40B4-BE49-F238E27FC236}">
-              <a16:creationId xmlns:a16="http://schemas.microsoft.com/office/drawing/2014/main" id="{A7E46991-23AF-65AB-660F-D0E4C48D3AE5}"/>
-            </a:ext>
-          </a:extLst>
-        </p:cNvPr>
-        <p:cNvGrpSpPr/>
-        <p:nvPr/>
-      </p:nvGrpSpPr>
-      <p:grpSpPr>
-        <a:xfrm>
-          <a:off x="0" y="0"/>
-          <a:ext cx="0" cy="0"/>
-          <a:chOff x="0" y="0"/>
-          <a:chExt cx="0" cy="0"/>
-        </a:xfrm>
-      </p:grpSpPr>
-      <p:sp>
-        <p:nvSpPr>
-          <p:cNvPr id="2" name="Slide Image Placeholder 1">
-            <a:extLst>
-              <a:ext uri="{FF2B5EF4-FFF2-40B4-BE49-F238E27FC236}">
-                <a16:creationId xmlns:a16="http://schemas.microsoft.com/office/drawing/2014/main" id="{A5A08F53-8C1E-7913-CCF1-350A2237EF38}"/>
-              </a:ext>
-            </a:extLst>
-          </p:cNvPr>
-          <p:cNvSpPr>
-            <a:spLocks noGrp="1" noRot="1" noChangeAspect="1"/>
-          </p:cNvSpPr>
-          <p:nvPr>
-            <p:ph type="sldImg"/>
-          </p:nvPr>
-        </p:nvSpPr>
-        <p:spPr/>
-      </p:sp>
-      <p:sp>
-        <p:nvSpPr>
-          <p:cNvPr id="3" name="Notes Placeholder 2">
-            <a:extLst>
-              <a:ext uri="{FF2B5EF4-FFF2-40B4-BE49-F238E27FC236}">
-                <a16:creationId xmlns:a16="http://schemas.microsoft.com/office/drawing/2014/main" id="{E95882CD-29E8-ED3C-F139-F4362302389A}"/>
-              </a:ext>
-            </a:extLst>
-          </p:cNvPr>
-          <p:cNvSpPr>
-            <a:spLocks noGrp="1"/>
-          </p:cNvSpPr>
-          <p:nvPr>
-            <p:ph type="body" idx="1"/>
-          </p:nvPr>
-        </p:nvSpPr>
-        <p:spPr/>
-        <p:txBody>
-          <a:bodyPr/>
-          <a:lstStyle/>
-          <a:p>
-            <a:pPr marL="228600" indent="-228600">
-              <a:buAutoNum type="arabicPeriod"/>
-            </a:pPr>
-            <a:r>
-              <a:rPr lang="en-US" dirty="0"/>
-              <a:t>False!</a:t>
-            </a:r>
-          </a:p>
-          <a:p>
-            <a:pPr marL="228600" indent="-228600">
-              <a:buAutoNum type="arabicPeriod"/>
-            </a:pPr>
-            <a:r>
-              <a:rPr lang="en-US" dirty="0"/>
-              <a:t>Function, Formula, Function</a:t>
-            </a:r>
-          </a:p>
-          <a:p>
-            <a:pPr marL="228600" indent="-228600">
-              <a:buAutoNum type="arabicPeriod"/>
-            </a:pPr>
-            <a:r>
-              <a:rPr lang="en-US" dirty="0"/>
-              <a:t>Argument</a:t>
-            </a:r>
-          </a:p>
-        </p:txBody>
-      </p:sp>
-      <p:sp>
-        <p:nvSpPr>
-          <p:cNvPr id="4" name="Slide Number Placeholder 3">
-            <a:extLst>
-              <a:ext uri="{FF2B5EF4-FFF2-40B4-BE49-F238E27FC236}">
-                <a16:creationId xmlns:a16="http://schemas.microsoft.com/office/drawing/2014/main" id="{571749B6-6847-7CD3-7575-65F4921D56D2}"/>
-              </a:ext>
-            </a:extLst>
-          </p:cNvPr>
-          <p:cNvSpPr>
-            <a:spLocks noGrp="1"/>
-          </p:cNvSpPr>
-          <p:nvPr>
-            <p:ph type="sldNum" sz="quarter" idx="5"/>
-          </p:nvPr>
-        </p:nvSpPr>
-        <p:spPr/>
-        <p:txBody>
-          <a:bodyPr/>
-          <a:lstStyle/>
-          <a:p>
-            <a:fld id="{1300335D-9F13-4B80-ADC5-B0EA3E10FF6B}" type="slidenum">
-              <a:rPr lang="en-US" smtClean="0"/>
-              <a:t>8</a:t>
-            </a:fld>
-            <a:endParaRPr lang="en-US"/>
-          </a:p>
-        </p:txBody>
-      </p:sp>
-    </p:spTree>
-    <p:extLst>
-      <p:ext uri="{BB962C8B-B14F-4D97-AF65-F5344CB8AC3E}">
-        <p14:creationId xmlns:p14="http://schemas.microsoft.com/office/powerpoint/2010/main" val="2223413644"/>
-      </p:ext>
-    </p:extLst>
-  </p:cSld>
-  <p:clrMapOvr>
-    <a:masterClrMapping/>
-  </p:clrMapOvr>
-</p:notes>
-</file>
-
-<file path=ppt/notesSlides/notesSlide6.xml><?xml version="1.0" encoding="utf-8"?>
 <p:notes xmlns:a="http://schemas.openxmlformats.org/drawingml/2006/main" xmlns:r="http://schemas.openxmlformats.org/officeDocument/2006/relationships" xmlns:p="http://schemas.openxmlformats.org/presentationml/2006/main">
   <p:cSld>
     <p:spTree>
@@ -2130,7 +1238,7 @@
           <a:p>
             <a:fld id="{1300335D-9F13-4B80-ADC5-B0EA3E10FF6B}" type="slidenum">
               <a:rPr lang="en-US" smtClean="0"/>
-              <a:t>11</a:t>
+              <a:t>12</a:t>
             </a:fld>
             <a:endParaRPr lang="en-US"/>
           </a:p>
@@ -2149,7 +1257,271 @@
 </p:notes>
 </file>
 
+<file path=ppt/notesSlides/notesSlide6.xml><?xml version="1.0" encoding="utf-8"?>
+<p:notes xmlns:a="http://schemas.openxmlformats.org/drawingml/2006/main" xmlns:r="http://schemas.openxmlformats.org/officeDocument/2006/relationships" xmlns:p="http://schemas.openxmlformats.org/presentationml/2006/main">
+  <p:cSld>
+    <p:spTree>
+      <p:nvGrpSpPr>
+        <p:cNvPr id="1" name="">
+          <a:extLst>
+            <a:ext uri="{FF2B5EF4-FFF2-40B4-BE49-F238E27FC236}">
+              <a16:creationId xmlns:a16="http://schemas.microsoft.com/office/drawing/2014/main" id="{7A31EF4C-9FF0-A823-F491-D70EDF4ED4FD}"/>
+            </a:ext>
+          </a:extLst>
+        </p:cNvPr>
+        <p:cNvGrpSpPr/>
+        <p:nvPr/>
+      </p:nvGrpSpPr>
+      <p:grpSpPr>
+        <a:xfrm>
+          <a:off x="0" y="0"/>
+          <a:ext cx="0" cy="0"/>
+          <a:chOff x="0" y="0"/>
+          <a:chExt cx="0" cy="0"/>
+        </a:xfrm>
+      </p:grpSpPr>
+      <p:sp>
+        <p:nvSpPr>
+          <p:cNvPr id="2" name="Slide Image Placeholder 1">
+            <a:extLst>
+              <a:ext uri="{FF2B5EF4-FFF2-40B4-BE49-F238E27FC236}">
+                <a16:creationId xmlns:a16="http://schemas.microsoft.com/office/drawing/2014/main" id="{E433EE33-6372-C46F-C82D-F7E79651D7B5}"/>
+              </a:ext>
+            </a:extLst>
+          </p:cNvPr>
+          <p:cNvSpPr>
+            <a:spLocks noGrp="1" noRot="1" noChangeAspect="1"/>
+          </p:cNvSpPr>
+          <p:nvPr>
+            <p:ph type="sldImg"/>
+          </p:nvPr>
+        </p:nvSpPr>
+        <p:spPr/>
+      </p:sp>
+      <p:sp>
+        <p:nvSpPr>
+          <p:cNvPr id="3" name="Notes Placeholder 2">
+            <a:extLst>
+              <a:ext uri="{FF2B5EF4-FFF2-40B4-BE49-F238E27FC236}">
+                <a16:creationId xmlns:a16="http://schemas.microsoft.com/office/drawing/2014/main" id="{CE23071F-6FBF-6E84-F5F8-6E26F298D52E}"/>
+              </a:ext>
+            </a:extLst>
+          </p:cNvPr>
+          <p:cNvSpPr>
+            <a:spLocks noGrp="1"/>
+          </p:cNvSpPr>
+          <p:nvPr>
+            <p:ph type="body" idx="1"/>
+          </p:nvPr>
+        </p:nvSpPr>
+        <p:spPr/>
+        <p:txBody>
+          <a:bodyPr/>
+          <a:lstStyle/>
+          <a:p>
+            <a:pPr marL="228600" indent="-228600">
+              <a:buAutoNum type="arabicPeriod"/>
+            </a:pPr>
+            <a:r>
+              <a:rPr lang="en-US" dirty="0"/>
+              <a:t>False!</a:t>
+            </a:r>
+          </a:p>
+          <a:p>
+            <a:pPr marL="228600" indent="-228600">
+              <a:buAutoNum type="arabicPeriod"/>
+            </a:pPr>
+            <a:r>
+              <a:rPr lang="en-US" dirty="0"/>
+              <a:t>Function, Formula, Function</a:t>
+            </a:r>
+          </a:p>
+          <a:p>
+            <a:pPr marL="228600" indent="-228600">
+              <a:buAutoNum type="arabicPeriod"/>
+            </a:pPr>
+            <a:r>
+              <a:rPr lang="en-US" dirty="0"/>
+              <a:t>Argument</a:t>
+            </a:r>
+          </a:p>
+        </p:txBody>
+      </p:sp>
+      <p:sp>
+        <p:nvSpPr>
+          <p:cNvPr id="4" name="Slide Number Placeholder 3">
+            <a:extLst>
+              <a:ext uri="{FF2B5EF4-FFF2-40B4-BE49-F238E27FC236}">
+                <a16:creationId xmlns:a16="http://schemas.microsoft.com/office/drawing/2014/main" id="{F6B849D2-E9D1-50A9-6123-2096CC41C671}"/>
+              </a:ext>
+            </a:extLst>
+          </p:cNvPr>
+          <p:cNvSpPr>
+            <a:spLocks noGrp="1"/>
+          </p:cNvSpPr>
+          <p:nvPr>
+            <p:ph type="sldNum" sz="quarter" idx="5"/>
+          </p:nvPr>
+        </p:nvSpPr>
+        <p:spPr/>
+        <p:txBody>
+          <a:bodyPr/>
+          <a:lstStyle/>
+          <a:p>
+            <a:fld id="{1300335D-9F13-4B80-ADC5-B0EA3E10FF6B}" type="slidenum">
+              <a:rPr lang="en-US" smtClean="0"/>
+              <a:t>13</a:t>
+            </a:fld>
+            <a:endParaRPr lang="en-US"/>
+          </a:p>
+        </p:txBody>
+      </p:sp>
+    </p:spTree>
+    <p:extLst>
+      <p:ext uri="{BB962C8B-B14F-4D97-AF65-F5344CB8AC3E}">
+        <p14:creationId xmlns:p14="http://schemas.microsoft.com/office/powerpoint/2010/main" val="3372302643"/>
+      </p:ext>
+    </p:extLst>
+  </p:cSld>
+  <p:clrMapOvr>
+    <a:masterClrMapping/>
+  </p:clrMapOvr>
+</p:notes>
+</file>
+
 <file path=ppt/notesSlides/notesSlide7.xml><?xml version="1.0" encoding="utf-8"?>
+<p:notes xmlns:a="http://schemas.openxmlformats.org/drawingml/2006/main" xmlns:r="http://schemas.openxmlformats.org/officeDocument/2006/relationships" xmlns:p="http://schemas.openxmlformats.org/presentationml/2006/main">
+  <p:cSld>
+    <p:spTree>
+      <p:nvGrpSpPr>
+        <p:cNvPr id="1" name="">
+          <a:extLst>
+            <a:ext uri="{FF2B5EF4-FFF2-40B4-BE49-F238E27FC236}">
+              <a16:creationId xmlns:a16="http://schemas.microsoft.com/office/drawing/2014/main" id="{2E9838E2-D654-124B-3137-1BD56E9F2D10}"/>
+            </a:ext>
+          </a:extLst>
+        </p:cNvPr>
+        <p:cNvGrpSpPr/>
+        <p:nvPr/>
+      </p:nvGrpSpPr>
+      <p:grpSpPr>
+        <a:xfrm>
+          <a:off x="0" y="0"/>
+          <a:ext cx="0" cy="0"/>
+          <a:chOff x="0" y="0"/>
+          <a:chExt cx="0" cy="0"/>
+        </a:xfrm>
+      </p:grpSpPr>
+      <p:sp>
+        <p:nvSpPr>
+          <p:cNvPr id="2" name="Slide Image Placeholder 1">
+            <a:extLst>
+              <a:ext uri="{FF2B5EF4-FFF2-40B4-BE49-F238E27FC236}">
+                <a16:creationId xmlns:a16="http://schemas.microsoft.com/office/drawing/2014/main" id="{64687C7A-9C4F-0149-DCC7-838B6555A8F7}"/>
+              </a:ext>
+            </a:extLst>
+          </p:cNvPr>
+          <p:cNvSpPr>
+            <a:spLocks noGrp="1" noRot="1" noChangeAspect="1"/>
+          </p:cNvSpPr>
+          <p:nvPr>
+            <p:ph type="sldImg"/>
+          </p:nvPr>
+        </p:nvSpPr>
+        <p:spPr/>
+      </p:sp>
+      <p:sp>
+        <p:nvSpPr>
+          <p:cNvPr id="3" name="Notes Placeholder 2">
+            <a:extLst>
+              <a:ext uri="{FF2B5EF4-FFF2-40B4-BE49-F238E27FC236}">
+                <a16:creationId xmlns:a16="http://schemas.microsoft.com/office/drawing/2014/main" id="{8DFE2D64-6A2B-FE43-7314-1D84E5025EFB}"/>
+              </a:ext>
+            </a:extLst>
+          </p:cNvPr>
+          <p:cNvSpPr>
+            <a:spLocks noGrp="1"/>
+          </p:cNvSpPr>
+          <p:nvPr>
+            <p:ph type="body" idx="1"/>
+          </p:nvPr>
+        </p:nvSpPr>
+        <p:spPr/>
+        <p:txBody>
+          <a:bodyPr/>
+          <a:lstStyle/>
+          <a:p>
+            <a:pPr marL="228600" indent="-228600">
+              <a:buAutoNum type="arabicPeriod"/>
+            </a:pPr>
+            <a:r>
+              <a:rPr lang="en-US" dirty="0"/>
+              <a:t>False!</a:t>
+            </a:r>
+          </a:p>
+          <a:p>
+            <a:pPr marL="228600" indent="-228600">
+              <a:buAutoNum type="arabicPeriod"/>
+            </a:pPr>
+            <a:r>
+              <a:rPr lang="en-US" dirty="0"/>
+              <a:t>Function, Formula, Function</a:t>
+            </a:r>
+          </a:p>
+          <a:p>
+            <a:pPr marL="228600" indent="-228600">
+              <a:buAutoNum type="arabicPeriod"/>
+            </a:pPr>
+            <a:r>
+              <a:rPr lang="en-US" dirty="0"/>
+              <a:t>Argument</a:t>
+            </a:r>
+          </a:p>
+        </p:txBody>
+      </p:sp>
+      <p:sp>
+        <p:nvSpPr>
+          <p:cNvPr id="4" name="Slide Number Placeholder 3">
+            <a:extLst>
+              <a:ext uri="{FF2B5EF4-FFF2-40B4-BE49-F238E27FC236}">
+                <a16:creationId xmlns:a16="http://schemas.microsoft.com/office/drawing/2014/main" id="{49C74E93-DFF2-E89F-5B55-EB49BEE8E208}"/>
+              </a:ext>
+            </a:extLst>
+          </p:cNvPr>
+          <p:cNvSpPr>
+            <a:spLocks noGrp="1"/>
+          </p:cNvSpPr>
+          <p:nvPr>
+            <p:ph type="sldNum" sz="quarter" idx="5"/>
+          </p:nvPr>
+        </p:nvSpPr>
+        <p:spPr/>
+        <p:txBody>
+          <a:bodyPr/>
+          <a:lstStyle/>
+          <a:p>
+            <a:fld id="{1300335D-9F13-4B80-ADC5-B0EA3E10FF6B}" type="slidenum">
+              <a:rPr lang="en-US" smtClean="0"/>
+              <a:t>14</a:t>
+            </a:fld>
+            <a:endParaRPr lang="en-US"/>
+          </a:p>
+        </p:txBody>
+      </p:sp>
+    </p:spTree>
+    <p:extLst>
+      <p:ext uri="{BB962C8B-B14F-4D97-AF65-F5344CB8AC3E}">
+        <p14:creationId xmlns:p14="http://schemas.microsoft.com/office/powerpoint/2010/main" val="390892152"/>
+      </p:ext>
+    </p:extLst>
+  </p:cSld>
+  <p:clrMapOvr>
+    <a:masterClrMapping/>
+  </p:clrMapOvr>
+</p:notes>
+</file>
+
+<file path=ppt/notesSlides/notesSlide8.xml><?xml version="1.0" encoding="utf-8"?>
 <p:notes xmlns:a="http://schemas.openxmlformats.org/drawingml/2006/main" xmlns:r="http://schemas.openxmlformats.org/officeDocument/2006/relationships" xmlns:p="http://schemas.openxmlformats.org/presentationml/2006/main">
   <p:cSld>
     <p:spTree>
@@ -2238,7 +1610,7 @@
           <a:p>
             <a:fld id="{1300335D-9F13-4B80-ADC5-B0EA3E10FF6B}" type="slidenum">
               <a:rPr lang="en-US" smtClean="0"/>
-              <a:t>12</a:t>
+              <a:t>15</a:t>
             </a:fld>
             <a:endParaRPr lang="en-US"/>
           </a:p>
@@ -2257,7 +1629,7 @@
 </p:notes>
 </file>
 
-<file path=ppt/notesSlides/notesSlide8.xml><?xml version="1.0" encoding="utf-8"?>
+<file path=ppt/notesSlides/notesSlide9.xml><?xml version="1.0" encoding="utf-8"?>
 <p:notes xmlns:a="http://schemas.openxmlformats.org/drawingml/2006/main" xmlns:r="http://schemas.openxmlformats.org/officeDocument/2006/relationships" xmlns:p="http://schemas.openxmlformats.org/presentationml/2006/main">
   <p:cSld>
     <p:spTree>
@@ -2370,7 +1742,7 @@
           <a:p>
             <a:fld id="{1300335D-9F13-4B80-ADC5-B0EA3E10FF6B}" type="slidenum">
               <a:rPr lang="en-US" smtClean="0"/>
-              <a:t>15</a:t>
+              <a:t>18</a:t>
             </a:fld>
             <a:endParaRPr lang="en-US"/>
           </a:p>
@@ -2379,139 +1751,7 @@
     </p:spTree>
     <p:extLst>
       <p:ext uri="{BB962C8B-B14F-4D97-AF65-F5344CB8AC3E}">
-        <p14:creationId xmlns:p14="http://schemas.microsoft.com/office/powerpoint/2010/main" val="1925113209"/>
-      </p:ext>
-    </p:extLst>
-  </p:cSld>
-  <p:clrMapOvr>
-    <a:masterClrMapping/>
-  </p:clrMapOvr>
-</p:notes>
-</file>
-
-<file path=ppt/notesSlides/notesSlide9.xml><?xml version="1.0" encoding="utf-8"?>
-<p:notes xmlns:a="http://schemas.openxmlformats.org/drawingml/2006/main" xmlns:r="http://schemas.openxmlformats.org/officeDocument/2006/relationships" xmlns:p="http://schemas.openxmlformats.org/presentationml/2006/main">
-  <p:cSld>
-    <p:spTree>
-      <p:nvGrpSpPr>
-        <p:cNvPr id="1" name="">
-          <a:extLst>
-            <a:ext uri="{FF2B5EF4-FFF2-40B4-BE49-F238E27FC236}">
-              <a16:creationId xmlns:a16="http://schemas.microsoft.com/office/drawing/2014/main" id="{2538BE87-C113-F6B1-471C-E5E7D3D50B64}"/>
-            </a:ext>
-          </a:extLst>
-        </p:cNvPr>
-        <p:cNvGrpSpPr/>
-        <p:nvPr/>
-      </p:nvGrpSpPr>
-      <p:grpSpPr>
-        <a:xfrm>
-          <a:off x="0" y="0"/>
-          <a:ext cx="0" cy="0"/>
-          <a:chOff x="0" y="0"/>
-          <a:chExt cx="0" cy="0"/>
-        </a:xfrm>
-      </p:grpSpPr>
-      <p:sp>
-        <p:nvSpPr>
-          <p:cNvPr id="2" name="Slide Image Placeholder 1">
-            <a:extLst>
-              <a:ext uri="{FF2B5EF4-FFF2-40B4-BE49-F238E27FC236}">
-                <a16:creationId xmlns:a16="http://schemas.microsoft.com/office/drawing/2014/main" id="{464EF016-273B-0310-0DEC-7774AAD76027}"/>
-              </a:ext>
-            </a:extLst>
-          </p:cNvPr>
-          <p:cNvSpPr>
-            <a:spLocks noGrp="1" noRot="1" noChangeAspect="1"/>
-          </p:cNvSpPr>
-          <p:nvPr>
-            <p:ph type="sldImg"/>
-          </p:nvPr>
-        </p:nvSpPr>
-        <p:spPr/>
-      </p:sp>
-      <p:sp>
-        <p:nvSpPr>
-          <p:cNvPr id="3" name="Notes Placeholder 2">
-            <a:extLst>
-              <a:ext uri="{FF2B5EF4-FFF2-40B4-BE49-F238E27FC236}">
-                <a16:creationId xmlns:a16="http://schemas.microsoft.com/office/drawing/2014/main" id="{02B4901D-CCB4-1741-7D82-D02026BF4E4A}"/>
-              </a:ext>
-            </a:extLst>
-          </p:cNvPr>
-          <p:cNvSpPr>
-            <a:spLocks noGrp="1"/>
-          </p:cNvSpPr>
-          <p:nvPr>
-            <p:ph type="body" idx="1"/>
-          </p:nvPr>
-        </p:nvSpPr>
-        <p:spPr/>
-        <p:txBody>
-          <a:bodyPr/>
-          <a:lstStyle/>
-          <a:p>
-            <a:pPr marL="228600" indent="-228600">
-              <a:buAutoNum type="arabicPeriod"/>
-            </a:pPr>
-            <a:r>
-              <a:rPr lang="en-US" dirty="0"/>
-              <a:t>False!</a:t>
-            </a:r>
-          </a:p>
-          <a:p>
-            <a:pPr marL="228600" indent="-228600">
-              <a:buAutoNum type="arabicPeriod"/>
-            </a:pPr>
-            <a:r>
-              <a:rPr lang="en-US" dirty="0"/>
-              <a:t>Function, Formula, Function</a:t>
-            </a:r>
-          </a:p>
-          <a:p>
-            <a:pPr marL="228600" indent="-228600">
-              <a:buAutoNum type="arabicPeriod"/>
-            </a:pPr>
-            <a:r>
-              <a:rPr lang="en-US" dirty="0"/>
-              <a:t>Argument</a:t>
-            </a:r>
-          </a:p>
-        </p:txBody>
-      </p:sp>
-      <p:sp>
-        <p:nvSpPr>
-          <p:cNvPr id="4" name="Slide Number Placeholder 3">
-            <a:extLst>
-              <a:ext uri="{FF2B5EF4-FFF2-40B4-BE49-F238E27FC236}">
-                <a16:creationId xmlns:a16="http://schemas.microsoft.com/office/drawing/2014/main" id="{25D85D60-75F3-255E-8A86-E381EBB6C488}"/>
-              </a:ext>
-            </a:extLst>
-          </p:cNvPr>
-          <p:cNvSpPr>
-            <a:spLocks noGrp="1"/>
-          </p:cNvSpPr>
-          <p:nvPr>
-            <p:ph type="sldNum" sz="quarter" idx="5"/>
-          </p:nvPr>
-        </p:nvSpPr>
-        <p:spPr/>
-        <p:txBody>
-          <a:bodyPr/>
-          <a:lstStyle/>
-          <a:p>
-            <a:fld id="{1300335D-9F13-4B80-ADC5-B0EA3E10FF6B}" type="slidenum">
-              <a:rPr lang="en-US" smtClean="0"/>
-              <a:t>16</a:t>
-            </a:fld>
-            <a:endParaRPr lang="en-US"/>
-          </a:p>
-        </p:txBody>
-      </p:sp>
-    </p:spTree>
-    <p:extLst>
-      <p:ext uri="{BB962C8B-B14F-4D97-AF65-F5344CB8AC3E}">
-        <p14:creationId xmlns:p14="http://schemas.microsoft.com/office/powerpoint/2010/main" val="3412467687"/>
+        <p14:creationId xmlns:p14="http://schemas.microsoft.com/office/powerpoint/2010/main" val="3425286875"/>
       </p:ext>
     </p:extLst>
   </p:cSld>
@@ -5569,23 +4809,8 @@
                 </a:solidFill>
                 <a:latin typeface="Pragmatica" panose="020B0403040502020204" pitchFamily="34" charset="0"/>
               </a:rPr>
-              <a:t>Python </a:t>
-            </a:r>
-            <a:r>
-              <a:rPr lang="en-US" sz="5400" b="1">
-                <a:solidFill>
-                  <a:srgbClr val="CF3338"/>
-                </a:solidFill>
-                <a:latin typeface="Pragmatica" panose="020B0403040502020204" pitchFamily="34" charset="0"/>
-              </a:rPr>
-              <a:t>in Excel Essentials</a:t>
-            </a:r>
-            <a:endParaRPr lang="en-US" sz="5400" b="1" dirty="0">
-              <a:solidFill>
-                <a:srgbClr val="CF3338"/>
-              </a:solidFill>
-              <a:latin typeface="Pragmatica" panose="020B0403040502020204" pitchFamily="34" charset="0"/>
-            </a:endParaRPr>
+              <a:t>Excel AI Magic with Copilot</a:t>
+            </a:r>
           </a:p>
         </p:txBody>
       </p:sp>
@@ -5654,6 +4879,164 @@
           <a:chExt cx="0" cy="0"/>
         </a:xfrm>
       </p:grpSpPr>
+      <p:pic>
+        <p:nvPicPr>
+          <p:cNvPr id="10" name="Picture 9"/>
+          <p:cNvPicPr>
+            <a:picLocks noChangeAspect="1"/>
+          </p:cNvPicPr>
+          <p:nvPr/>
+        </p:nvPicPr>
+        <p:blipFill rotWithShape="1">
+          <a:blip r:embed="rId2">
+            <a:extLst>
+              <a:ext uri="{28A0092B-C50C-407E-A947-70E740481C1C}">
+                <a14:useLocalDpi xmlns:a14="http://schemas.microsoft.com/office/drawing/2010/main" val="0"/>
+              </a:ext>
+            </a:extLst>
+          </a:blip>
+          <a:srcRect l="50728" t="56371"/>
+          <a:stretch/>
+        </p:blipFill>
+        <p:spPr>
+          <a:xfrm>
+            <a:off x="12204691" y="3316148"/>
+            <a:ext cx="6083309" cy="6970854"/>
+          </a:xfrm>
+          <a:prstGeom prst="rect">
+            <a:avLst/>
+          </a:prstGeom>
+        </p:spPr>
+      </p:pic>
+      <p:pic>
+        <p:nvPicPr>
+          <p:cNvPr id="4" name="Picture 3"/>
+          <p:cNvPicPr>
+            <a:picLocks noChangeAspect="1"/>
+          </p:cNvPicPr>
+          <p:nvPr/>
+        </p:nvPicPr>
+        <p:blipFill>
+          <a:blip r:embed="rId3">
+            <a:extLst>
+              <a:ext uri="{28A0092B-C50C-407E-A947-70E740481C1C}">
+                <a14:useLocalDpi xmlns:a14="http://schemas.microsoft.com/office/drawing/2010/main" val="0"/>
+              </a:ext>
+            </a:extLst>
+          </a:blip>
+          <a:stretch>
+            <a:fillRect/>
+          </a:stretch>
+        </p:blipFill>
+        <p:spPr>
+          <a:xfrm>
+            <a:off x="-807744" y="-3724155"/>
+            <a:ext cx="15257208" cy="11189825"/>
+          </a:xfrm>
+          <a:prstGeom prst="rect">
+            <a:avLst/>
+          </a:prstGeom>
+        </p:spPr>
+      </p:pic>
+      <p:sp>
+        <p:nvSpPr>
+          <p:cNvPr id="11" name="TextBox 10"/>
+          <p:cNvSpPr txBox="1"/>
+          <p:nvPr/>
+        </p:nvSpPr>
+        <p:spPr>
+          <a:xfrm>
+            <a:off x="486137" y="2531318"/>
+            <a:ext cx="11979797" cy="923330"/>
+          </a:xfrm>
+          <a:prstGeom prst="rect">
+            <a:avLst/>
+          </a:prstGeom>
+          <a:noFill/>
+        </p:spPr>
+        <p:txBody>
+          <a:bodyPr wrap="square" rtlCol="0">
+            <a:spAutoFit/>
+          </a:bodyPr>
+          <a:lstStyle/>
+          <a:p>
+            <a:r>
+              <a:rPr lang="en-US" sz="5400" b="1" dirty="0">
+                <a:solidFill>
+                  <a:srgbClr val="CF3338"/>
+                </a:solidFill>
+                <a:latin typeface="Pragmatica" panose="020B0403040502020204" pitchFamily="34" charset="0"/>
+              </a:rPr>
+              <a:t>Questions?</a:t>
+            </a:r>
+          </a:p>
+        </p:txBody>
+      </p:sp>
+      <p:pic>
+        <p:nvPicPr>
+          <p:cNvPr id="5" name="Picture 4">
+            <a:extLst>
+              <a:ext uri="{FF2B5EF4-FFF2-40B4-BE49-F238E27FC236}">
+                <a16:creationId xmlns:a16="http://schemas.microsoft.com/office/drawing/2014/main" id="{54A06221-5316-4BCF-9FDA-BDB95FF4A778}"/>
+              </a:ext>
+            </a:extLst>
+          </p:cNvPr>
+          <p:cNvPicPr>
+            <a:picLocks noChangeAspect="1"/>
+          </p:cNvPicPr>
+          <p:nvPr/>
+        </p:nvPicPr>
+        <p:blipFill>
+          <a:blip r:embed="rId4">
+            <a:extLst>
+              <a:ext uri="{28A0092B-C50C-407E-A947-70E740481C1C}">
+                <a14:useLocalDpi xmlns:a14="http://schemas.microsoft.com/office/drawing/2010/main" val="0"/>
+              </a:ext>
+            </a:extLst>
+          </a:blip>
+          <a:srcRect/>
+          <a:stretch/>
+        </p:blipFill>
+        <p:spPr>
+          <a:xfrm>
+            <a:off x="12204691" y="3317239"/>
+            <a:ext cx="6083309" cy="6968672"/>
+          </a:xfrm>
+          <a:prstGeom prst="rect">
+            <a:avLst/>
+          </a:prstGeom>
+        </p:spPr>
+      </p:pic>
+    </p:spTree>
+    <p:extLst>
+      <p:ext uri="{BB962C8B-B14F-4D97-AF65-F5344CB8AC3E}">
+        <p14:creationId xmlns:p14="http://schemas.microsoft.com/office/powerpoint/2010/main" val="1689860732"/>
+      </p:ext>
+    </p:extLst>
+  </p:cSld>
+  <p:clrMapOvr>
+    <a:masterClrMapping/>
+  </p:clrMapOvr>
+</p:sld>
+</file>
+
+<file path=ppt/slides/slide11.xml><?xml version="1.0" encoding="utf-8"?>
+<p:sld xmlns:a="http://schemas.openxmlformats.org/drawingml/2006/main" xmlns:r="http://schemas.openxmlformats.org/officeDocument/2006/relationships" xmlns:p="http://schemas.openxmlformats.org/presentationml/2006/main">
+  <p:cSld>
+    <p:spTree>
+      <p:nvGrpSpPr>
+        <p:cNvPr id="1" name=""/>
+        <p:cNvGrpSpPr/>
+        <p:nvPr/>
+      </p:nvGrpSpPr>
+      <p:grpSpPr>
+        <a:xfrm>
+          <a:off x="0" y="0"/>
+          <a:ext cx="0" cy="0"/>
+          <a:chOff x="0" y="0"/>
+          <a:chExt cx="0" cy="0"/>
+        </a:xfrm>
+      </p:grpSpPr>
       <p:sp>
         <p:nvSpPr>
           <p:cNvPr id="4" name="Rectangle 3"/>
@@ -5729,7 +5112,7 @@
                 </a:solidFill>
                 <a:latin typeface="Normafixed Tryout" panose="00000409000000000000" pitchFamily="49" charset="0"/>
               </a:rPr>
-              <a:t>2. Analyzing data with Python in Excel</a:t>
+              <a:t>3. Time Series and Text Analysis</a:t>
             </a:r>
           </a:p>
         </p:txBody>
@@ -5747,7 +5130,7 @@
 </p:sld>
 </file>
 
-<file path=ppt/slides/slide11.xml><?xml version="1.0" encoding="utf-8"?>
+<file path=ppt/slides/slide12.xml><?xml version="1.0" encoding="utf-8"?>
 <p:sld xmlns:a="http://schemas.openxmlformats.org/drawingml/2006/main" xmlns:r="http://schemas.openxmlformats.org/officeDocument/2006/relationships" xmlns:p="http://schemas.openxmlformats.org/presentationml/2006/main">
   <p:cSld>
     <p:spTree>
@@ -5848,7 +5231,7 @@
         <p:spPr>
           <a:xfrm>
             <a:off x="260431" y="329879"/>
-            <a:ext cx="8906720" cy="9310754"/>
+            <a:ext cx="8906720" cy="10584949"/>
           </a:xfrm>
           <a:prstGeom prst="rect">
             <a:avLst/>
@@ -5868,7 +5251,7 @@
                 </a:solidFill>
                 <a:latin typeface="Pragmatica" panose="020B0403040502020204" pitchFamily="34" charset="0"/>
               </a:rPr>
-              <a:t>Analyzing data with Python in Excel</a:t>
+              <a:t>Time series analysis with Copilot</a:t>
             </a:r>
           </a:p>
           <a:p>
@@ -5880,7 +5263,7 @@
             </a:endParaRPr>
           </a:p>
           <a:p>
-            <a:pPr marL="685800" indent="-542925">
+            <a:pPr marL="714375" indent="-571500">
               <a:lnSpc>
                 <a:spcPct val="115000"/>
               </a:lnSpc>
@@ -5891,8 +5274,8 @@
                 <a:srgbClr val="C00000"/>
               </a:buClr>
               <a:buSzPts val="2100"/>
-              <a:buFont typeface="Arial"/>
-              <a:buAutoNum type="arabicPeriod"/>
+              <a:buFont typeface="Arial" panose="020B0604020202020204" pitchFamily="34" charset="0"/>
+              <a:buChar char="•"/>
             </a:pPr>
             <a:r>
               <a:rPr lang="en-US" sz="3600" dirty="0">
@@ -5902,11 +5285,11 @@
                 <a:latin typeface="Pragmatica" panose="020B0403040502020204"/>
                 <a:sym typeface="Consolas"/>
               </a:rPr>
-              <a:t>Data profiling: What is the shape, size, completeness?</a:t>
-            </a:r>
-          </a:p>
-          <a:p>
-            <a:pPr marL="685800" indent="-542925">
+              <a:t>Resample time series data by aggregating daily sales into monthly or quarterly totals</a:t>
+            </a:r>
+          </a:p>
+          <a:p>
+            <a:pPr marL="714375" indent="-571500">
               <a:lnSpc>
                 <a:spcPct val="115000"/>
               </a:lnSpc>
@@ -5917,8 +5300,8 @@
                 <a:srgbClr val="C00000"/>
               </a:buClr>
               <a:buSzPts val="2100"/>
-              <a:buFont typeface="Arial"/>
-              <a:buAutoNum type="arabicPeriod"/>
+              <a:buFont typeface="Arial" panose="020B0604020202020204" pitchFamily="34" charset="0"/>
+              <a:buChar char="•"/>
             </a:pPr>
             <a:r>
               <a:rPr lang="en-US" sz="3600" dirty="0">
@@ -5928,11 +5311,11 @@
                 <a:latin typeface="Pragmatica" panose="020B0403040502020204"/>
                 <a:sym typeface="Consolas"/>
               </a:rPr>
-              <a:t>Time series: pandas for panel data</a:t>
-            </a:r>
-          </a:p>
-          <a:p>
-            <a:pPr marL="685800" indent="-542925">
+              <a:t>Perform diagnostic checks such as testing for stationarity to prepare data for forecasting</a:t>
+            </a:r>
+          </a:p>
+          <a:p>
+            <a:pPr marL="714375" indent="-571500">
               <a:lnSpc>
                 <a:spcPct val="115000"/>
               </a:lnSpc>
@@ -5943,8 +5326,8 @@
                 <a:srgbClr val="C00000"/>
               </a:buClr>
               <a:buSzPts val="2100"/>
-              <a:buFont typeface="Arial"/>
-              <a:buAutoNum type="arabicPeriod"/>
+              <a:buFont typeface="Arial" panose="020B0604020202020204" pitchFamily="34" charset="0"/>
+              <a:buChar char="•"/>
             </a:pPr>
             <a:r>
               <a:rPr lang="en-US" sz="3600" dirty="0">
@@ -5954,31 +5337,8 @@
                 <a:latin typeface="Pragmatica" panose="020B0403040502020204"/>
                 <a:sym typeface="Consolas"/>
               </a:rPr>
-              <a:t>Descriptive statistics/EDA: What stories might be told in this data? </a:t>
-            </a:r>
-          </a:p>
-          <a:p>
-            <a:pPr marL="685800" indent="-542925">
-              <a:lnSpc>
-                <a:spcPct val="115000"/>
-              </a:lnSpc>
-              <a:spcBef>
-                <a:spcPts val="1125"/>
-              </a:spcBef>
-              <a:buClr>
-                <a:srgbClr val="C00000"/>
-              </a:buClr>
-              <a:buSzPts val="2100"/>
-              <a:buFont typeface="Arial"/>
-              <a:buAutoNum type="arabicPeriod"/>
-            </a:pPr>
-            <a:endParaRPr lang="en-US" sz="3600" dirty="0">
-              <a:solidFill>
-                <a:srgbClr val="C00000"/>
-              </a:solidFill>
-              <a:latin typeface="Pragmatica" panose="020B0403040502020204"/>
-              <a:sym typeface="Consolas"/>
-            </a:endParaRPr>
+              <a:t>Build an ARIMA model and evaluate its accuracy using visualizations and Copilot-assisted insights</a:t>
+            </a:r>
           </a:p>
           <a:p>
             <a:pPr marL="142875">
@@ -5993,6 +5353,27 @@
               </a:buClr>
               <a:buSzPts val="2100"/>
             </a:pPr>
+            <a:endParaRPr lang="en-US" sz="3600" dirty="0">
+              <a:solidFill>
+                <a:srgbClr val="C00000"/>
+              </a:solidFill>
+              <a:latin typeface="Pragmatica" panose="020B0403040502020204"/>
+              <a:sym typeface="Consolas"/>
+            </a:endParaRPr>
+          </a:p>
+          <a:p>
+            <a:pPr marL="142875">
+              <a:lnSpc>
+                <a:spcPct val="115000"/>
+              </a:lnSpc>
+              <a:spcBef>
+                <a:spcPts val="1125"/>
+              </a:spcBef>
+              <a:buClr>
+                <a:srgbClr val="C00000"/>
+              </a:buClr>
+              <a:buSzPts val="2100"/>
+            </a:pPr>
             <a:r>
               <a:rPr lang="en-US" sz="3600" dirty="0">
                 <a:solidFill>
@@ -6001,24 +5382,8 @@
                 <a:latin typeface="Pragmatica" panose="020B0403040502020204"/>
                 <a:sym typeface="Consolas"/>
               </a:rPr>
-              <a:t>File: </a:t>
-            </a:r>
-            <a:r>
-              <a:rPr lang="en-US" sz="3600" dirty="0">
-                <a:solidFill>
-                  <a:srgbClr val="C00000"/>
-                </a:solidFill>
-                <a:latin typeface="Consolas" panose="020B0609020204030204" pitchFamily="49" charset="0"/>
-                <a:sym typeface="Consolas"/>
-              </a:rPr>
-              <a:t>analyzing-data-with-python-in-excel.xlsx</a:t>
-            </a:r>
-            <a:endParaRPr lang="en-US" sz="6000" dirty="0">
-              <a:solidFill>
-                <a:srgbClr val="CF3338"/>
-              </a:solidFill>
-              <a:latin typeface="Consolas" panose="020B0609020204030204" pitchFamily="49" charset="0"/>
-            </a:endParaRPr>
+              <a:t>Demo file: copilot-time-series-demo.xlsx</a:t>
+            </a:r>
           </a:p>
           <a:p>
             <a:endParaRPr lang="en-US" sz="6000" dirty="0">
@@ -6043,12 +5408,18 @@
 </p:sld>
 </file>
 
-<file path=ppt/slides/slide12.xml><?xml version="1.0" encoding="utf-8"?>
+<file path=ppt/slides/slide13.xml><?xml version="1.0" encoding="utf-8"?>
 <p:sld xmlns:a="http://schemas.openxmlformats.org/drawingml/2006/main" xmlns:r="http://schemas.openxmlformats.org/officeDocument/2006/relationships" xmlns:p="http://schemas.openxmlformats.org/presentationml/2006/main">
   <p:cSld>
     <p:spTree>
       <p:nvGrpSpPr>
-        <p:cNvPr id="1" name=""/>
+        <p:cNvPr id="1" name="">
+          <a:extLst>
+            <a:ext uri="{FF2B5EF4-FFF2-40B4-BE49-F238E27FC236}">
+              <a16:creationId xmlns:a16="http://schemas.microsoft.com/office/drawing/2014/main" id="{794A2B17-F5C6-D16B-D13B-9E98A841E7E7}"/>
+            </a:ext>
+          </a:extLst>
+        </p:cNvPr>
         <p:cNvGrpSpPr/>
         <p:nvPr/>
       </p:nvGrpSpPr>
@@ -6062,7 +5433,13 @@
       </p:grpSpPr>
       <p:sp>
         <p:nvSpPr>
-          <p:cNvPr id="4" name="Rectangle 3"/>
+          <p:cNvPr id="4" name="Rectangle 3">
+            <a:extLst>
+              <a:ext uri="{FF2B5EF4-FFF2-40B4-BE49-F238E27FC236}">
+                <a16:creationId xmlns:a16="http://schemas.microsoft.com/office/drawing/2014/main" id="{E97957AA-147B-3642-BA2A-0F9239BAE800}"/>
+              </a:ext>
+            </a:extLst>
+          </p:cNvPr>
           <p:cNvSpPr/>
           <p:nvPr/>
         </p:nvSpPr>
@@ -6108,6 +5485,624 @@
       </p:sp>
       <p:pic>
         <p:nvPicPr>
+          <p:cNvPr id="2" name="Picture 1">
+            <a:extLst>
+              <a:ext uri="{FF2B5EF4-FFF2-40B4-BE49-F238E27FC236}">
+                <a16:creationId xmlns:a16="http://schemas.microsoft.com/office/drawing/2014/main" id="{BE1A5F97-39F6-08EC-EDA6-C77952D313B3}"/>
+              </a:ext>
+            </a:extLst>
+          </p:cNvPr>
+          <p:cNvPicPr>
+            <a:picLocks noChangeAspect="1"/>
+          </p:cNvPicPr>
+          <p:nvPr/>
+        </p:nvPicPr>
+        <p:blipFill rotWithShape="1">
+          <a:blip r:embed="rId3">
+            <a:extLst>
+              <a:ext uri="{28A0092B-C50C-407E-A947-70E740481C1C}">
+                <a14:useLocalDpi xmlns:a14="http://schemas.microsoft.com/office/drawing/2010/main" val="0"/>
+              </a:ext>
+            </a:extLst>
+          </a:blip>
+          <a:srcRect l="69227" t="33418" r="20112" b="50548"/>
+          <a:stretch/>
+        </p:blipFill>
+        <p:spPr>
+          <a:xfrm>
+            <a:off x="15579524" y="7544693"/>
+            <a:ext cx="2708477" cy="2987579"/>
+          </a:xfrm>
+          <a:prstGeom prst="rect">
+            <a:avLst/>
+          </a:prstGeom>
+        </p:spPr>
+      </p:pic>
+      <p:sp>
+        <p:nvSpPr>
+          <p:cNvPr id="3" name="TextBox 2">
+            <a:extLst>
+              <a:ext uri="{FF2B5EF4-FFF2-40B4-BE49-F238E27FC236}">
+                <a16:creationId xmlns:a16="http://schemas.microsoft.com/office/drawing/2014/main" id="{EB1E8793-AB49-5F22-23F0-CAD49CD8AAA0}"/>
+              </a:ext>
+            </a:extLst>
+          </p:cNvPr>
+          <p:cNvSpPr txBox="1"/>
+          <p:nvPr/>
+        </p:nvSpPr>
+        <p:spPr>
+          <a:xfrm>
+            <a:off x="260431" y="329879"/>
+            <a:ext cx="8906720" cy="10726013"/>
+          </a:xfrm>
+          <a:prstGeom prst="rect">
+            <a:avLst/>
+          </a:prstGeom>
+          <a:noFill/>
+        </p:spPr>
+        <p:txBody>
+          <a:bodyPr wrap="square" rtlCol="0">
+            <a:spAutoFit/>
+          </a:bodyPr>
+          <a:lstStyle/>
+          <a:p>
+            <a:r>
+              <a:rPr lang="en-US" sz="6000" b="1" dirty="0">
+                <a:solidFill>
+                  <a:srgbClr val="CF3338"/>
+                </a:solidFill>
+                <a:latin typeface="Pragmatica" panose="020B0403040502020204" pitchFamily="34" charset="0"/>
+              </a:rPr>
+              <a:t>Regular expressions with Copilot</a:t>
+            </a:r>
+          </a:p>
+          <a:p>
+            <a:endParaRPr lang="en-US" sz="4200" dirty="0">
+              <a:solidFill>
+                <a:srgbClr val="CF3338"/>
+              </a:solidFill>
+              <a:latin typeface="Pragmatica" panose="020B0403040502020204" pitchFamily="34" charset="0"/>
+            </a:endParaRPr>
+          </a:p>
+          <a:p>
+            <a:pPr marL="714375" indent="-571500">
+              <a:lnSpc>
+                <a:spcPct val="115000"/>
+              </a:lnSpc>
+              <a:spcBef>
+                <a:spcPts val="1125"/>
+              </a:spcBef>
+              <a:buClr>
+                <a:srgbClr val="C00000"/>
+              </a:buClr>
+              <a:buSzPts val="2100"/>
+              <a:buFont typeface="Arial" panose="020B0604020202020204" pitchFamily="34" charset="0"/>
+              <a:buChar char="•"/>
+            </a:pPr>
+            <a:r>
+              <a:rPr lang="en-US" sz="3600" dirty="0">
+                <a:solidFill>
+                  <a:srgbClr val="C00000"/>
+                </a:solidFill>
+                <a:latin typeface="Pragmatica" panose="020B0403040502020204"/>
+                <a:sym typeface="Consolas"/>
+              </a:rPr>
+              <a:t>Regex = patterns used to match and manipulate text based on specific rules and symbols</a:t>
+            </a:r>
+          </a:p>
+          <a:p>
+            <a:pPr marL="714375" indent="-571500">
+              <a:lnSpc>
+                <a:spcPct val="115000"/>
+              </a:lnSpc>
+              <a:spcBef>
+                <a:spcPts val="1125"/>
+              </a:spcBef>
+              <a:buClr>
+                <a:srgbClr val="C00000"/>
+              </a:buClr>
+              <a:buSzPts val="2100"/>
+              <a:buFont typeface="Arial" panose="020B0604020202020204" pitchFamily="34" charset="0"/>
+              <a:buChar char="•"/>
+            </a:pPr>
+            <a:r>
+              <a:rPr lang="en-US" sz="3600" dirty="0">
+                <a:solidFill>
+                  <a:srgbClr val="C00000"/>
+                </a:solidFill>
+                <a:latin typeface="Pragmatica" panose="020B0403040502020204"/>
+                <a:sym typeface="Consolas"/>
+              </a:rPr>
+              <a:t>Excel now has regex functions…</a:t>
+            </a:r>
+          </a:p>
+          <a:p>
+            <a:pPr marL="714375" indent="-571500">
+              <a:lnSpc>
+                <a:spcPct val="115000"/>
+              </a:lnSpc>
+              <a:spcBef>
+                <a:spcPts val="1125"/>
+              </a:spcBef>
+              <a:buClr>
+                <a:srgbClr val="C00000"/>
+              </a:buClr>
+              <a:buSzPts val="2100"/>
+              <a:buFont typeface="Arial" panose="020B0604020202020204" pitchFamily="34" charset="0"/>
+              <a:buChar char="•"/>
+            </a:pPr>
+            <a:r>
+              <a:rPr lang="en-US" sz="3600" dirty="0">
+                <a:solidFill>
+                  <a:srgbClr val="C00000"/>
+                </a:solidFill>
+                <a:latin typeface="Pragmatica" panose="020B0403040502020204"/>
+                <a:sym typeface="Consolas"/>
+              </a:rPr>
+              <a:t>   … but Copilot prefers returning them in Python!</a:t>
+            </a:r>
+          </a:p>
+          <a:p>
+            <a:pPr marL="714375" indent="-571500">
+              <a:lnSpc>
+                <a:spcPct val="115000"/>
+              </a:lnSpc>
+              <a:spcBef>
+                <a:spcPts val="1125"/>
+              </a:spcBef>
+              <a:buClr>
+                <a:srgbClr val="C00000"/>
+              </a:buClr>
+              <a:buSzPts val="2100"/>
+              <a:buFont typeface="Arial" panose="020B0604020202020204" pitchFamily="34" charset="0"/>
+              <a:buChar char="•"/>
+            </a:pPr>
+            <a:r>
+              <a:rPr lang="en-US" sz="3600" dirty="0">
+                <a:solidFill>
+                  <a:srgbClr val="C00000"/>
+                </a:solidFill>
+                <a:latin typeface="Pragmatica" panose="020B0403040502020204"/>
+                <a:sym typeface="Consolas"/>
+              </a:rPr>
+              <a:t>Identify and strip email domains, credit card numbers, PII, etc.</a:t>
+            </a:r>
+          </a:p>
+          <a:p>
+            <a:pPr marL="142875">
+              <a:lnSpc>
+                <a:spcPct val="115000"/>
+              </a:lnSpc>
+              <a:spcBef>
+                <a:spcPts val="1125"/>
+              </a:spcBef>
+              <a:buClr>
+                <a:srgbClr val="C00000"/>
+              </a:buClr>
+              <a:buSzPts val="2100"/>
+            </a:pPr>
+            <a:endParaRPr lang="en-US" sz="3600" dirty="0">
+              <a:solidFill>
+                <a:srgbClr val="C00000"/>
+              </a:solidFill>
+              <a:latin typeface="Pragmatica" panose="020B0403040502020204"/>
+              <a:sym typeface="Consolas"/>
+            </a:endParaRPr>
+          </a:p>
+          <a:p>
+            <a:pPr marL="142875">
+              <a:lnSpc>
+                <a:spcPct val="115000"/>
+              </a:lnSpc>
+              <a:spcBef>
+                <a:spcPts val="1125"/>
+              </a:spcBef>
+              <a:buClr>
+                <a:srgbClr val="C00000"/>
+              </a:buClr>
+              <a:buSzPts val="2100"/>
+            </a:pPr>
+            <a:r>
+              <a:rPr lang="en-US" sz="3600" dirty="0">
+                <a:solidFill>
+                  <a:srgbClr val="C00000"/>
+                </a:solidFill>
+                <a:latin typeface="Pragmatica" panose="020B0403040502020204"/>
+                <a:sym typeface="Consolas"/>
+              </a:rPr>
+              <a:t>Demo file: copilot-regex-demo.xlsx</a:t>
+            </a:r>
+          </a:p>
+          <a:p>
+            <a:endParaRPr lang="en-US" sz="6000" dirty="0">
+              <a:solidFill>
+                <a:srgbClr val="CF3338"/>
+              </a:solidFill>
+              <a:latin typeface="Pragmatica" panose="020B0403040502020204" pitchFamily="34" charset="0"/>
+            </a:endParaRPr>
+          </a:p>
+        </p:txBody>
+      </p:sp>
+    </p:spTree>
+    <p:extLst>
+      <p:ext uri="{BB962C8B-B14F-4D97-AF65-F5344CB8AC3E}">
+        <p14:creationId xmlns:p14="http://schemas.microsoft.com/office/powerpoint/2010/main" val="2522809476"/>
+      </p:ext>
+    </p:extLst>
+  </p:cSld>
+  <p:clrMapOvr>
+    <a:masterClrMapping/>
+  </p:clrMapOvr>
+</p:sld>
+</file>
+
+<file path=ppt/slides/slide14.xml><?xml version="1.0" encoding="utf-8"?>
+<p:sld xmlns:a="http://schemas.openxmlformats.org/drawingml/2006/main" xmlns:r="http://schemas.openxmlformats.org/officeDocument/2006/relationships" xmlns:p="http://schemas.openxmlformats.org/presentationml/2006/main">
+  <p:cSld>
+    <p:spTree>
+      <p:nvGrpSpPr>
+        <p:cNvPr id="1" name="">
+          <a:extLst>
+            <a:ext uri="{FF2B5EF4-FFF2-40B4-BE49-F238E27FC236}">
+              <a16:creationId xmlns:a16="http://schemas.microsoft.com/office/drawing/2014/main" id="{6414B3EC-BF1D-0D1D-AD6D-22246982CA15}"/>
+            </a:ext>
+          </a:extLst>
+        </p:cNvPr>
+        <p:cNvGrpSpPr/>
+        <p:nvPr/>
+      </p:nvGrpSpPr>
+      <p:grpSpPr>
+        <a:xfrm>
+          <a:off x="0" y="0"/>
+          <a:ext cx="0" cy="0"/>
+          <a:chOff x="0" y="0"/>
+          <a:chExt cx="0" cy="0"/>
+        </a:xfrm>
+      </p:grpSpPr>
+      <p:sp>
+        <p:nvSpPr>
+          <p:cNvPr id="4" name="Rectangle 3">
+            <a:extLst>
+              <a:ext uri="{FF2B5EF4-FFF2-40B4-BE49-F238E27FC236}">
+                <a16:creationId xmlns:a16="http://schemas.microsoft.com/office/drawing/2014/main" id="{39EDD238-B064-1C55-A005-CAF14783BCE7}"/>
+              </a:ext>
+            </a:extLst>
+          </p:cNvPr>
+          <p:cNvSpPr/>
+          <p:nvPr/>
+        </p:nvSpPr>
+        <p:spPr>
+          <a:xfrm>
+            <a:off x="9861630" y="0"/>
+            <a:ext cx="8426370" cy="10287000"/>
+          </a:xfrm>
+          <a:prstGeom prst="rect">
+            <a:avLst/>
+          </a:prstGeom>
+          <a:solidFill>
+            <a:srgbClr val="CF3338"/>
+          </a:solidFill>
+          <a:ln>
+            <a:noFill/>
+          </a:ln>
+        </p:spPr>
+        <p:style>
+          <a:lnRef idx="2">
+            <a:schemeClr val="accent1">
+              <a:shade val="50000"/>
+            </a:schemeClr>
+          </a:lnRef>
+          <a:fillRef idx="1">
+            <a:schemeClr val="accent1"/>
+          </a:fillRef>
+          <a:effectRef idx="0">
+            <a:schemeClr val="accent1"/>
+          </a:effectRef>
+          <a:fontRef idx="minor">
+            <a:schemeClr val="lt1"/>
+          </a:fontRef>
+        </p:style>
+        <p:txBody>
+          <a:bodyPr rtlCol="0" anchor="ctr"/>
+          <a:lstStyle/>
+          <a:p>
+            <a:pPr algn="ctr"/>
+            <a:endParaRPr lang="en-US" sz="2700"/>
+          </a:p>
+        </p:txBody>
+      </p:sp>
+      <p:pic>
+        <p:nvPicPr>
+          <p:cNvPr id="2" name="Picture 1">
+            <a:extLst>
+              <a:ext uri="{FF2B5EF4-FFF2-40B4-BE49-F238E27FC236}">
+                <a16:creationId xmlns:a16="http://schemas.microsoft.com/office/drawing/2014/main" id="{60B899A5-8108-E222-5F44-E0B1EDDB8EA2}"/>
+              </a:ext>
+            </a:extLst>
+          </p:cNvPr>
+          <p:cNvPicPr>
+            <a:picLocks noChangeAspect="1"/>
+          </p:cNvPicPr>
+          <p:nvPr/>
+        </p:nvPicPr>
+        <p:blipFill rotWithShape="1">
+          <a:blip r:embed="rId3">
+            <a:extLst>
+              <a:ext uri="{28A0092B-C50C-407E-A947-70E740481C1C}">
+                <a14:useLocalDpi xmlns:a14="http://schemas.microsoft.com/office/drawing/2010/main" val="0"/>
+              </a:ext>
+            </a:extLst>
+          </a:blip>
+          <a:srcRect l="69227" t="33418" r="20112" b="50548"/>
+          <a:stretch/>
+        </p:blipFill>
+        <p:spPr>
+          <a:xfrm>
+            <a:off x="15579524" y="7544693"/>
+            <a:ext cx="2708477" cy="2987579"/>
+          </a:xfrm>
+          <a:prstGeom prst="rect">
+            <a:avLst/>
+          </a:prstGeom>
+        </p:spPr>
+      </p:pic>
+      <p:sp>
+        <p:nvSpPr>
+          <p:cNvPr id="3" name="TextBox 2">
+            <a:extLst>
+              <a:ext uri="{FF2B5EF4-FFF2-40B4-BE49-F238E27FC236}">
+                <a16:creationId xmlns:a16="http://schemas.microsoft.com/office/drawing/2014/main" id="{8F76B674-F3EA-A625-DB61-F2E3CC64B0D7}"/>
+              </a:ext>
+            </a:extLst>
+          </p:cNvPr>
+          <p:cNvSpPr txBox="1"/>
+          <p:nvPr/>
+        </p:nvSpPr>
+        <p:spPr>
+          <a:xfrm>
+            <a:off x="260431" y="329879"/>
+            <a:ext cx="8906720" cy="9024522"/>
+          </a:xfrm>
+          <a:prstGeom prst="rect">
+            <a:avLst/>
+          </a:prstGeom>
+          <a:noFill/>
+        </p:spPr>
+        <p:txBody>
+          <a:bodyPr wrap="square" rtlCol="0">
+            <a:spAutoFit/>
+          </a:bodyPr>
+          <a:lstStyle/>
+          <a:p>
+            <a:r>
+              <a:rPr lang="en-US" sz="6000" b="1" dirty="0">
+                <a:solidFill>
+                  <a:srgbClr val="CF3338"/>
+                </a:solidFill>
+                <a:latin typeface="Pragmatica" panose="020B0403040502020204" pitchFamily="34" charset="0"/>
+              </a:rPr>
+              <a:t>Text analysis with Copilot</a:t>
+            </a:r>
+          </a:p>
+          <a:p>
+            <a:endParaRPr lang="en-US" sz="4200" dirty="0">
+              <a:solidFill>
+                <a:srgbClr val="CF3338"/>
+              </a:solidFill>
+              <a:latin typeface="Pragmatica" panose="020B0403040502020204" pitchFamily="34" charset="0"/>
+            </a:endParaRPr>
+          </a:p>
+          <a:p>
+            <a:pPr marL="714375" indent="-571500">
+              <a:lnSpc>
+                <a:spcPct val="115000"/>
+              </a:lnSpc>
+              <a:spcBef>
+                <a:spcPts val="1125"/>
+              </a:spcBef>
+              <a:buClr>
+                <a:srgbClr val="C00000"/>
+              </a:buClr>
+              <a:buSzPts val="2100"/>
+              <a:buFont typeface="Arial" panose="020B0604020202020204" pitchFamily="34" charset="0"/>
+              <a:buChar char="•"/>
+            </a:pPr>
+            <a:r>
+              <a:rPr lang="en-US" sz="3600" dirty="0">
+                <a:solidFill>
+                  <a:srgbClr val="C00000"/>
+                </a:solidFill>
+                <a:latin typeface="Pragmatica" panose="020B0403040502020204"/>
+                <a:sym typeface="Consolas"/>
+              </a:rPr>
+              <a:t>Explore basic text analysis visualizations (e.g. word clouds, frequency charts) </a:t>
+            </a:r>
+          </a:p>
+          <a:p>
+            <a:pPr marL="714375" indent="-571500">
+              <a:lnSpc>
+                <a:spcPct val="115000"/>
+              </a:lnSpc>
+              <a:spcBef>
+                <a:spcPts val="1125"/>
+              </a:spcBef>
+              <a:buClr>
+                <a:srgbClr val="C00000"/>
+              </a:buClr>
+              <a:buSzPts val="2100"/>
+              <a:buFont typeface="Arial" panose="020B0604020202020204" pitchFamily="34" charset="0"/>
+              <a:buChar char="•"/>
+            </a:pPr>
+            <a:r>
+              <a:rPr lang="en-US" sz="3600" dirty="0">
+                <a:solidFill>
+                  <a:srgbClr val="C00000"/>
+                </a:solidFill>
+                <a:latin typeface="Pragmatica" panose="020B0403040502020204"/>
+                <a:sym typeface="Consolas"/>
+              </a:rPr>
+              <a:t>Build a predictive model to classify review sentiments</a:t>
+            </a:r>
+          </a:p>
+          <a:p>
+            <a:pPr marL="714375" indent="-571500">
+              <a:lnSpc>
+                <a:spcPct val="115000"/>
+              </a:lnSpc>
+              <a:spcBef>
+                <a:spcPts val="1125"/>
+              </a:spcBef>
+              <a:buClr>
+                <a:srgbClr val="C00000"/>
+              </a:buClr>
+              <a:buSzPts val="2100"/>
+              <a:buFont typeface="Arial" panose="020B0604020202020204" pitchFamily="34" charset="0"/>
+              <a:buChar char="•"/>
+            </a:pPr>
+            <a:r>
+              <a:rPr lang="en-US" sz="3600" dirty="0">
+                <a:solidFill>
+                  <a:srgbClr val="C00000"/>
+                </a:solidFill>
+                <a:latin typeface="Pragmatica" panose="020B0403040502020204"/>
+                <a:sym typeface="Consolas"/>
+              </a:rPr>
+              <a:t>Evaluate the strengths and limitations of text analysis techniques like word clouds and sentiment prediction.</a:t>
+            </a:r>
+          </a:p>
+          <a:p>
+            <a:pPr marL="142875">
+              <a:lnSpc>
+                <a:spcPct val="115000"/>
+              </a:lnSpc>
+              <a:spcBef>
+                <a:spcPts val="1125"/>
+              </a:spcBef>
+              <a:buClr>
+                <a:srgbClr val="C00000"/>
+              </a:buClr>
+              <a:buSzPts val="2100"/>
+            </a:pPr>
+            <a:endParaRPr lang="en-US" sz="3600" dirty="0">
+              <a:solidFill>
+                <a:srgbClr val="C00000"/>
+              </a:solidFill>
+              <a:latin typeface="Pragmatica" panose="020B0403040502020204"/>
+              <a:sym typeface="Consolas"/>
+            </a:endParaRPr>
+          </a:p>
+          <a:p>
+            <a:pPr marL="142875">
+              <a:lnSpc>
+                <a:spcPct val="115000"/>
+              </a:lnSpc>
+              <a:spcBef>
+                <a:spcPts val="1125"/>
+              </a:spcBef>
+              <a:buClr>
+                <a:srgbClr val="C00000"/>
+              </a:buClr>
+              <a:buSzPts val="2100"/>
+            </a:pPr>
+            <a:r>
+              <a:rPr lang="en-US" sz="3600" dirty="0">
+                <a:solidFill>
+                  <a:srgbClr val="C00000"/>
+                </a:solidFill>
+                <a:latin typeface="Pragmatica" panose="020B0403040502020204"/>
+                <a:sym typeface="Consolas"/>
+              </a:rPr>
+              <a:t>Demo file: copilot-text-demo.xlsx</a:t>
+            </a:r>
+          </a:p>
+          <a:p>
+            <a:endParaRPr lang="en-US" sz="6000" dirty="0">
+              <a:solidFill>
+                <a:srgbClr val="CF3338"/>
+              </a:solidFill>
+              <a:latin typeface="Pragmatica" panose="020B0403040502020204" pitchFamily="34" charset="0"/>
+            </a:endParaRPr>
+          </a:p>
+        </p:txBody>
+      </p:sp>
+    </p:spTree>
+    <p:extLst>
+      <p:ext uri="{BB962C8B-B14F-4D97-AF65-F5344CB8AC3E}">
+        <p14:creationId xmlns:p14="http://schemas.microsoft.com/office/powerpoint/2010/main" val="91624227"/>
+      </p:ext>
+    </p:extLst>
+  </p:cSld>
+  <p:clrMapOvr>
+    <a:masterClrMapping/>
+  </p:clrMapOvr>
+</p:sld>
+</file>
+
+<file path=ppt/slides/slide15.xml><?xml version="1.0" encoding="utf-8"?>
+<p:sld xmlns:a="http://schemas.openxmlformats.org/drawingml/2006/main" xmlns:r="http://schemas.openxmlformats.org/officeDocument/2006/relationships" xmlns:p="http://schemas.openxmlformats.org/presentationml/2006/main">
+  <p:cSld>
+    <p:spTree>
+      <p:nvGrpSpPr>
+        <p:cNvPr id="1" name=""/>
+        <p:cNvGrpSpPr/>
+        <p:nvPr/>
+      </p:nvGrpSpPr>
+      <p:grpSpPr>
+        <a:xfrm>
+          <a:off x="0" y="0"/>
+          <a:ext cx="0" cy="0"/>
+          <a:chOff x="0" y="0"/>
+          <a:chExt cx="0" cy="0"/>
+        </a:xfrm>
+      </p:grpSpPr>
+      <p:sp>
+        <p:nvSpPr>
+          <p:cNvPr id="4" name="Rectangle 3"/>
+          <p:cNvSpPr/>
+          <p:nvPr/>
+        </p:nvSpPr>
+        <p:spPr>
+          <a:xfrm>
+            <a:off x="9861630" y="0"/>
+            <a:ext cx="8426370" cy="10287000"/>
+          </a:xfrm>
+          <a:prstGeom prst="rect">
+            <a:avLst/>
+          </a:prstGeom>
+          <a:solidFill>
+            <a:srgbClr val="CF3338"/>
+          </a:solidFill>
+          <a:ln>
+            <a:noFill/>
+          </a:ln>
+        </p:spPr>
+        <p:style>
+          <a:lnRef idx="2">
+            <a:schemeClr val="accent1">
+              <a:shade val="50000"/>
+            </a:schemeClr>
+          </a:lnRef>
+          <a:fillRef idx="1">
+            <a:schemeClr val="accent1"/>
+          </a:fillRef>
+          <a:effectRef idx="0">
+            <a:schemeClr val="accent1"/>
+          </a:effectRef>
+          <a:fontRef idx="minor">
+            <a:schemeClr val="lt1"/>
+          </a:fontRef>
+        </p:style>
+        <p:txBody>
+          <a:bodyPr rtlCol="0" anchor="ctr"/>
+          <a:lstStyle/>
+          <a:p>
+            <a:pPr algn="ctr"/>
+            <a:endParaRPr lang="en-US" sz="2700"/>
+          </a:p>
+        </p:txBody>
+      </p:sp>
+      <p:pic>
+        <p:nvPicPr>
           <p:cNvPr id="2" name="Picture 1"/>
           <p:cNvPicPr>
             <a:picLocks noChangeAspect="1"/>
@@ -6144,7 +6139,7 @@
         <p:spPr>
           <a:xfrm>
             <a:off x="260431" y="329879"/>
-            <a:ext cx="8906720" cy="8027326"/>
+            <a:ext cx="8906720" cy="10716780"/>
           </a:xfrm>
           <a:prstGeom prst="rect">
             <a:avLst/>
@@ -6164,7 +6159,7 @@
                 </a:solidFill>
                 <a:latin typeface="Pragmatica" panose="020B0403040502020204" pitchFamily="34" charset="0"/>
               </a:rPr>
-              <a:t>Analyzing data with Python in Excel exercises</a:t>
+              <a:t>Exercise: Tracking customer reviews over time</a:t>
             </a:r>
           </a:p>
           <a:p>
@@ -6189,6 +6184,30 @@
             </a:endParaRPr>
           </a:p>
           <a:p>
+            <a:pPr marL="142875">
+              <a:lnSpc>
+                <a:spcPct val="115000"/>
+              </a:lnSpc>
+              <a:spcBef>
+                <a:spcPts val="1125"/>
+              </a:spcBef>
+              <a:buClr>
+                <a:srgbClr val="C00000"/>
+              </a:buClr>
+              <a:buSzPts val="2100"/>
+            </a:pPr>
+            <a:r>
+              <a:rPr lang="en-US" sz="3600" dirty="0">
+                <a:solidFill>
+                  <a:srgbClr val="C00000"/>
+                </a:solidFill>
+                <a:latin typeface="Pragmatica" panose="020B0403040502020204"/>
+                <a:sym typeface="Consolas"/>
+              </a:rPr>
+              <a:t>Dataset: copilot-text-time-series-exercise.xlsx</a:t>
+            </a:r>
+          </a:p>
+          <a:p>
             <a:pPr marL="714375" indent="-571500">
               <a:lnSpc>
                 <a:spcPct val="115000"/>
@@ -6203,16 +6222,13 @@
               <a:buFont typeface="Arial" panose="020B0604020202020204" pitchFamily="34" charset="0"/>
               <a:buChar char="•"/>
             </a:pPr>
-            <a:r>
-              <a:rPr lang="en-US" sz="3600" dirty="0">
-                <a:solidFill>
-                  <a:srgbClr val="C00000"/>
-                </a:solidFill>
-                <a:latin typeface="Pragmatica" panose="020B0403040502020204"/>
-                <a:sym typeface="Consolas"/>
-              </a:rPr>
-              <a:t>Explore relationship between sales, temperature, customer count over time</a:t>
-            </a:r>
+            <a:endParaRPr lang="en-US" sz="3600" dirty="0">
+              <a:solidFill>
+                <a:srgbClr val="C00000"/>
+              </a:solidFill>
+              <a:latin typeface="Pragmatica" panose="020B0403040502020204"/>
+              <a:sym typeface="Consolas"/>
+            </a:endParaRPr>
           </a:p>
           <a:p>
             <a:pPr marL="714375" indent="-571500">
@@ -6237,11 +6253,11 @@
                 <a:latin typeface="Pragmatica" panose="020B0403040502020204"/>
                 <a:sym typeface="Consolas"/>
               </a:rPr>
-              <a:t>Fill in the blanks to complete the code</a:t>
-            </a:r>
-          </a:p>
-          <a:p>
-            <a:pPr marL="685800" indent="-542925">
+              <a:t>Analyze customer reviews across different time periods using this dataset</a:t>
+            </a:r>
+          </a:p>
+          <a:p>
+            <a:pPr marL="714375" indent="-571500">
               <a:lnSpc>
                 <a:spcPct val="115000"/>
               </a:lnSpc>
@@ -6252,19 +6268,22 @@
                 <a:srgbClr val="C00000"/>
               </a:buClr>
               <a:buSzPts val="2100"/>
-              <a:buFont typeface="Arial"/>
-              <a:buAutoNum type="arabicPeriod"/>
+              <a:buFont typeface="Arial" panose="020B0604020202020204" pitchFamily="34" charset="0"/>
+              <a:buChar char="•"/>
             </a:pPr>
-            <a:endParaRPr lang="en-US" sz="3600" dirty="0">
-              <a:solidFill>
-                <a:srgbClr val="C00000"/>
-              </a:solidFill>
-              <a:latin typeface="Pragmatica" panose="020B0403040502020204"/>
-              <a:sym typeface="Consolas"/>
-            </a:endParaRPr>
-          </a:p>
-          <a:p>
-            <a:pPr marL="142875">
+            <a:r>
+              <a:rPr lang="en-US" sz="3600" dirty="0">
+                <a:solidFill>
+                  <a:srgbClr val="C00000"/>
+                </a:solidFill>
+                <a:latin typeface="Pragmatica" panose="020B0403040502020204"/>
+                <a:sym typeface="Consolas"/>
+              </a:rPr>
+              <a:t>Use Copilot to visualize the top positive and negative sentiment words for each quarter</a:t>
+            </a:r>
+          </a:p>
+          <a:p>
+            <a:pPr marL="714375" indent="-571500">
               <a:lnSpc>
                 <a:spcPct val="115000"/>
               </a:lnSpc>
@@ -6275,6 +6294,8 @@
                 <a:srgbClr val="C00000"/>
               </a:buClr>
               <a:buSzPts val="2100"/>
+              <a:buFont typeface="Arial" panose="020B0604020202020204" pitchFamily="34" charset="0"/>
+              <a:buChar char="•"/>
             </a:pPr>
             <a:r>
               <a:rPr lang="en-US" sz="3600" dirty="0">
@@ -6284,24 +6305,8 @@
                 <a:latin typeface="Pragmatica" panose="020B0403040502020204"/>
                 <a:sym typeface="Consolas"/>
               </a:rPr>
-              <a:t>File: </a:t>
-            </a:r>
-            <a:r>
-              <a:rPr lang="en-US" sz="3600" dirty="0">
-                <a:solidFill>
-                  <a:srgbClr val="C00000"/>
-                </a:solidFill>
-                <a:latin typeface="Consolas" panose="020B0609020204030204" pitchFamily="49" charset="0"/>
-                <a:sym typeface="Consolas"/>
-              </a:rPr>
-              <a:t>analyzing-data-with-python-in-excel-exercise.xlsx</a:t>
-            </a:r>
-            <a:endParaRPr lang="en-US" sz="6000" dirty="0">
-              <a:solidFill>
-                <a:srgbClr val="CF3338"/>
-              </a:solidFill>
-              <a:latin typeface="Consolas" panose="020B0609020204030204" pitchFamily="49" charset="0"/>
-            </a:endParaRPr>
+              <a:t>Ask Copilot to explain the strengths and limitations of this type of sentiment analysis.</a:t>
+            </a:r>
           </a:p>
           <a:p>
             <a:endParaRPr lang="en-US" sz="6000" dirty="0">
@@ -6326,7 +6331,7 @@
 </p:sld>
 </file>
 
-<file path=ppt/slides/slide13.xml><?xml version="1.0" encoding="utf-8"?>
+<file path=ppt/slides/slide16.xml><?xml version="1.0" encoding="utf-8"?>
 <p:sld xmlns:a="http://schemas.openxmlformats.org/drawingml/2006/main" xmlns:r="http://schemas.openxmlformats.org/officeDocument/2006/relationships" xmlns:p="http://schemas.openxmlformats.org/presentationml/2006/main">
   <p:cSld>
     <p:spTree>
@@ -6508,7 +6513,7 @@
 </p:sld>
 </file>
 
-<file path=ppt/slides/slide14.xml><?xml version="1.0" encoding="utf-8"?>
+<file path=ppt/slides/slide17.xml><?xml version="1.0" encoding="utf-8"?>
 <p:sld xmlns:a="http://schemas.openxmlformats.org/drawingml/2006/main" xmlns:r="http://schemas.openxmlformats.org/officeDocument/2006/relationships" xmlns:p="http://schemas.openxmlformats.org/presentationml/2006/main">
   <p:cSld>
     <p:spTree>
@@ -6598,7 +6603,7 @@
         <p:spPr>
           <a:xfrm>
             <a:off x="781292" y="590309"/>
-            <a:ext cx="15486926" cy="3139321"/>
+            <a:ext cx="15486926" cy="1615827"/>
           </a:xfrm>
           <a:prstGeom prst="rect">
             <a:avLst/>
@@ -6618,7 +6623,7 @@
                 </a:solidFill>
                 <a:latin typeface="Normafixed Tryout" panose="00000409000000000000" pitchFamily="49" charset="0"/>
               </a:rPr>
-              <a:t>3. Visualizing data with Python in Excel</a:t>
+              <a:t>4. Recap</a:t>
             </a:r>
           </a:p>
         </p:txBody>
@@ -6636,7 +6641,7 @@
 </p:sld>
 </file>
 
-<file path=ppt/slides/slide15.xml><?xml version="1.0" encoding="utf-8"?>
+<file path=ppt/slides/slide18.xml><?xml version="1.0" encoding="utf-8"?>
 <p:sld xmlns:a="http://schemas.openxmlformats.org/drawingml/2006/main" xmlns:r="http://schemas.openxmlformats.org/officeDocument/2006/relationships" xmlns:p="http://schemas.openxmlformats.org/presentationml/2006/main">
   <p:cSld>
     <p:spTree>
@@ -6673,8 +6678,8 @@
         </p:nvSpPr>
         <p:spPr>
           <a:xfrm>
-            <a:off x="9861630" y="0"/>
-            <a:ext cx="8426370" cy="10287000"/>
+            <a:off x="13639800" y="0"/>
+            <a:ext cx="4648200" cy="10287000"/>
           </a:xfrm>
           <a:prstGeom prst="rect">
             <a:avLst/>
@@ -6760,8 +6765,8 @@
         </p:nvSpPr>
         <p:spPr>
           <a:xfrm>
-            <a:off x="260431" y="329879"/>
-            <a:ext cx="8906720" cy="9310754"/>
+            <a:off x="260430" y="329879"/>
+            <a:ext cx="12617369" cy="9024522"/>
           </a:xfrm>
           <a:prstGeom prst="rect">
             <a:avLst/>
@@ -6781,7 +6786,7 @@
                 </a:solidFill>
                 <a:latin typeface="Pragmatica" panose="020B0403040502020204" pitchFamily="34" charset="0"/>
               </a:rPr>
-              <a:t>Visualizing data with Python in Excel</a:t>
+              <a:t>Key takeaways</a:t>
             </a:r>
           </a:p>
           <a:p>
@@ -6793,7 +6798,7 @@
             </a:endParaRPr>
           </a:p>
           <a:p>
-            <a:pPr marL="685800" indent="-542925">
+            <a:pPr marL="714375" indent="-571500">
               <a:lnSpc>
                 <a:spcPct val="115000"/>
               </a:lnSpc>
@@ -6804,8 +6809,8 @@
                 <a:srgbClr val="C00000"/>
               </a:buClr>
               <a:buSzPts val="2100"/>
-              <a:buFont typeface="Arial"/>
-              <a:buAutoNum type="arabicPeriod"/>
+              <a:buFont typeface="Arial" panose="020B0604020202020204" pitchFamily="34" charset="0"/>
+              <a:buChar char="•"/>
             </a:pPr>
             <a:r>
               <a:rPr lang="en-US" sz="3600" dirty="0">
@@ -6815,11 +6820,11 @@
                 <a:latin typeface="Pragmatica" panose="020B0403040502020204"/>
                 <a:sym typeface="Consolas"/>
               </a:rPr>
-              <a:t>Inserting and resizing Python plots in the workbook</a:t>
-            </a:r>
-          </a:p>
-          <a:p>
-            <a:pPr marL="685800" indent="-542925">
+              <a:t>AI-powered Python in Excel is designed for experienced users, not beginners</a:t>
+            </a:r>
+          </a:p>
+          <a:p>
+            <a:pPr marL="714375" indent="-571500">
               <a:lnSpc>
                 <a:spcPct val="115000"/>
               </a:lnSpc>
@@ -6830,8 +6835,8 @@
                 <a:srgbClr val="C00000"/>
               </a:buClr>
               <a:buSzPts val="2100"/>
-              <a:buFont typeface="Arial"/>
-              <a:buAutoNum type="arabicPeriod"/>
+              <a:buFont typeface="Arial" panose="020B0604020202020204" pitchFamily="34" charset="0"/>
+              <a:buChar char="•"/>
             </a:pPr>
             <a:r>
               <a:rPr lang="en-US" sz="3600" dirty="0">
@@ -6841,11 +6846,11 @@
                 <a:latin typeface="Pragmatica" panose="020B0403040502020204"/>
                 <a:sym typeface="Consolas"/>
               </a:rPr>
-              <a:t>Building plots in Python that would be difficult in Excel</a:t>
-            </a:r>
-          </a:p>
-          <a:p>
-            <a:pPr marL="685800" indent="-542925">
+              <a:t>Human analysts remain essential for oversight and interpretation</a:t>
+            </a:r>
+          </a:p>
+          <a:p>
+            <a:pPr marL="714375" indent="-571500">
               <a:lnSpc>
                 <a:spcPct val="115000"/>
               </a:lnSpc>
@@ -6856,8 +6861,8 @@
                 <a:srgbClr val="C00000"/>
               </a:buClr>
               <a:buSzPts val="2100"/>
-              <a:buFont typeface="Arial"/>
-              <a:buAutoNum type="arabicPeriod"/>
+              <a:buFont typeface="Arial" panose="020B0604020202020204" pitchFamily="34" charset="0"/>
+              <a:buChar char="•"/>
             </a:pPr>
             <a:r>
               <a:rPr lang="en-US" sz="3600" dirty="0">
@@ -6867,31 +6872,11 @@
                 <a:latin typeface="Pragmatica" panose="020B0403040502020204"/>
                 <a:sym typeface="Consolas"/>
               </a:rPr>
-              <a:t>Customizing the results of </a:t>
-            </a:r>
-            <a:r>
-              <a:rPr lang="en-US" sz="3600" dirty="0">
-                <a:solidFill>
-                  <a:srgbClr val="C00000"/>
-                </a:solidFill>
-                <a:latin typeface="Consolas" panose="020B0609020204030204" pitchFamily="49" charset="0"/>
-                <a:sym typeface="Consolas"/>
-              </a:rPr>
-              <a:t>seaborn</a:t>
-            </a:r>
-            <a:r>
-              <a:rPr lang="en-US" sz="3600" dirty="0">
-                <a:solidFill>
-                  <a:srgbClr val="C00000"/>
-                </a:solidFill>
-                <a:latin typeface="Pragmatica" panose="020B0403040502020204"/>
-                <a:sym typeface="Consolas"/>
-              </a:rPr>
-              <a:t> plots</a:t>
-            </a:r>
-          </a:p>
-          <a:p>
-            <a:pPr marL="685800" indent="-542925">
+              <a:t>How could this shift reshape the future of data analytics?</a:t>
+            </a:r>
+          </a:p>
+          <a:p>
+            <a:pPr marL="1171575" lvl="1" indent="-571500">
               <a:lnSpc>
                 <a:spcPct val="115000"/>
               </a:lnSpc>
@@ -6902,19 +6887,22 @@
                 <a:srgbClr val="C00000"/>
               </a:buClr>
               <a:buSzPts val="2100"/>
-              <a:buFont typeface="Arial"/>
-              <a:buAutoNum type="arabicPeriod"/>
+              <a:buFont typeface="Arial" panose="020B0604020202020204" pitchFamily="34" charset="0"/>
+              <a:buChar char="•"/>
             </a:pPr>
-            <a:endParaRPr lang="en-US" sz="3600" dirty="0">
-              <a:solidFill>
-                <a:srgbClr val="C00000"/>
-              </a:solidFill>
-              <a:latin typeface="Pragmatica" panose="020B0403040502020204"/>
-              <a:sym typeface="Consolas"/>
-            </a:endParaRPr>
-          </a:p>
-          <a:p>
-            <a:pPr marL="142875">
+            <a:r>
+              <a:rPr lang="en-US" sz="3600" dirty="0">
+                <a:solidFill>
+                  <a:srgbClr val="C00000"/>
+                </a:solidFill>
+                <a:latin typeface="Pragmatica" panose="020B0403040502020204"/>
+                <a:sym typeface="Consolas"/>
+              </a:rPr>
+              <a:t>Is this the beginning of the end for dashboard-centric “self-service BI”?</a:t>
+            </a:r>
+          </a:p>
+          <a:p>
+            <a:pPr marL="1171575" lvl="1" indent="-571500">
               <a:lnSpc>
                 <a:spcPct val="115000"/>
               </a:lnSpc>
@@ -6925,6 +6913,8 @@
                 <a:srgbClr val="C00000"/>
               </a:buClr>
               <a:buSzPts val="2100"/>
+              <a:buFont typeface="Arial" panose="020B0604020202020204" pitchFamily="34" charset="0"/>
+              <a:buChar char="•"/>
             </a:pPr>
             <a:r>
               <a:rPr lang="en-US" sz="3600" dirty="0">
@@ -6934,24 +6924,8 @@
                 <a:latin typeface="Pragmatica" panose="020B0403040502020204"/>
                 <a:sym typeface="Consolas"/>
               </a:rPr>
-              <a:t>File: </a:t>
-            </a:r>
-            <a:r>
-              <a:rPr lang="en-US" sz="3600" dirty="0">
-                <a:solidFill>
-                  <a:srgbClr val="C00000"/>
-                </a:solidFill>
-                <a:latin typeface="Consolas" panose="020B0609020204030204" pitchFamily="49" charset="0"/>
-                <a:sym typeface="Consolas"/>
-              </a:rPr>
-              <a:t>visualizing-data-with-python-in-excel.xlsx</a:t>
-            </a:r>
-            <a:endParaRPr lang="en-US" sz="6000" dirty="0">
-              <a:solidFill>
-                <a:srgbClr val="CF3338"/>
-              </a:solidFill>
-              <a:latin typeface="Consolas" panose="020B0609020204030204" pitchFamily="49" charset="0"/>
-            </a:endParaRPr>
+              <a:t>The rise of augmented analytics and the “citizen data scientist”</a:t>
+            </a:r>
           </a:p>
           <a:p>
             <a:endParaRPr lang="en-US" sz="6000" dirty="0">
@@ -6966,7 +6940,7 @@
     </p:spTree>
     <p:extLst>
       <p:ext uri="{BB962C8B-B14F-4D97-AF65-F5344CB8AC3E}">
-        <p14:creationId xmlns:p14="http://schemas.microsoft.com/office/powerpoint/2010/main" val="1944079761"/>
+        <p14:creationId xmlns:p14="http://schemas.microsoft.com/office/powerpoint/2010/main" val="3435722049"/>
       </p:ext>
     </p:extLst>
   </p:cSld>
@@ -6976,7 +6950,7 @@
 </p:sld>
 </file>
 
-<file path=ppt/slides/slide16.xml><?xml version="1.0" encoding="utf-8"?>
+<file path=ppt/slides/slide19.xml><?xml version="1.0" encoding="utf-8"?>
 <p:sld xmlns:a="http://schemas.openxmlformats.org/drawingml/2006/main" xmlns:r="http://schemas.openxmlformats.org/officeDocument/2006/relationships" xmlns:p="http://schemas.openxmlformats.org/presentationml/2006/main">
   <p:cSld>
     <p:spTree>
@@ -6984,7 +6958,7 @@
         <p:cNvPr id="1" name="">
           <a:extLst>
             <a:ext uri="{FF2B5EF4-FFF2-40B4-BE49-F238E27FC236}">
-              <a16:creationId xmlns:a16="http://schemas.microsoft.com/office/drawing/2014/main" id="{52AD388F-3E28-78E2-4FBF-0B5B6423527B}"/>
+              <a16:creationId xmlns:a16="http://schemas.microsoft.com/office/drawing/2014/main" id="{8C48D4C6-B9FA-7672-C04D-8197E0C63666}"/>
             </a:ext>
           </a:extLst>
         </p:cNvPr>
@@ -7004,7 +6978,7 @@
           <p:cNvPr id="4" name="Rectangle 3">
             <a:extLst>
               <a:ext uri="{FF2B5EF4-FFF2-40B4-BE49-F238E27FC236}">
-                <a16:creationId xmlns:a16="http://schemas.microsoft.com/office/drawing/2014/main" id="{57103EF5-809F-DF6C-737A-A488B961E983}"/>
+                <a16:creationId xmlns:a16="http://schemas.microsoft.com/office/drawing/2014/main" id="{E4A882A5-11FC-4C29-C4E0-4E178992806D}"/>
               </a:ext>
             </a:extLst>
           </p:cNvPr>
@@ -7013,8 +6987,8 @@
         </p:nvSpPr>
         <p:spPr>
           <a:xfrm>
-            <a:off x="9861630" y="0"/>
-            <a:ext cx="8426370" cy="10287000"/>
+            <a:off x="13639800" y="0"/>
+            <a:ext cx="4648200" cy="10287000"/>
           </a:xfrm>
           <a:prstGeom prst="rect">
             <a:avLst/>
@@ -7056,7 +7030,7 @@
           <p:cNvPr id="2" name="Picture 1">
             <a:extLst>
               <a:ext uri="{FF2B5EF4-FFF2-40B4-BE49-F238E27FC236}">
-                <a16:creationId xmlns:a16="http://schemas.microsoft.com/office/drawing/2014/main" id="{E4047BC6-C728-9FDE-55B3-895CD444927C}"/>
+                <a16:creationId xmlns:a16="http://schemas.microsoft.com/office/drawing/2014/main" id="{0BD9C0FB-1716-0FB1-A6C3-7BF95597E59E}"/>
               </a:ext>
             </a:extLst>
           </p:cNvPr>
@@ -7091,7 +7065,7 @@
           <p:cNvPr id="3" name="TextBox 2">
             <a:extLst>
               <a:ext uri="{FF2B5EF4-FFF2-40B4-BE49-F238E27FC236}">
-                <a16:creationId xmlns:a16="http://schemas.microsoft.com/office/drawing/2014/main" id="{F072BC78-592F-295F-B35F-83E3BC1F3C6E}"/>
+                <a16:creationId xmlns:a16="http://schemas.microsoft.com/office/drawing/2014/main" id="{06E31731-9E14-75BD-E6F9-954AD4E559FB}"/>
               </a:ext>
             </a:extLst>
           </p:cNvPr>
@@ -7101,7 +7075,7 @@
         <p:spPr>
           <a:xfrm>
             <a:off x="260431" y="329879"/>
-            <a:ext cx="8906720" cy="8027326"/>
+            <a:ext cx="9035970" cy="8391528"/>
           </a:xfrm>
           <a:prstGeom prst="rect">
             <a:avLst/>
@@ -7121,28 +7095,15 @@
                 </a:solidFill>
                 <a:latin typeface="Pragmatica" panose="020B0403040502020204" pitchFamily="34" charset="0"/>
               </a:rPr>
-              <a:t>Visualizing data with Python in Excel EXERCISE</a:t>
-            </a:r>
-          </a:p>
-          <a:p>
-            <a:pPr marL="142875">
-              <a:lnSpc>
-                <a:spcPct val="115000"/>
-              </a:lnSpc>
-              <a:spcBef>
-                <a:spcPts val="1125"/>
-              </a:spcBef>
-              <a:buClr>
-                <a:srgbClr val="C00000"/>
-              </a:buClr>
-              <a:buSzPts val="2100"/>
-            </a:pPr>
-            <a:endParaRPr lang="en-US" sz="3600" dirty="0">
+              <a:t>Cross-checking AI-Powered Excel</a:t>
+            </a:r>
+          </a:p>
+          <a:p>
+            <a:endParaRPr lang="en-US" sz="4200" dirty="0">
               <a:solidFill>
-                <a:srgbClr val="C00000"/>
+                <a:srgbClr val="CF3338"/>
               </a:solidFill>
-              <a:latin typeface="Pragmatica" panose="020B0403040502020204"/>
-              <a:sym typeface="Consolas"/>
+              <a:latin typeface="Pragmatica" panose="020B0403040502020204" pitchFamily="34" charset="0"/>
             </a:endParaRPr>
           </a:p>
           <a:p>
@@ -7168,7 +7129,7 @@
                 <a:latin typeface="Pragmatica" panose="020B0403040502020204"/>
                 <a:sym typeface="Consolas"/>
               </a:rPr>
-              <a:t>Visualize this data to analyze sales, customer ratings, and more</a:t>
+              <a:t>What processes can we follow to safeguard and cross-check our Python-Copilot-Excel workflow? </a:t>
             </a:r>
           </a:p>
           <a:p>
@@ -7194,11 +7155,38 @@
                 <a:latin typeface="Pragmatica" panose="020B0403040502020204"/>
                 <a:sym typeface="Consolas"/>
               </a:rPr>
-              <a:t>Fill in the blanks to complete the code</a:t>
-            </a:r>
-          </a:p>
-          <a:p>
-            <a:pPr marL="685800" indent="-542925">
+              <a:t>Resource: </a:t>
+            </a:r>
+            <a:r>
+              <a:rPr lang="en-US" sz="3600" dirty="0">
+                <a:solidFill>
+                  <a:srgbClr val="C00000"/>
+                </a:solidFill>
+                <a:latin typeface="Pragmatica" panose="020B0403040502020204"/>
+                <a:sym typeface="Consolas"/>
+                <a:hlinkClick r:id="rId4">
+                  <a:extLst>
+                    <a:ext uri="{A12FA001-AC4F-418D-AE19-62706E023703}">
+                      <ahyp:hlinkClr xmlns:ahyp="http://schemas.microsoft.com/office/drawing/2018/hyperlinkcolor" val="tx"/>
+                    </a:ext>
+                  </a:extLst>
+                </a:hlinkClick>
+              </a:rPr>
+              <a:t>https://stringfestanalytics.com/how-to-cross-check-ai-generated-insights-in-excel/</a:t>
+            </a:r>
+            <a:r>
+              <a:rPr lang="en-US" sz="3600" dirty="0">
+                <a:solidFill>
+                  <a:srgbClr val="C00000"/>
+                </a:solidFill>
+                <a:latin typeface="Pragmatica" panose="020B0403040502020204"/>
+                <a:sym typeface="Consolas"/>
+              </a:rPr>
+              <a:t> </a:t>
+            </a:r>
+          </a:p>
+          <a:p>
+            <a:pPr marL="1171575" lvl="1" indent="-571500">
               <a:lnSpc>
                 <a:spcPct val="115000"/>
               </a:lnSpc>
@@ -7209,29 +7197,8 @@
                 <a:srgbClr val="C00000"/>
               </a:buClr>
               <a:buSzPts val="2100"/>
-              <a:buFont typeface="Arial"/>
-              <a:buAutoNum type="arabicPeriod"/>
-            </a:pPr>
-            <a:endParaRPr lang="en-US" sz="3600" dirty="0">
-              <a:solidFill>
-                <a:srgbClr val="C00000"/>
-              </a:solidFill>
-              <a:latin typeface="Pragmatica" panose="020B0403040502020204"/>
-              <a:sym typeface="Consolas"/>
-            </a:endParaRPr>
-          </a:p>
-          <a:p>
-            <a:pPr marL="142875">
-              <a:lnSpc>
-                <a:spcPct val="115000"/>
-              </a:lnSpc>
-              <a:spcBef>
-                <a:spcPts val="1125"/>
-              </a:spcBef>
-              <a:buClr>
-                <a:srgbClr val="C00000"/>
-              </a:buClr>
-              <a:buSzPts val="2100"/>
+              <a:buFont typeface="Arial" panose="020B0604020202020204" pitchFamily="34" charset="0"/>
+              <a:buChar char="•"/>
             </a:pPr>
             <a:r>
               <a:rPr lang="en-US" sz="3600" dirty="0">
@@ -7241,24 +7208,8 @@
                 <a:latin typeface="Pragmatica" panose="020B0403040502020204"/>
                 <a:sym typeface="Consolas"/>
               </a:rPr>
-              <a:t>File: </a:t>
-            </a:r>
-            <a:r>
-              <a:rPr lang="en-US" sz="3600" dirty="0">
-                <a:solidFill>
-                  <a:srgbClr val="C00000"/>
-                </a:solidFill>
-                <a:latin typeface="Consolas" panose="020B0609020204030204" pitchFamily="49" charset="0"/>
-                <a:sym typeface="Consolas"/>
-              </a:rPr>
-              <a:t>visualizing-data-with-python-in-excel-exercise.xlsx</a:t>
-            </a:r>
-            <a:endParaRPr lang="en-US" sz="6000" dirty="0">
-              <a:solidFill>
-                <a:srgbClr val="CF3338"/>
-              </a:solidFill>
-              <a:latin typeface="Consolas" panose="020B0609020204030204" pitchFamily="49" charset="0"/>
-            </a:endParaRPr>
+              <a:t>“Treat AI like an intern” </a:t>
+            </a:r>
           </a:p>
           <a:p>
             <a:endParaRPr lang="en-US" sz="6000" dirty="0">
@@ -7270,10 +7221,39 @@
           </a:p>
         </p:txBody>
       </p:sp>
+      <p:pic>
+        <p:nvPicPr>
+          <p:cNvPr id="5" name="Picture 4" descr="A person with a blue mask&#10;&#10;AI-generated content may be incorrect.">
+            <a:extLst>
+              <a:ext uri="{FF2B5EF4-FFF2-40B4-BE49-F238E27FC236}">
+                <a16:creationId xmlns:a16="http://schemas.microsoft.com/office/drawing/2014/main" id="{3A0F90B0-E13D-877C-1E91-A7BA2E51A4DD}"/>
+              </a:ext>
+            </a:extLst>
+          </p:cNvPr>
+          <p:cNvPicPr>
+            <a:picLocks noChangeAspect="1"/>
+          </p:cNvPicPr>
+          <p:nvPr/>
+        </p:nvPicPr>
+        <p:blipFill>
+          <a:blip r:embed="rId5"/>
+          <a:srcRect l="25704" r="29233" b="8030"/>
+          <a:stretch/>
+        </p:blipFill>
+        <p:spPr>
+          <a:xfrm>
+            <a:off x="9982200" y="571500"/>
+            <a:ext cx="4152900" cy="8475789"/>
+          </a:xfrm>
+          <a:prstGeom prst="rect">
+            <a:avLst/>
+          </a:prstGeom>
+        </p:spPr>
+      </p:pic>
     </p:spTree>
     <p:extLst>
       <p:ext uri="{BB962C8B-B14F-4D97-AF65-F5344CB8AC3E}">
-        <p14:creationId xmlns:p14="http://schemas.microsoft.com/office/powerpoint/2010/main" val="876532007"/>
+        <p14:creationId xmlns:p14="http://schemas.microsoft.com/office/powerpoint/2010/main" val="3903585909"/>
       </p:ext>
     </p:extLst>
   </p:cSld>
@@ -7283,7 +7263,189 @@
 </p:sld>
 </file>
 
-<file path=ppt/slides/slide17.xml><?xml version="1.0" encoding="utf-8"?>
+<file path=ppt/slides/slide2.xml><?xml version="1.0" encoding="utf-8"?>
+<p:sld xmlns:a="http://schemas.openxmlformats.org/drawingml/2006/main" xmlns:r="http://schemas.openxmlformats.org/officeDocument/2006/relationships" xmlns:p="http://schemas.openxmlformats.org/presentationml/2006/main">
+  <p:cSld>
+    <p:spTree>
+      <p:nvGrpSpPr>
+        <p:cNvPr id="1" name="">
+          <a:extLst>
+            <a:ext uri="{FF2B5EF4-FFF2-40B4-BE49-F238E27FC236}">
+              <a16:creationId xmlns:a16="http://schemas.microsoft.com/office/drawing/2014/main" id="{B5AF349C-C05B-CC10-02A9-AE0EEA5AE461}"/>
+            </a:ext>
+          </a:extLst>
+        </p:cNvPr>
+        <p:cNvGrpSpPr/>
+        <p:nvPr/>
+      </p:nvGrpSpPr>
+      <p:grpSpPr>
+        <a:xfrm>
+          <a:off x="0" y="0"/>
+          <a:ext cx="0" cy="0"/>
+          <a:chOff x="0" y="0"/>
+          <a:chExt cx="0" cy="0"/>
+        </a:xfrm>
+      </p:grpSpPr>
+      <p:pic>
+        <p:nvPicPr>
+          <p:cNvPr id="10" name="Picture 9">
+            <a:extLst>
+              <a:ext uri="{FF2B5EF4-FFF2-40B4-BE49-F238E27FC236}">
+                <a16:creationId xmlns:a16="http://schemas.microsoft.com/office/drawing/2014/main" id="{AC223937-471C-ECB9-3709-C611DC78F37D}"/>
+              </a:ext>
+            </a:extLst>
+          </p:cNvPr>
+          <p:cNvPicPr>
+            <a:picLocks noChangeAspect="1"/>
+          </p:cNvPicPr>
+          <p:nvPr/>
+        </p:nvPicPr>
+        <p:blipFill rotWithShape="1">
+          <a:blip r:embed="rId2">
+            <a:extLst>
+              <a:ext uri="{28A0092B-C50C-407E-A947-70E740481C1C}">
+                <a14:useLocalDpi xmlns:a14="http://schemas.microsoft.com/office/drawing/2010/main" val="0"/>
+              </a:ext>
+            </a:extLst>
+          </a:blip>
+          <a:srcRect l="50728" t="56371"/>
+          <a:stretch/>
+        </p:blipFill>
+        <p:spPr>
+          <a:xfrm>
+            <a:off x="12204691" y="3316148"/>
+            <a:ext cx="6083309" cy="6970854"/>
+          </a:xfrm>
+          <a:prstGeom prst="rect">
+            <a:avLst/>
+          </a:prstGeom>
+        </p:spPr>
+      </p:pic>
+      <p:pic>
+        <p:nvPicPr>
+          <p:cNvPr id="4" name="Picture 3">
+            <a:extLst>
+              <a:ext uri="{FF2B5EF4-FFF2-40B4-BE49-F238E27FC236}">
+                <a16:creationId xmlns:a16="http://schemas.microsoft.com/office/drawing/2014/main" id="{BF1D4868-86A2-B6C3-F4FC-0C1D3936068C}"/>
+              </a:ext>
+            </a:extLst>
+          </p:cNvPr>
+          <p:cNvPicPr>
+            <a:picLocks noChangeAspect="1"/>
+          </p:cNvPicPr>
+          <p:nvPr/>
+        </p:nvPicPr>
+        <p:blipFill>
+          <a:blip r:embed="rId3">
+            <a:extLst>
+              <a:ext uri="{28A0092B-C50C-407E-A947-70E740481C1C}">
+                <a14:useLocalDpi xmlns:a14="http://schemas.microsoft.com/office/drawing/2010/main" val="0"/>
+              </a:ext>
+            </a:extLst>
+          </a:blip>
+          <a:stretch>
+            <a:fillRect/>
+          </a:stretch>
+        </p:blipFill>
+        <p:spPr>
+          <a:xfrm>
+            <a:off x="-807744" y="-3724155"/>
+            <a:ext cx="15257208" cy="11189825"/>
+          </a:xfrm>
+          <a:prstGeom prst="rect">
+            <a:avLst/>
+          </a:prstGeom>
+        </p:spPr>
+      </p:pic>
+      <p:sp>
+        <p:nvSpPr>
+          <p:cNvPr id="11" name="TextBox 10">
+            <a:extLst>
+              <a:ext uri="{FF2B5EF4-FFF2-40B4-BE49-F238E27FC236}">
+                <a16:creationId xmlns:a16="http://schemas.microsoft.com/office/drawing/2014/main" id="{808D4B59-E5F0-9E05-5F44-1C6F02A76924}"/>
+              </a:ext>
+            </a:extLst>
+          </p:cNvPr>
+          <p:cNvSpPr txBox="1"/>
+          <p:nvPr/>
+        </p:nvSpPr>
+        <p:spPr>
+          <a:xfrm>
+            <a:off x="486137" y="2531318"/>
+            <a:ext cx="11979797" cy="923330"/>
+          </a:xfrm>
+          <a:prstGeom prst="rect">
+            <a:avLst/>
+          </a:prstGeom>
+          <a:noFill/>
+        </p:spPr>
+        <p:txBody>
+          <a:bodyPr wrap="square" rtlCol="0">
+            <a:spAutoFit/>
+          </a:bodyPr>
+          <a:lstStyle/>
+          <a:p>
+            <a:r>
+              <a:rPr lang="en-US" sz="5400" b="1" dirty="0">
+                <a:solidFill>
+                  <a:srgbClr val="CF3338"/>
+                </a:solidFill>
+                <a:latin typeface="Pragmatica" panose="020B0403040502020204" pitchFamily="34" charset="0"/>
+              </a:rPr>
+              <a:t>Questions from yesterday?</a:t>
+            </a:r>
+          </a:p>
+        </p:txBody>
+      </p:sp>
+      <p:pic>
+        <p:nvPicPr>
+          <p:cNvPr id="5" name="Picture 4">
+            <a:extLst>
+              <a:ext uri="{FF2B5EF4-FFF2-40B4-BE49-F238E27FC236}">
+                <a16:creationId xmlns:a16="http://schemas.microsoft.com/office/drawing/2014/main" id="{CFCC63B0-32A4-E353-39DC-777B43EC9EC9}"/>
+              </a:ext>
+            </a:extLst>
+          </p:cNvPr>
+          <p:cNvPicPr>
+            <a:picLocks noChangeAspect="1"/>
+          </p:cNvPicPr>
+          <p:nvPr/>
+        </p:nvPicPr>
+        <p:blipFill>
+          <a:blip r:embed="rId4">
+            <a:extLst>
+              <a:ext uri="{28A0092B-C50C-407E-A947-70E740481C1C}">
+                <a14:useLocalDpi xmlns:a14="http://schemas.microsoft.com/office/drawing/2010/main" val="0"/>
+              </a:ext>
+            </a:extLst>
+          </a:blip>
+          <a:srcRect/>
+          <a:stretch/>
+        </p:blipFill>
+        <p:spPr>
+          <a:xfrm>
+            <a:off x="12204691" y="3317239"/>
+            <a:ext cx="6083309" cy="6968672"/>
+          </a:xfrm>
+          <a:prstGeom prst="rect">
+            <a:avLst/>
+          </a:prstGeom>
+        </p:spPr>
+      </p:pic>
+    </p:spTree>
+    <p:extLst>
+      <p:ext uri="{BB962C8B-B14F-4D97-AF65-F5344CB8AC3E}">
+        <p14:creationId xmlns:p14="http://schemas.microsoft.com/office/powerpoint/2010/main" val="1681243255"/>
+      </p:ext>
+    </p:extLst>
+  </p:cSld>
+  <p:clrMapOvr>
+    <a:masterClrMapping/>
+  </p:clrMapOvr>
+</p:sld>
+</file>
+
+<file path=ppt/slides/slide20.xml><?xml version="1.0" encoding="utf-8"?>
 <p:sld xmlns:a="http://schemas.openxmlformats.org/drawingml/2006/main" xmlns:r="http://schemas.openxmlformats.org/officeDocument/2006/relationships" xmlns:p="http://schemas.openxmlformats.org/presentationml/2006/main">
   <p:cSld>
     <p:spTree>
@@ -7441,2909 +7603,7 @@
 </p:sld>
 </file>
 
-<file path=ppt/slides/slide18.xml><?xml version="1.0" encoding="utf-8"?>
-<p:sld xmlns:a="http://schemas.openxmlformats.org/drawingml/2006/main" xmlns:r="http://schemas.openxmlformats.org/officeDocument/2006/relationships" xmlns:p="http://schemas.openxmlformats.org/presentationml/2006/main">
-  <p:cSld>
-    <p:spTree>
-      <p:nvGrpSpPr>
-        <p:cNvPr id="1" name="">
-          <a:extLst>
-            <a:ext uri="{FF2B5EF4-FFF2-40B4-BE49-F238E27FC236}">
-              <a16:creationId xmlns:a16="http://schemas.microsoft.com/office/drawing/2014/main" id="{D5B9D487-5FDD-928B-171D-E34AF10DADA3}"/>
-            </a:ext>
-          </a:extLst>
-        </p:cNvPr>
-        <p:cNvGrpSpPr/>
-        <p:nvPr/>
-      </p:nvGrpSpPr>
-      <p:grpSpPr>
-        <a:xfrm>
-          <a:off x="0" y="0"/>
-          <a:ext cx="0" cy="0"/>
-          <a:chOff x="0" y="0"/>
-          <a:chExt cx="0" cy="0"/>
-        </a:xfrm>
-      </p:grpSpPr>
-      <p:sp>
-        <p:nvSpPr>
-          <p:cNvPr id="4" name="Rectangle 3">
-            <a:extLst>
-              <a:ext uri="{FF2B5EF4-FFF2-40B4-BE49-F238E27FC236}">
-                <a16:creationId xmlns:a16="http://schemas.microsoft.com/office/drawing/2014/main" id="{C4658881-183D-B3AA-2B67-4711223B6C40}"/>
-              </a:ext>
-            </a:extLst>
-          </p:cNvPr>
-          <p:cNvSpPr/>
-          <p:nvPr/>
-        </p:nvSpPr>
-        <p:spPr>
-          <a:xfrm>
-            <a:off x="0" y="0"/>
-            <a:ext cx="18288000" cy="10287000"/>
-          </a:xfrm>
-          <a:prstGeom prst="rect">
-            <a:avLst/>
-          </a:prstGeom>
-          <a:solidFill>
-            <a:srgbClr val="CF3338"/>
-          </a:solidFill>
-          <a:ln>
-            <a:noFill/>
-          </a:ln>
-        </p:spPr>
-        <p:style>
-          <a:lnRef idx="2">
-            <a:schemeClr val="accent1">
-              <a:shade val="50000"/>
-            </a:schemeClr>
-          </a:lnRef>
-          <a:fillRef idx="1">
-            <a:schemeClr val="accent1"/>
-          </a:fillRef>
-          <a:effectRef idx="0">
-            <a:schemeClr val="accent1"/>
-          </a:effectRef>
-          <a:fontRef idx="minor">
-            <a:schemeClr val="lt1"/>
-          </a:fontRef>
-        </p:style>
-        <p:txBody>
-          <a:bodyPr rtlCol="0" anchor="ctr"/>
-          <a:lstStyle/>
-          <a:p>
-            <a:pPr algn="ctr"/>
-            <a:endParaRPr lang="en-US" sz="2700"/>
-          </a:p>
-        </p:txBody>
-      </p:sp>
-      <p:sp>
-        <p:nvSpPr>
-          <p:cNvPr id="5" name="TextBox 4">
-            <a:extLst>
-              <a:ext uri="{FF2B5EF4-FFF2-40B4-BE49-F238E27FC236}">
-                <a16:creationId xmlns:a16="http://schemas.microsoft.com/office/drawing/2014/main" id="{49ACC0F4-3DBC-3668-5BE8-9F565D30335C}"/>
-              </a:ext>
-            </a:extLst>
-          </p:cNvPr>
-          <p:cNvSpPr txBox="1"/>
-          <p:nvPr/>
-        </p:nvSpPr>
-        <p:spPr>
-          <a:xfrm>
-            <a:off x="781292" y="590309"/>
-            <a:ext cx="15486926" cy="3139321"/>
-          </a:xfrm>
-          <a:prstGeom prst="rect">
-            <a:avLst/>
-          </a:prstGeom>
-          <a:noFill/>
-        </p:spPr>
-        <p:txBody>
-          <a:bodyPr wrap="square" rtlCol="0">
-            <a:spAutoFit/>
-          </a:bodyPr>
-          <a:lstStyle/>
-          <a:p>
-            <a:r>
-              <a:rPr lang="en-US" sz="9900" b="1" dirty="0">
-                <a:solidFill>
-                  <a:schemeClr val="bg1"/>
-                </a:solidFill>
-                <a:latin typeface="Normafixed Tryout" panose="00000409000000000000" pitchFamily="49" charset="0"/>
-              </a:rPr>
-              <a:t>4. Combined use cases for Python in Excel</a:t>
-            </a:r>
-          </a:p>
-        </p:txBody>
-      </p:sp>
-    </p:spTree>
-    <p:extLst>
-      <p:ext uri="{BB962C8B-B14F-4D97-AF65-F5344CB8AC3E}">
-        <p14:creationId xmlns:p14="http://schemas.microsoft.com/office/powerpoint/2010/main" val="2453805199"/>
-      </p:ext>
-    </p:extLst>
-  </p:cSld>
-  <p:clrMapOvr>
-    <a:masterClrMapping/>
-  </p:clrMapOvr>
-</p:sld>
-</file>
-
-<file path=ppt/slides/slide19.xml><?xml version="1.0" encoding="utf-8"?>
-<p:sld xmlns:a="http://schemas.openxmlformats.org/drawingml/2006/main" xmlns:r="http://schemas.openxmlformats.org/officeDocument/2006/relationships" xmlns:p="http://schemas.openxmlformats.org/presentationml/2006/main">
-  <p:cSld>
-    <p:spTree>
-      <p:nvGrpSpPr>
-        <p:cNvPr id="1" name="">
-          <a:extLst>
-            <a:ext uri="{FF2B5EF4-FFF2-40B4-BE49-F238E27FC236}">
-              <a16:creationId xmlns:a16="http://schemas.microsoft.com/office/drawing/2014/main" id="{2FB5DE1B-28FC-C0FD-E79F-1EBEED8D1FD1}"/>
-            </a:ext>
-          </a:extLst>
-        </p:cNvPr>
-        <p:cNvGrpSpPr/>
-        <p:nvPr/>
-      </p:nvGrpSpPr>
-      <p:grpSpPr>
-        <a:xfrm>
-          <a:off x="0" y="0"/>
-          <a:ext cx="0" cy="0"/>
-          <a:chOff x="0" y="0"/>
-          <a:chExt cx="0" cy="0"/>
-        </a:xfrm>
-      </p:grpSpPr>
-      <p:sp>
-        <p:nvSpPr>
-          <p:cNvPr id="4" name="Rectangle 3">
-            <a:extLst>
-              <a:ext uri="{FF2B5EF4-FFF2-40B4-BE49-F238E27FC236}">
-                <a16:creationId xmlns:a16="http://schemas.microsoft.com/office/drawing/2014/main" id="{E09FE423-5F2C-B085-E6DB-678A0A38CDFD}"/>
-              </a:ext>
-            </a:extLst>
-          </p:cNvPr>
-          <p:cNvSpPr/>
-          <p:nvPr/>
-        </p:nvSpPr>
-        <p:spPr>
-          <a:xfrm>
-            <a:off x="11963400" y="0"/>
-            <a:ext cx="6324600" cy="10287000"/>
-          </a:xfrm>
-          <a:prstGeom prst="rect">
-            <a:avLst/>
-          </a:prstGeom>
-          <a:solidFill>
-            <a:srgbClr val="CF3338"/>
-          </a:solidFill>
-          <a:ln>
-            <a:noFill/>
-          </a:ln>
-        </p:spPr>
-        <p:style>
-          <a:lnRef idx="2">
-            <a:schemeClr val="accent1">
-              <a:shade val="50000"/>
-            </a:schemeClr>
-          </a:lnRef>
-          <a:fillRef idx="1">
-            <a:schemeClr val="accent1"/>
-          </a:fillRef>
-          <a:effectRef idx="0">
-            <a:schemeClr val="accent1"/>
-          </a:effectRef>
-          <a:fontRef idx="minor">
-            <a:schemeClr val="lt1"/>
-          </a:fontRef>
-        </p:style>
-        <p:txBody>
-          <a:bodyPr rtlCol="0" anchor="ctr"/>
-          <a:lstStyle/>
-          <a:p>
-            <a:pPr algn="ctr"/>
-            <a:endParaRPr lang="en-US" sz="2700"/>
-          </a:p>
-        </p:txBody>
-      </p:sp>
-      <p:pic>
-        <p:nvPicPr>
-          <p:cNvPr id="2" name="Picture 1">
-            <a:extLst>
-              <a:ext uri="{FF2B5EF4-FFF2-40B4-BE49-F238E27FC236}">
-                <a16:creationId xmlns:a16="http://schemas.microsoft.com/office/drawing/2014/main" id="{E21163B3-018D-68FE-688B-922B7B01ECE1}"/>
-              </a:ext>
-            </a:extLst>
-          </p:cNvPr>
-          <p:cNvPicPr>
-            <a:picLocks noChangeAspect="1"/>
-          </p:cNvPicPr>
-          <p:nvPr/>
-        </p:nvPicPr>
-        <p:blipFill rotWithShape="1">
-          <a:blip r:embed="rId3">
-            <a:extLst>
-              <a:ext uri="{28A0092B-C50C-407E-A947-70E740481C1C}">
-                <a14:useLocalDpi xmlns:a14="http://schemas.microsoft.com/office/drawing/2010/main" val="0"/>
-              </a:ext>
-            </a:extLst>
-          </a:blip>
-          <a:srcRect l="69227" t="33418" r="20112" b="50548"/>
-          <a:stretch/>
-        </p:blipFill>
-        <p:spPr>
-          <a:xfrm>
-            <a:off x="15579524" y="7544693"/>
-            <a:ext cx="2708477" cy="2987579"/>
-          </a:xfrm>
-          <a:prstGeom prst="rect">
-            <a:avLst/>
-          </a:prstGeom>
-        </p:spPr>
-      </p:pic>
-      <p:sp>
-        <p:nvSpPr>
-          <p:cNvPr id="3" name="TextBox 2">
-            <a:extLst>
-              <a:ext uri="{FF2B5EF4-FFF2-40B4-BE49-F238E27FC236}">
-                <a16:creationId xmlns:a16="http://schemas.microsoft.com/office/drawing/2014/main" id="{1F0D6E18-C2F9-94D6-0020-F745F308D8E6}"/>
-              </a:ext>
-            </a:extLst>
-          </p:cNvPr>
-          <p:cNvSpPr txBox="1"/>
-          <p:nvPr/>
-        </p:nvSpPr>
-        <p:spPr>
-          <a:xfrm>
-            <a:off x="260430" y="329879"/>
-            <a:ext cx="11017170" cy="10864513"/>
-          </a:xfrm>
-          <a:prstGeom prst="rect">
-            <a:avLst/>
-          </a:prstGeom>
-          <a:noFill/>
-        </p:spPr>
-        <p:txBody>
-          <a:bodyPr wrap="square" rtlCol="0">
-            <a:spAutoFit/>
-          </a:bodyPr>
-          <a:lstStyle/>
-          <a:p>
-            <a:r>
-              <a:rPr lang="en-US" sz="6000" b="1" dirty="0">
-                <a:solidFill>
-                  <a:srgbClr val="CF3338"/>
-                </a:solidFill>
-                <a:latin typeface="Pragmatica" panose="020B0403040502020204" pitchFamily="34" charset="0"/>
-              </a:rPr>
-              <a:t>Building a moving average chart</a:t>
-            </a:r>
-          </a:p>
-          <a:p>
-            <a:endParaRPr lang="en-US" sz="4200" dirty="0">
-              <a:solidFill>
-                <a:srgbClr val="CF3338"/>
-              </a:solidFill>
-              <a:latin typeface="Pragmatica" panose="020B0403040502020204" pitchFamily="34" charset="0"/>
-            </a:endParaRPr>
-          </a:p>
-          <a:p>
-            <a:pPr marL="714375" indent="-571500">
-              <a:lnSpc>
-                <a:spcPct val="115000"/>
-              </a:lnSpc>
-              <a:spcBef>
-                <a:spcPts val="1125"/>
-              </a:spcBef>
-              <a:buClr>
-                <a:srgbClr val="C00000"/>
-              </a:buClr>
-              <a:buSzPts val="2100"/>
-              <a:buFont typeface="Arial" panose="020B0604020202020204" pitchFamily="34" charset="0"/>
-              <a:buChar char="•"/>
-            </a:pPr>
-            <a:r>
-              <a:rPr lang="en-US" sz="3600" dirty="0">
-                <a:solidFill>
-                  <a:srgbClr val="C00000"/>
-                </a:solidFill>
-                <a:latin typeface="Pragmatica" panose="020B0403040502020204"/>
-                <a:sym typeface="Consolas"/>
-              </a:rPr>
-              <a:t>Develop an interactive moving average chart using Python within an Excel workbook</a:t>
-            </a:r>
-          </a:p>
-          <a:p>
-            <a:pPr marL="714375" indent="-571500">
-              <a:lnSpc>
-                <a:spcPct val="115000"/>
-              </a:lnSpc>
-              <a:spcBef>
-                <a:spcPts val="1125"/>
-              </a:spcBef>
-              <a:buClr>
-                <a:srgbClr val="C00000"/>
-              </a:buClr>
-              <a:buSzPts val="2100"/>
-              <a:buFont typeface="Arial" panose="020B0604020202020204" pitchFamily="34" charset="0"/>
-              <a:buChar char="•"/>
-            </a:pPr>
-            <a:r>
-              <a:rPr lang="en-US" sz="3600" dirty="0">
-                <a:solidFill>
-                  <a:srgbClr val="C00000"/>
-                </a:solidFill>
-                <a:latin typeface="Pragmatica" panose="020B0403040502020204"/>
-                <a:sym typeface="Consolas"/>
-              </a:rPr>
-              <a:t>Combine Python backend processing with Excel frontend capabilities to build user-driven data analyses</a:t>
-            </a:r>
-          </a:p>
-          <a:p>
-            <a:pPr marL="142875">
-              <a:lnSpc>
-                <a:spcPct val="115000"/>
-              </a:lnSpc>
-              <a:spcBef>
-                <a:spcPts val="1125"/>
-              </a:spcBef>
-              <a:buClr>
-                <a:srgbClr val="C00000"/>
-              </a:buClr>
-              <a:buSzPts val="2100"/>
-            </a:pPr>
-            <a:r>
-              <a:rPr lang="en-US" sz="3600" dirty="0">
-                <a:solidFill>
-                  <a:srgbClr val="C00000"/>
-                </a:solidFill>
-                <a:latin typeface="Pragmatica" panose="020B0403040502020204"/>
-                <a:sym typeface="Consolas"/>
-              </a:rPr>
-              <a:t>File: </a:t>
-            </a:r>
-            <a:r>
-              <a:rPr lang="en-US" sz="3600" dirty="0">
-                <a:solidFill>
-                  <a:srgbClr val="C00000"/>
-                </a:solidFill>
-                <a:latin typeface="Consolas" panose="020B0609020204030204" pitchFamily="49" charset="0"/>
-                <a:sym typeface="Consolas"/>
-              </a:rPr>
-              <a:t>moving-average.xlsx</a:t>
-            </a:r>
-            <a:br>
-              <a:rPr lang="en-US" sz="3600" dirty="0">
-                <a:solidFill>
-                  <a:srgbClr val="C00000"/>
-                </a:solidFill>
-                <a:latin typeface="Consolas" panose="020B0609020204030204" pitchFamily="49" charset="0"/>
-                <a:sym typeface="Consolas"/>
-              </a:rPr>
-            </a:br>
-            <a:r>
-              <a:rPr lang="en-US" sz="3600" dirty="0">
-                <a:solidFill>
-                  <a:srgbClr val="C00000"/>
-                </a:solidFill>
-                <a:latin typeface="Pragmatica" panose="020B0403040502020204"/>
-                <a:sym typeface="Consolas"/>
-              </a:rPr>
-              <a:t>User-defined resample period: </a:t>
-            </a:r>
-            <a:r>
-              <a:rPr lang="en-US" sz="3600" dirty="0">
-                <a:solidFill>
-                  <a:srgbClr val="C00000"/>
-                </a:solidFill>
-                <a:latin typeface="Consolas" panose="020B0609020204030204" pitchFamily="49" charset="0"/>
-                <a:sym typeface="Consolas"/>
-              </a:rPr>
-              <a:t>dynamic-moving-average.xlsx</a:t>
-            </a:r>
-          </a:p>
-          <a:p>
-            <a:pPr marL="142875">
-              <a:lnSpc>
-                <a:spcPct val="115000"/>
-              </a:lnSpc>
-              <a:spcBef>
-                <a:spcPts val="1125"/>
-              </a:spcBef>
-              <a:buClr>
-                <a:srgbClr val="C00000"/>
-              </a:buClr>
-              <a:buSzPts val="2100"/>
-            </a:pPr>
-            <a:endParaRPr lang="en-US" sz="3600" dirty="0">
-              <a:solidFill>
-                <a:srgbClr val="C00000"/>
-              </a:solidFill>
-              <a:latin typeface="Consolas" panose="020B0609020204030204" pitchFamily="49" charset="0"/>
-              <a:sym typeface="Consolas"/>
-            </a:endParaRPr>
-          </a:p>
-          <a:p>
-            <a:pPr marL="142875">
-              <a:lnSpc>
-                <a:spcPct val="115000"/>
-              </a:lnSpc>
-              <a:spcBef>
-                <a:spcPts val="1125"/>
-              </a:spcBef>
-              <a:buClr>
-                <a:srgbClr val="C00000"/>
-              </a:buClr>
-              <a:buSzPts val="2100"/>
-            </a:pPr>
-            <a:endParaRPr lang="en-US" sz="3600" dirty="0">
-              <a:solidFill>
-                <a:srgbClr val="C00000"/>
-              </a:solidFill>
-              <a:latin typeface="Consolas" panose="020B0609020204030204" pitchFamily="49" charset="0"/>
-              <a:sym typeface="Consolas"/>
-            </a:endParaRPr>
-          </a:p>
-          <a:p>
-            <a:pPr marL="142875">
-              <a:lnSpc>
-                <a:spcPct val="115000"/>
-              </a:lnSpc>
-              <a:spcBef>
-                <a:spcPts val="1125"/>
-              </a:spcBef>
-              <a:buClr>
-                <a:srgbClr val="C00000"/>
-              </a:buClr>
-              <a:buSzPts val="2100"/>
-            </a:pPr>
-            <a:endParaRPr lang="en-US" sz="6000" dirty="0">
-              <a:solidFill>
-                <a:srgbClr val="CF3338"/>
-              </a:solidFill>
-              <a:latin typeface="Consolas" panose="020B0609020204030204" pitchFamily="49" charset="0"/>
-            </a:endParaRPr>
-          </a:p>
-          <a:p>
-            <a:endParaRPr lang="en-US" sz="6000" dirty="0">
-              <a:solidFill>
-                <a:srgbClr val="CF3338"/>
-              </a:solidFill>
-              <a:latin typeface="Pragmatica" panose="020B0403040502020204" pitchFamily="34" charset="0"/>
-            </a:endParaRPr>
-          </a:p>
-        </p:txBody>
-      </p:sp>
-    </p:spTree>
-    <p:extLst>
-      <p:ext uri="{BB962C8B-B14F-4D97-AF65-F5344CB8AC3E}">
-        <p14:creationId xmlns:p14="http://schemas.microsoft.com/office/powerpoint/2010/main" val="3981037871"/>
-      </p:ext>
-    </p:extLst>
-  </p:cSld>
-  <p:clrMapOvr>
-    <a:masterClrMapping/>
-  </p:clrMapOvr>
-</p:sld>
-</file>
-
-<file path=ppt/slides/slide2.xml><?xml version="1.0" encoding="utf-8"?>
-<p:sld xmlns:a="http://schemas.openxmlformats.org/drawingml/2006/main" xmlns:r="http://schemas.openxmlformats.org/officeDocument/2006/relationships" xmlns:p="http://schemas.openxmlformats.org/presentationml/2006/main">
-  <p:cSld>
-    <p:spTree>
-      <p:nvGrpSpPr>
-        <p:cNvPr id="1" name=""/>
-        <p:cNvGrpSpPr/>
-        <p:nvPr/>
-      </p:nvGrpSpPr>
-      <p:grpSpPr>
-        <a:xfrm>
-          <a:off x="0" y="0"/>
-          <a:ext cx="0" cy="0"/>
-          <a:chOff x="0" y="0"/>
-          <a:chExt cx="0" cy="0"/>
-        </a:xfrm>
-      </p:grpSpPr>
-      <p:sp>
-        <p:nvSpPr>
-          <p:cNvPr id="4" name="Rectangle 3"/>
-          <p:cNvSpPr/>
-          <p:nvPr/>
-        </p:nvSpPr>
-        <p:spPr>
-          <a:xfrm>
-            <a:off x="0" y="0"/>
-            <a:ext cx="18288000" cy="10287000"/>
-          </a:xfrm>
-          <a:prstGeom prst="rect">
-            <a:avLst/>
-          </a:prstGeom>
-          <a:solidFill>
-            <a:srgbClr val="CF3338"/>
-          </a:solidFill>
-          <a:ln>
-            <a:noFill/>
-          </a:ln>
-        </p:spPr>
-        <p:style>
-          <a:lnRef idx="2">
-            <a:schemeClr val="accent1">
-              <a:shade val="50000"/>
-            </a:schemeClr>
-          </a:lnRef>
-          <a:fillRef idx="1">
-            <a:schemeClr val="accent1"/>
-          </a:fillRef>
-          <a:effectRef idx="0">
-            <a:schemeClr val="accent1"/>
-          </a:effectRef>
-          <a:fontRef idx="minor">
-            <a:schemeClr val="lt1"/>
-          </a:fontRef>
-        </p:style>
-        <p:txBody>
-          <a:bodyPr rtlCol="0" anchor="ctr"/>
-          <a:lstStyle/>
-          <a:p>
-            <a:pPr algn="ctr"/>
-            <a:endParaRPr lang="en-US" sz="2700"/>
-          </a:p>
-        </p:txBody>
-      </p:sp>
-      <p:sp>
-        <p:nvSpPr>
-          <p:cNvPr id="5" name="TextBox 4"/>
-          <p:cNvSpPr txBox="1"/>
-          <p:nvPr/>
-        </p:nvSpPr>
-        <p:spPr>
-          <a:xfrm>
-            <a:off x="781292" y="590309"/>
-            <a:ext cx="15486926" cy="1615827"/>
-          </a:xfrm>
-          <a:prstGeom prst="rect">
-            <a:avLst/>
-          </a:prstGeom>
-          <a:noFill/>
-        </p:spPr>
-        <p:txBody>
-          <a:bodyPr wrap="square" rtlCol="0">
-            <a:spAutoFit/>
-          </a:bodyPr>
-          <a:lstStyle/>
-          <a:p>
-            <a:r>
-              <a:rPr lang="en-US" sz="9900" b="1" dirty="0">
-                <a:solidFill>
-                  <a:schemeClr val="bg1"/>
-                </a:solidFill>
-                <a:latin typeface="Normafixed Tryout" panose="00000409000000000000" pitchFamily="49" charset="0"/>
-              </a:rPr>
-              <a:t>Hi, I’m George</a:t>
-            </a:r>
-          </a:p>
-        </p:txBody>
-      </p:sp>
-      <p:pic>
-        <p:nvPicPr>
-          <p:cNvPr id="3" name="Picture 4" descr="Advancing into Analytics Cover Image">
-            <a:extLst>
-              <a:ext uri="{FF2B5EF4-FFF2-40B4-BE49-F238E27FC236}">
-                <a16:creationId xmlns:a16="http://schemas.microsoft.com/office/drawing/2014/main" id="{588F684B-18EF-D76C-5F7B-15E4BAD60643}"/>
-              </a:ext>
-            </a:extLst>
-          </p:cNvPr>
-          <p:cNvPicPr>
-            <a:picLocks noChangeAspect="1" noChangeArrowheads="1"/>
-          </p:cNvPicPr>
-          <p:nvPr/>
-        </p:nvPicPr>
-        <p:blipFill>
-          <a:blip r:embed="rId3" cstate="print">
-            <a:extLst>
-              <a:ext uri="{28A0092B-C50C-407E-A947-70E740481C1C}">
-                <a14:useLocalDpi xmlns:a14="http://schemas.microsoft.com/office/drawing/2010/main" val="0"/>
-              </a:ext>
-            </a:extLst>
-          </a:blip>
-          <a:srcRect/>
-          <a:stretch>
-            <a:fillRect/>
-          </a:stretch>
-        </p:blipFill>
-        <p:spPr bwMode="auto">
-          <a:xfrm>
-            <a:off x="15461087" y="456356"/>
-            <a:ext cx="2246761" cy="2934544"/>
-          </a:xfrm>
-          <a:prstGeom prst="rect">
-            <a:avLst/>
-          </a:prstGeom>
-          <a:noFill/>
-          <a:extLst>
-            <a:ext uri="{909E8E84-426E-40DD-AFC4-6F175D3DCCD1}">
-              <a14:hiddenFill xmlns:a14="http://schemas.microsoft.com/office/drawing/2010/main">
-                <a:solidFill>
-                  <a:srgbClr val="FFFFFF"/>
-                </a:solidFill>
-              </a14:hiddenFill>
-            </a:ext>
-          </a:extLst>
-        </p:spPr>
-      </p:pic>
-      <p:pic>
-        <p:nvPicPr>
-          <p:cNvPr id="6" name="Picture 6" descr="Free photos of Cleveland">
-            <a:extLst>
-              <a:ext uri="{FF2B5EF4-FFF2-40B4-BE49-F238E27FC236}">
-                <a16:creationId xmlns:a16="http://schemas.microsoft.com/office/drawing/2014/main" id="{CBA53EEE-E3E1-D99E-A4DC-1C4DD2E6CE4A}"/>
-              </a:ext>
-            </a:extLst>
-          </p:cNvPr>
-          <p:cNvPicPr>
-            <a:picLocks noChangeAspect="1" noChangeArrowheads="1"/>
-          </p:cNvPicPr>
-          <p:nvPr/>
-        </p:nvPicPr>
-        <p:blipFill>
-          <a:blip r:embed="rId4" cstate="print">
-            <a:extLst>
-              <a:ext uri="{28A0092B-C50C-407E-A947-70E740481C1C}">
-                <a14:useLocalDpi xmlns:a14="http://schemas.microsoft.com/office/drawing/2010/main" val="0"/>
-              </a:ext>
-            </a:extLst>
-          </a:blip>
-          <a:srcRect/>
-          <a:stretch>
-            <a:fillRect/>
-          </a:stretch>
-        </p:blipFill>
-        <p:spPr bwMode="auto">
-          <a:xfrm>
-            <a:off x="4758962" y="2476500"/>
-            <a:ext cx="7531585" cy="5013211"/>
-          </a:xfrm>
-          <a:prstGeom prst="rect">
-            <a:avLst/>
-          </a:prstGeom>
-          <a:noFill/>
-          <a:extLst>
-            <a:ext uri="{909E8E84-426E-40DD-AFC4-6F175D3DCCD1}">
-              <a14:hiddenFill xmlns:a14="http://schemas.microsoft.com/office/drawing/2010/main">
-                <a:solidFill>
-                  <a:srgbClr val="FFFFFF"/>
-                </a:solidFill>
-              </a14:hiddenFill>
-            </a:ext>
-          </a:extLst>
-        </p:spPr>
-      </p:pic>
-      <p:pic>
-        <p:nvPicPr>
-          <p:cNvPr id="8" name="Picture 7" descr="Logo&#10;&#10;Description automatically generated">
-            <a:extLst>
-              <a:ext uri="{FF2B5EF4-FFF2-40B4-BE49-F238E27FC236}">
-                <a16:creationId xmlns:a16="http://schemas.microsoft.com/office/drawing/2014/main" id="{97E0F267-87DF-961E-1FAA-47FD4F27A5C6}"/>
-              </a:ext>
-            </a:extLst>
-          </p:cNvPr>
-          <p:cNvPicPr>
-            <a:picLocks noChangeAspect="1"/>
-          </p:cNvPicPr>
-          <p:nvPr/>
-        </p:nvPicPr>
-        <p:blipFill>
-          <a:blip r:embed="rId5" cstate="print">
-            <a:extLst>
-              <a:ext uri="{28A0092B-C50C-407E-A947-70E740481C1C}">
-                <a14:useLocalDpi xmlns:a14="http://schemas.microsoft.com/office/drawing/2010/main" val="0"/>
-              </a:ext>
-            </a:extLst>
-          </a:blip>
-          <a:stretch>
-            <a:fillRect/>
-          </a:stretch>
-        </p:blipFill>
-        <p:spPr>
-          <a:xfrm>
-            <a:off x="10336758" y="6210300"/>
-            <a:ext cx="7448309" cy="5462681"/>
-          </a:xfrm>
-          <a:prstGeom prst="rect">
-            <a:avLst/>
-          </a:prstGeom>
-        </p:spPr>
-      </p:pic>
-      <p:pic>
-        <p:nvPicPr>
-          <p:cNvPr id="1026" name="Picture 2" descr="Excel MVP Led Training - The Best Way to Learn Excel.">
-            <a:extLst>
-              <a:ext uri="{FF2B5EF4-FFF2-40B4-BE49-F238E27FC236}">
-                <a16:creationId xmlns:a16="http://schemas.microsoft.com/office/drawing/2014/main" id="{1541E3A8-702A-355A-01A5-FFB43F9DE736}"/>
-              </a:ext>
-            </a:extLst>
-          </p:cNvPr>
-          <p:cNvPicPr>
-            <a:picLocks noChangeAspect="1" noChangeArrowheads="1"/>
-          </p:cNvPicPr>
-          <p:nvPr/>
-        </p:nvPicPr>
-        <p:blipFill>
-          <a:blip r:embed="rId6">
-            <a:extLst>
-              <a:ext uri="{28A0092B-C50C-407E-A947-70E740481C1C}">
-                <a14:useLocalDpi xmlns:a14="http://schemas.microsoft.com/office/drawing/2010/main" val="0"/>
-              </a:ext>
-            </a:extLst>
-          </a:blip>
-          <a:srcRect/>
-          <a:stretch>
-            <a:fillRect/>
-          </a:stretch>
-        </p:blipFill>
-        <p:spPr bwMode="auto">
-          <a:xfrm>
-            <a:off x="1095268" y="8334375"/>
-            <a:ext cx="4028188" cy="1615827"/>
-          </a:xfrm>
-          <a:prstGeom prst="rect">
-            <a:avLst/>
-          </a:prstGeom>
-          <a:noFill/>
-          <a:extLst>
-            <a:ext uri="{909E8E84-426E-40DD-AFC4-6F175D3DCCD1}">
-              <a14:hiddenFill xmlns:a14="http://schemas.microsoft.com/office/drawing/2010/main">
-                <a:solidFill>
-                  <a:srgbClr val="FFFFFF"/>
-                </a:solidFill>
-              </a14:hiddenFill>
-            </a:ext>
-          </a:extLst>
-        </p:spPr>
-      </p:pic>
-      <p:pic>
-        <p:nvPicPr>
-          <p:cNvPr id="2" name="Picture 2" descr="Modern data analytics in Excel book cover">
-            <a:extLst>
-              <a:ext uri="{FF2B5EF4-FFF2-40B4-BE49-F238E27FC236}">
-                <a16:creationId xmlns:a16="http://schemas.microsoft.com/office/drawing/2014/main" id="{7C823F27-E07D-C4F1-1455-EB2ABBB22C2E}"/>
-              </a:ext>
-            </a:extLst>
-          </p:cNvPr>
-          <p:cNvPicPr>
-            <a:picLocks noChangeAspect="1" noChangeArrowheads="1"/>
-          </p:cNvPicPr>
-          <p:nvPr/>
-        </p:nvPicPr>
-        <p:blipFill>
-          <a:blip r:embed="rId7">
-            <a:extLst>
-              <a:ext uri="{28A0092B-C50C-407E-A947-70E740481C1C}">
-                <a14:useLocalDpi xmlns:a14="http://schemas.microsoft.com/office/drawing/2010/main" val="0"/>
-              </a:ext>
-            </a:extLst>
-          </a:blip>
-          <a:srcRect/>
-          <a:stretch>
-            <a:fillRect/>
-          </a:stretch>
-        </p:blipFill>
-        <p:spPr bwMode="auto">
-          <a:xfrm>
-            <a:off x="13045846" y="3840640"/>
-            <a:ext cx="2400300" cy="3148013"/>
-          </a:xfrm>
-          <a:prstGeom prst="rect">
-            <a:avLst/>
-          </a:prstGeom>
-          <a:noFill/>
-          <a:extLst>
-            <a:ext uri="{909E8E84-426E-40DD-AFC4-6F175D3DCCD1}">
-              <a14:hiddenFill xmlns:a14="http://schemas.microsoft.com/office/drawing/2010/main">
-                <a:solidFill>
-                  <a:srgbClr val="FFFFFF"/>
-                </a:solidFill>
-              </a14:hiddenFill>
-            </a:ext>
-          </a:extLst>
-        </p:spPr>
-      </p:pic>
-      <p:pic>
-        <p:nvPicPr>
-          <p:cNvPr id="7" name="Picture 6">
-            <a:extLst>
-              <a:ext uri="{FF2B5EF4-FFF2-40B4-BE49-F238E27FC236}">
-                <a16:creationId xmlns:a16="http://schemas.microsoft.com/office/drawing/2014/main" id="{AA385810-8B2A-7606-06E4-14CBB24FE733}"/>
-              </a:ext>
-            </a:extLst>
-          </p:cNvPr>
-          <p:cNvPicPr>
-            <a:picLocks noChangeAspect="1"/>
-          </p:cNvPicPr>
-          <p:nvPr/>
-        </p:nvPicPr>
-        <p:blipFill>
-          <a:blip r:embed="rId8"/>
-          <a:stretch>
-            <a:fillRect/>
-          </a:stretch>
-        </p:blipFill>
-        <p:spPr>
-          <a:xfrm>
-            <a:off x="11378971" y="605870"/>
-            <a:ext cx="3333750" cy="1371600"/>
-          </a:xfrm>
-          <a:prstGeom prst="rect">
-            <a:avLst/>
-          </a:prstGeom>
-        </p:spPr>
-      </p:pic>
-    </p:spTree>
-    <p:extLst>
-      <p:ext uri="{BB962C8B-B14F-4D97-AF65-F5344CB8AC3E}">
-        <p14:creationId xmlns:p14="http://schemas.microsoft.com/office/powerpoint/2010/main" val="166785523"/>
-      </p:ext>
-    </p:extLst>
-  </p:cSld>
-  <p:clrMapOvr>
-    <a:masterClrMapping/>
-  </p:clrMapOvr>
-</p:sld>
-</file>
-
-<file path=ppt/slides/slide20.xml><?xml version="1.0" encoding="utf-8"?>
-<p:sld xmlns:a="http://schemas.openxmlformats.org/drawingml/2006/main" xmlns:r="http://schemas.openxmlformats.org/officeDocument/2006/relationships" xmlns:p="http://schemas.openxmlformats.org/presentationml/2006/main">
-  <p:cSld>
-    <p:spTree>
-      <p:nvGrpSpPr>
-        <p:cNvPr id="1" name="">
-          <a:extLst>
-            <a:ext uri="{FF2B5EF4-FFF2-40B4-BE49-F238E27FC236}">
-              <a16:creationId xmlns:a16="http://schemas.microsoft.com/office/drawing/2014/main" id="{1D94D3B1-C917-4EB0-DE9D-04CA302E7F82}"/>
-            </a:ext>
-          </a:extLst>
-        </p:cNvPr>
-        <p:cNvGrpSpPr/>
-        <p:nvPr/>
-      </p:nvGrpSpPr>
-      <p:grpSpPr>
-        <a:xfrm>
-          <a:off x="0" y="0"/>
-          <a:ext cx="0" cy="0"/>
-          <a:chOff x="0" y="0"/>
-          <a:chExt cx="0" cy="0"/>
-        </a:xfrm>
-      </p:grpSpPr>
-      <p:sp>
-        <p:nvSpPr>
-          <p:cNvPr id="4" name="Rectangle 3">
-            <a:extLst>
-              <a:ext uri="{FF2B5EF4-FFF2-40B4-BE49-F238E27FC236}">
-                <a16:creationId xmlns:a16="http://schemas.microsoft.com/office/drawing/2014/main" id="{4F7D33EC-6D3B-E0E8-2880-9F4B01B660E0}"/>
-              </a:ext>
-            </a:extLst>
-          </p:cNvPr>
-          <p:cNvSpPr/>
-          <p:nvPr/>
-        </p:nvSpPr>
-        <p:spPr>
-          <a:xfrm>
-            <a:off x="11963400" y="0"/>
-            <a:ext cx="6324600" cy="10287000"/>
-          </a:xfrm>
-          <a:prstGeom prst="rect">
-            <a:avLst/>
-          </a:prstGeom>
-          <a:solidFill>
-            <a:srgbClr val="CF3338"/>
-          </a:solidFill>
-          <a:ln>
-            <a:noFill/>
-          </a:ln>
-        </p:spPr>
-        <p:style>
-          <a:lnRef idx="2">
-            <a:schemeClr val="accent1">
-              <a:shade val="50000"/>
-            </a:schemeClr>
-          </a:lnRef>
-          <a:fillRef idx="1">
-            <a:schemeClr val="accent1"/>
-          </a:fillRef>
-          <a:effectRef idx="0">
-            <a:schemeClr val="accent1"/>
-          </a:effectRef>
-          <a:fontRef idx="minor">
-            <a:schemeClr val="lt1"/>
-          </a:fontRef>
-        </p:style>
-        <p:txBody>
-          <a:bodyPr rtlCol="0" anchor="ctr"/>
-          <a:lstStyle/>
-          <a:p>
-            <a:pPr algn="ctr"/>
-            <a:endParaRPr lang="en-US" sz="2700"/>
-          </a:p>
-        </p:txBody>
-      </p:sp>
-      <p:pic>
-        <p:nvPicPr>
-          <p:cNvPr id="2" name="Picture 1">
-            <a:extLst>
-              <a:ext uri="{FF2B5EF4-FFF2-40B4-BE49-F238E27FC236}">
-                <a16:creationId xmlns:a16="http://schemas.microsoft.com/office/drawing/2014/main" id="{85747CA4-0869-B933-381D-4273D1DD731C}"/>
-              </a:ext>
-            </a:extLst>
-          </p:cNvPr>
-          <p:cNvPicPr>
-            <a:picLocks noChangeAspect="1"/>
-          </p:cNvPicPr>
-          <p:nvPr/>
-        </p:nvPicPr>
-        <p:blipFill rotWithShape="1">
-          <a:blip r:embed="rId3">
-            <a:extLst>
-              <a:ext uri="{28A0092B-C50C-407E-A947-70E740481C1C}">
-                <a14:useLocalDpi xmlns:a14="http://schemas.microsoft.com/office/drawing/2010/main" val="0"/>
-              </a:ext>
-            </a:extLst>
-          </a:blip>
-          <a:srcRect l="69227" t="33418" r="20112" b="50548"/>
-          <a:stretch/>
-        </p:blipFill>
-        <p:spPr>
-          <a:xfrm>
-            <a:off x="15579524" y="7544693"/>
-            <a:ext cx="2708477" cy="2987579"/>
-          </a:xfrm>
-          <a:prstGeom prst="rect">
-            <a:avLst/>
-          </a:prstGeom>
-        </p:spPr>
-      </p:pic>
-      <p:sp>
-        <p:nvSpPr>
-          <p:cNvPr id="3" name="TextBox 2">
-            <a:extLst>
-              <a:ext uri="{FF2B5EF4-FFF2-40B4-BE49-F238E27FC236}">
-                <a16:creationId xmlns:a16="http://schemas.microsoft.com/office/drawing/2014/main" id="{C91D0215-089E-3CD1-C917-7699A738972C}"/>
-              </a:ext>
-            </a:extLst>
-          </p:cNvPr>
-          <p:cNvSpPr txBox="1"/>
-          <p:nvPr/>
-        </p:nvSpPr>
-        <p:spPr>
-          <a:xfrm>
-            <a:off x="260430" y="329879"/>
-            <a:ext cx="11017170" cy="8387424"/>
-          </a:xfrm>
-          <a:prstGeom prst="rect">
-            <a:avLst/>
-          </a:prstGeom>
-          <a:noFill/>
-        </p:spPr>
-        <p:txBody>
-          <a:bodyPr wrap="square" rtlCol="0">
-            <a:spAutoFit/>
-          </a:bodyPr>
-          <a:lstStyle/>
-          <a:p>
-            <a:r>
-              <a:rPr lang="en-US" sz="6000" b="1" dirty="0">
-                <a:solidFill>
-                  <a:srgbClr val="CF3338"/>
-                </a:solidFill>
-                <a:latin typeface="Pragmatica" panose="020B0403040502020204" pitchFamily="34" charset="0"/>
-              </a:rPr>
-              <a:t>Dynamic measures</a:t>
-            </a:r>
-          </a:p>
-          <a:p>
-            <a:endParaRPr lang="en-US" sz="4200" dirty="0">
-              <a:solidFill>
-                <a:srgbClr val="CF3338"/>
-              </a:solidFill>
-              <a:latin typeface="Pragmatica" panose="020B0403040502020204" pitchFamily="34" charset="0"/>
-            </a:endParaRPr>
-          </a:p>
-          <a:p>
-            <a:pPr marL="714375" indent="-571500">
-              <a:lnSpc>
-                <a:spcPct val="115000"/>
-              </a:lnSpc>
-              <a:spcBef>
-                <a:spcPts val="1125"/>
-              </a:spcBef>
-              <a:buClr>
-                <a:srgbClr val="C00000"/>
-              </a:buClr>
-              <a:buSzPts val="2100"/>
-              <a:buFont typeface="Arial" panose="020B0604020202020204" pitchFamily="34" charset="0"/>
-              <a:buChar char="•"/>
-            </a:pPr>
-            <a:r>
-              <a:rPr lang="en-US" sz="3600" dirty="0">
-                <a:solidFill>
-                  <a:srgbClr val="C00000"/>
-                </a:solidFill>
-                <a:latin typeface="Pragmatica" panose="020B0403040502020204"/>
-                <a:sym typeface="Consolas"/>
-              </a:rPr>
-              <a:t>Create dynamic measures a la Power BI/Tableau</a:t>
-            </a:r>
-          </a:p>
-          <a:p>
-            <a:pPr marL="714375" indent="-571500">
-              <a:lnSpc>
-                <a:spcPct val="115000"/>
-              </a:lnSpc>
-              <a:spcBef>
-                <a:spcPts val="1125"/>
-              </a:spcBef>
-              <a:buClr>
-                <a:srgbClr val="C00000"/>
-              </a:buClr>
-              <a:buSzPts val="2100"/>
-              <a:buFont typeface="Arial" panose="020B0604020202020204" pitchFamily="34" charset="0"/>
-              <a:buChar char="•"/>
-            </a:pPr>
-            <a:r>
-              <a:rPr lang="en-US" sz="3600" dirty="0">
-                <a:solidFill>
-                  <a:srgbClr val="C00000"/>
-                </a:solidFill>
-                <a:latin typeface="Pragmatica" panose="020B0403040502020204"/>
-                <a:sym typeface="Consolas"/>
-              </a:rPr>
-              <a:t>Integrate Python backend processing with Excel’s visualization capabilities to build responsive and customizable bar charts</a:t>
-            </a:r>
-          </a:p>
-          <a:p>
-            <a:pPr marL="714375" indent="-571500">
-              <a:lnSpc>
-                <a:spcPct val="115000"/>
-              </a:lnSpc>
-              <a:spcBef>
-                <a:spcPts val="1125"/>
-              </a:spcBef>
-              <a:buClr>
-                <a:srgbClr val="C00000"/>
-              </a:buClr>
-              <a:buSzPts val="2100"/>
-              <a:buFont typeface="Arial" panose="020B0604020202020204" pitchFamily="34" charset="0"/>
-              <a:buChar char="•"/>
-            </a:pPr>
-            <a:r>
-              <a:rPr lang="en-US" sz="3600" dirty="0">
-                <a:solidFill>
-                  <a:srgbClr val="C00000"/>
-                </a:solidFill>
-                <a:latin typeface="Pragmatica" panose="020B0403040502020204"/>
-                <a:sym typeface="Consolas"/>
-              </a:rPr>
-              <a:t>Utilize Python’s </a:t>
-            </a:r>
-            <a:r>
-              <a:rPr lang="en-US" sz="3600" dirty="0" err="1">
-                <a:solidFill>
-                  <a:srgbClr val="C00000"/>
-                </a:solidFill>
-                <a:latin typeface="Consolas" panose="020B0609020204030204" pitchFamily="49" charset="0"/>
-                <a:sym typeface="Consolas"/>
-              </a:rPr>
-              <a:t>getattr</a:t>
-            </a:r>
-            <a:r>
-              <a:rPr lang="en-US" sz="3600" dirty="0">
-                <a:solidFill>
-                  <a:srgbClr val="C00000"/>
-                </a:solidFill>
-                <a:latin typeface="Consolas" panose="020B0609020204030204" pitchFamily="49" charset="0"/>
-                <a:sym typeface="Consolas"/>
-              </a:rPr>
-              <a:t>()</a:t>
-            </a:r>
-            <a:r>
-              <a:rPr lang="en-US" sz="3600" dirty="0">
-                <a:solidFill>
-                  <a:srgbClr val="C00000"/>
-                </a:solidFill>
-                <a:latin typeface="Pragmatica" panose="020B0403040502020204"/>
-                <a:sym typeface="Consolas"/>
-              </a:rPr>
-              <a:t> function to dynamically handle user-driven inputs for flexible data aggregation</a:t>
-            </a:r>
-          </a:p>
-          <a:p>
-            <a:pPr marL="714375" indent="-571500">
-              <a:lnSpc>
-                <a:spcPct val="115000"/>
-              </a:lnSpc>
-              <a:spcBef>
-                <a:spcPts val="1125"/>
-              </a:spcBef>
-              <a:buClr>
-                <a:srgbClr val="C00000"/>
-              </a:buClr>
-              <a:buSzPts val="2100"/>
-              <a:buFont typeface="Arial" panose="020B0604020202020204" pitchFamily="34" charset="0"/>
-              <a:buChar char="•"/>
-            </a:pPr>
-            <a:endParaRPr lang="en-US" sz="3600" dirty="0">
-              <a:solidFill>
-                <a:srgbClr val="C00000"/>
-              </a:solidFill>
-              <a:latin typeface="Pragmatica" panose="020B0403040502020204"/>
-              <a:sym typeface="Consolas"/>
-            </a:endParaRPr>
-          </a:p>
-          <a:p>
-            <a:pPr marL="142875">
-              <a:lnSpc>
-                <a:spcPct val="115000"/>
-              </a:lnSpc>
-              <a:spcBef>
-                <a:spcPts val="1125"/>
-              </a:spcBef>
-              <a:buClr>
-                <a:srgbClr val="C00000"/>
-              </a:buClr>
-              <a:buSzPts val="2100"/>
-            </a:pPr>
-            <a:r>
-              <a:rPr lang="en-US" sz="3600" dirty="0">
-                <a:solidFill>
-                  <a:srgbClr val="C00000"/>
-                </a:solidFill>
-                <a:latin typeface="Pragmatica" panose="020B0403040502020204"/>
-                <a:sym typeface="Consolas"/>
-              </a:rPr>
-              <a:t>File: </a:t>
-            </a:r>
-            <a:r>
-              <a:rPr lang="en-US" sz="3600" dirty="0">
-                <a:solidFill>
-                  <a:srgbClr val="C00000"/>
-                </a:solidFill>
-                <a:latin typeface="Consolas" panose="020B0609020204030204" pitchFamily="49" charset="0"/>
-                <a:sym typeface="Consolas"/>
-              </a:rPr>
-              <a:t>dynamic-measures.xlsx</a:t>
-            </a:r>
-            <a:endParaRPr lang="en-US" sz="6000" dirty="0">
-              <a:solidFill>
-                <a:srgbClr val="CF3338"/>
-              </a:solidFill>
-              <a:latin typeface="Consolas" panose="020B0609020204030204" pitchFamily="49" charset="0"/>
-            </a:endParaRPr>
-          </a:p>
-          <a:p>
-            <a:endParaRPr lang="en-US" sz="6000" dirty="0">
-              <a:solidFill>
-                <a:srgbClr val="CF3338"/>
-              </a:solidFill>
-              <a:latin typeface="Pragmatica" panose="020B0403040502020204" pitchFamily="34" charset="0"/>
-            </a:endParaRPr>
-          </a:p>
-        </p:txBody>
-      </p:sp>
-    </p:spTree>
-    <p:extLst>
-      <p:ext uri="{BB962C8B-B14F-4D97-AF65-F5344CB8AC3E}">
-        <p14:creationId xmlns:p14="http://schemas.microsoft.com/office/powerpoint/2010/main" val="2476456128"/>
-      </p:ext>
-    </p:extLst>
-  </p:cSld>
-  <p:clrMapOvr>
-    <a:masterClrMapping/>
-  </p:clrMapOvr>
-</p:sld>
-</file>
-
 <file path=ppt/slides/slide21.xml><?xml version="1.0" encoding="utf-8"?>
-<p:sld xmlns:a="http://schemas.openxmlformats.org/drawingml/2006/main" xmlns:r="http://schemas.openxmlformats.org/officeDocument/2006/relationships" xmlns:p="http://schemas.openxmlformats.org/presentationml/2006/main">
-  <p:cSld>
-    <p:spTree>
-      <p:nvGrpSpPr>
-        <p:cNvPr id="1" name="">
-          <a:extLst>
-            <a:ext uri="{FF2B5EF4-FFF2-40B4-BE49-F238E27FC236}">
-              <a16:creationId xmlns:a16="http://schemas.microsoft.com/office/drawing/2014/main" id="{A9848E44-68DD-6AEA-08F3-5606760AEF44}"/>
-            </a:ext>
-          </a:extLst>
-        </p:cNvPr>
-        <p:cNvGrpSpPr/>
-        <p:nvPr/>
-      </p:nvGrpSpPr>
-      <p:grpSpPr>
-        <a:xfrm>
-          <a:off x="0" y="0"/>
-          <a:ext cx="0" cy="0"/>
-          <a:chOff x="0" y="0"/>
-          <a:chExt cx="0" cy="0"/>
-        </a:xfrm>
-      </p:grpSpPr>
-      <p:sp>
-        <p:nvSpPr>
-          <p:cNvPr id="4" name="Rectangle 3">
-            <a:extLst>
-              <a:ext uri="{FF2B5EF4-FFF2-40B4-BE49-F238E27FC236}">
-                <a16:creationId xmlns:a16="http://schemas.microsoft.com/office/drawing/2014/main" id="{615E1502-BDF1-3D8C-22A3-6213D3359402}"/>
-              </a:ext>
-            </a:extLst>
-          </p:cNvPr>
-          <p:cNvSpPr/>
-          <p:nvPr/>
-        </p:nvSpPr>
-        <p:spPr>
-          <a:xfrm>
-            <a:off x="11963400" y="0"/>
-            <a:ext cx="6324600" cy="10287000"/>
-          </a:xfrm>
-          <a:prstGeom prst="rect">
-            <a:avLst/>
-          </a:prstGeom>
-          <a:solidFill>
-            <a:srgbClr val="CF3338"/>
-          </a:solidFill>
-          <a:ln>
-            <a:noFill/>
-          </a:ln>
-        </p:spPr>
-        <p:style>
-          <a:lnRef idx="2">
-            <a:schemeClr val="accent1">
-              <a:shade val="50000"/>
-            </a:schemeClr>
-          </a:lnRef>
-          <a:fillRef idx="1">
-            <a:schemeClr val="accent1"/>
-          </a:fillRef>
-          <a:effectRef idx="0">
-            <a:schemeClr val="accent1"/>
-          </a:effectRef>
-          <a:fontRef idx="minor">
-            <a:schemeClr val="lt1"/>
-          </a:fontRef>
-        </p:style>
-        <p:txBody>
-          <a:bodyPr rtlCol="0" anchor="ctr"/>
-          <a:lstStyle/>
-          <a:p>
-            <a:pPr algn="ctr"/>
-            <a:endParaRPr lang="en-US" sz="2700"/>
-          </a:p>
-        </p:txBody>
-      </p:sp>
-      <p:pic>
-        <p:nvPicPr>
-          <p:cNvPr id="2" name="Picture 1">
-            <a:extLst>
-              <a:ext uri="{FF2B5EF4-FFF2-40B4-BE49-F238E27FC236}">
-                <a16:creationId xmlns:a16="http://schemas.microsoft.com/office/drawing/2014/main" id="{326DC3E1-5616-5EA6-502A-7BCF02A8A09F}"/>
-              </a:ext>
-            </a:extLst>
-          </p:cNvPr>
-          <p:cNvPicPr>
-            <a:picLocks noChangeAspect="1"/>
-          </p:cNvPicPr>
-          <p:nvPr/>
-        </p:nvPicPr>
-        <p:blipFill rotWithShape="1">
-          <a:blip r:embed="rId3">
-            <a:extLst>
-              <a:ext uri="{28A0092B-C50C-407E-A947-70E740481C1C}">
-                <a14:useLocalDpi xmlns:a14="http://schemas.microsoft.com/office/drawing/2010/main" val="0"/>
-              </a:ext>
-            </a:extLst>
-          </a:blip>
-          <a:srcRect l="69227" t="33418" r="20112" b="50548"/>
-          <a:stretch/>
-        </p:blipFill>
-        <p:spPr>
-          <a:xfrm>
-            <a:off x="15579524" y="7544693"/>
-            <a:ext cx="2708477" cy="2987579"/>
-          </a:xfrm>
-          <a:prstGeom prst="rect">
-            <a:avLst/>
-          </a:prstGeom>
-        </p:spPr>
-      </p:pic>
-      <p:sp>
-        <p:nvSpPr>
-          <p:cNvPr id="3" name="TextBox 2">
-            <a:extLst>
-              <a:ext uri="{FF2B5EF4-FFF2-40B4-BE49-F238E27FC236}">
-                <a16:creationId xmlns:a16="http://schemas.microsoft.com/office/drawing/2014/main" id="{5251D885-4940-736A-16C8-F0E8B2DB8282}"/>
-              </a:ext>
-            </a:extLst>
-          </p:cNvPr>
-          <p:cNvSpPr txBox="1"/>
-          <p:nvPr/>
-        </p:nvSpPr>
-        <p:spPr>
-          <a:xfrm>
-            <a:off x="260430" y="329879"/>
-            <a:ext cx="11017170" cy="9306650"/>
-          </a:xfrm>
-          <a:prstGeom prst="rect">
-            <a:avLst/>
-          </a:prstGeom>
-          <a:noFill/>
-        </p:spPr>
-        <p:txBody>
-          <a:bodyPr wrap="square" rtlCol="0">
-            <a:spAutoFit/>
-          </a:bodyPr>
-          <a:lstStyle/>
-          <a:p>
-            <a:r>
-              <a:rPr lang="en-US" sz="6000" b="1" dirty="0">
-                <a:solidFill>
-                  <a:srgbClr val="CF3338"/>
-                </a:solidFill>
-                <a:latin typeface="Pragmatica" panose="020B0403040502020204" pitchFamily="34" charset="0"/>
-              </a:rPr>
-              <a:t>Practical use cases EXERCISE</a:t>
-            </a:r>
-          </a:p>
-          <a:p>
-            <a:endParaRPr lang="en-US" sz="4200" dirty="0">
-              <a:solidFill>
-                <a:srgbClr val="CF3338"/>
-              </a:solidFill>
-              <a:latin typeface="Pragmatica" panose="020B0403040502020204" pitchFamily="34" charset="0"/>
-            </a:endParaRPr>
-          </a:p>
-          <a:p>
-            <a:pPr marL="714375" indent="-571500">
-              <a:lnSpc>
-                <a:spcPct val="115000"/>
-              </a:lnSpc>
-              <a:spcBef>
-                <a:spcPts val="1125"/>
-              </a:spcBef>
-              <a:buClr>
-                <a:srgbClr val="C00000"/>
-              </a:buClr>
-              <a:buSzPts val="2100"/>
-              <a:buFont typeface="Arial" panose="020B0604020202020204" pitchFamily="34" charset="0"/>
-              <a:buChar char="•"/>
-            </a:pPr>
-            <a:r>
-              <a:rPr lang="en-US" sz="3600" dirty="0">
-                <a:solidFill>
-                  <a:srgbClr val="C00000"/>
-                </a:solidFill>
-                <a:latin typeface="Pragmatica" panose="020B0403040502020204"/>
-                <a:sym typeface="Consolas"/>
-              </a:rPr>
-              <a:t>Fill in the blanks to do the following: </a:t>
-            </a:r>
-          </a:p>
-          <a:p>
-            <a:pPr marL="1171575" lvl="1" indent="-571500">
-              <a:lnSpc>
-                <a:spcPct val="115000"/>
-              </a:lnSpc>
-              <a:spcBef>
-                <a:spcPts val="1125"/>
-              </a:spcBef>
-              <a:buClr>
-                <a:srgbClr val="C00000"/>
-              </a:buClr>
-              <a:buSzPts val="2100"/>
-              <a:buFont typeface="Arial" panose="020B0604020202020204" pitchFamily="34" charset="0"/>
-              <a:buChar char="•"/>
-            </a:pPr>
-            <a:r>
-              <a:rPr lang="en-US" sz="3600" dirty="0">
-                <a:solidFill>
-                  <a:srgbClr val="C00000"/>
-                </a:solidFill>
-                <a:latin typeface="Pragmatica" panose="020B0403040502020204"/>
-                <a:sym typeface="Consolas"/>
-              </a:rPr>
-              <a:t>Create user inputs for start date, end date, and cumulative type (sum or mean)</a:t>
-            </a:r>
-          </a:p>
-          <a:p>
-            <a:pPr marL="1628775" lvl="2" indent="-571500">
-              <a:lnSpc>
-                <a:spcPct val="115000"/>
-              </a:lnSpc>
-              <a:spcBef>
-                <a:spcPts val="1125"/>
-              </a:spcBef>
-              <a:buClr>
-                <a:srgbClr val="C00000"/>
-              </a:buClr>
-              <a:buSzPts val="2100"/>
-              <a:buFont typeface="Arial" panose="020B0604020202020204" pitchFamily="34" charset="0"/>
-              <a:buChar char="•"/>
-            </a:pPr>
-            <a:r>
-              <a:rPr lang="en-US" sz="3600" dirty="0">
-                <a:solidFill>
-                  <a:srgbClr val="C00000"/>
-                </a:solidFill>
-                <a:latin typeface="Pragmatica" panose="020B0403040502020204"/>
-                <a:sym typeface="Consolas"/>
-              </a:rPr>
-              <a:t>Use the </a:t>
-            </a:r>
-            <a:r>
-              <a:rPr lang="en-US" sz="3600" dirty="0">
-                <a:solidFill>
-                  <a:srgbClr val="C00000"/>
-                </a:solidFill>
-                <a:latin typeface="Consolas" panose="020B0609020204030204" pitchFamily="49" charset="0"/>
-                <a:sym typeface="Consolas"/>
-              </a:rPr>
-              <a:t>expanding()</a:t>
-            </a:r>
-            <a:r>
-              <a:rPr lang="en-US" sz="3600" dirty="0">
-                <a:solidFill>
-                  <a:srgbClr val="C00000"/>
-                </a:solidFill>
-                <a:latin typeface="Pragmatica" panose="020B0403040502020204"/>
-                <a:sym typeface="Consolas"/>
-              </a:rPr>
-              <a:t> method</a:t>
-            </a:r>
-          </a:p>
-          <a:p>
-            <a:pPr marL="1171575" lvl="1" indent="-571500">
-              <a:lnSpc>
-                <a:spcPct val="115000"/>
-              </a:lnSpc>
-              <a:spcBef>
-                <a:spcPts val="1125"/>
-              </a:spcBef>
-              <a:buClr>
-                <a:srgbClr val="C00000"/>
-              </a:buClr>
-              <a:buSzPts val="2100"/>
-              <a:buFont typeface="Arial" panose="020B0604020202020204" pitchFamily="34" charset="0"/>
-              <a:buChar char="•"/>
-            </a:pPr>
-            <a:r>
-              <a:rPr lang="en-US" sz="3600" dirty="0">
-                <a:solidFill>
-                  <a:srgbClr val="C00000"/>
-                </a:solidFill>
-                <a:latin typeface="Pragmatica" panose="020B0403040502020204"/>
-                <a:sym typeface="Consolas"/>
-              </a:rPr>
-              <a:t>Build line chart of cumulative total over filtered date range</a:t>
-            </a:r>
-          </a:p>
-          <a:p>
-            <a:pPr marL="1171575" lvl="1" indent="-571500">
-              <a:lnSpc>
-                <a:spcPct val="115000"/>
-              </a:lnSpc>
-              <a:spcBef>
-                <a:spcPts val="1125"/>
-              </a:spcBef>
-              <a:buClr>
-                <a:srgbClr val="C00000"/>
-              </a:buClr>
-              <a:buSzPts val="2100"/>
-              <a:buFont typeface="Arial" panose="020B0604020202020204" pitchFamily="34" charset="0"/>
-              <a:buChar char="•"/>
-            </a:pPr>
-            <a:r>
-              <a:rPr lang="en-US" sz="3600" dirty="0">
-                <a:solidFill>
-                  <a:srgbClr val="C00000"/>
-                </a:solidFill>
-                <a:latin typeface="Pragmatica" panose="020B0403040502020204"/>
-                <a:sym typeface="Consolas"/>
-              </a:rPr>
-              <a:t>Don’t forget about </a:t>
-            </a:r>
-            <a:r>
-              <a:rPr lang="en-US" sz="3600" dirty="0" err="1">
-                <a:solidFill>
-                  <a:srgbClr val="C00000"/>
-                </a:solidFill>
-                <a:latin typeface="Consolas" panose="020B0609020204030204" pitchFamily="49" charset="0"/>
-                <a:sym typeface="Consolas"/>
-              </a:rPr>
-              <a:t>getattr</a:t>
-            </a:r>
-            <a:r>
-              <a:rPr lang="en-US" sz="3600" dirty="0">
-                <a:solidFill>
-                  <a:srgbClr val="C00000"/>
-                </a:solidFill>
-                <a:latin typeface="Consolas" panose="020B0609020204030204" pitchFamily="49" charset="0"/>
-                <a:sym typeface="Consolas"/>
-              </a:rPr>
-              <a:t>()</a:t>
-            </a:r>
-            <a:r>
-              <a:rPr lang="en-US" sz="3600" dirty="0">
-                <a:solidFill>
-                  <a:srgbClr val="C00000"/>
-                </a:solidFill>
-                <a:latin typeface="Pragmatica" panose="020B0403040502020204"/>
-                <a:sym typeface="Consolas"/>
-              </a:rPr>
-              <a:t>!</a:t>
-            </a:r>
-          </a:p>
-          <a:p>
-            <a:pPr marL="142875">
-              <a:lnSpc>
-                <a:spcPct val="115000"/>
-              </a:lnSpc>
-              <a:spcBef>
-                <a:spcPts val="1125"/>
-              </a:spcBef>
-              <a:buClr>
-                <a:srgbClr val="C00000"/>
-              </a:buClr>
-              <a:buSzPts val="2100"/>
-            </a:pPr>
-            <a:endParaRPr lang="en-US" sz="3600" dirty="0">
-              <a:solidFill>
-                <a:srgbClr val="C00000"/>
-              </a:solidFill>
-              <a:latin typeface="Pragmatica" panose="020B0403040502020204"/>
-              <a:sym typeface="Consolas"/>
-            </a:endParaRPr>
-          </a:p>
-          <a:p>
-            <a:pPr marL="142875">
-              <a:lnSpc>
-                <a:spcPct val="115000"/>
-              </a:lnSpc>
-              <a:spcBef>
-                <a:spcPts val="1125"/>
-              </a:spcBef>
-              <a:buClr>
-                <a:srgbClr val="C00000"/>
-              </a:buClr>
-              <a:buSzPts val="2100"/>
-            </a:pPr>
-            <a:r>
-              <a:rPr lang="en-US" sz="3600" dirty="0">
-                <a:solidFill>
-                  <a:srgbClr val="C00000"/>
-                </a:solidFill>
-                <a:latin typeface="Pragmatica" panose="020B0403040502020204"/>
-                <a:sym typeface="Consolas"/>
-              </a:rPr>
-              <a:t>File: </a:t>
-            </a:r>
-            <a:r>
-              <a:rPr lang="en-US" sz="3600" dirty="0">
-                <a:solidFill>
-                  <a:srgbClr val="C00000"/>
-                </a:solidFill>
-                <a:latin typeface="Consolas" panose="020B0609020204030204" pitchFamily="49" charset="0"/>
-                <a:sym typeface="Consolas"/>
-              </a:rPr>
-              <a:t>combine-use-cases-challenge.xlsx</a:t>
-            </a:r>
-            <a:endParaRPr lang="en-US" sz="6000" dirty="0">
-              <a:solidFill>
-                <a:srgbClr val="CF3338"/>
-              </a:solidFill>
-              <a:latin typeface="Consolas" panose="020B0609020204030204" pitchFamily="49" charset="0"/>
-            </a:endParaRPr>
-          </a:p>
-          <a:p>
-            <a:endParaRPr lang="en-US" sz="6000" dirty="0">
-              <a:solidFill>
-                <a:srgbClr val="CF3338"/>
-              </a:solidFill>
-              <a:latin typeface="Pragmatica" panose="020B0403040502020204" pitchFamily="34" charset="0"/>
-            </a:endParaRPr>
-          </a:p>
-        </p:txBody>
-      </p:sp>
-    </p:spTree>
-    <p:extLst>
-      <p:ext uri="{BB962C8B-B14F-4D97-AF65-F5344CB8AC3E}">
-        <p14:creationId xmlns:p14="http://schemas.microsoft.com/office/powerpoint/2010/main" val="928994942"/>
-      </p:ext>
-    </p:extLst>
-  </p:cSld>
-  <p:clrMapOvr>
-    <a:masterClrMapping/>
-  </p:clrMapOvr>
-</p:sld>
-</file>
-
-<file path=ppt/slides/slide22.xml><?xml version="1.0" encoding="utf-8"?>
-<p:sld xmlns:a="http://schemas.openxmlformats.org/drawingml/2006/main" xmlns:r="http://schemas.openxmlformats.org/officeDocument/2006/relationships" xmlns:p="http://schemas.openxmlformats.org/presentationml/2006/main">
-  <p:cSld>
-    <p:spTree>
-      <p:nvGrpSpPr>
-        <p:cNvPr id="1" name="">
-          <a:extLst>
-            <a:ext uri="{FF2B5EF4-FFF2-40B4-BE49-F238E27FC236}">
-              <a16:creationId xmlns:a16="http://schemas.microsoft.com/office/drawing/2014/main" id="{BBC5AED6-DC91-8187-A6D7-2AD25D32DD1F}"/>
-            </a:ext>
-          </a:extLst>
-        </p:cNvPr>
-        <p:cNvGrpSpPr/>
-        <p:nvPr/>
-      </p:nvGrpSpPr>
-      <p:grpSpPr>
-        <a:xfrm>
-          <a:off x="0" y="0"/>
-          <a:ext cx="0" cy="0"/>
-          <a:chOff x="0" y="0"/>
-          <a:chExt cx="0" cy="0"/>
-        </a:xfrm>
-      </p:grpSpPr>
-      <p:sp>
-        <p:nvSpPr>
-          <p:cNvPr id="4" name="Rectangle 3">
-            <a:extLst>
-              <a:ext uri="{FF2B5EF4-FFF2-40B4-BE49-F238E27FC236}">
-                <a16:creationId xmlns:a16="http://schemas.microsoft.com/office/drawing/2014/main" id="{4CD7FF6E-1C0C-8CDA-A72F-8F4A7BA94F17}"/>
-              </a:ext>
-            </a:extLst>
-          </p:cNvPr>
-          <p:cNvSpPr/>
-          <p:nvPr/>
-        </p:nvSpPr>
-        <p:spPr>
-          <a:xfrm>
-            <a:off x="0" y="0"/>
-            <a:ext cx="18288000" cy="10287000"/>
-          </a:xfrm>
-          <a:prstGeom prst="rect">
-            <a:avLst/>
-          </a:prstGeom>
-          <a:solidFill>
-            <a:srgbClr val="CF3338"/>
-          </a:solidFill>
-          <a:ln>
-            <a:noFill/>
-          </a:ln>
-        </p:spPr>
-        <p:style>
-          <a:lnRef idx="2">
-            <a:schemeClr val="accent1">
-              <a:shade val="50000"/>
-            </a:schemeClr>
-          </a:lnRef>
-          <a:fillRef idx="1">
-            <a:schemeClr val="accent1"/>
-          </a:fillRef>
-          <a:effectRef idx="0">
-            <a:schemeClr val="accent1"/>
-          </a:effectRef>
-          <a:fontRef idx="minor">
-            <a:schemeClr val="lt1"/>
-          </a:fontRef>
-        </p:style>
-        <p:txBody>
-          <a:bodyPr rtlCol="0" anchor="ctr"/>
-          <a:lstStyle/>
-          <a:p>
-            <a:pPr algn="ctr"/>
-            <a:endParaRPr lang="en-US" sz="2700"/>
-          </a:p>
-        </p:txBody>
-      </p:sp>
-      <p:sp>
-        <p:nvSpPr>
-          <p:cNvPr id="5" name="TextBox 4">
-            <a:extLst>
-              <a:ext uri="{FF2B5EF4-FFF2-40B4-BE49-F238E27FC236}">
-                <a16:creationId xmlns:a16="http://schemas.microsoft.com/office/drawing/2014/main" id="{D538FCA2-526C-505E-2E08-1D89791EED01}"/>
-              </a:ext>
-            </a:extLst>
-          </p:cNvPr>
-          <p:cNvSpPr txBox="1"/>
-          <p:nvPr/>
-        </p:nvSpPr>
-        <p:spPr>
-          <a:xfrm>
-            <a:off x="781292" y="590309"/>
-            <a:ext cx="15486926" cy="3139321"/>
-          </a:xfrm>
-          <a:prstGeom prst="rect">
-            <a:avLst/>
-          </a:prstGeom>
-          <a:noFill/>
-        </p:spPr>
-        <p:txBody>
-          <a:bodyPr wrap="square" rtlCol="0">
-            <a:spAutoFit/>
-          </a:bodyPr>
-          <a:lstStyle/>
-          <a:p>
-            <a:r>
-              <a:rPr lang="en-US" sz="9900" b="1" dirty="0">
-                <a:solidFill>
-                  <a:schemeClr val="bg1"/>
-                </a:solidFill>
-                <a:latin typeface="Normafixed Tryout" panose="00000409000000000000" pitchFamily="49" charset="0"/>
-              </a:rPr>
-              <a:t>5. Quick wins with Python in Excel</a:t>
-            </a:r>
-          </a:p>
-        </p:txBody>
-      </p:sp>
-    </p:spTree>
-    <p:extLst>
-      <p:ext uri="{BB962C8B-B14F-4D97-AF65-F5344CB8AC3E}">
-        <p14:creationId xmlns:p14="http://schemas.microsoft.com/office/powerpoint/2010/main" val="1045755680"/>
-      </p:ext>
-    </p:extLst>
-  </p:cSld>
-  <p:clrMapOvr>
-    <a:masterClrMapping/>
-  </p:clrMapOvr>
-</p:sld>
-</file>
-
-<file path=ppt/slides/slide23.xml><?xml version="1.0" encoding="utf-8"?>
-<p:sld xmlns:a="http://schemas.openxmlformats.org/drawingml/2006/main" xmlns:r="http://schemas.openxmlformats.org/officeDocument/2006/relationships" xmlns:p="http://schemas.openxmlformats.org/presentationml/2006/main">
-  <p:cSld>
-    <p:spTree>
-      <p:nvGrpSpPr>
-        <p:cNvPr id="1" name="">
-          <a:extLst>
-            <a:ext uri="{FF2B5EF4-FFF2-40B4-BE49-F238E27FC236}">
-              <a16:creationId xmlns:a16="http://schemas.microsoft.com/office/drawing/2014/main" id="{F773716B-FBFB-4A41-E766-11EDAE27DD89}"/>
-            </a:ext>
-          </a:extLst>
-        </p:cNvPr>
-        <p:cNvGrpSpPr/>
-        <p:nvPr/>
-      </p:nvGrpSpPr>
-      <p:grpSpPr>
-        <a:xfrm>
-          <a:off x="0" y="0"/>
-          <a:ext cx="0" cy="0"/>
-          <a:chOff x="0" y="0"/>
-          <a:chExt cx="0" cy="0"/>
-        </a:xfrm>
-      </p:grpSpPr>
-      <p:sp>
-        <p:nvSpPr>
-          <p:cNvPr id="4" name="Rectangle 3">
-            <a:extLst>
-              <a:ext uri="{FF2B5EF4-FFF2-40B4-BE49-F238E27FC236}">
-                <a16:creationId xmlns:a16="http://schemas.microsoft.com/office/drawing/2014/main" id="{45833813-FC1E-EA4B-E6D0-E4C986E77CAE}"/>
-              </a:ext>
-            </a:extLst>
-          </p:cNvPr>
-          <p:cNvSpPr/>
-          <p:nvPr/>
-        </p:nvSpPr>
-        <p:spPr>
-          <a:xfrm>
-            <a:off x="9861630" y="0"/>
-            <a:ext cx="8426370" cy="10287000"/>
-          </a:xfrm>
-          <a:prstGeom prst="rect">
-            <a:avLst/>
-          </a:prstGeom>
-          <a:solidFill>
-            <a:srgbClr val="CF3338"/>
-          </a:solidFill>
-          <a:ln>
-            <a:noFill/>
-          </a:ln>
-        </p:spPr>
-        <p:style>
-          <a:lnRef idx="2">
-            <a:schemeClr val="accent1">
-              <a:shade val="50000"/>
-            </a:schemeClr>
-          </a:lnRef>
-          <a:fillRef idx="1">
-            <a:schemeClr val="accent1"/>
-          </a:fillRef>
-          <a:effectRef idx="0">
-            <a:schemeClr val="accent1"/>
-          </a:effectRef>
-          <a:fontRef idx="minor">
-            <a:schemeClr val="lt1"/>
-          </a:fontRef>
-        </p:style>
-        <p:txBody>
-          <a:bodyPr rtlCol="0" anchor="ctr"/>
-          <a:lstStyle/>
-          <a:p>
-            <a:pPr algn="ctr"/>
-            <a:endParaRPr lang="en-US" sz="2700"/>
-          </a:p>
-        </p:txBody>
-      </p:sp>
-      <p:pic>
-        <p:nvPicPr>
-          <p:cNvPr id="2" name="Picture 1">
-            <a:extLst>
-              <a:ext uri="{FF2B5EF4-FFF2-40B4-BE49-F238E27FC236}">
-                <a16:creationId xmlns:a16="http://schemas.microsoft.com/office/drawing/2014/main" id="{3DD85091-F1C0-7814-F1D0-292A40D22404}"/>
-              </a:ext>
-            </a:extLst>
-          </p:cNvPr>
-          <p:cNvPicPr>
-            <a:picLocks noChangeAspect="1"/>
-          </p:cNvPicPr>
-          <p:nvPr/>
-        </p:nvPicPr>
-        <p:blipFill rotWithShape="1">
-          <a:blip r:embed="rId3">
-            <a:extLst>
-              <a:ext uri="{28A0092B-C50C-407E-A947-70E740481C1C}">
-                <a14:useLocalDpi xmlns:a14="http://schemas.microsoft.com/office/drawing/2010/main" val="0"/>
-              </a:ext>
-            </a:extLst>
-          </a:blip>
-          <a:srcRect l="69227" t="33418" r="20112" b="50548"/>
-          <a:stretch/>
-        </p:blipFill>
-        <p:spPr>
-          <a:xfrm>
-            <a:off x="15579524" y="7544693"/>
-            <a:ext cx="2708477" cy="2987579"/>
-          </a:xfrm>
-          <a:prstGeom prst="rect">
-            <a:avLst/>
-          </a:prstGeom>
-        </p:spPr>
-      </p:pic>
-      <p:sp>
-        <p:nvSpPr>
-          <p:cNvPr id="3" name="TextBox 2">
-            <a:extLst>
-              <a:ext uri="{FF2B5EF4-FFF2-40B4-BE49-F238E27FC236}">
-                <a16:creationId xmlns:a16="http://schemas.microsoft.com/office/drawing/2014/main" id="{8D343810-3CE6-09A5-610F-AEF3D053747A}"/>
-              </a:ext>
-            </a:extLst>
-          </p:cNvPr>
-          <p:cNvSpPr txBox="1"/>
-          <p:nvPr/>
-        </p:nvSpPr>
-        <p:spPr>
-          <a:xfrm>
-            <a:off x="260431" y="329879"/>
-            <a:ext cx="8906720" cy="5702074"/>
-          </a:xfrm>
-          <a:prstGeom prst="rect">
-            <a:avLst/>
-          </a:prstGeom>
-          <a:noFill/>
-        </p:spPr>
-        <p:txBody>
-          <a:bodyPr wrap="square" rtlCol="0">
-            <a:spAutoFit/>
-          </a:bodyPr>
-          <a:lstStyle/>
-          <a:p>
-            <a:r>
-              <a:rPr lang="en-US" sz="6000" b="1" dirty="0">
-                <a:solidFill>
-                  <a:srgbClr val="CF3338"/>
-                </a:solidFill>
-                <a:latin typeface="Pragmatica" panose="020B0403040502020204" pitchFamily="34" charset="0"/>
-              </a:rPr>
-              <a:t>Quick wins with Python in Excel</a:t>
-            </a:r>
-          </a:p>
-          <a:p>
-            <a:endParaRPr lang="en-US" sz="4200" dirty="0">
-              <a:solidFill>
-                <a:srgbClr val="CF3338"/>
-              </a:solidFill>
-              <a:latin typeface="Pragmatica" panose="020B0403040502020204" pitchFamily="34" charset="0"/>
-            </a:endParaRPr>
-          </a:p>
-          <a:p>
-            <a:pPr marL="714375" indent="-571500">
-              <a:lnSpc>
-                <a:spcPct val="115000"/>
-              </a:lnSpc>
-              <a:spcBef>
-                <a:spcPts val="1125"/>
-              </a:spcBef>
-              <a:buClr>
-                <a:srgbClr val="C00000"/>
-              </a:buClr>
-              <a:buSzPts val="2100"/>
-              <a:buFont typeface="Arial" panose="020B0604020202020204" pitchFamily="34" charset="0"/>
-              <a:buChar char="•"/>
-            </a:pPr>
-            <a:r>
-              <a:rPr lang="en-US" sz="3600" dirty="0">
-                <a:solidFill>
-                  <a:srgbClr val="C00000"/>
-                </a:solidFill>
-                <a:latin typeface="Pragmatica" panose="020B0403040502020204"/>
-                <a:sym typeface="Consolas"/>
-              </a:rPr>
-              <a:t>Python is NOT inherently harder than Excel...</a:t>
-            </a:r>
-          </a:p>
-          <a:p>
-            <a:pPr marL="714375" indent="-571500">
-              <a:lnSpc>
-                <a:spcPct val="115000"/>
-              </a:lnSpc>
-              <a:spcBef>
-                <a:spcPts val="1125"/>
-              </a:spcBef>
-              <a:buClr>
-                <a:srgbClr val="C00000"/>
-              </a:buClr>
-              <a:buSzPts val="2100"/>
-              <a:buFont typeface="Arial" panose="020B0604020202020204" pitchFamily="34" charset="0"/>
-              <a:buChar char="•"/>
-            </a:pPr>
-            <a:r>
-              <a:rPr lang="en-US" sz="3600" dirty="0">
-                <a:solidFill>
-                  <a:srgbClr val="C00000"/>
-                </a:solidFill>
-                <a:latin typeface="Pragmatica" panose="020B0403040502020204"/>
-                <a:sym typeface="Consolas"/>
-              </a:rPr>
-              <a:t>15 top use cases, ~1 line apiece!</a:t>
-            </a:r>
-            <a:endParaRPr lang="en-US" sz="6000" dirty="0">
-              <a:solidFill>
-                <a:srgbClr val="CF3338"/>
-              </a:solidFill>
-              <a:latin typeface="Consolas" panose="020B0609020204030204" pitchFamily="49" charset="0"/>
-            </a:endParaRPr>
-          </a:p>
-          <a:p>
-            <a:endParaRPr lang="en-US" sz="6000" dirty="0">
-              <a:solidFill>
-                <a:srgbClr val="CF3338"/>
-              </a:solidFill>
-              <a:latin typeface="Pragmatica" panose="020B0403040502020204" pitchFamily="34" charset="0"/>
-            </a:endParaRPr>
-          </a:p>
-        </p:txBody>
-      </p:sp>
-    </p:spTree>
-    <p:extLst>
-      <p:ext uri="{BB962C8B-B14F-4D97-AF65-F5344CB8AC3E}">
-        <p14:creationId xmlns:p14="http://schemas.microsoft.com/office/powerpoint/2010/main" val="519096309"/>
-      </p:ext>
-    </p:extLst>
-  </p:cSld>
-  <p:clrMapOvr>
-    <a:masterClrMapping/>
-  </p:clrMapOvr>
-</p:sld>
-</file>
-
-<file path=ppt/slides/slide24.xml><?xml version="1.0" encoding="utf-8"?>
-<p:sld xmlns:a="http://schemas.openxmlformats.org/drawingml/2006/main" xmlns:r="http://schemas.openxmlformats.org/officeDocument/2006/relationships" xmlns:p="http://schemas.openxmlformats.org/presentationml/2006/main">
-  <p:cSld>
-    <p:spTree>
-      <p:nvGrpSpPr>
-        <p:cNvPr id="1" name="">
-          <a:extLst>
-            <a:ext uri="{FF2B5EF4-FFF2-40B4-BE49-F238E27FC236}">
-              <a16:creationId xmlns:a16="http://schemas.microsoft.com/office/drawing/2014/main" id="{E85323C9-D5F7-C820-78B9-E169BDF2311C}"/>
-            </a:ext>
-          </a:extLst>
-        </p:cNvPr>
-        <p:cNvGrpSpPr/>
-        <p:nvPr/>
-      </p:nvGrpSpPr>
-      <p:grpSpPr>
-        <a:xfrm>
-          <a:off x="0" y="0"/>
-          <a:ext cx="0" cy="0"/>
-          <a:chOff x="0" y="0"/>
-          <a:chExt cx="0" cy="0"/>
-        </a:xfrm>
-      </p:grpSpPr>
-      <p:sp>
-        <p:nvSpPr>
-          <p:cNvPr id="4" name="Rectangle 3">
-            <a:extLst>
-              <a:ext uri="{FF2B5EF4-FFF2-40B4-BE49-F238E27FC236}">
-                <a16:creationId xmlns:a16="http://schemas.microsoft.com/office/drawing/2014/main" id="{28971779-1F50-1702-DEC1-87CD482189F0}"/>
-              </a:ext>
-            </a:extLst>
-          </p:cNvPr>
-          <p:cNvSpPr/>
-          <p:nvPr/>
-        </p:nvSpPr>
-        <p:spPr>
-          <a:xfrm>
-            <a:off x="0" y="0"/>
-            <a:ext cx="18288000" cy="10287000"/>
-          </a:xfrm>
-          <a:prstGeom prst="rect">
-            <a:avLst/>
-          </a:prstGeom>
-          <a:solidFill>
-            <a:srgbClr val="CF3338"/>
-          </a:solidFill>
-          <a:ln>
-            <a:noFill/>
-          </a:ln>
-        </p:spPr>
-        <p:style>
-          <a:lnRef idx="2">
-            <a:schemeClr val="accent1">
-              <a:shade val="50000"/>
-            </a:schemeClr>
-          </a:lnRef>
-          <a:fillRef idx="1">
-            <a:schemeClr val="accent1"/>
-          </a:fillRef>
-          <a:effectRef idx="0">
-            <a:schemeClr val="accent1"/>
-          </a:effectRef>
-          <a:fontRef idx="minor">
-            <a:schemeClr val="lt1"/>
-          </a:fontRef>
-        </p:style>
-        <p:txBody>
-          <a:bodyPr rtlCol="0" anchor="ctr"/>
-          <a:lstStyle/>
-          <a:p>
-            <a:pPr algn="ctr"/>
-            <a:endParaRPr lang="en-US" sz="2700"/>
-          </a:p>
-        </p:txBody>
-      </p:sp>
-      <p:sp>
-        <p:nvSpPr>
-          <p:cNvPr id="5" name="TextBox 4">
-            <a:extLst>
-              <a:ext uri="{FF2B5EF4-FFF2-40B4-BE49-F238E27FC236}">
-                <a16:creationId xmlns:a16="http://schemas.microsoft.com/office/drawing/2014/main" id="{5ECC4C7B-C529-5329-03AC-796804551DC1}"/>
-              </a:ext>
-            </a:extLst>
-          </p:cNvPr>
-          <p:cNvSpPr txBox="1"/>
-          <p:nvPr/>
-        </p:nvSpPr>
-        <p:spPr>
-          <a:xfrm>
-            <a:off x="781292" y="590309"/>
-            <a:ext cx="15486926" cy="1615827"/>
-          </a:xfrm>
-          <a:prstGeom prst="rect">
-            <a:avLst/>
-          </a:prstGeom>
-          <a:noFill/>
-        </p:spPr>
-        <p:txBody>
-          <a:bodyPr wrap="square" rtlCol="0">
-            <a:spAutoFit/>
-          </a:bodyPr>
-          <a:lstStyle/>
-          <a:p>
-            <a:r>
-              <a:rPr lang="en-US" sz="9900" b="1" dirty="0">
-                <a:solidFill>
-                  <a:schemeClr val="bg1"/>
-                </a:solidFill>
-                <a:latin typeface="Normafixed Tryout" panose="00000409000000000000" pitchFamily="49" charset="0"/>
-              </a:rPr>
-              <a:t>Conclusion</a:t>
-            </a:r>
-          </a:p>
-        </p:txBody>
-      </p:sp>
-    </p:spTree>
-    <p:extLst>
-      <p:ext uri="{BB962C8B-B14F-4D97-AF65-F5344CB8AC3E}">
-        <p14:creationId xmlns:p14="http://schemas.microsoft.com/office/powerpoint/2010/main" val="358064314"/>
-      </p:ext>
-    </p:extLst>
-  </p:cSld>
-  <p:clrMapOvr>
-    <a:masterClrMapping/>
-  </p:clrMapOvr>
-</p:sld>
-</file>
-
-<file path=ppt/slides/slide25.xml><?xml version="1.0" encoding="utf-8"?>
-<p:sld xmlns:a="http://schemas.openxmlformats.org/drawingml/2006/main" xmlns:r="http://schemas.openxmlformats.org/officeDocument/2006/relationships" xmlns:p="http://schemas.openxmlformats.org/presentationml/2006/main">
-  <p:cSld>
-    <p:spTree>
-      <p:nvGrpSpPr>
-        <p:cNvPr id="1" name="">
-          <a:extLst>
-            <a:ext uri="{FF2B5EF4-FFF2-40B4-BE49-F238E27FC236}">
-              <a16:creationId xmlns:a16="http://schemas.microsoft.com/office/drawing/2014/main" id="{EDD10D06-D0B5-9212-A34F-8F08B4D2DF86}"/>
-            </a:ext>
-          </a:extLst>
-        </p:cNvPr>
-        <p:cNvGrpSpPr/>
-        <p:nvPr/>
-      </p:nvGrpSpPr>
-      <p:grpSpPr>
-        <a:xfrm>
-          <a:off x="0" y="0"/>
-          <a:ext cx="0" cy="0"/>
-          <a:chOff x="0" y="0"/>
-          <a:chExt cx="0" cy="0"/>
-        </a:xfrm>
-      </p:grpSpPr>
-      <p:sp>
-        <p:nvSpPr>
-          <p:cNvPr id="4" name="Rectangle 3">
-            <a:extLst>
-              <a:ext uri="{FF2B5EF4-FFF2-40B4-BE49-F238E27FC236}">
-                <a16:creationId xmlns:a16="http://schemas.microsoft.com/office/drawing/2014/main" id="{6764A5DC-38D4-7F12-151E-016E4E827436}"/>
-              </a:ext>
-            </a:extLst>
-          </p:cNvPr>
-          <p:cNvSpPr/>
-          <p:nvPr/>
-        </p:nvSpPr>
-        <p:spPr>
-          <a:xfrm>
-            <a:off x="9861630" y="0"/>
-            <a:ext cx="8426370" cy="10287000"/>
-          </a:xfrm>
-          <a:prstGeom prst="rect">
-            <a:avLst/>
-          </a:prstGeom>
-          <a:solidFill>
-            <a:srgbClr val="CF3338"/>
-          </a:solidFill>
-          <a:ln>
-            <a:noFill/>
-          </a:ln>
-        </p:spPr>
-        <p:style>
-          <a:lnRef idx="2">
-            <a:schemeClr val="accent1">
-              <a:shade val="50000"/>
-            </a:schemeClr>
-          </a:lnRef>
-          <a:fillRef idx="1">
-            <a:schemeClr val="accent1"/>
-          </a:fillRef>
-          <a:effectRef idx="0">
-            <a:schemeClr val="accent1"/>
-          </a:effectRef>
-          <a:fontRef idx="minor">
-            <a:schemeClr val="lt1"/>
-          </a:fontRef>
-        </p:style>
-        <p:txBody>
-          <a:bodyPr rtlCol="0" anchor="ctr"/>
-          <a:lstStyle/>
-          <a:p>
-            <a:pPr algn="ctr"/>
-            <a:endParaRPr lang="en-US" sz="2700"/>
-          </a:p>
-        </p:txBody>
-      </p:sp>
-      <p:pic>
-        <p:nvPicPr>
-          <p:cNvPr id="2" name="Picture 1">
-            <a:extLst>
-              <a:ext uri="{FF2B5EF4-FFF2-40B4-BE49-F238E27FC236}">
-                <a16:creationId xmlns:a16="http://schemas.microsoft.com/office/drawing/2014/main" id="{F59C7250-A4DB-0BEE-0BC0-39A290D09B14}"/>
-              </a:ext>
-            </a:extLst>
-          </p:cNvPr>
-          <p:cNvPicPr>
-            <a:picLocks noChangeAspect="1"/>
-          </p:cNvPicPr>
-          <p:nvPr/>
-        </p:nvPicPr>
-        <p:blipFill rotWithShape="1">
-          <a:blip r:embed="rId3">
-            <a:extLst>
-              <a:ext uri="{28A0092B-C50C-407E-A947-70E740481C1C}">
-                <a14:useLocalDpi xmlns:a14="http://schemas.microsoft.com/office/drawing/2010/main" val="0"/>
-              </a:ext>
-            </a:extLst>
-          </a:blip>
-          <a:srcRect l="69227" t="33418" r="20112" b="50548"/>
-          <a:stretch/>
-        </p:blipFill>
-        <p:spPr>
-          <a:xfrm>
-            <a:off x="15579524" y="7544693"/>
-            <a:ext cx="2708477" cy="2987579"/>
-          </a:xfrm>
-          <a:prstGeom prst="rect">
-            <a:avLst/>
-          </a:prstGeom>
-        </p:spPr>
-      </p:pic>
-      <p:sp>
-        <p:nvSpPr>
-          <p:cNvPr id="3" name="TextBox 2">
-            <a:extLst>
-              <a:ext uri="{FF2B5EF4-FFF2-40B4-BE49-F238E27FC236}">
-                <a16:creationId xmlns:a16="http://schemas.microsoft.com/office/drawing/2014/main" id="{7477DFE9-D506-DBB3-AF0C-C6AE174A701B}"/>
-              </a:ext>
-            </a:extLst>
-          </p:cNvPr>
-          <p:cNvSpPr txBox="1"/>
-          <p:nvPr/>
-        </p:nvSpPr>
-        <p:spPr>
-          <a:xfrm>
-            <a:off x="260431" y="329879"/>
-            <a:ext cx="8906720" cy="4256037"/>
-          </a:xfrm>
-          <a:prstGeom prst="rect">
-            <a:avLst/>
-          </a:prstGeom>
-          <a:noFill/>
-        </p:spPr>
-        <p:txBody>
-          <a:bodyPr wrap="square" rtlCol="0">
-            <a:spAutoFit/>
-          </a:bodyPr>
-          <a:lstStyle/>
-          <a:p>
-            <a:r>
-              <a:rPr lang="en-US" sz="6000" b="1" dirty="0">
-                <a:solidFill>
-                  <a:srgbClr val="CF3338"/>
-                </a:solidFill>
-                <a:latin typeface="Pragmatica" panose="020B0403040502020204" pitchFamily="34" charset="0"/>
-              </a:rPr>
-              <a:t>Resource: </a:t>
-            </a:r>
-            <a:r>
-              <a:rPr lang="en-US" sz="6000" b="1" i="1" dirty="0">
-                <a:solidFill>
-                  <a:srgbClr val="CF3338"/>
-                </a:solidFill>
-                <a:latin typeface="Pragmatica" panose="020B0403040502020204" pitchFamily="34" charset="0"/>
-              </a:rPr>
-              <a:t>Advancing into Analytics</a:t>
-            </a:r>
-            <a:endParaRPr lang="en-US" sz="6000" b="1" dirty="0">
-              <a:solidFill>
-                <a:srgbClr val="CF3338"/>
-              </a:solidFill>
-              <a:latin typeface="Pragmatica" panose="020B0403040502020204" pitchFamily="34" charset="0"/>
-            </a:endParaRPr>
-          </a:p>
-          <a:p>
-            <a:pPr marL="142875">
-              <a:lnSpc>
-                <a:spcPct val="115000"/>
-              </a:lnSpc>
-              <a:spcBef>
-                <a:spcPts val="1125"/>
-              </a:spcBef>
-              <a:buClr>
-                <a:srgbClr val="C00000"/>
-              </a:buClr>
-              <a:buSzPts val="2100"/>
-            </a:pPr>
-            <a:endParaRPr lang="en-US" sz="3600" dirty="0">
-              <a:solidFill>
-                <a:srgbClr val="C00000"/>
-              </a:solidFill>
-              <a:latin typeface="Pragmatica" panose="020B0403040502020204"/>
-              <a:sym typeface="Consolas"/>
-            </a:endParaRPr>
-          </a:p>
-          <a:p>
-            <a:r>
-              <a:rPr lang="en-US" sz="4000" dirty="0">
-                <a:solidFill>
-                  <a:srgbClr val="CF3338"/>
-                </a:solidFill>
-                <a:latin typeface="Pragmatica" panose="020B0403040502020204" pitchFamily="34" charset="0"/>
-              </a:rPr>
-              <a:t>stringfestanalytics.com/book</a:t>
-            </a:r>
-            <a:endParaRPr lang="en-US" sz="3600" dirty="0">
-              <a:solidFill>
-                <a:srgbClr val="CF3338"/>
-              </a:solidFill>
-              <a:latin typeface="Pragmatica" panose="020B0403040502020204" pitchFamily="34" charset="0"/>
-            </a:endParaRPr>
-          </a:p>
-          <a:p>
-            <a:endParaRPr lang="en-US" sz="6000" dirty="0">
-              <a:solidFill>
-                <a:srgbClr val="CF3338"/>
-              </a:solidFill>
-              <a:latin typeface="Pragmatica" panose="020B0403040502020204" pitchFamily="34" charset="0"/>
-            </a:endParaRPr>
-          </a:p>
-        </p:txBody>
-      </p:sp>
-      <p:pic>
-        <p:nvPicPr>
-          <p:cNvPr id="2050" name="Picture 2" descr="Advancing into Analytics">
-            <a:extLst>
-              <a:ext uri="{FF2B5EF4-FFF2-40B4-BE49-F238E27FC236}">
-                <a16:creationId xmlns:a16="http://schemas.microsoft.com/office/drawing/2014/main" id="{5B2AAF1C-37EA-DD65-2C5E-842E5A429CB7}"/>
-              </a:ext>
-            </a:extLst>
-          </p:cNvPr>
-          <p:cNvPicPr>
-            <a:picLocks noChangeAspect="1" noChangeArrowheads="1"/>
-          </p:cNvPicPr>
-          <p:nvPr/>
-        </p:nvPicPr>
-        <p:blipFill>
-          <a:blip r:embed="rId4">
-            <a:extLst>
-              <a:ext uri="{28A0092B-C50C-407E-A947-70E740481C1C}">
-                <a14:useLocalDpi xmlns:a14="http://schemas.microsoft.com/office/drawing/2010/main" val="0"/>
-              </a:ext>
-            </a:extLst>
-          </a:blip>
-          <a:srcRect/>
-          <a:stretch>
-            <a:fillRect/>
-          </a:stretch>
-        </p:blipFill>
-        <p:spPr bwMode="auto">
-          <a:xfrm>
-            <a:off x="381000" y="5044380"/>
-            <a:ext cx="3810000" cy="5000625"/>
-          </a:xfrm>
-          <a:prstGeom prst="rect">
-            <a:avLst/>
-          </a:prstGeom>
-          <a:noFill/>
-          <a:extLst>
-            <a:ext uri="{909E8E84-426E-40DD-AFC4-6F175D3DCCD1}">
-              <a14:hiddenFill xmlns:a14="http://schemas.microsoft.com/office/drawing/2010/main">
-                <a:solidFill>
-                  <a:srgbClr val="FFFFFF"/>
-                </a:solidFill>
-              </a14:hiddenFill>
-            </a:ext>
-          </a:extLst>
-        </p:spPr>
-      </p:pic>
-    </p:spTree>
-    <p:extLst>
-      <p:ext uri="{BB962C8B-B14F-4D97-AF65-F5344CB8AC3E}">
-        <p14:creationId xmlns:p14="http://schemas.microsoft.com/office/powerpoint/2010/main" val="1543383187"/>
-      </p:ext>
-    </p:extLst>
-  </p:cSld>
-  <p:clrMapOvr>
-    <a:masterClrMapping/>
-  </p:clrMapOvr>
-</p:sld>
-</file>
-
-<file path=ppt/slides/slide26.xml><?xml version="1.0" encoding="utf-8"?>
-<p:sld xmlns:a="http://schemas.openxmlformats.org/drawingml/2006/main" xmlns:r="http://schemas.openxmlformats.org/officeDocument/2006/relationships" xmlns:p="http://schemas.openxmlformats.org/presentationml/2006/main">
-  <p:cSld>
-    <p:spTree>
-      <p:nvGrpSpPr>
-        <p:cNvPr id="1" name="">
-          <a:extLst>
-            <a:ext uri="{FF2B5EF4-FFF2-40B4-BE49-F238E27FC236}">
-              <a16:creationId xmlns:a16="http://schemas.microsoft.com/office/drawing/2014/main" id="{556CB9BC-ABA6-103A-715B-D3B9A4577CCE}"/>
-            </a:ext>
-          </a:extLst>
-        </p:cNvPr>
-        <p:cNvGrpSpPr/>
-        <p:nvPr/>
-      </p:nvGrpSpPr>
-      <p:grpSpPr>
-        <a:xfrm>
-          <a:off x="0" y="0"/>
-          <a:ext cx="0" cy="0"/>
-          <a:chOff x="0" y="0"/>
-          <a:chExt cx="0" cy="0"/>
-        </a:xfrm>
-      </p:grpSpPr>
-      <p:sp>
-        <p:nvSpPr>
-          <p:cNvPr id="4" name="Rectangle 3">
-            <a:extLst>
-              <a:ext uri="{FF2B5EF4-FFF2-40B4-BE49-F238E27FC236}">
-                <a16:creationId xmlns:a16="http://schemas.microsoft.com/office/drawing/2014/main" id="{DADD1AF2-9FDD-94D8-80B6-5B4D41D189A9}"/>
-              </a:ext>
-            </a:extLst>
-          </p:cNvPr>
-          <p:cNvSpPr/>
-          <p:nvPr/>
-        </p:nvSpPr>
-        <p:spPr>
-          <a:xfrm>
-            <a:off x="9861630" y="0"/>
-            <a:ext cx="8426370" cy="10287000"/>
-          </a:xfrm>
-          <a:prstGeom prst="rect">
-            <a:avLst/>
-          </a:prstGeom>
-          <a:solidFill>
-            <a:srgbClr val="CF3338"/>
-          </a:solidFill>
-          <a:ln>
-            <a:noFill/>
-          </a:ln>
-        </p:spPr>
-        <p:style>
-          <a:lnRef idx="2">
-            <a:schemeClr val="accent1">
-              <a:shade val="50000"/>
-            </a:schemeClr>
-          </a:lnRef>
-          <a:fillRef idx="1">
-            <a:schemeClr val="accent1"/>
-          </a:fillRef>
-          <a:effectRef idx="0">
-            <a:schemeClr val="accent1"/>
-          </a:effectRef>
-          <a:fontRef idx="minor">
-            <a:schemeClr val="lt1"/>
-          </a:fontRef>
-        </p:style>
-        <p:txBody>
-          <a:bodyPr rtlCol="0" anchor="ctr"/>
-          <a:lstStyle/>
-          <a:p>
-            <a:pPr algn="ctr"/>
-            <a:endParaRPr lang="en-US" sz="2700"/>
-          </a:p>
-        </p:txBody>
-      </p:sp>
-      <p:pic>
-        <p:nvPicPr>
-          <p:cNvPr id="2" name="Picture 1">
-            <a:extLst>
-              <a:ext uri="{FF2B5EF4-FFF2-40B4-BE49-F238E27FC236}">
-                <a16:creationId xmlns:a16="http://schemas.microsoft.com/office/drawing/2014/main" id="{B995B80C-F573-6FA2-163B-B895205BFF2A}"/>
-              </a:ext>
-            </a:extLst>
-          </p:cNvPr>
-          <p:cNvPicPr>
-            <a:picLocks noChangeAspect="1"/>
-          </p:cNvPicPr>
-          <p:nvPr/>
-        </p:nvPicPr>
-        <p:blipFill rotWithShape="1">
-          <a:blip r:embed="rId3">
-            <a:extLst>
-              <a:ext uri="{28A0092B-C50C-407E-A947-70E740481C1C}">
-                <a14:useLocalDpi xmlns:a14="http://schemas.microsoft.com/office/drawing/2010/main" val="0"/>
-              </a:ext>
-            </a:extLst>
-          </a:blip>
-          <a:srcRect l="69227" t="33418" r="20112" b="50548"/>
-          <a:stretch/>
-        </p:blipFill>
-        <p:spPr>
-          <a:xfrm>
-            <a:off x="15579524" y="7544693"/>
-            <a:ext cx="2708477" cy="2987579"/>
-          </a:xfrm>
-          <a:prstGeom prst="rect">
-            <a:avLst/>
-          </a:prstGeom>
-        </p:spPr>
-      </p:pic>
-      <p:sp>
-        <p:nvSpPr>
-          <p:cNvPr id="3" name="TextBox 2">
-            <a:extLst>
-              <a:ext uri="{FF2B5EF4-FFF2-40B4-BE49-F238E27FC236}">
-                <a16:creationId xmlns:a16="http://schemas.microsoft.com/office/drawing/2014/main" id="{1B972C77-007E-B6EB-C801-5C7906650F63}"/>
-              </a:ext>
-            </a:extLst>
-          </p:cNvPr>
-          <p:cNvSpPr txBox="1"/>
-          <p:nvPr/>
-        </p:nvSpPr>
-        <p:spPr>
-          <a:xfrm>
-            <a:off x="260431" y="329879"/>
-            <a:ext cx="8906720" cy="2624821"/>
-          </a:xfrm>
-          <a:prstGeom prst="rect">
-            <a:avLst/>
-          </a:prstGeom>
-          <a:noFill/>
-        </p:spPr>
-        <p:txBody>
-          <a:bodyPr wrap="square" rtlCol="0">
-            <a:spAutoFit/>
-          </a:bodyPr>
-          <a:lstStyle/>
-          <a:p>
-            <a:r>
-              <a:rPr lang="en-US" sz="6000" b="1" dirty="0">
-                <a:solidFill>
-                  <a:srgbClr val="CF3338"/>
-                </a:solidFill>
-                <a:latin typeface="Pragmatica" panose="020B0403040502020204" pitchFamily="34" charset="0"/>
-              </a:rPr>
-              <a:t>Resource: </a:t>
-            </a:r>
-            <a:r>
-              <a:rPr lang="en-US" sz="6000" b="1" i="1" dirty="0">
-                <a:solidFill>
-                  <a:srgbClr val="CF3338"/>
-                </a:solidFill>
-                <a:latin typeface="Pragmatica" panose="020B0403040502020204" pitchFamily="34" charset="0"/>
-              </a:rPr>
-              <a:t>Python for Excel</a:t>
-            </a:r>
-            <a:endParaRPr lang="en-US" sz="6000" b="1" dirty="0">
-              <a:solidFill>
-                <a:srgbClr val="CF3338"/>
-              </a:solidFill>
-              <a:latin typeface="Pragmatica" panose="020B0403040502020204" pitchFamily="34" charset="0"/>
-            </a:endParaRPr>
-          </a:p>
-          <a:p>
-            <a:pPr marL="142875">
-              <a:lnSpc>
-                <a:spcPct val="115000"/>
-              </a:lnSpc>
-              <a:spcBef>
-                <a:spcPts val="1125"/>
-              </a:spcBef>
-              <a:buClr>
-                <a:srgbClr val="C00000"/>
-              </a:buClr>
-              <a:buSzPts val="2100"/>
-            </a:pPr>
-            <a:endParaRPr lang="en-US" sz="3600" dirty="0">
-              <a:solidFill>
-                <a:srgbClr val="C00000"/>
-              </a:solidFill>
-              <a:latin typeface="Pragmatica" panose="020B0403040502020204"/>
-              <a:sym typeface="Consolas"/>
-            </a:endParaRPr>
-          </a:p>
-          <a:p>
-            <a:r>
-              <a:rPr lang="en-US" sz="5400" dirty="0">
-                <a:solidFill>
-                  <a:srgbClr val="CF3338"/>
-                </a:solidFill>
-                <a:latin typeface="Pragmatica" panose="020B0403040502020204" pitchFamily="34" charset="0"/>
-              </a:rPr>
-              <a:t>xlwings.org/book </a:t>
-            </a:r>
-          </a:p>
-        </p:txBody>
-      </p:sp>
-      <p:pic>
-        <p:nvPicPr>
-          <p:cNvPr id="1026" name="Picture 2" descr="Python for Excel">
-            <a:extLst>
-              <a:ext uri="{FF2B5EF4-FFF2-40B4-BE49-F238E27FC236}">
-                <a16:creationId xmlns:a16="http://schemas.microsoft.com/office/drawing/2014/main" id="{80644A9C-C912-1443-B13D-FF6D068A9C43}"/>
-              </a:ext>
-            </a:extLst>
-          </p:cNvPr>
-          <p:cNvPicPr>
-            <a:picLocks noChangeAspect="1" noChangeArrowheads="1"/>
-          </p:cNvPicPr>
-          <p:nvPr/>
-        </p:nvPicPr>
-        <p:blipFill>
-          <a:blip r:embed="rId4">
-            <a:extLst>
-              <a:ext uri="{28A0092B-C50C-407E-A947-70E740481C1C}">
-                <a14:useLocalDpi xmlns:a14="http://schemas.microsoft.com/office/drawing/2010/main" val="0"/>
-              </a:ext>
-            </a:extLst>
-          </a:blip>
-          <a:srcRect/>
-          <a:stretch>
-            <a:fillRect/>
-          </a:stretch>
-        </p:blipFill>
-        <p:spPr bwMode="auto">
-          <a:xfrm>
-            <a:off x="762000" y="4686300"/>
-            <a:ext cx="3810000" cy="5000625"/>
-          </a:xfrm>
-          <a:prstGeom prst="rect">
-            <a:avLst/>
-          </a:prstGeom>
-          <a:noFill/>
-          <a:extLst>
-            <a:ext uri="{909E8E84-426E-40DD-AFC4-6F175D3DCCD1}">
-              <a14:hiddenFill xmlns:a14="http://schemas.microsoft.com/office/drawing/2010/main">
-                <a:solidFill>
-                  <a:srgbClr val="FFFFFF"/>
-                </a:solidFill>
-              </a14:hiddenFill>
-            </a:ext>
-          </a:extLst>
-        </p:spPr>
-      </p:pic>
-    </p:spTree>
-    <p:extLst>
-      <p:ext uri="{BB962C8B-B14F-4D97-AF65-F5344CB8AC3E}">
-        <p14:creationId xmlns:p14="http://schemas.microsoft.com/office/powerpoint/2010/main" val="837451578"/>
-      </p:ext>
-    </p:extLst>
-  </p:cSld>
-  <p:clrMapOvr>
-    <a:masterClrMapping/>
-  </p:clrMapOvr>
-</p:sld>
-</file>
-
-<file path=ppt/slides/slide27.xml><?xml version="1.0" encoding="utf-8"?>
-<p:sld xmlns:a="http://schemas.openxmlformats.org/drawingml/2006/main" xmlns:r="http://schemas.openxmlformats.org/officeDocument/2006/relationships" xmlns:p="http://schemas.openxmlformats.org/presentationml/2006/main">
-  <p:cSld>
-    <p:spTree>
-      <p:nvGrpSpPr>
-        <p:cNvPr id="1" name="">
-          <a:extLst>
-            <a:ext uri="{FF2B5EF4-FFF2-40B4-BE49-F238E27FC236}">
-              <a16:creationId xmlns:a16="http://schemas.microsoft.com/office/drawing/2014/main" id="{1DCEF581-6BA9-4461-08BA-6D16F65F3328}"/>
-            </a:ext>
-          </a:extLst>
-        </p:cNvPr>
-        <p:cNvGrpSpPr/>
-        <p:nvPr/>
-      </p:nvGrpSpPr>
-      <p:grpSpPr>
-        <a:xfrm>
-          <a:off x="0" y="0"/>
-          <a:ext cx="0" cy="0"/>
-          <a:chOff x="0" y="0"/>
-          <a:chExt cx="0" cy="0"/>
-        </a:xfrm>
-      </p:grpSpPr>
-      <p:sp>
-        <p:nvSpPr>
-          <p:cNvPr id="4" name="Rectangle 3">
-            <a:extLst>
-              <a:ext uri="{FF2B5EF4-FFF2-40B4-BE49-F238E27FC236}">
-                <a16:creationId xmlns:a16="http://schemas.microsoft.com/office/drawing/2014/main" id="{086DF1D7-4393-B6A7-D04C-55B1E5B8B731}"/>
-              </a:ext>
-            </a:extLst>
-          </p:cNvPr>
-          <p:cNvSpPr/>
-          <p:nvPr/>
-        </p:nvSpPr>
-        <p:spPr>
-          <a:xfrm>
-            <a:off x="9861630" y="0"/>
-            <a:ext cx="8426370" cy="10287000"/>
-          </a:xfrm>
-          <a:prstGeom prst="rect">
-            <a:avLst/>
-          </a:prstGeom>
-          <a:solidFill>
-            <a:srgbClr val="CF3338"/>
-          </a:solidFill>
-          <a:ln>
-            <a:noFill/>
-          </a:ln>
-        </p:spPr>
-        <p:style>
-          <a:lnRef idx="2">
-            <a:schemeClr val="accent1">
-              <a:shade val="50000"/>
-            </a:schemeClr>
-          </a:lnRef>
-          <a:fillRef idx="1">
-            <a:schemeClr val="accent1"/>
-          </a:fillRef>
-          <a:effectRef idx="0">
-            <a:schemeClr val="accent1"/>
-          </a:effectRef>
-          <a:fontRef idx="minor">
-            <a:schemeClr val="lt1"/>
-          </a:fontRef>
-        </p:style>
-        <p:txBody>
-          <a:bodyPr rtlCol="0" anchor="ctr"/>
-          <a:lstStyle/>
-          <a:p>
-            <a:pPr algn="ctr"/>
-            <a:endParaRPr lang="en-US" sz="2700"/>
-          </a:p>
-        </p:txBody>
-      </p:sp>
-      <p:pic>
-        <p:nvPicPr>
-          <p:cNvPr id="2" name="Picture 1">
-            <a:extLst>
-              <a:ext uri="{FF2B5EF4-FFF2-40B4-BE49-F238E27FC236}">
-                <a16:creationId xmlns:a16="http://schemas.microsoft.com/office/drawing/2014/main" id="{310EF924-3C1C-4586-5E9A-2810C5DAD7C2}"/>
-              </a:ext>
-            </a:extLst>
-          </p:cNvPr>
-          <p:cNvPicPr>
-            <a:picLocks noChangeAspect="1"/>
-          </p:cNvPicPr>
-          <p:nvPr/>
-        </p:nvPicPr>
-        <p:blipFill rotWithShape="1">
-          <a:blip r:embed="rId3">
-            <a:extLst>
-              <a:ext uri="{28A0092B-C50C-407E-A947-70E740481C1C}">
-                <a14:useLocalDpi xmlns:a14="http://schemas.microsoft.com/office/drawing/2010/main" val="0"/>
-              </a:ext>
-            </a:extLst>
-          </a:blip>
-          <a:srcRect l="69227" t="33418" r="20112" b="50548"/>
-          <a:stretch/>
-        </p:blipFill>
-        <p:spPr>
-          <a:xfrm>
-            <a:off x="15579524" y="7544693"/>
-            <a:ext cx="2708477" cy="2987579"/>
-          </a:xfrm>
-          <a:prstGeom prst="rect">
-            <a:avLst/>
-          </a:prstGeom>
-        </p:spPr>
-      </p:pic>
-      <p:sp>
-        <p:nvSpPr>
-          <p:cNvPr id="3" name="TextBox 2">
-            <a:extLst>
-              <a:ext uri="{FF2B5EF4-FFF2-40B4-BE49-F238E27FC236}">
-                <a16:creationId xmlns:a16="http://schemas.microsoft.com/office/drawing/2014/main" id="{9C1992D3-0543-2919-A641-F8327941676A}"/>
-              </a:ext>
-            </a:extLst>
-          </p:cNvPr>
-          <p:cNvSpPr txBox="1"/>
-          <p:nvPr/>
-        </p:nvSpPr>
-        <p:spPr>
-          <a:xfrm>
-            <a:off x="260431" y="329879"/>
-            <a:ext cx="8906720" cy="3332707"/>
-          </a:xfrm>
-          <a:prstGeom prst="rect">
-            <a:avLst/>
-          </a:prstGeom>
-          <a:noFill/>
-        </p:spPr>
-        <p:txBody>
-          <a:bodyPr wrap="square" rtlCol="0">
-            <a:spAutoFit/>
-          </a:bodyPr>
-          <a:lstStyle/>
-          <a:p>
-            <a:r>
-              <a:rPr lang="en-US" sz="6000" b="1" dirty="0">
-                <a:solidFill>
-                  <a:srgbClr val="CF3338"/>
-                </a:solidFill>
-                <a:latin typeface="Pragmatica" panose="020B0403040502020204" pitchFamily="34" charset="0"/>
-              </a:rPr>
-              <a:t>Resource: </a:t>
-            </a:r>
-            <a:r>
-              <a:rPr lang="en-US" sz="6000" b="1" i="1" dirty="0">
-                <a:solidFill>
-                  <a:srgbClr val="CF3338"/>
-                </a:solidFill>
-                <a:latin typeface="Pragmatica" panose="020B0403040502020204" pitchFamily="34" charset="0"/>
-              </a:rPr>
-              <a:t>Modern Data Analytics in Excel</a:t>
-            </a:r>
-            <a:endParaRPr lang="en-US" sz="6000" b="1" dirty="0">
-              <a:solidFill>
-                <a:srgbClr val="CF3338"/>
-              </a:solidFill>
-              <a:latin typeface="Pragmatica" panose="020B0403040502020204" pitchFamily="34" charset="0"/>
-            </a:endParaRPr>
-          </a:p>
-          <a:p>
-            <a:pPr marL="142875">
-              <a:lnSpc>
-                <a:spcPct val="115000"/>
-              </a:lnSpc>
-              <a:spcBef>
-                <a:spcPts val="1125"/>
-              </a:spcBef>
-              <a:buClr>
-                <a:srgbClr val="C00000"/>
-              </a:buClr>
-              <a:buSzPts val="2100"/>
-            </a:pPr>
-            <a:endParaRPr lang="en-US" sz="3600" dirty="0">
-              <a:solidFill>
-                <a:srgbClr val="C00000"/>
-              </a:solidFill>
-              <a:latin typeface="Pragmatica" panose="020B0403040502020204"/>
-              <a:sym typeface="Consolas"/>
-            </a:endParaRPr>
-          </a:p>
-          <a:p>
-            <a:r>
-              <a:rPr lang="en-US" sz="4000" dirty="0">
-                <a:solidFill>
-                  <a:srgbClr val="CF3338"/>
-                </a:solidFill>
-                <a:latin typeface="Pragmatica" panose="020B0403040502020204" pitchFamily="34" charset="0"/>
-              </a:rPr>
-              <a:t>stringfestanalytics.com/maxl/</a:t>
-            </a:r>
-            <a:endParaRPr lang="en-US" sz="6000" dirty="0">
-              <a:solidFill>
-                <a:srgbClr val="CF3338"/>
-              </a:solidFill>
-              <a:latin typeface="Pragmatica" panose="020B0403040502020204" pitchFamily="34" charset="0"/>
-            </a:endParaRPr>
-          </a:p>
-        </p:txBody>
-      </p:sp>
-      <p:pic>
-        <p:nvPicPr>
-          <p:cNvPr id="1026" name="Picture 2" descr="Modern data analytics in Excel book cover">
-            <a:extLst>
-              <a:ext uri="{FF2B5EF4-FFF2-40B4-BE49-F238E27FC236}">
-                <a16:creationId xmlns:a16="http://schemas.microsoft.com/office/drawing/2014/main" id="{F8CF726B-4E1D-A6B6-3A42-0B86BB385453}"/>
-              </a:ext>
-            </a:extLst>
-          </p:cNvPr>
-          <p:cNvPicPr>
-            <a:picLocks noChangeAspect="1" noChangeArrowheads="1"/>
-          </p:cNvPicPr>
-          <p:nvPr/>
-        </p:nvPicPr>
-        <p:blipFill>
-          <a:blip r:embed="rId4">
-            <a:extLst>
-              <a:ext uri="{28A0092B-C50C-407E-A947-70E740481C1C}">
-                <a14:useLocalDpi xmlns:a14="http://schemas.microsoft.com/office/drawing/2010/main" val="0"/>
-              </a:ext>
-            </a:extLst>
-          </a:blip>
-          <a:srcRect/>
-          <a:stretch>
-            <a:fillRect/>
-          </a:stretch>
-        </p:blipFill>
-        <p:spPr bwMode="auto">
-          <a:xfrm>
-            <a:off x="990600" y="4636879"/>
-            <a:ext cx="3962399" cy="5196717"/>
-          </a:xfrm>
-          <a:prstGeom prst="rect">
-            <a:avLst/>
-          </a:prstGeom>
-          <a:noFill/>
-          <a:extLst>
-            <a:ext uri="{909E8E84-426E-40DD-AFC4-6F175D3DCCD1}">
-              <a14:hiddenFill xmlns:a14="http://schemas.microsoft.com/office/drawing/2010/main">
-                <a:solidFill>
-                  <a:srgbClr val="FFFFFF"/>
-                </a:solidFill>
-              </a14:hiddenFill>
-            </a:ext>
-          </a:extLst>
-        </p:spPr>
-      </p:pic>
-    </p:spTree>
-    <p:extLst>
-      <p:ext uri="{BB962C8B-B14F-4D97-AF65-F5344CB8AC3E}">
-        <p14:creationId xmlns:p14="http://schemas.microsoft.com/office/powerpoint/2010/main" val="616977739"/>
-      </p:ext>
-    </p:extLst>
-  </p:cSld>
-  <p:clrMapOvr>
-    <a:masterClrMapping/>
-  </p:clrMapOvr>
-</p:sld>
-</file>
-
-<file path=ppt/slides/slide28.xml><?xml version="1.0" encoding="utf-8"?>
 <p:sld xmlns:a="http://schemas.openxmlformats.org/drawingml/2006/main" xmlns:r="http://schemas.openxmlformats.org/officeDocument/2006/relationships" xmlns:p="http://schemas.openxmlformats.org/presentationml/2006/main">
   <p:cSld>
     <p:spTree>
@@ -10609,198 +7869,6 @@
       </p:grpSpPr>
       <p:sp>
         <p:nvSpPr>
-          <p:cNvPr id="11" name="TextBox 10"/>
-          <p:cNvSpPr txBox="1"/>
-          <p:nvPr/>
-        </p:nvSpPr>
-        <p:spPr>
-          <a:xfrm>
-            <a:off x="520861" y="170082"/>
-            <a:ext cx="11979797" cy="2862322"/>
-          </a:xfrm>
-          <a:prstGeom prst="rect">
-            <a:avLst/>
-          </a:prstGeom>
-          <a:noFill/>
-        </p:spPr>
-        <p:txBody>
-          <a:bodyPr wrap="square" rtlCol="0">
-            <a:spAutoFit/>
-          </a:bodyPr>
-          <a:lstStyle/>
-          <a:p>
-            <a:r>
-              <a:rPr lang="en-US" sz="9000" dirty="0">
-                <a:latin typeface="Aliens &amp; cows" panose="00000500000000000000" pitchFamily="2" charset="0"/>
-              </a:rPr>
-              <a:t>Objectives for this session</a:t>
-            </a:r>
-          </a:p>
-        </p:txBody>
-      </p:sp>
-      <p:sp>
-        <p:nvSpPr>
-          <p:cNvPr id="3" name="TextBox 2"/>
-          <p:cNvSpPr txBox="1"/>
-          <p:nvPr/>
-        </p:nvSpPr>
-        <p:spPr>
-          <a:xfrm>
-            <a:off x="520861" y="3191948"/>
-            <a:ext cx="14393120" cy="3970318"/>
-          </a:xfrm>
-          <a:prstGeom prst="rect">
-            <a:avLst/>
-          </a:prstGeom>
-          <a:noFill/>
-        </p:spPr>
-        <p:txBody>
-          <a:bodyPr wrap="square" rtlCol="0">
-            <a:spAutoFit/>
-          </a:bodyPr>
-          <a:lstStyle/>
-          <a:p>
-            <a:pPr marL="685800" indent="-685800">
-              <a:buClr>
-                <a:srgbClr val="CF3338"/>
-              </a:buClr>
-              <a:buFont typeface="Arial" panose="020B0604020202020204" pitchFamily="34" charset="0"/>
-              <a:buChar char="•"/>
-            </a:pPr>
-            <a:r>
-              <a:rPr lang="en-US" sz="4200" dirty="0">
-                <a:solidFill>
-                  <a:srgbClr val="707070"/>
-                </a:solidFill>
-                <a:latin typeface="Pragmatica" panose="020B0403040502020204" pitchFamily="34" charset="0"/>
-              </a:rPr>
-              <a:t>Learn core Python integration techniques in Excel.</a:t>
-            </a:r>
-          </a:p>
-          <a:p>
-            <a:pPr marL="685800" indent="-685800">
-              <a:buClr>
-                <a:srgbClr val="CF3338"/>
-              </a:buClr>
-              <a:buFont typeface="Arial" panose="020B0604020202020204" pitchFamily="34" charset="0"/>
-              <a:buChar char="•"/>
-            </a:pPr>
-            <a:r>
-              <a:rPr lang="en-US" sz="4200" dirty="0">
-                <a:solidFill>
-                  <a:srgbClr val="707070"/>
-                </a:solidFill>
-                <a:latin typeface="Pragmatica" panose="020B0403040502020204" pitchFamily="34" charset="0"/>
-              </a:rPr>
-              <a:t>Apply Python for complex data analysis and visualization techniques. </a:t>
-            </a:r>
-          </a:p>
-          <a:p>
-            <a:pPr marL="685800" indent="-685800">
-              <a:buClr>
-                <a:srgbClr val="CF3338"/>
-              </a:buClr>
-              <a:buFont typeface="Arial" panose="020B0604020202020204" pitchFamily="34" charset="0"/>
-              <a:buChar char="•"/>
-            </a:pPr>
-            <a:r>
-              <a:rPr lang="en-US" sz="4200" dirty="0">
-                <a:solidFill>
-                  <a:srgbClr val="707070"/>
-                </a:solidFill>
-                <a:latin typeface="Pragmatica" panose="020B0403040502020204" pitchFamily="34" charset="0"/>
-              </a:rPr>
-              <a:t>Harness generative AI and Copilot for assistance with Python tasks. </a:t>
-            </a:r>
-          </a:p>
-          <a:p>
-            <a:pPr marL="685800" indent="-685800">
-              <a:buClr>
-                <a:srgbClr val="CF3338"/>
-              </a:buClr>
-              <a:buFont typeface="Arial" panose="020B0604020202020204" pitchFamily="34" charset="0"/>
-              <a:buChar char="•"/>
-            </a:pPr>
-            <a:r>
-              <a:rPr lang="en-US" sz="4200" dirty="0">
-                <a:solidFill>
-                  <a:srgbClr val="707070"/>
-                </a:solidFill>
-                <a:latin typeface="Pragmatica" panose="020B0403040502020204" pitchFamily="34" charset="0"/>
-              </a:rPr>
-              <a:t>Master Python-driven Excel report automation. </a:t>
-            </a:r>
-          </a:p>
-        </p:txBody>
-      </p:sp>
-      <p:pic>
-        <p:nvPicPr>
-          <p:cNvPr id="15" name="Picture 14" descr="A close up of a sign&#10;&#10;Description automatically generated">
-            <a:extLst>
-              <a:ext uri="{FF2B5EF4-FFF2-40B4-BE49-F238E27FC236}">
-                <a16:creationId xmlns:a16="http://schemas.microsoft.com/office/drawing/2014/main" id="{29761B90-A7DE-4A60-A915-F085BD87CAB4}"/>
-              </a:ext>
-            </a:extLst>
-          </p:cNvPr>
-          <p:cNvPicPr>
-            <a:picLocks noChangeAspect="1"/>
-          </p:cNvPicPr>
-          <p:nvPr/>
-        </p:nvPicPr>
-        <p:blipFill>
-          <a:blip r:embed="rId2">
-            <a:extLst>
-              <a:ext uri="{28A0092B-C50C-407E-A947-70E740481C1C}">
-                <a14:useLocalDpi xmlns:a14="http://schemas.microsoft.com/office/drawing/2010/main" val="0"/>
-              </a:ext>
-            </a:extLst>
-          </a:blip>
-          <a:stretch>
-            <a:fillRect/>
-          </a:stretch>
-        </p:blipFill>
-        <p:spPr>
-          <a:xfrm>
-            <a:off x="16341036" y="8058429"/>
-            <a:ext cx="1942857" cy="2228571"/>
-          </a:xfrm>
-          <a:prstGeom prst="rect">
-            <a:avLst/>
-          </a:prstGeom>
-        </p:spPr>
-      </p:pic>
-    </p:spTree>
-    <p:extLst>
-      <p:ext uri="{BB962C8B-B14F-4D97-AF65-F5344CB8AC3E}">
-        <p14:creationId xmlns:p14="http://schemas.microsoft.com/office/powerpoint/2010/main" val="3830029867"/>
-      </p:ext>
-    </p:extLst>
-  </p:cSld>
-  <p:clrMapOvr>
-    <a:masterClrMapping/>
-  </p:clrMapOvr>
-</p:sld>
-</file>
-
-<file path=ppt/slides/slide4.xml><?xml version="1.0" encoding="utf-8"?>
-<p:sld xmlns:a="http://schemas.openxmlformats.org/drawingml/2006/main" xmlns:r="http://schemas.openxmlformats.org/officeDocument/2006/relationships" xmlns:p="http://schemas.openxmlformats.org/presentationml/2006/main">
-  <p:cSld>
-    <p:spTree>
-      <p:nvGrpSpPr>
-        <p:cNvPr id="1" name=""/>
-        <p:cNvGrpSpPr/>
-        <p:nvPr/>
-      </p:nvGrpSpPr>
-      <p:grpSpPr>
-        <a:xfrm>
-          <a:off x="0" y="0"/>
-          <a:ext cx="0" cy="0"/>
-          <a:chOff x="0" y="0"/>
-          <a:chExt cx="0" cy="0"/>
-        </a:xfrm>
-      </p:grpSpPr>
-      <p:sp>
-        <p:nvSpPr>
           <p:cNvPr id="4" name="Rectangle 3"/>
           <p:cNvSpPr/>
           <p:nvPr/>
@@ -10854,7 +7922,7 @@
         <p:spPr>
           <a:xfrm>
             <a:off x="781292" y="590309"/>
-            <a:ext cx="15486926" cy="1615827"/>
+            <a:ext cx="15486926" cy="3139321"/>
           </a:xfrm>
           <a:prstGeom prst="rect">
             <a:avLst/>
@@ -10874,7 +7942,7 @@
                 </a:solidFill>
                 <a:latin typeface="Normafixed Tryout" panose="00000409000000000000" pitchFamily="49" charset="0"/>
               </a:rPr>
-              <a:t>1. Python in Excel: First Steps</a:t>
+              <a:t>1. Introduction to Copilot in Excel</a:t>
             </a:r>
           </a:p>
         </p:txBody>
@@ -10892,7 +7960,7 @@
 </p:sld>
 </file>
 
-<file path=ppt/slides/slide5.xml><?xml version="1.0" encoding="utf-8"?>
+<file path=ppt/slides/slide4.xml><?xml version="1.0" encoding="utf-8"?>
 <p:sld xmlns:a="http://schemas.openxmlformats.org/drawingml/2006/main" xmlns:r="http://schemas.openxmlformats.org/officeDocument/2006/relationships" xmlns:p="http://schemas.openxmlformats.org/presentationml/2006/main">
   <p:cSld>
     <p:spTree>
@@ -10993,7 +8061,7 @@
         <p:spPr>
           <a:xfrm>
             <a:off x="260431" y="329879"/>
-            <a:ext cx="8906720" cy="7113229"/>
+            <a:ext cx="8906720" cy="9947851"/>
           </a:xfrm>
           <a:prstGeom prst="rect">
             <a:avLst/>
@@ -11013,7 +8081,7 @@
                 </a:solidFill>
                 <a:latin typeface="Pragmatica" panose="020B0403040502020204" pitchFamily="34" charset="0"/>
               </a:rPr>
-              <a:t>Python in Excel: First steps</a:t>
+              <a:t>Getting started with Advanced Analysis</a:t>
             </a:r>
           </a:p>
           <a:p>
@@ -11025,7 +8093,7 @@
             </a:endParaRPr>
           </a:p>
           <a:p>
-            <a:pPr marL="685800" indent="-542925">
+            <a:pPr marL="714375" indent="-571500">
               <a:lnSpc>
                 <a:spcPct val="115000"/>
               </a:lnSpc>
@@ -11036,8 +8104,8 @@
                 <a:srgbClr val="C00000"/>
               </a:buClr>
               <a:buSzPts val="2100"/>
-              <a:buFont typeface="Arial"/>
-              <a:buAutoNum type="arabicPeriod"/>
+              <a:buFont typeface="Arial" panose="020B0604020202020204" pitchFamily="34" charset="0"/>
+              <a:buChar char="•"/>
             </a:pPr>
             <a:r>
               <a:rPr lang="en-US" sz="3600" dirty="0">
@@ -11047,11 +8115,11 @@
                 <a:latin typeface="Pragmatica" panose="020B0403040502020204"/>
                 <a:sym typeface="Consolas"/>
               </a:rPr>
-              <a:t>Understanding the Python in Excel environment</a:t>
-            </a:r>
-          </a:p>
-          <a:p>
-            <a:pPr marL="685800" indent="-542925">
+              <a:t>Loading dataset into “Advanced Analysis”</a:t>
+            </a:r>
+          </a:p>
+          <a:p>
+            <a:pPr marL="714375" indent="-571500">
               <a:lnSpc>
                 <a:spcPct val="115000"/>
               </a:lnSpc>
@@ -11062,8 +8130,8 @@
                 <a:srgbClr val="C00000"/>
               </a:buClr>
               <a:buSzPts val="2100"/>
-              <a:buFont typeface="Arial"/>
-              <a:buAutoNum type="arabicPeriod"/>
+              <a:buFont typeface="Arial" panose="020B0604020202020204" pitchFamily="34" charset="0"/>
+              <a:buChar char="•"/>
             </a:pPr>
             <a:r>
               <a:rPr lang="en-US" sz="3600" dirty="0">
@@ -11073,11 +8141,11 @@
                 <a:latin typeface="Pragmatica" panose="020B0403040502020204"/>
                 <a:sym typeface="Consolas"/>
               </a:rPr>
-              <a:t>Loading Excel data into Python</a:t>
-            </a:r>
-          </a:p>
-          <a:p>
-            <a:pPr marL="685800" indent="-542925">
+              <a:t>Conducting a guided step-by-step analysis with Python and Copilot</a:t>
+            </a:r>
+          </a:p>
+          <a:p>
+            <a:pPr marL="714375" indent="-571500">
               <a:lnSpc>
                 <a:spcPct val="115000"/>
               </a:lnSpc>
@@ -11088,8 +8156,8 @@
                 <a:srgbClr val="C00000"/>
               </a:buClr>
               <a:buSzPts val="2100"/>
-              <a:buFont typeface="Arial"/>
-              <a:buAutoNum type="arabicPeriod"/>
+              <a:buFont typeface="Arial" panose="020B0604020202020204" pitchFamily="34" charset="0"/>
+              <a:buChar char="•"/>
             </a:pPr>
             <a:r>
               <a:rPr lang="en-US" sz="3600" dirty="0">
@@ -11099,7 +8167,27 @@
                 <a:latin typeface="Pragmatica" panose="020B0403040502020204"/>
                 <a:sym typeface="Consolas"/>
               </a:rPr>
-              <a:t>Converting Python objects to Excel values</a:t>
+              <a:t>Diving deeper by </a:t>
+            </a:r>
+            <a:r>
+              <a:rPr lang="en-US" sz="3600" dirty="0" err="1">
+                <a:solidFill>
+                  <a:srgbClr val="C00000"/>
+                </a:solidFill>
+                <a:latin typeface="Pragmatica" panose="020B0403040502020204"/>
+                <a:sym typeface="Consolas"/>
+              </a:rPr>
+              <a:t>questoning</a:t>
+            </a:r>
+            <a:r>
+              <a:rPr lang="en-US" sz="3600" dirty="0">
+                <a:solidFill>
+                  <a:srgbClr val="C00000"/>
+                </a:solidFill>
+                <a:latin typeface="Pragmatica" panose="020B0403040502020204"/>
+                <a:sym typeface="Consolas"/>
+              </a:rPr>
+              <a:t> Copilot’s reasoning and asking for follow-up explanations and support</a:t>
             </a:r>
           </a:p>
           <a:p>
@@ -11146,24 +8234,8 @@
                 <a:latin typeface="Pragmatica" panose="020B0403040502020204"/>
                 <a:sym typeface="Consolas"/>
               </a:rPr>
-              <a:t>File: </a:t>
-            </a:r>
-            <a:r>
-              <a:rPr lang="en-US" sz="3600" dirty="0">
-                <a:solidFill>
-                  <a:srgbClr val="C00000"/>
-                </a:solidFill>
-                <a:latin typeface="Consolas" panose="020B0609020204030204" pitchFamily="49" charset="0"/>
-                <a:sym typeface="Consolas"/>
-              </a:rPr>
-              <a:t>python-excel-first-steps.xlsx</a:t>
-            </a:r>
-            <a:endParaRPr lang="en-US" sz="6000" dirty="0">
-              <a:solidFill>
-                <a:srgbClr val="CF3338"/>
-              </a:solidFill>
-              <a:latin typeface="Consolas" panose="020B0609020204030204" pitchFamily="49" charset="0"/>
-            </a:endParaRPr>
+              <a:t>Demo file: ai-powered-python-excel-getting-started.xlsx</a:t>
+            </a:r>
           </a:p>
           <a:p>
             <a:endParaRPr lang="en-US" sz="6000" dirty="0">
@@ -11188,7 +8260,7 @@
 </p:sld>
 </file>
 
-<file path=ppt/slides/slide6.xml><?xml version="1.0" encoding="utf-8"?>
+<file path=ppt/slides/slide5.xml><?xml version="1.0" encoding="utf-8"?>
 <p:sld xmlns:a="http://schemas.openxmlformats.org/drawingml/2006/main" xmlns:r="http://schemas.openxmlformats.org/officeDocument/2006/relationships" xmlns:p="http://schemas.openxmlformats.org/presentationml/2006/main">
   <p:cSld>
     <p:spTree>
@@ -11196,7 +8268,7 @@
         <p:cNvPr id="1" name="">
           <a:extLst>
             <a:ext uri="{FF2B5EF4-FFF2-40B4-BE49-F238E27FC236}">
-              <a16:creationId xmlns:a16="http://schemas.microsoft.com/office/drawing/2014/main" id="{41829F31-7D3D-8637-4364-EE44F333EBAD}"/>
+              <a16:creationId xmlns:a16="http://schemas.microsoft.com/office/drawing/2014/main" id="{9B5A1BC7-46B9-025D-C0C7-5DE362CF470F}"/>
             </a:ext>
           </a:extLst>
         </p:cNvPr>
@@ -11211,1244 +8283,15 @@
           <a:chExt cx="0" cy="0"/>
         </a:xfrm>
       </p:grpSpPr>
-      <p:sp>
-        <p:nvSpPr>
-          <p:cNvPr id="4" name="Rectangle 3">
+      <p:pic>
+        <p:nvPicPr>
+          <p:cNvPr id="10" name="Picture 9">
             <a:extLst>
               <a:ext uri="{FF2B5EF4-FFF2-40B4-BE49-F238E27FC236}">
-                <a16:creationId xmlns:a16="http://schemas.microsoft.com/office/drawing/2014/main" id="{D7651FB2-73C2-0D93-0184-282838D2F1A6}"/>
+                <a16:creationId xmlns:a16="http://schemas.microsoft.com/office/drawing/2014/main" id="{3CD4ADD9-D91A-AEBF-F286-9DFCFC1F8223}"/>
               </a:ext>
             </a:extLst>
           </p:cNvPr>
-          <p:cNvSpPr/>
-          <p:nvPr/>
-        </p:nvSpPr>
-        <p:spPr>
-          <a:xfrm>
-            <a:off x="9861630" y="0"/>
-            <a:ext cx="8426370" cy="10287000"/>
-          </a:xfrm>
-          <a:prstGeom prst="rect">
-            <a:avLst/>
-          </a:prstGeom>
-          <a:solidFill>
-            <a:srgbClr val="CF3338"/>
-          </a:solidFill>
-          <a:ln>
-            <a:noFill/>
-          </a:ln>
-        </p:spPr>
-        <p:style>
-          <a:lnRef idx="2">
-            <a:schemeClr val="accent1">
-              <a:shade val="50000"/>
-            </a:schemeClr>
-          </a:lnRef>
-          <a:fillRef idx="1">
-            <a:schemeClr val="accent1"/>
-          </a:fillRef>
-          <a:effectRef idx="0">
-            <a:schemeClr val="accent1"/>
-          </a:effectRef>
-          <a:fontRef idx="minor">
-            <a:schemeClr val="lt1"/>
-          </a:fontRef>
-        </p:style>
-        <p:txBody>
-          <a:bodyPr rtlCol="0" anchor="ctr"/>
-          <a:lstStyle/>
-          <a:p>
-            <a:pPr algn="ctr"/>
-            <a:endParaRPr lang="en-US" sz="2700"/>
-          </a:p>
-        </p:txBody>
-      </p:sp>
-      <p:pic>
-        <p:nvPicPr>
-          <p:cNvPr id="2" name="Picture 1">
-            <a:extLst>
-              <a:ext uri="{FF2B5EF4-FFF2-40B4-BE49-F238E27FC236}">
-                <a16:creationId xmlns:a16="http://schemas.microsoft.com/office/drawing/2014/main" id="{FC2BD2E9-2ADF-A29E-F050-8566794C3873}"/>
-              </a:ext>
-            </a:extLst>
-          </p:cNvPr>
-          <p:cNvPicPr>
-            <a:picLocks noChangeAspect="1"/>
-          </p:cNvPicPr>
-          <p:nvPr/>
-        </p:nvPicPr>
-        <p:blipFill rotWithShape="1">
-          <a:blip r:embed="rId3">
-            <a:extLst>
-              <a:ext uri="{28A0092B-C50C-407E-A947-70E740481C1C}">
-                <a14:useLocalDpi xmlns:a14="http://schemas.microsoft.com/office/drawing/2010/main" val="0"/>
-              </a:ext>
-            </a:extLst>
-          </a:blip>
-          <a:srcRect l="69227" t="33418" r="20112" b="50548"/>
-          <a:stretch/>
-        </p:blipFill>
-        <p:spPr>
-          <a:xfrm>
-            <a:off x="15579524" y="7544693"/>
-            <a:ext cx="2708477" cy="2987579"/>
-          </a:xfrm>
-          <a:prstGeom prst="rect">
-            <a:avLst/>
-          </a:prstGeom>
-        </p:spPr>
-      </p:pic>
-      <p:sp>
-        <p:nvSpPr>
-          <p:cNvPr id="3" name="TextBox 2">
-            <a:extLst>
-              <a:ext uri="{FF2B5EF4-FFF2-40B4-BE49-F238E27FC236}">
-                <a16:creationId xmlns:a16="http://schemas.microsoft.com/office/drawing/2014/main" id="{A09F75D3-10EC-7243-1341-74B055CD36DD}"/>
-              </a:ext>
-            </a:extLst>
-          </p:cNvPr>
-          <p:cNvSpPr txBox="1"/>
-          <p:nvPr/>
-        </p:nvSpPr>
-        <p:spPr>
-          <a:xfrm>
-            <a:off x="260431" y="329879"/>
-            <a:ext cx="8906720" cy="10222286"/>
-          </a:xfrm>
-          <a:prstGeom prst="rect">
-            <a:avLst/>
-          </a:prstGeom>
-          <a:noFill/>
-        </p:spPr>
-        <p:txBody>
-          <a:bodyPr wrap="square" rtlCol="0">
-            <a:spAutoFit/>
-          </a:bodyPr>
-          <a:lstStyle/>
-          <a:p>
-            <a:r>
-              <a:rPr lang="en-US" sz="6000" b="1" dirty="0">
-                <a:solidFill>
-                  <a:srgbClr val="CF3338"/>
-                </a:solidFill>
-                <a:latin typeface="Pragmatica" panose="020B0403040502020204" pitchFamily="34" charset="0"/>
-              </a:rPr>
-              <a:t>Python in Excel: First </a:t>
-            </a:r>
-            <a:r>
-              <a:rPr lang="en-US" sz="6000" b="1">
-                <a:solidFill>
-                  <a:srgbClr val="CF3338"/>
-                </a:solidFill>
-                <a:latin typeface="Pragmatica" panose="020B0403040502020204" pitchFamily="34" charset="0"/>
-              </a:rPr>
-              <a:t>steps EXERCISE</a:t>
-            </a:r>
-            <a:endParaRPr lang="en-US" sz="4200" dirty="0">
-              <a:solidFill>
-                <a:srgbClr val="CF3338"/>
-              </a:solidFill>
-              <a:latin typeface="Pragmatica" panose="020B0403040502020204" pitchFamily="34" charset="0"/>
-            </a:endParaRPr>
-          </a:p>
-          <a:p>
-            <a:pPr marL="685800" indent="-542925">
-              <a:lnSpc>
-                <a:spcPct val="115000"/>
-              </a:lnSpc>
-              <a:spcBef>
-                <a:spcPts val="1125"/>
-              </a:spcBef>
-              <a:buClr>
-                <a:srgbClr val="C00000"/>
-              </a:buClr>
-              <a:buSzPts val="2100"/>
-              <a:buFont typeface="Arial"/>
-              <a:buAutoNum type="arabicPeriod"/>
-            </a:pPr>
-            <a:r>
-              <a:rPr lang="en-US" sz="3200" dirty="0">
-                <a:solidFill>
-                  <a:srgbClr val="C00000"/>
-                </a:solidFill>
-                <a:latin typeface="Pragmatica" panose="020B0403040502020204"/>
-                <a:sym typeface="Consolas"/>
-              </a:rPr>
-              <a:t>Load the penguins dataset into a </a:t>
-            </a:r>
-            <a:r>
-              <a:rPr lang="en-US" sz="3200" dirty="0" err="1">
-                <a:solidFill>
-                  <a:srgbClr val="C00000"/>
-                </a:solidFill>
-                <a:latin typeface="Pragmatica" panose="020B0403040502020204"/>
-                <a:sym typeface="Consolas"/>
-              </a:rPr>
-              <a:t>DataFrame</a:t>
-            </a:r>
-            <a:r>
-              <a:rPr lang="en-US" sz="3200" dirty="0">
-                <a:solidFill>
-                  <a:srgbClr val="C00000"/>
-                </a:solidFill>
-                <a:latin typeface="Pragmatica" panose="020B0403040502020204"/>
-                <a:sym typeface="Consolas"/>
-              </a:rPr>
-              <a:t> called </a:t>
-            </a:r>
-            <a:r>
-              <a:rPr lang="en-US" sz="3200" dirty="0" err="1">
-                <a:solidFill>
-                  <a:srgbClr val="C00000"/>
-                </a:solidFill>
-                <a:latin typeface="Consolas" panose="020B0609020204030204" pitchFamily="49" charset="0"/>
-                <a:sym typeface="Consolas"/>
-              </a:rPr>
-              <a:t>penguins_df</a:t>
-            </a:r>
-            <a:endParaRPr lang="en-US" sz="3200" dirty="0">
-              <a:solidFill>
-                <a:srgbClr val="C00000"/>
-              </a:solidFill>
-              <a:latin typeface="Consolas" panose="020B0609020204030204" pitchFamily="49" charset="0"/>
-              <a:sym typeface="Consolas"/>
-            </a:endParaRPr>
-          </a:p>
-          <a:p>
-            <a:pPr marL="685800" indent="-542925">
-              <a:lnSpc>
-                <a:spcPct val="115000"/>
-              </a:lnSpc>
-              <a:spcBef>
-                <a:spcPts val="1125"/>
-              </a:spcBef>
-              <a:buClr>
-                <a:srgbClr val="C00000"/>
-              </a:buClr>
-              <a:buSzPts val="2100"/>
-              <a:buFont typeface="Arial"/>
-              <a:buAutoNum type="arabicPeriod"/>
-            </a:pPr>
-            <a:r>
-              <a:rPr lang="en-US" sz="3200" dirty="0">
-                <a:solidFill>
-                  <a:srgbClr val="C00000"/>
-                </a:solidFill>
-                <a:latin typeface="Pragmatica" panose="020B0403040502020204"/>
-                <a:sym typeface="Consolas"/>
-              </a:rPr>
-              <a:t>Check the resulting dataset’s columns: run </a:t>
-            </a:r>
-            <a:r>
-              <a:rPr lang="en-US" sz="3200" dirty="0" err="1">
-                <a:solidFill>
-                  <a:srgbClr val="C00000"/>
-                </a:solidFill>
-                <a:latin typeface="Consolas" panose="020B0609020204030204" pitchFamily="49" charset="0"/>
-                <a:sym typeface="Consolas"/>
-              </a:rPr>
-              <a:t>penguins_df.columns</a:t>
-            </a:r>
-            <a:r>
-              <a:rPr lang="en-US" sz="3200" dirty="0">
-                <a:solidFill>
-                  <a:srgbClr val="C00000"/>
-                </a:solidFill>
-                <a:latin typeface="Consolas" panose="020B0609020204030204" pitchFamily="49" charset="0"/>
-                <a:sym typeface="Consolas"/>
-              </a:rPr>
-              <a:t>. </a:t>
-            </a:r>
-            <a:r>
-              <a:rPr lang="en-US" sz="3200" dirty="0" err="1">
-                <a:solidFill>
-                  <a:srgbClr val="C00000"/>
-                </a:solidFill>
-                <a:latin typeface="Pragmatica" panose="020B0403040502020204"/>
-                <a:sym typeface="Consolas"/>
-              </a:rPr>
-              <a:t>Swith</a:t>
-            </a:r>
-            <a:r>
-              <a:rPr lang="en-US" sz="3200" dirty="0">
-                <a:solidFill>
-                  <a:srgbClr val="C00000"/>
-                </a:solidFill>
-                <a:latin typeface="Pragmatica" panose="020B0403040502020204"/>
-                <a:sym typeface="Consolas"/>
-              </a:rPr>
-              <a:t> the output to display in Excel</a:t>
-            </a:r>
-            <a:endParaRPr lang="en-US" sz="3200" dirty="0">
-              <a:solidFill>
-                <a:srgbClr val="C00000"/>
-              </a:solidFill>
-              <a:latin typeface="Consolas" panose="020B0609020204030204" pitchFamily="49" charset="0"/>
-              <a:sym typeface="Consolas"/>
-            </a:endParaRPr>
-          </a:p>
-          <a:p>
-            <a:pPr marL="685800" indent="-542925">
-              <a:lnSpc>
-                <a:spcPct val="115000"/>
-              </a:lnSpc>
-              <a:spcBef>
-                <a:spcPts val="1125"/>
-              </a:spcBef>
-              <a:buClr>
-                <a:srgbClr val="C00000"/>
-              </a:buClr>
-              <a:buSzPts val="2100"/>
-              <a:buFont typeface="Arial"/>
-              <a:buAutoNum type="arabicPeriod"/>
-            </a:pPr>
-            <a:r>
-              <a:rPr lang="en-US" sz="3200" dirty="0">
-                <a:solidFill>
-                  <a:srgbClr val="C00000"/>
-                </a:solidFill>
-                <a:latin typeface="Pragmatica" panose="020B0403040502020204"/>
-                <a:sym typeface="Consolas"/>
-              </a:rPr>
-              <a:t>Visualize relationship b/w bill length and body mass: run </a:t>
-            </a:r>
-            <a:r>
-              <a:rPr lang="en-US" sz="3200" dirty="0" err="1">
-                <a:solidFill>
-                  <a:srgbClr val="C00000"/>
-                </a:solidFill>
-                <a:latin typeface="Consolas" panose="020B0609020204030204" pitchFamily="49" charset="0"/>
-                <a:sym typeface="Consolas"/>
-              </a:rPr>
-              <a:t>sns.scatterplot</a:t>
-            </a:r>
-            <a:r>
-              <a:rPr lang="en-US" sz="3200" dirty="0">
-                <a:solidFill>
-                  <a:srgbClr val="C00000"/>
-                </a:solidFill>
-                <a:latin typeface="Consolas" panose="020B0609020204030204" pitchFamily="49" charset="0"/>
-                <a:sym typeface="Consolas"/>
-              </a:rPr>
-              <a:t>(x='</a:t>
-            </a:r>
-            <a:r>
-              <a:rPr lang="en-US" sz="3200" dirty="0" err="1">
-                <a:solidFill>
-                  <a:srgbClr val="C00000"/>
-                </a:solidFill>
-                <a:latin typeface="Consolas" panose="020B0609020204030204" pitchFamily="49" charset="0"/>
-                <a:sym typeface="Consolas"/>
-              </a:rPr>
-              <a:t>bill_length_mm</a:t>
-            </a:r>
-            <a:r>
-              <a:rPr lang="en-US" sz="3200" dirty="0">
-                <a:solidFill>
-                  <a:srgbClr val="C00000"/>
-                </a:solidFill>
-                <a:latin typeface="Consolas" panose="020B0609020204030204" pitchFamily="49" charset="0"/>
-                <a:sym typeface="Consolas"/>
-              </a:rPr>
-              <a:t>', y='</a:t>
-            </a:r>
-            <a:r>
-              <a:rPr lang="en-US" sz="3200" dirty="0" err="1">
-                <a:solidFill>
-                  <a:srgbClr val="C00000"/>
-                </a:solidFill>
-                <a:latin typeface="Consolas" panose="020B0609020204030204" pitchFamily="49" charset="0"/>
-                <a:sym typeface="Consolas"/>
-              </a:rPr>
-              <a:t>body_mass_g</a:t>
-            </a:r>
-            <a:r>
-              <a:rPr lang="en-US" sz="3200" dirty="0">
-                <a:solidFill>
-                  <a:srgbClr val="C00000"/>
-                </a:solidFill>
-                <a:latin typeface="Consolas" panose="020B0609020204030204" pitchFamily="49" charset="0"/>
-                <a:sym typeface="Consolas"/>
-              </a:rPr>
-              <a:t>', data=</a:t>
-            </a:r>
-            <a:r>
-              <a:rPr lang="en-US" sz="3200" dirty="0" err="1">
-                <a:solidFill>
-                  <a:srgbClr val="C00000"/>
-                </a:solidFill>
-                <a:latin typeface="Consolas" panose="020B0609020204030204" pitchFamily="49" charset="0"/>
-                <a:sym typeface="Consolas"/>
-              </a:rPr>
-              <a:t>penguins_df</a:t>
-            </a:r>
-            <a:r>
-              <a:rPr lang="en-US" sz="3200" dirty="0">
-                <a:solidFill>
-                  <a:srgbClr val="C00000"/>
-                </a:solidFill>
-                <a:latin typeface="Consolas" panose="020B0609020204030204" pitchFamily="49" charset="0"/>
-                <a:sym typeface="Consolas"/>
-              </a:rPr>
-              <a:t>). </a:t>
-            </a:r>
-            <a:r>
-              <a:rPr lang="en-US" sz="3200" dirty="0">
-                <a:solidFill>
-                  <a:srgbClr val="C00000"/>
-                </a:solidFill>
-                <a:latin typeface="Pragmatica" panose="020B0403040502020204"/>
-                <a:sym typeface="Consolas"/>
-              </a:rPr>
-              <a:t>Practice resizing this plot.</a:t>
-            </a:r>
-          </a:p>
-          <a:p>
-            <a:pPr marL="142875">
-              <a:lnSpc>
-                <a:spcPct val="115000"/>
-              </a:lnSpc>
-              <a:spcBef>
-                <a:spcPts val="1125"/>
-              </a:spcBef>
-              <a:buClr>
-                <a:srgbClr val="C00000"/>
-              </a:buClr>
-              <a:buSzPts val="2100"/>
-            </a:pPr>
-            <a:r>
-              <a:rPr lang="en-US" sz="3200" dirty="0">
-                <a:solidFill>
-                  <a:srgbClr val="C00000"/>
-                </a:solidFill>
-                <a:latin typeface="Pragmatica" panose="020B0403040502020204"/>
-                <a:sym typeface="Consolas"/>
-              </a:rPr>
-              <a:t>File: </a:t>
-            </a:r>
-            <a:r>
-              <a:rPr lang="en-US" sz="3200" dirty="0">
-                <a:solidFill>
-                  <a:srgbClr val="C00000"/>
-                </a:solidFill>
-                <a:latin typeface="Consolas" panose="020B0609020204030204" pitchFamily="49" charset="0"/>
-                <a:sym typeface="Consolas"/>
-              </a:rPr>
-              <a:t>python-excel-first-steps-exercise.xlsx</a:t>
-            </a:r>
-            <a:endParaRPr lang="en-US" sz="5400" dirty="0">
-              <a:solidFill>
-                <a:srgbClr val="CF3338"/>
-              </a:solidFill>
-              <a:latin typeface="Consolas" panose="020B0609020204030204" pitchFamily="49" charset="0"/>
-            </a:endParaRPr>
-          </a:p>
-          <a:p>
-            <a:endParaRPr lang="en-US" sz="6000" dirty="0">
-              <a:solidFill>
-                <a:srgbClr val="CF3338"/>
-              </a:solidFill>
-              <a:latin typeface="Pragmatica" panose="020B0403040502020204" pitchFamily="34" charset="0"/>
-            </a:endParaRPr>
-          </a:p>
-        </p:txBody>
-      </p:sp>
-    </p:spTree>
-    <p:extLst>
-      <p:ext uri="{BB962C8B-B14F-4D97-AF65-F5344CB8AC3E}">
-        <p14:creationId xmlns:p14="http://schemas.microsoft.com/office/powerpoint/2010/main" val="1696137355"/>
-      </p:ext>
-    </p:extLst>
-  </p:cSld>
-  <p:clrMapOvr>
-    <a:masterClrMapping/>
-  </p:clrMapOvr>
-</p:sld>
-</file>
-
-<file path=ppt/slides/slide7.xml><?xml version="1.0" encoding="utf-8"?>
-<p:sld xmlns:a="http://schemas.openxmlformats.org/drawingml/2006/main" xmlns:r="http://schemas.openxmlformats.org/officeDocument/2006/relationships" xmlns:p="http://schemas.openxmlformats.org/presentationml/2006/main">
-  <p:cSld>
-    <p:spTree>
-      <p:nvGrpSpPr>
-        <p:cNvPr id="1" name="">
-          <a:extLst>
-            <a:ext uri="{FF2B5EF4-FFF2-40B4-BE49-F238E27FC236}">
-              <a16:creationId xmlns:a16="http://schemas.microsoft.com/office/drawing/2014/main" id="{7341D091-B5C8-2CAC-B905-5B3795626061}"/>
-            </a:ext>
-          </a:extLst>
-        </p:cNvPr>
-        <p:cNvGrpSpPr/>
-        <p:nvPr/>
-      </p:nvGrpSpPr>
-      <p:grpSpPr>
-        <a:xfrm>
-          <a:off x="0" y="0"/>
-          <a:ext cx="0" cy="0"/>
-          <a:chOff x="0" y="0"/>
-          <a:chExt cx="0" cy="0"/>
-        </a:xfrm>
-      </p:grpSpPr>
-      <p:sp>
-        <p:nvSpPr>
-          <p:cNvPr id="4" name="Rectangle 3">
-            <a:extLst>
-              <a:ext uri="{FF2B5EF4-FFF2-40B4-BE49-F238E27FC236}">
-                <a16:creationId xmlns:a16="http://schemas.microsoft.com/office/drawing/2014/main" id="{D6C8E6B3-9724-A975-F719-4B4FC3DF6AB4}"/>
-              </a:ext>
-            </a:extLst>
-          </p:cNvPr>
-          <p:cNvSpPr/>
-          <p:nvPr/>
-        </p:nvSpPr>
-        <p:spPr>
-          <a:xfrm>
-            <a:off x="9861630" y="0"/>
-            <a:ext cx="8426370" cy="10287000"/>
-          </a:xfrm>
-          <a:prstGeom prst="rect">
-            <a:avLst/>
-          </a:prstGeom>
-          <a:solidFill>
-            <a:srgbClr val="CF3338"/>
-          </a:solidFill>
-          <a:ln>
-            <a:noFill/>
-          </a:ln>
-        </p:spPr>
-        <p:style>
-          <a:lnRef idx="2">
-            <a:schemeClr val="accent1">
-              <a:shade val="50000"/>
-            </a:schemeClr>
-          </a:lnRef>
-          <a:fillRef idx="1">
-            <a:schemeClr val="accent1"/>
-          </a:fillRef>
-          <a:effectRef idx="0">
-            <a:schemeClr val="accent1"/>
-          </a:effectRef>
-          <a:fontRef idx="minor">
-            <a:schemeClr val="lt1"/>
-          </a:fontRef>
-        </p:style>
-        <p:txBody>
-          <a:bodyPr rtlCol="0" anchor="ctr"/>
-          <a:lstStyle/>
-          <a:p>
-            <a:pPr algn="ctr"/>
-            <a:endParaRPr lang="en-US" sz="2700"/>
-          </a:p>
-        </p:txBody>
-      </p:sp>
-      <p:pic>
-        <p:nvPicPr>
-          <p:cNvPr id="2" name="Picture 1">
-            <a:extLst>
-              <a:ext uri="{FF2B5EF4-FFF2-40B4-BE49-F238E27FC236}">
-                <a16:creationId xmlns:a16="http://schemas.microsoft.com/office/drawing/2014/main" id="{CEF18529-1158-9920-4C66-2E7C706118CF}"/>
-              </a:ext>
-            </a:extLst>
-          </p:cNvPr>
-          <p:cNvPicPr>
-            <a:picLocks noChangeAspect="1"/>
-          </p:cNvPicPr>
-          <p:nvPr/>
-        </p:nvPicPr>
-        <p:blipFill rotWithShape="1">
-          <a:blip r:embed="rId3">
-            <a:extLst>
-              <a:ext uri="{28A0092B-C50C-407E-A947-70E740481C1C}">
-                <a14:useLocalDpi xmlns:a14="http://schemas.microsoft.com/office/drawing/2010/main" val="0"/>
-              </a:ext>
-            </a:extLst>
-          </a:blip>
-          <a:srcRect l="69227" t="33418" r="20112" b="50548"/>
-          <a:stretch/>
-        </p:blipFill>
-        <p:spPr>
-          <a:xfrm>
-            <a:off x="15579524" y="7544693"/>
-            <a:ext cx="2708477" cy="2987579"/>
-          </a:xfrm>
-          <a:prstGeom prst="rect">
-            <a:avLst/>
-          </a:prstGeom>
-        </p:spPr>
-      </p:pic>
-      <p:sp>
-        <p:nvSpPr>
-          <p:cNvPr id="3" name="TextBox 2">
-            <a:extLst>
-              <a:ext uri="{FF2B5EF4-FFF2-40B4-BE49-F238E27FC236}">
-                <a16:creationId xmlns:a16="http://schemas.microsoft.com/office/drawing/2014/main" id="{F5B5EBFE-6A73-5A2B-7522-7DB10483D89C}"/>
-              </a:ext>
-            </a:extLst>
-          </p:cNvPr>
-          <p:cNvSpPr txBox="1"/>
-          <p:nvPr/>
-        </p:nvSpPr>
-        <p:spPr>
-          <a:xfrm>
-            <a:off x="260431" y="329879"/>
-            <a:ext cx="8906720" cy="10229980"/>
-          </a:xfrm>
-          <a:prstGeom prst="rect">
-            <a:avLst/>
-          </a:prstGeom>
-          <a:noFill/>
-        </p:spPr>
-        <p:txBody>
-          <a:bodyPr wrap="square" rtlCol="0">
-            <a:spAutoFit/>
-          </a:bodyPr>
-          <a:lstStyle/>
-          <a:p>
-            <a:r>
-              <a:rPr lang="en-US" sz="6000" b="1" dirty="0">
-                <a:solidFill>
-                  <a:srgbClr val="CF3338"/>
-                </a:solidFill>
-                <a:latin typeface="Pragmatica" panose="020B0403040502020204" pitchFamily="34" charset="0"/>
-              </a:rPr>
-              <a:t>Must-know features for Python in Excel</a:t>
-            </a:r>
-          </a:p>
-          <a:p>
-            <a:endParaRPr lang="en-US" sz="4200" dirty="0">
-              <a:solidFill>
-                <a:srgbClr val="CF3338"/>
-              </a:solidFill>
-              <a:latin typeface="Pragmatica" panose="020B0403040502020204" pitchFamily="34" charset="0"/>
-            </a:endParaRPr>
-          </a:p>
-          <a:p>
-            <a:pPr marL="685800" indent="-542925">
-              <a:lnSpc>
-                <a:spcPct val="115000"/>
-              </a:lnSpc>
-              <a:spcBef>
-                <a:spcPts val="1125"/>
-              </a:spcBef>
-              <a:buClr>
-                <a:srgbClr val="C00000"/>
-              </a:buClr>
-              <a:buSzPts val="2100"/>
-              <a:buFont typeface="Arial"/>
-              <a:buAutoNum type="arabicPeriod"/>
-            </a:pPr>
-            <a:r>
-              <a:rPr lang="en-US" sz="3600" dirty="0">
-                <a:solidFill>
-                  <a:srgbClr val="C00000"/>
-                </a:solidFill>
-                <a:latin typeface="Pragmatica" panose="020B0403040502020204"/>
-                <a:sym typeface="Consolas"/>
-              </a:rPr>
-              <a:t>Data import with Power Query</a:t>
-            </a:r>
-          </a:p>
-          <a:p>
-            <a:pPr marL="685800" indent="-542925">
-              <a:lnSpc>
-                <a:spcPct val="115000"/>
-              </a:lnSpc>
-              <a:spcBef>
-                <a:spcPts val="1125"/>
-              </a:spcBef>
-              <a:buClr>
-                <a:srgbClr val="C00000"/>
-              </a:buClr>
-              <a:buSzPts val="2100"/>
-              <a:buFont typeface="Arial"/>
-              <a:buAutoNum type="arabicPeriod"/>
-            </a:pPr>
-            <a:r>
-              <a:rPr lang="en-US" sz="3600" dirty="0">
-                <a:solidFill>
-                  <a:srgbClr val="C00000"/>
-                </a:solidFill>
-                <a:latin typeface="Pragmatica" panose="020B0403040502020204"/>
-                <a:sym typeface="Consolas"/>
-              </a:rPr>
-              <a:t>Data preview with linked data types</a:t>
-            </a:r>
-          </a:p>
-          <a:p>
-            <a:pPr marL="685800" indent="-542925">
-              <a:lnSpc>
-                <a:spcPct val="115000"/>
-              </a:lnSpc>
-              <a:spcBef>
-                <a:spcPts val="1125"/>
-              </a:spcBef>
-              <a:buClr>
-                <a:srgbClr val="C00000"/>
-              </a:buClr>
-              <a:buSzPts val="2100"/>
-              <a:buFont typeface="Arial"/>
-              <a:buAutoNum type="arabicPeriod"/>
-            </a:pPr>
-            <a:r>
-              <a:rPr lang="en-US" sz="3600" dirty="0">
-                <a:solidFill>
-                  <a:srgbClr val="C00000"/>
-                </a:solidFill>
-                <a:latin typeface="Pragmatica" panose="020B0403040502020204"/>
-                <a:sym typeface="Consolas"/>
-              </a:rPr>
-              <a:t>Structured references with Excel tables</a:t>
-            </a:r>
-          </a:p>
-          <a:p>
-            <a:pPr marL="685800" indent="-542925">
-              <a:lnSpc>
-                <a:spcPct val="115000"/>
-              </a:lnSpc>
-              <a:spcBef>
-                <a:spcPts val="1125"/>
-              </a:spcBef>
-              <a:buClr>
-                <a:srgbClr val="C00000"/>
-              </a:buClr>
-              <a:buSzPts val="2100"/>
-              <a:buFont typeface="Arial"/>
-              <a:buAutoNum type="arabicPeriod"/>
-            </a:pPr>
-            <a:r>
-              <a:rPr lang="en-US" sz="3600" dirty="0">
-                <a:solidFill>
-                  <a:srgbClr val="C00000"/>
-                </a:solidFill>
-                <a:latin typeface="Pragmatica" panose="020B0403040502020204"/>
-                <a:sym typeface="Consolas"/>
-              </a:rPr>
-              <a:t>Mixing Python and Excel operations with dynamic arrays</a:t>
-            </a:r>
-          </a:p>
-          <a:p>
-            <a:pPr marL="685800" indent="-542925">
-              <a:lnSpc>
-                <a:spcPct val="115000"/>
-              </a:lnSpc>
-              <a:spcBef>
-                <a:spcPts val="1125"/>
-              </a:spcBef>
-              <a:buClr>
-                <a:srgbClr val="C00000"/>
-              </a:buClr>
-              <a:buSzPts val="2100"/>
-              <a:buFont typeface="Arial"/>
-              <a:buAutoNum type="arabicPeriod"/>
-            </a:pPr>
-            <a:r>
-              <a:rPr lang="en-US" sz="3600" dirty="0">
-                <a:solidFill>
-                  <a:srgbClr val="C00000"/>
-                </a:solidFill>
-                <a:latin typeface="Pragmatica" panose="020B0403040502020204"/>
-                <a:sym typeface="Consolas"/>
-              </a:rPr>
-              <a:t>Creating, resizing, and referencing Python plots with images in cells</a:t>
-            </a:r>
-          </a:p>
-          <a:p>
-            <a:pPr marL="685800" indent="-542925">
-              <a:lnSpc>
-                <a:spcPct val="115000"/>
-              </a:lnSpc>
-              <a:spcBef>
-                <a:spcPts val="1125"/>
-              </a:spcBef>
-              <a:buClr>
-                <a:srgbClr val="C00000"/>
-              </a:buClr>
-              <a:buSzPts val="2100"/>
-              <a:buFont typeface="Arial"/>
-              <a:buAutoNum type="arabicPeriod"/>
-            </a:pPr>
-            <a:endParaRPr lang="en-US" sz="3600" dirty="0">
-              <a:solidFill>
-                <a:srgbClr val="C00000"/>
-              </a:solidFill>
-              <a:latin typeface="Pragmatica" panose="020B0403040502020204"/>
-              <a:sym typeface="Consolas"/>
-            </a:endParaRPr>
-          </a:p>
-          <a:p>
-            <a:pPr marL="142875">
-              <a:lnSpc>
-                <a:spcPct val="115000"/>
-              </a:lnSpc>
-              <a:spcBef>
-                <a:spcPts val="1125"/>
-              </a:spcBef>
-              <a:buClr>
-                <a:srgbClr val="C00000"/>
-              </a:buClr>
-              <a:buSzPts val="2100"/>
-            </a:pPr>
-            <a:r>
-              <a:rPr lang="en-US" sz="3600" dirty="0">
-                <a:solidFill>
-                  <a:srgbClr val="C00000"/>
-                </a:solidFill>
-                <a:latin typeface="Pragmatica" panose="020B0403040502020204"/>
-                <a:sym typeface="Consolas"/>
-              </a:rPr>
-              <a:t>File: </a:t>
-            </a:r>
-            <a:r>
-              <a:rPr lang="en-US" sz="3600" dirty="0">
-                <a:solidFill>
-                  <a:srgbClr val="C00000"/>
-                </a:solidFill>
-                <a:latin typeface="Consolas" panose="020B0609020204030204" pitchFamily="49" charset="0"/>
-                <a:sym typeface="Consolas"/>
-              </a:rPr>
-              <a:t>python-excel-first-steps.xlsx</a:t>
-            </a:r>
-            <a:endParaRPr lang="en-US" sz="6000" dirty="0">
-              <a:solidFill>
-                <a:srgbClr val="CF3338"/>
-              </a:solidFill>
-              <a:latin typeface="Consolas" panose="020B0609020204030204" pitchFamily="49" charset="0"/>
-            </a:endParaRPr>
-          </a:p>
-          <a:p>
-            <a:endParaRPr lang="en-US" sz="6000" dirty="0">
-              <a:solidFill>
-                <a:srgbClr val="CF3338"/>
-              </a:solidFill>
-              <a:latin typeface="Pragmatica" panose="020B0403040502020204" pitchFamily="34" charset="0"/>
-            </a:endParaRPr>
-          </a:p>
-        </p:txBody>
-      </p:sp>
-    </p:spTree>
-    <p:extLst>
-      <p:ext uri="{BB962C8B-B14F-4D97-AF65-F5344CB8AC3E}">
-        <p14:creationId xmlns:p14="http://schemas.microsoft.com/office/powerpoint/2010/main" val="3824313558"/>
-      </p:ext>
-    </p:extLst>
-  </p:cSld>
-  <p:clrMapOvr>
-    <a:masterClrMapping/>
-  </p:clrMapOvr>
-</p:sld>
-</file>
-
-<file path=ppt/slides/slide8.xml><?xml version="1.0" encoding="utf-8"?>
-<p:sld xmlns:a="http://schemas.openxmlformats.org/drawingml/2006/main" xmlns:r="http://schemas.openxmlformats.org/officeDocument/2006/relationships" xmlns:p="http://schemas.openxmlformats.org/presentationml/2006/main">
-  <p:cSld>
-    <p:spTree>
-      <p:nvGrpSpPr>
-        <p:cNvPr id="1" name="">
-          <a:extLst>
-            <a:ext uri="{FF2B5EF4-FFF2-40B4-BE49-F238E27FC236}">
-              <a16:creationId xmlns:a16="http://schemas.microsoft.com/office/drawing/2014/main" id="{046AA539-27A4-7DD4-D5B1-FCA55E0BE4DC}"/>
-            </a:ext>
-          </a:extLst>
-        </p:cNvPr>
-        <p:cNvGrpSpPr/>
-        <p:nvPr/>
-      </p:nvGrpSpPr>
-      <p:grpSpPr>
-        <a:xfrm>
-          <a:off x="0" y="0"/>
-          <a:ext cx="0" cy="0"/>
-          <a:chOff x="0" y="0"/>
-          <a:chExt cx="0" cy="0"/>
-        </a:xfrm>
-      </p:grpSpPr>
-      <p:sp>
-        <p:nvSpPr>
-          <p:cNvPr id="4" name="Rectangle 3">
-            <a:extLst>
-              <a:ext uri="{FF2B5EF4-FFF2-40B4-BE49-F238E27FC236}">
-                <a16:creationId xmlns:a16="http://schemas.microsoft.com/office/drawing/2014/main" id="{A344158C-6293-94AB-63AB-971E91A8E028}"/>
-              </a:ext>
-            </a:extLst>
-          </p:cNvPr>
-          <p:cNvSpPr/>
-          <p:nvPr/>
-        </p:nvSpPr>
-        <p:spPr>
-          <a:xfrm>
-            <a:off x="9861630" y="0"/>
-            <a:ext cx="8426370" cy="10287000"/>
-          </a:xfrm>
-          <a:prstGeom prst="rect">
-            <a:avLst/>
-          </a:prstGeom>
-          <a:solidFill>
-            <a:srgbClr val="CF3338"/>
-          </a:solidFill>
-          <a:ln>
-            <a:noFill/>
-          </a:ln>
-        </p:spPr>
-        <p:style>
-          <a:lnRef idx="2">
-            <a:schemeClr val="accent1">
-              <a:shade val="50000"/>
-            </a:schemeClr>
-          </a:lnRef>
-          <a:fillRef idx="1">
-            <a:schemeClr val="accent1"/>
-          </a:fillRef>
-          <a:effectRef idx="0">
-            <a:schemeClr val="accent1"/>
-          </a:effectRef>
-          <a:fontRef idx="minor">
-            <a:schemeClr val="lt1"/>
-          </a:fontRef>
-        </p:style>
-        <p:txBody>
-          <a:bodyPr rtlCol="0" anchor="ctr"/>
-          <a:lstStyle/>
-          <a:p>
-            <a:pPr algn="ctr"/>
-            <a:endParaRPr lang="en-US" sz="2700"/>
-          </a:p>
-        </p:txBody>
-      </p:sp>
-      <p:pic>
-        <p:nvPicPr>
-          <p:cNvPr id="2" name="Picture 1">
-            <a:extLst>
-              <a:ext uri="{FF2B5EF4-FFF2-40B4-BE49-F238E27FC236}">
-                <a16:creationId xmlns:a16="http://schemas.microsoft.com/office/drawing/2014/main" id="{C4C93F93-4B19-9D4F-F9FD-7157392E0F24}"/>
-              </a:ext>
-            </a:extLst>
-          </p:cNvPr>
-          <p:cNvPicPr>
-            <a:picLocks noChangeAspect="1"/>
-          </p:cNvPicPr>
-          <p:nvPr/>
-        </p:nvPicPr>
-        <p:blipFill rotWithShape="1">
-          <a:blip r:embed="rId3">
-            <a:extLst>
-              <a:ext uri="{28A0092B-C50C-407E-A947-70E740481C1C}">
-                <a14:useLocalDpi xmlns:a14="http://schemas.microsoft.com/office/drawing/2010/main" val="0"/>
-              </a:ext>
-            </a:extLst>
-          </a:blip>
-          <a:srcRect l="69227" t="33418" r="20112" b="50548"/>
-          <a:stretch/>
-        </p:blipFill>
-        <p:spPr>
-          <a:xfrm>
-            <a:off x="15579524" y="7544693"/>
-            <a:ext cx="2708477" cy="2987579"/>
-          </a:xfrm>
-          <a:prstGeom prst="rect">
-            <a:avLst/>
-          </a:prstGeom>
-        </p:spPr>
-      </p:pic>
-      <p:sp>
-        <p:nvSpPr>
-          <p:cNvPr id="3" name="TextBox 2">
-            <a:extLst>
-              <a:ext uri="{FF2B5EF4-FFF2-40B4-BE49-F238E27FC236}">
-                <a16:creationId xmlns:a16="http://schemas.microsoft.com/office/drawing/2014/main" id="{4FD4293E-9099-AA91-30CF-06B0A400F7E7}"/>
-              </a:ext>
-            </a:extLst>
-          </p:cNvPr>
-          <p:cNvSpPr txBox="1"/>
-          <p:nvPr/>
-        </p:nvSpPr>
-        <p:spPr>
-          <a:xfrm>
-            <a:off x="260431" y="329879"/>
-            <a:ext cx="8906720" cy="9263690"/>
-          </a:xfrm>
-          <a:prstGeom prst="rect">
-            <a:avLst/>
-          </a:prstGeom>
-          <a:noFill/>
-        </p:spPr>
-        <p:txBody>
-          <a:bodyPr wrap="square" rtlCol="0">
-            <a:spAutoFit/>
-          </a:bodyPr>
-          <a:lstStyle/>
-          <a:p>
-            <a:r>
-              <a:rPr lang="en-US" sz="6000" b="1" dirty="0">
-                <a:solidFill>
-                  <a:srgbClr val="CF3338"/>
-                </a:solidFill>
-                <a:latin typeface="Pragmatica" panose="020B0403040502020204" pitchFamily="34" charset="0"/>
-              </a:rPr>
-              <a:t>Must-know features for Python in Excel</a:t>
-            </a:r>
-          </a:p>
-          <a:p>
-            <a:pPr marL="142875">
-              <a:lnSpc>
-                <a:spcPct val="115000"/>
-              </a:lnSpc>
-              <a:spcBef>
-                <a:spcPts val="1125"/>
-              </a:spcBef>
-              <a:buClr>
-                <a:srgbClr val="C00000"/>
-              </a:buClr>
-              <a:buSzPts val="2100"/>
-            </a:pPr>
-            <a:endParaRPr lang="en-US" sz="3200" dirty="0">
-              <a:solidFill>
-                <a:srgbClr val="C00000"/>
-              </a:solidFill>
-              <a:latin typeface="Pragmatica" panose="020B0403040502020204"/>
-              <a:sym typeface="Consolas"/>
-            </a:endParaRPr>
-          </a:p>
-          <a:p>
-            <a:pPr marL="685800" indent="-542925">
-              <a:lnSpc>
-                <a:spcPct val="115000"/>
-              </a:lnSpc>
-              <a:spcBef>
-                <a:spcPts val="1125"/>
-              </a:spcBef>
-              <a:buClr>
-                <a:srgbClr val="C00000"/>
-              </a:buClr>
-              <a:buSzPts val="2100"/>
-              <a:buFont typeface="Arial"/>
-              <a:buAutoNum type="arabicPeriod"/>
-            </a:pPr>
-            <a:r>
-              <a:rPr lang="en-US" sz="3200" dirty="0">
-                <a:solidFill>
-                  <a:srgbClr val="C00000"/>
-                </a:solidFill>
-                <a:latin typeface="Pragmatica" panose="020B0403040502020204"/>
-                <a:sym typeface="Consolas"/>
-              </a:rPr>
-              <a:t>Import into Excel via Power Query (Get Data &gt; From File &gt; From Text/CSV)</a:t>
-            </a:r>
-          </a:p>
-          <a:p>
-            <a:pPr marL="685800" indent="-542925">
-              <a:lnSpc>
-                <a:spcPct val="115000"/>
-              </a:lnSpc>
-              <a:spcBef>
-                <a:spcPts val="1125"/>
-              </a:spcBef>
-              <a:buClr>
-                <a:srgbClr val="C00000"/>
-              </a:buClr>
-              <a:buSzPts val="2100"/>
-              <a:buFont typeface="Arial"/>
-              <a:buAutoNum type="arabicPeriod"/>
-            </a:pPr>
-            <a:r>
-              <a:rPr lang="en-US" sz="3200" dirty="0">
-                <a:solidFill>
-                  <a:srgbClr val="C00000"/>
-                </a:solidFill>
-                <a:latin typeface="Pragmatica" panose="020B0403040502020204"/>
-                <a:sym typeface="Consolas"/>
-              </a:rPr>
-              <a:t>Unpivot the Fresh through </a:t>
-            </a:r>
-            <a:r>
-              <a:rPr lang="en-US" sz="3200" dirty="0" err="1">
-                <a:solidFill>
-                  <a:srgbClr val="C00000"/>
-                </a:solidFill>
-                <a:latin typeface="Pragmatica" panose="020B0403040502020204"/>
-                <a:sym typeface="Consolas"/>
-              </a:rPr>
-              <a:t>Delicassen</a:t>
-            </a:r>
-            <a:r>
-              <a:rPr lang="en-US" sz="3200" dirty="0">
-                <a:solidFill>
-                  <a:srgbClr val="C00000"/>
-                </a:solidFill>
-                <a:latin typeface="Pragmatica" panose="020B0403040502020204"/>
-                <a:sym typeface="Consolas"/>
-              </a:rPr>
-              <a:t> [sic] columns</a:t>
-            </a:r>
-          </a:p>
-          <a:p>
-            <a:pPr marL="685800" indent="-542925">
-              <a:lnSpc>
-                <a:spcPct val="115000"/>
-              </a:lnSpc>
-              <a:spcBef>
-                <a:spcPts val="1125"/>
-              </a:spcBef>
-              <a:buClr>
-                <a:srgbClr val="C00000"/>
-              </a:buClr>
-              <a:buSzPts val="2100"/>
-              <a:buFont typeface="Arial"/>
-              <a:buAutoNum type="arabicPeriod"/>
-            </a:pPr>
-            <a:r>
-              <a:rPr lang="en-US" sz="3200" dirty="0">
-                <a:solidFill>
-                  <a:srgbClr val="C00000"/>
-                </a:solidFill>
-                <a:latin typeface="Pragmatica" panose="020B0403040502020204"/>
-                <a:sym typeface="Consolas"/>
-              </a:rPr>
-              <a:t>Load as connection into Python in Excel</a:t>
-            </a:r>
-          </a:p>
-          <a:p>
-            <a:pPr marL="685800" indent="-542925">
-              <a:lnSpc>
-                <a:spcPct val="115000"/>
-              </a:lnSpc>
-              <a:spcBef>
-                <a:spcPts val="1125"/>
-              </a:spcBef>
-              <a:buClr>
-                <a:srgbClr val="C00000"/>
-              </a:buClr>
-              <a:buSzPts val="2100"/>
-              <a:buFont typeface="Arial"/>
-              <a:buAutoNum type="arabicPeriod"/>
-            </a:pPr>
-            <a:r>
-              <a:rPr lang="en-US" sz="3200" dirty="0">
-                <a:solidFill>
-                  <a:srgbClr val="C00000"/>
-                </a:solidFill>
-                <a:latin typeface="Pragmatica" panose="020B0403040502020204"/>
-                <a:sym typeface="Consolas"/>
-              </a:rPr>
-              <a:t>Preview the data with a linked data type</a:t>
-            </a:r>
-          </a:p>
-          <a:p>
-            <a:pPr marL="685800" indent="-542925">
-              <a:lnSpc>
-                <a:spcPct val="115000"/>
-              </a:lnSpc>
-              <a:spcBef>
-                <a:spcPts val="1125"/>
-              </a:spcBef>
-              <a:buClr>
-                <a:srgbClr val="C00000"/>
-              </a:buClr>
-              <a:buSzPts val="2100"/>
-              <a:buFont typeface="Arial"/>
-              <a:buAutoNum type="arabicPeriod"/>
-            </a:pPr>
-            <a:r>
-              <a:rPr lang="en-US" sz="3200" dirty="0">
-                <a:solidFill>
-                  <a:srgbClr val="C00000"/>
-                </a:solidFill>
-                <a:latin typeface="Pragmatica" panose="020B0403040502020204"/>
-                <a:sym typeface="Consolas"/>
-              </a:rPr>
-              <a:t>Count the number of nonblank cells in the preview area with a spill operator</a:t>
-            </a:r>
-          </a:p>
-          <a:p>
-            <a:pPr marL="142875">
-              <a:lnSpc>
-                <a:spcPct val="115000"/>
-              </a:lnSpc>
-              <a:spcBef>
-                <a:spcPts val="1125"/>
-              </a:spcBef>
-              <a:buClr>
-                <a:srgbClr val="C00000"/>
-              </a:buClr>
-              <a:buSzPts val="2100"/>
-            </a:pPr>
-            <a:r>
-              <a:rPr lang="en-US" sz="3200" dirty="0">
-                <a:solidFill>
-                  <a:srgbClr val="C00000"/>
-                </a:solidFill>
-                <a:latin typeface="Pragmatica" panose="020B0403040502020204"/>
-                <a:sym typeface="Consolas"/>
-              </a:rPr>
-              <a:t>File: </a:t>
-            </a:r>
-            <a:r>
-              <a:rPr lang="en-US" sz="3200" dirty="0">
-                <a:solidFill>
-                  <a:srgbClr val="C00000"/>
-                </a:solidFill>
-                <a:latin typeface="Consolas" panose="020B0609020204030204" pitchFamily="49" charset="0"/>
-                <a:sym typeface="Consolas"/>
-              </a:rPr>
-              <a:t>wholesale-customers.csv </a:t>
-            </a:r>
-          </a:p>
-          <a:p>
-            <a:pPr marL="685800" indent="-542925">
-              <a:lnSpc>
-                <a:spcPct val="115000"/>
-              </a:lnSpc>
-              <a:spcBef>
-                <a:spcPts val="1125"/>
-              </a:spcBef>
-              <a:buClr>
-                <a:srgbClr val="C00000"/>
-              </a:buClr>
-              <a:buSzPts val="2100"/>
-              <a:buFont typeface="Arial"/>
-              <a:buAutoNum type="arabicPeriod"/>
-            </a:pPr>
-            <a:endParaRPr lang="en-US" sz="3200" dirty="0">
-              <a:solidFill>
-                <a:srgbClr val="C00000"/>
-              </a:solidFill>
-              <a:latin typeface="Pragmatica" panose="020B0403040502020204"/>
-              <a:sym typeface="Consolas"/>
-            </a:endParaRPr>
-          </a:p>
-        </p:txBody>
-      </p:sp>
-    </p:spTree>
-    <p:extLst>
-      <p:ext uri="{BB962C8B-B14F-4D97-AF65-F5344CB8AC3E}">
-        <p14:creationId xmlns:p14="http://schemas.microsoft.com/office/powerpoint/2010/main" val="3402676616"/>
-      </p:ext>
-    </p:extLst>
-  </p:cSld>
-  <p:clrMapOvr>
-    <a:masterClrMapping/>
-  </p:clrMapOvr>
-</p:sld>
-</file>
-
-<file path=ppt/slides/slide9.xml><?xml version="1.0" encoding="utf-8"?>
-<p:sld xmlns:a="http://schemas.openxmlformats.org/drawingml/2006/main" xmlns:r="http://schemas.openxmlformats.org/officeDocument/2006/relationships" xmlns:p="http://schemas.openxmlformats.org/presentationml/2006/main">
-  <p:cSld>
-    <p:spTree>
-      <p:nvGrpSpPr>
-        <p:cNvPr id="1" name=""/>
-        <p:cNvGrpSpPr/>
-        <p:nvPr/>
-      </p:nvGrpSpPr>
-      <p:grpSpPr>
-        <a:xfrm>
-          <a:off x="0" y="0"/>
-          <a:ext cx="0" cy="0"/>
-          <a:chOff x="0" y="0"/>
-          <a:chExt cx="0" cy="0"/>
-        </a:xfrm>
-      </p:grpSpPr>
-      <p:pic>
-        <p:nvPicPr>
-          <p:cNvPr id="10" name="Picture 9"/>
           <p:cNvPicPr>
             <a:picLocks noChangeAspect="1"/>
           </p:cNvPicPr>
@@ -12477,7 +8320,13 @@
       </p:pic>
       <p:pic>
         <p:nvPicPr>
-          <p:cNvPr id="4" name="Picture 3"/>
+          <p:cNvPr id="4" name="Picture 3">
+            <a:extLst>
+              <a:ext uri="{FF2B5EF4-FFF2-40B4-BE49-F238E27FC236}">
+                <a16:creationId xmlns:a16="http://schemas.microsoft.com/office/drawing/2014/main" id="{AFFB3786-F708-A843-A0F9-421AD499BF9E}"/>
+              </a:ext>
+            </a:extLst>
+          </p:cNvPr>
           <p:cNvPicPr>
             <a:picLocks noChangeAspect="1"/>
           </p:cNvPicPr>
@@ -12507,7 +8356,13 @@
       </p:pic>
       <p:sp>
         <p:nvSpPr>
-          <p:cNvPr id="11" name="TextBox 10"/>
+          <p:cNvPr id="11" name="TextBox 10">
+            <a:extLst>
+              <a:ext uri="{FF2B5EF4-FFF2-40B4-BE49-F238E27FC236}">
+                <a16:creationId xmlns:a16="http://schemas.microsoft.com/office/drawing/2014/main" id="{C887E97A-23F3-80A4-C3A8-74DB58B3E68A}"/>
+              </a:ext>
+            </a:extLst>
+          </p:cNvPr>
           <p:cNvSpPr txBox="1"/>
           <p:nvPr/>
         </p:nvSpPr>
@@ -12544,7 +8399,7 @@
           <p:cNvPr id="5" name="Picture 4">
             <a:extLst>
               <a:ext uri="{FF2B5EF4-FFF2-40B4-BE49-F238E27FC236}">
-                <a16:creationId xmlns:a16="http://schemas.microsoft.com/office/drawing/2014/main" id="{54A06221-5316-4BCF-9FDA-BDB95FF4A778}"/>
+                <a16:creationId xmlns:a16="http://schemas.microsoft.com/office/drawing/2014/main" id="{765F8234-6BE2-0B98-E5AA-39E3ABE63ADB}"/>
               </a:ext>
             </a:extLst>
           </p:cNvPr>
@@ -12577,7 +8432,1097 @@
     </p:spTree>
     <p:extLst>
       <p:ext uri="{BB962C8B-B14F-4D97-AF65-F5344CB8AC3E}">
-        <p14:creationId xmlns:p14="http://schemas.microsoft.com/office/powerpoint/2010/main" val="1689860732"/>
+        <p14:creationId xmlns:p14="http://schemas.microsoft.com/office/powerpoint/2010/main" val="3837269411"/>
+      </p:ext>
+    </p:extLst>
+  </p:cSld>
+  <p:clrMapOvr>
+    <a:masterClrMapping/>
+  </p:clrMapOvr>
+</p:sld>
+</file>
+
+<file path=ppt/slides/slide6.xml><?xml version="1.0" encoding="utf-8"?>
+<p:sld xmlns:a="http://schemas.openxmlformats.org/drawingml/2006/main" xmlns:r="http://schemas.openxmlformats.org/officeDocument/2006/relationships" xmlns:p="http://schemas.openxmlformats.org/presentationml/2006/main">
+  <p:cSld>
+    <p:spTree>
+      <p:nvGrpSpPr>
+        <p:cNvPr id="1" name="">
+          <a:extLst>
+            <a:ext uri="{FF2B5EF4-FFF2-40B4-BE49-F238E27FC236}">
+              <a16:creationId xmlns:a16="http://schemas.microsoft.com/office/drawing/2014/main" id="{994E9E4D-F5EA-9E6D-6A21-B5C0E9A2676A}"/>
+            </a:ext>
+          </a:extLst>
+        </p:cNvPr>
+        <p:cNvGrpSpPr/>
+        <p:nvPr/>
+      </p:nvGrpSpPr>
+      <p:grpSpPr>
+        <a:xfrm>
+          <a:off x="0" y="0"/>
+          <a:ext cx="0" cy="0"/>
+          <a:chOff x="0" y="0"/>
+          <a:chExt cx="0" cy="0"/>
+        </a:xfrm>
+      </p:grpSpPr>
+      <p:sp>
+        <p:nvSpPr>
+          <p:cNvPr id="4" name="Rectangle 3">
+            <a:extLst>
+              <a:ext uri="{FF2B5EF4-FFF2-40B4-BE49-F238E27FC236}">
+                <a16:creationId xmlns:a16="http://schemas.microsoft.com/office/drawing/2014/main" id="{8A345702-D604-A618-DB09-49BD72CC1E08}"/>
+              </a:ext>
+            </a:extLst>
+          </p:cNvPr>
+          <p:cNvSpPr/>
+          <p:nvPr/>
+        </p:nvSpPr>
+        <p:spPr>
+          <a:xfrm>
+            <a:off x="0" y="0"/>
+            <a:ext cx="18288000" cy="10287000"/>
+          </a:xfrm>
+          <a:prstGeom prst="rect">
+            <a:avLst/>
+          </a:prstGeom>
+          <a:solidFill>
+            <a:srgbClr val="CF3338"/>
+          </a:solidFill>
+          <a:ln>
+            <a:noFill/>
+          </a:ln>
+        </p:spPr>
+        <p:style>
+          <a:lnRef idx="2">
+            <a:schemeClr val="accent1">
+              <a:shade val="50000"/>
+            </a:schemeClr>
+          </a:lnRef>
+          <a:fillRef idx="1">
+            <a:schemeClr val="accent1"/>
+          </a:fillRef>
+          <a:effectRef idx="0">
+            <a:schemeClr val="accent1"/>
+          </a:effectRef>
+          <a:fontRef idx="minor">
+            <a:schemeClr val="lt1"/>
+          </a:fontRef>
+        </p:style>
+        <p:txBody>
+          <a:bodyPr rtlCol="0" anchor="ctr"/>
+          <a:lstStyle/>
+          <a:p>
+            <a:pPr algn="ctr"/>
+            <a:endParaRPr lang="en-US" sz="2700"/>
+          </a:p>
+        </p:txBody>
+      </p:sp>
+      <p:sp>
+        <p:nvSpPr>
+          <p:cNvPr id="5" name="TextBox 4">
+            <a:extLst>
+              <a:ext uri="{FF2B5EF4-FFF2-40B4-BE49-F238E27FC236}">
+                <a16:creationId xmlns:a16="http://schemas.microsoft.com/office/drawing/2014/main" id="{7BE32545-AD0E-AF08-1D08-3C935465A1FD}"/>
+              </a:ext>
+            </a:extLst>
+          </p:cNvPr>
+          <p:cNvSpPr txBox="1"/>
+          <p:nvPr/>
+        </p:nvSpPr>
+        <p:spPr>
+          <a:xfrm>
+            <a:off x="781292" y="590309"/>
+            <a:ext cx="15486926" cy="3139321"/>
+          </a:xfrm>
+          <a:prstGeom prst="rect">
+            <a:avLst/>
+          </a:prstGeom>
+          <a:noFill/>
+        </p:spPr>
+        <p:txBody>
+          <a:bodyPr wrap="square" rtlCol="0">
+            <a:spAutoFit/>
+          </a:bodyPr>
+          <a:lstStyle/>
+          <a:p>
+            <a:r>
+              <a:rPr lang="en-US" sz="9900" b="1" dirty="0">
+                <a:solidFill>
+                  <a:schemeClr val="bg1"/>
+                </a:solidFill>
+                <a:latin typeface="Normafixed Tryout" panose="00000409000000000000" pitchFamily="49" charset="0"/>
+              </a:rPr>
+              <a:t>2. PivotTables and Data Visualization</a:t>
+            </a:r>
+          </a:p>
+        </p:txBody>
+      </p:sp>
+    </p:spTree>
+    <p:extLst>
+      <p:ext uri="{BB962C8B-B14F-4D97-AF65-F5344CB8AC3E}">
+        <p14:creationId xmlns:p14="http://schemas.microsoft.com/office/powerpoint/2010/main" val="1106732903"/>
+      </p:ext>
+    </p:extLst>
+  </p:cSld>
+  <p:clrMapOvr>
+    <a:masterClrMapping/>
+  </p:clrMapOvr>
+</p:sld>
+</file>
+
+<file path=ppt/slides/slide7.xml><?xml version="1.0" encoding="utf-8"?>
+<p:sld xmlns:a="http://schemas.openxmlformats.org/drawingml/2006/main" xmlns:r="http://schemas.openxmlformats.org/officeDocument/2006/relationships" xmlns:p="http://schemas.openxmlformats.org/presentationml/2006/main">
+  <p:cSld>
+    <p:spTree>
+      <p:nvGrpSpPr>
+        <p:cNvPr id="1" name="">
+          <a:extLst>
+            <a:ext uri="{FF2B5EF4-FFF2-40B4-BE49-F238E27FC236}">
+              <a16:creationId xmlns:a16="http://schemas.microsoft.com/office/drawing/2014/main" id="{A8E27D84-FFDE-26ED-94BA-64C075C582EB}"/>
+            </a:ext>
+          </a:extLst>
+        </p:cNvPr>
+        <p:cNvGrpSpPr/>
+        <p:nvPr/>
+      </p:nvGrpSpPr>
+      <p:grpSpPr>
+        <a:xfrm>
+          <a:off x="0" y="0"/>
+          <a:ext cx="0" cy="0"/>
+          <a:chOff x="0" y="0"/>
+          <a:chExt cx="0" cy="0"/>
+        </a:xfrm>
+      </p:grpSpPr>
+      <p:sp>
+        <p:nvSpPr>
+          <p:cNvPr id="4" name="Rectangle 3">
+            <a:extLst>
+              <a:ext uri="{FF2B5EF4-FFF2-40B4-BE49-F238E27FC236}">
+                <a16:creationId xmlns:a16="http://schemas.microsoft.com/office/drawing/2014/main" id="{25725F94-F6C0-4368-ABA2-9852F1FCCD5C}"/>
+              </a:ext>
+            </a:extLst>
+          </p:cNvPr>
+          <p:cNvSpPr/>
+          <p:nvPr/>
+        </p:nvSpPr>
+        <p:spPr>
+          <a:xfrm>
+            <a:off x="9861630" y="0"/>
+            <a:ext cx="8426370" cy="10287000"/>
+          </a:xfrm>
+          <a:prstGeom prst="rect">
+            <a:avLst/>
+          </a:prstGeom>
+          <a:solidFill>
+            <a:srgbClr val="CF3338"/>
+          </a:solidFill>
+          <a:ln>
+            <a:noFill/>
+          </a:ln>
+        </p:spPr>
+        <p:style>
+          <a:lnRef idx="2">
+            <a:schemeClr val="accent1">
+              <a:shade val="50000"/>
+            </a:schemeClr>
+          </a:lnRef>
+          <a:fillRef idx="1">
+            <a:schemeClr val="accent1"/>
+          </a:fillRef>
+          <a:effectRef idx="0">
+            <a:schemeClr val="accent1"/>
+          </a:effectRef>
+          <a:fontRef idx="minor">
+            <a:schemeClr val="lt1"/>
+          </a:fontRef>
+        </p:style>
+        <p:txBody>
+          <a:bodyPr rtlCol="0" anchor="ctr"/>
+          <a:lstStyle/>
+          <a:p>
+            <a:pPr algn="ctr"/>
+            <a:endParaRPr lang="en-US" sz="2700"/>
+          </a:p>
+        </p:txBody>
+      </p:sp>
+      <p:pic>
+        <p:nvPicPr>
+          <p:cNvPr id="2" name="Picture 1">
+            <a:extLst>
+              <a:ext uri="{FF2B5EF4-FFF2-40B4-BE49-F238E27FC236}">
+                <a16:creationId xmlns:a16="http://schemas.microsoft.com/office/drawing/2014/main" id="{DA78474A-55A3-EB84-82DB-6EE40D28C699}"/>
+              </a:ext>
+            </a:extLst>
+          </p:cNvPr>
+          <p:cNvPicPr>
+            <a:picLocks noChangeAspect="1"/>
+          </p:cNvPicPr>
+          <p:nvPr/>
+        </p:nvPicPr>
+        <p:blipFill rotWithShape="1">
+          <a:blip r:embed="rId3">
+            <a:extLst>
+              <a:ext uri="{28A0092B-C50C-407E-A947-70E740481C1C}">
+                <a14:useLocalDpi xmlns:a14="http://schemas.microsoft.com/office/drawing/2010/main" val="0"/>
+              </a:ext>
+            </a:extLst>
+          </a:blip>
+          <a:srcRect l="69227" t="33418" r="20112" b="50548"/>
+          <a:stretch/>
+        </p:blipFill>
+        <p:spPr>
+          <a:xfrm>
+            <a:off x="15579524" y="7544693"/>
+            <a:ext cx="2708477" cy="2987579"/>
+          </a:xfrm>
+          <a:prstGeom prst="rect">
+            <a:avLst/>
+          </a:prstGeom>
+        </p:spPr>
+      </p:pic>
+      <p:sp>
+        <p:nvSpPr>
+          <p:cNvPr id="3" name="TextBox 2">
+            <a:extLst>
+              <a:ext uri="{FF2B5EF4-FFF2-40B4-BE49-F238E27FC236}">
+                <a16:creationId xmlns:a16="http://schemas.microsoft.com/office/drawing/2014/main" id="{23CC9886-95A6-608C-A336-E858CA7411F3}"/>
+              </a:ext>
+            </a:extLst>
+          </p:cNvPr>
+          <p:cNvSpPr txBox="1"/>
+          <p:nvPr/>
+        </p:nvSpPr>
+        <p:spPr>
+          <a:xfrm>
+            <a:off x="260431" y="329879"/>
+            <a:ext cx="8906720" cy="10093019"/>
+          </a:xfrm>
+          <a:prstGeom prst="rect">
+            <a:avLst/>
+          </a:prstGeom>
+          <a:noFill/>
+        </p:spPr>
+        <p:txBody>
+          <a:bodyPr wrap="square" rtlCol="0">
+            <a:spAutoFit/>
+          </a:bodyPr>
+          <a:lstStyle/>
+          <a:p>
+            <a:r>
+              <a:rPr lang="en-US" sz="6000" b="1" dirty="0">
+                <a:solidFill>
+                  <a:srgbClr val="CF3338"/>
+                </a:solidFill>
+                <a:latin typeface="Pragmatica" panose="020B0403040502020204" pitchFamily="34" charset="0"/>
+              </a:rPr>
+              <a:t>Creating PivotTables and data summaries with Copilot</a:t>
+            </a:r>
+          </a:p>
+          <a:p>
+            <a:endParaRPr lang="en-US" sz="4200" dirty="0">
+              <a:solidFill>
+                <a:srgbClr val="CF3338"/>
+              </a:solidFill>
+              <a:latin typeface="Pragmatica" panose="020B0403040502020204" pitchFamily="34" charset="0"/>
+            </a:endParaRPr>
+          </a:p>
+          <a:p>
+            <a:pPr marL="714375" indent="-571500">
+              <a:lnSpc>
+                <a:spcPct val="115000"/>
+              </a:lnSpc>
+              <a:spcBef>
+                <a:spcPts val="1125"/>
+              </a:spcBef>
+              <a:buClr>
+                <a:srgbClr val="C00000"/>
+              </a:buClr>
+              <a:buSzPts val="2100"/>
+              <a:buFont typeface="Arial" panose="020B0604020202020204" pitchFamily="34" charset="0"/>
+              <a:buChar char="•"/>
+            </a:pPr>
+            <a:r>
+              <a:rPr lang="en-US" sz="3600" dirty="0">
+                <a:solidFill>
+                  <a:srgbClr val="C00000"/>
+                </a:solidFill>
+                <a:latin typeface="Pragmatica" panose="020B0403040502020204"/>
+                <a:sym typeface="Consolas"/>
+              </a:rPr>
+              <a:t>Work around Copilot’s limitations with PivotTables and GROUPBY() / PIVOTBY() functions</a:t>
+            </a:r>
+          </a:p>
+          <a:p>
+            <a:pPr marL="714375" indent="-571500">
+              <a:lnSpc>
+                <a:spcPct val="115000"/>
+              </a:lnSpc>
+              <a:spcBef>
+                <a:spcPts val="1125"/>
+              </a:spcBef>
+              <a:buClr>
+                <a:srgbClr val="C00000"/>
+              </a:buClr>
+              <a:buSzPts val="2100"/>
+              <a:buFont typeface="Arial" panose="020B0604020202020204" pitchFamily="34" charset="0"/>
+              <a:buChar char="•"/>
+            </a:pPr>
+            <a:r>
+              <a:rPr lang="en-US" sz="3600" dirty="0">
+                <a:solidFill>
+                  <a:srgbClr val="C00000"/>
+                </a:solidFill>
+                <a:latin typeface="Pragmatica" panose="020B0403040502020204"/>
+                <a:sym typeface="Consolas"/>
+              </a:rPr>
+              <a:t>Enhance your analysis with Copilot by adding totals, percentages, and custom ad-hoc calculations</a:t>
+            </a:r>
+          </a:p>
+          <a:p>
+            <a:pPr marL="714375" indent="-571500">
+              <a:lnSpc>
+                <a:spcPct val="115000"/>
+              </a:lnSpc>
+              <a:spcBef>
+                <a:spcPts val="1125"/>
+              </a:spcBef>
+              <a:buClr>
+                <a:srgbClr val="C00000"/>
+              </a:buClr>
+              <a:buSzPts val="2100"/>
+              <a:buFont typeface="Arial" panose="020B0604020202020204" pitchFamily="34" charset="0"/>
+              <a:buChar char="•"/>
+            </a:pPr>
+            <a:endParaRPr lang="en-US" sz="3600" dirty="0">
+              <a:solidFill>
+                <a:srgbClr val="C00000"/>
+              </a:solidFill>
+              <a:latin typeface="Pragmatica" panose="020B0403040502020204"/>
+              <a:sym typeface="Consolas"/>
+            </a:endParaRPr>
+          </a:p>
+          <a:p>
+            <a:pPr marL="142875">
+              <a:lnSpc>
+                <a:spcPct val="115000"/>
+              </a:lnSpc>
+              <a:spcBef>
+                <a:spcPts val="1125"/>
+              </a:spcBef>
+              <a:buClr>
+                <a:srgbClr val="C00000"/>
+              </a:buClr>
+              <a:buSzPts val="2100"/>
+            </a:pPr>
+            <a:r>
+              <a:rPr lang="en-US" sz="3600" dirty="0">
+                <a:solidFill>
+                  <a:srgbClr val="C00000"/>
+                </a:solidFill>
+                <a:latin typeface="Pragmatica" panose="020B0403040502020204"/>
+                <a:sym typeface="Consolas"/>
+              </a:rPr>
+              <a:t>Demo file: copilot-pivottables-demo.xlsx</a:t>
+            </a:r>
+          </a:p>
+          <a:p>
+            <a:endParaRPr lang="en-US" sz="6000" dirty="0">
+              <a:solidFill>
+                <a:srgbClr val="CF3338"/>
+              </a:solidFill>
+              <a:latin typeface="Pragmatica" panose="020B0403040502020204" pitchFamily="34" charset="0"/>
+            </a:endParaRPr>
+          </a:p>
+        </p:txBody>
+      </p:sp>
+    </p:spTree>
+    <p:extLst>
+      <p:ext uri="{BB962C8B-B14F-4D97-AF65-F5344CB8AC3E}">
+        <p14:creationId xmlns:p14="http://schemas.microsoft.com/office/powerpoint/2010/main" val="674768910"/>
+      </p:ext>
+    </p:extLst>
+  </p:cSld>
+  <p:clrMapOvr>
+    <a:masterClrMapping/>
+  </p:clrMapOvr>
+</p:sld>
+</file>
+
+<file path=ppt/slides/slide8.xml><?xml version="1.0" encoding="utf-8"?>
+<p:sld xmlns:a="http://schemas.openxmlformats.org/drawingml/2006/main" xmlns:r="http://schemas.openxmlformats.org/officeDocument/2006/relationships" xmlns:p="http://schemas.openxmlformats.org/presentationml/2006/main">
+  <p:cSld>
+    <p:spTree>
+      <p:nvGrpSpPr>
+        <p:cNvPr id="1" name="">
+          <a:extLst>
+            <a:ext uri="{FF2B5EF4-FFF2-40B4-BE49-F238E27FC236}">
+              <a16:creationId xmlns:a16="http://schemas.microsoft.com/office/drawing/2014/main" id="{A23348F4-ECBA-7F53-E75D-9BFB644A9742}"/>
+            </a:ext>
+          </a:extLst>
+        </p:cNvPr>
+        <p:cNvGrpSpPr/>
+        <p:nvPr/>
+      </p:nvGrpSpPr>
+      <p:grpSpPr>
+        <a:xfrm>
+          <a:off x="0" y="0"/>
+          <a:ext cx="0" cy="0"/>
+          <a:chOff x="0" y="0"/>
+          <a:chExt cx="0" cy="0"/>
+        </a:xfrm>
+      </p:grpSpPr>
+      <p:sp>
+        <p:nvSpPr>
+          <p:cNvPr id="4" name="Rectangle 3">
+            <a:extLst>
+              <a:ext uri="{FF2B5EF4-FFF2-40B4-BE49-F238E27FC236}">
+                <a16:creationId xmlns:a16="http://schemas.microsoft.com/office/drawing/2014/main" id="{C916C9E2-601A-F89F-FE9D-500A857517F9}"/>
+              </a:ext>
+            </a:extLst>
+          </p:cNvPr>
+          <p:cNvSpPr/>
+          <p:nvPr/>
+        </p:nvSpPr>
+        <p:spPr>
+          <a:xfrm>
+            <a:off x="9861630" y="0"/>
+            <a:ext cx="8426370" cy="10287000"/>
+          </a:xfrm>
+          <a:prstGeom prst="rect">
+            <a:avLst/>
+          </a:prstGeom>
+          <a:solidFill>
+            <a:srgbClr val="CF3338"/>
+          </a:solidFill>
+          <a:ln>
+            <a:noFill/>
+          </a:ln>
+        </p:spPr>
+        <p:style>
+          <a:lnRef idx="2">
+            <a:schemeClr val="accent1">
+              <a:shade val="50000"/>
+            </a:schemeClr>
+          </a:lnRef>
+          <a:fillRef idx="1">
+            <a:schemeClr val="accent1"/>
+          </a:fillRef>
+          <a:effectRef idx="0">
+            <a:schemeClr val="accent1"/>
+          </a:effectRef>
+          <a:fontRef idx="minor">
+            <a:schemeClr val="lt1"/>
+          </a:fontRef>
+        </p:style>
+        <p:txBody>
+          <a:bodyPr rtlCol="0" anchor="ctr"/>
+          <a:lstStyle/>
+          <a:p>
+            <a:pPr algn="ctr"/>
+            <a:endParaRPr lang="en-US" sz="2700"/>
+          </a:p>
+        </p:txBody>
+      </p:sp>
+      <p:pic>
+        <p:nvPicPr>
+          <p:cNvPr id="2" name="Picture 1">
+            <a:extLst>
+              <a:ext uri="{FF2B5EF4-FFF2-40B4-BE49-F238E27FC236}">
+                <a16:creationId xmlns:a16="http://schemas.microsoft.com/office/drawing/2014/main" id="{F55DD4F3-7C56-7693-72B1-372177138359}"/>
+              </a:ext>
+            </a:extLst>
+          </p:cNvPr>
+          <p:cNvPicPr>
+            <a:picLocks noChangeAspect="1"/>
+          </p:cNvPicPr>
+          <p:nvPr/>
+        </p:nvPicPr>
+        <p:blipFill rotWithShape="1">
+          <a:blip r:embed="rId3">
+            <a:extLst>
+              <a:ext uri="{28A0092B-C50C-407E-A947-70E740481C1C}">
+                <a14:useLocalDpi xmlns:a14="http://schemas.microsoft.com/office/drawing/2010/main" val="0"/>
+              </a:ext>
+            </a:extLst>
+          </a:blip>
+          <a:srcRect l="69227" t="33418" r="20112" b="50548"/>
+          <a:stretch/>
+        </p:blipFill>
+        <p:spPr>
+          <a:xfrm>
+            <a:off x="15579524" y="7544693"/>
+            <a:ext cx="2708477" cy="2987579"/>
+          </a:xfrm>
+          <a:prstGeom prst="rect">
+            <a:avLst/>
+          </a:prstGeom>
+        </p:spPr>
+      </p:pic>
+      <p:sp>
+        <p:nvSpPr>
+          <p:cNvPr id="3" name="TextBox 2">
+            <a:extLst>
+              <a:ext uri="{FF2B5EF4-FFF2-40B4-BE49-F238E27FC236}">
+                <a16:creationId xmlns:a16="http://schemas.microsoft.com/office/drawing/2014/main" id="{3D56545A-7187-05A5-7816-B3E4D8CE25E8}"/>
+              </a:ext>
+            </a:extLst>
+          </p:cNvPr>
+          <p:cNvSpPr txBox="1"/>
+          <p:nvPr/>
+        </p:nvSpPr>
+        <p:spPr>
+          <a:xfrm>
+            <a:off x="304800" y="190500"/>
+            <a:ext cx="9351402" cy="10584949"/>
+          </a:xfrm>
+          <a:prstGeom prst="rect">
+            <a:avLst/>
+          </a:prstGeom>
+          <a:noFill/>
+        </p:spPr>
+        <p:txBody>
+          <a:bodyPr wrap="square" rtlCol="0">
+            <a:spAutoFit/>
+          </a:bodyPr>
+          <a:lstStyle/>
+          <a:p>
+            <a:r>
+              <a:rPr lang="en-US" sz="6000" b="1" dirty="0">
+                <a:solidFill>
+                  <a:srgbClr val="CF3338"/>
+                </a:solidFill>
+                <a:latin typeface="Pragmatica" panose="020B0403040502020204" pitchFamily="34" charset="0"/>
+              </a:rPr>
+              <a:t>Creating advanced data visualizations with Copilot</a:t>
+            </a:r>
+          </a:p>
+          <a:p>
+            <a:endParaRPr lang="en-US" sz="4200" dirty="0">
+              <a:solidFill>
+                <a:srgbClr val="CF3338"/>
+              </a:solidFill>
+              <a:latin typeface="Pragmatica" panose="020B0403040502020204" pitchFamily="34" charset="0"/>
+            </a:endParaRPr>
+          </a:p>
+          <a:p>
+            <a:pPr marL="714375" indent="-571500">
+              <a:lnSpc>
+                <a:spcPct val="115000"/>
+              </a:lnSpc>
+              <a:spcBef>
+                <a:spcPts val="1125"/>
+              </a:spcBef>
+              <a:buClr>
+                <a:srgbClr val="C00000"/>
+              </a:buClr>
+              <a:buSzPts val="2100"/>
+              <a:buFont typeface="Arial" panose="020B0604020202020204" pitchFamily="34" charset="0"/>
+              <a:buChar char="•"/>
+            </a:pPr>
+            <a:r>
+              <a:rPr lang="en-US" sz="3600" dirty="0">
+                <a:solidFill>
+                  <a:srgbClr val="C00000"/>
+                </a:solidFill>
+                <a:latin typeface="Pragmatica" panose="020B0403040502020204"/>
+                <a:sym typeface="Consolas"/>
+              </a:rPr>
+              <a:t>Generate advanced visualizations not natively available in Excel, such as </a:t>
+            </a:r>
+            <a:r>
+              <a:rPr lang="en-US" sz="3600" dirty="0" err="1">
+                <a:solidFill>
+                  <a:srgbClr val="C00000"/>
+                </a:solidFill>
+                <a:latin typeface="Pragmatica" panose="020B0403040502020204"/>
+                <a:sym typeface="Consolas"/>
+              </a:rPr>
+              <a:t>stripplots</a:t>
+            </a:r>
+            <a:r>
+              <a:rPr lang="en-US" sz="3600" dirty="0">
+                <a:solidFill>
+                  <a:srgbClr val="C00000"/>
+                </a:solidFill>
+                <a:latin typeface="Pragmatica" panose="020B0403040502020204"/>
+                <a:sym typeface="Consolas"/>
+              </a:rPr>
+              <a:t>, </a:t>
+            </a:r>
+            <a:r>
+              <a:rPr lang="en-US" sz="3600" dirty="0" err="1">
+                <a:solidFill>
+                  <a:srgbClr val="C00000"/>
+                </a:solidFill>
+                <a:latin typeface="Pragmatica" panose="020B0403040502020204"/>
+                <a:sym typeface="Consolas"/>
+              </a:rPr>
+              <a:t>pairplots</a:t>
+            </a:r>
+            <a:r>
+              <a:rPr lang="en-US" sz="3600" dirty="0">
+                <a:solidFill>
+                  <a:srgbClr val="C00000"/>
+                </a:solidFill>
+                <a:latin typeface="Pragmatica" panose="020B0403040502020204"/>
+                <a:sym typeface="Consolas"/>
+              </a:rPr>
+              <a:t>, </a:t>
+            </a:r>
+            <a:r>
+              <a:rPr lang="en-US" sz="3600" dirty="0" err="1">
+                <a:solidFill>
+                  <a:srgbClr val="C00000"/>
+                </a:solidFill>
+                <a:latin typeface="Pragmatica" panose="020B0403040502020204"/>
+                <a:sym typeface="Consolas"/>
+              </a:rPr>
+              <a:t>jointplots</a:t>
+            </a:r>
+            <a:r>
+              <a:rPr lang="en-US" sz="3600" dirty="0">
+                <a:solidFill>
+                  <a:srgbClr val="C00000"/>
+                </a:solidFill>
+                <a:latin typeface="Pragmatica" panose="020B0403040502020204"/>
+                <a:sym typeface="Consolas"/>
+              </a:rPr>
+              <a:t>, and small multiples</a:t>
+            </a:r>
+          </a:p>
+          <a:p>
+            <a:pPr marL="714375" indent="-571500">
+              <a:lnSpc>
+                <a:spcPct val="115000"/>
+              </a:lnSpc>
+              <a:spcBef>
+                <a:spcPts val="1125"/>
+              </a:spcBef>
+              <a:buClr>
+                <a:srgbClr val="C00000"/>
+              </a:buClr>
+              <a:buSzPts val="2100"/>
+              <a:buFont typeface="Arial" panose="020B0604020202020204" pitchFamily="34" charset="0"/>
+              <a:buChar char="•"/>
+            </a:pPr>
+            <a:r>
+              <a:rPr lang="en-US" sz="3600" dirty="0">
+                <a:solidFill>
+                  <a:srgbClr val="C00000"/>
+                </a:solidFill>
+                <a:latin typeface="Pragmatica" panose="020B0403040502020204"/>
+                <a:sym typeface="Consolas"/>
+              </a:rPr>
+              <a:t>Combine multiple visual elements in a single chart to enhance insight and clarity</a:t>
+            </a:r>
+          </a:p>
+          <a:p>
+            <a:pPr marL="714375" indent="-571500">
+              <a:lnSpc>
+                <a:spcPct val="115000"/>
+              </a:lnSpc>
+              <a:spcBef>
+                <a:spcPts val="1125"/>
+              </a:spcBef>
+              <a:buClr>
+                <a:srgbClr val="C00000"/>
+              </a:buClr>
+              <a:buSzPts val="2100"/>
+              <a:buFont typeface="Arial" panose="020B0604020202020204" pitchFamily="34" charset="0"/>
+              <a:buChar char="•"/>
+            </a:pPr>
+            <a:r>
+              <a:rPr lang="en-US" sz="3600" dirty="0">
+                <a:solidFill>
+                  <a:srgbClr val="C00000"/>
+                </a:solidFill>
+                <a:latin typeface="Pragmatica" panose="020B0403040502020204"/>
+                <a:sym typeface="Consolas"/>
+              </a:rPr>
+              <a:t>Recognize the value of combining technical skills with strategic thinking for effective data storytelling </a:t>
+            </a:r>
+          </a:p>
+          <a:p>
+            <a:pPr marL="142875">
+              <a:lnSpc>
+                <a:spcPct val="115000"/>
+              </a:lnSpc>
+              <a:spcBef>
+                <a:spcPts val="1125"/>
+              </a:spcBef>
+              <a:buClr>
+                <a:srgbClr val="C00000"/>
+              </a:buClr>
+              <a:buSzPts val="2100"/>
+            </a:pPr>
+            <a:endParaRPr lang="en-US" sz="3600" dirty="0">
+              <a:solidFill>
+                <a:srgbClr val="C00000"/>
+              </a:solidFill>
+              <a:latin typeface="Pragmatica" panose="020B0403040502020204"/>
+              <a:sym typeface="Consolas"/>
+            </a:endParaRPr>
+          </a:p>
+          <a:p>
+            <a:pPr marL="142875">
+              <a:lnSpc>
+                <a:spcPct val="115000"/>
+              </a:lnSpc>
+              <a:spcBef>
+                <a:spcPts val="1125"/>
+              </a:spcBef>
+              <a:buClr>
+                <a:srgbClr val="C00000"/>
+              </a:buClr>
+              <a:buSzPts val="2100"/>
+            </a:pPr>
+            <a:r>
+              <a:rPr lang="en-US" sz="3600" dirty="0">
+                <a:solidFill>
+                  <a:srgbClr val="C00000"/>
+                </a:solidFill>
+                <a:latin typeface="Pragmatica" panose="020B0403040502020204"/>
+                <a:sym typeface="Consolas"/>
+              </a:rPr>
+              <a:t>Demo file: copilot-dataviz-demo.xlsx</a:t>
+            </a:r>
+          </a:p>
+          <a:p>
+            <a:endParaRPr lang="en-US" sz="6000" dirty="0">
+              <a:solidFill>
+                <a:srgbClr val="CF3338"/>
+              </a:solidFill>
+              <a:latin typeface="Pragmatica" panose="020B0403040502020204" pitchFamily="34" charset="0"/>
+            </a:endParaRPr>
+          </a:p>
+        </p:txBody>
+      </p:sp>
+    </p:spTree>
+    <p:extLst>
+      <p:ext uri="{BB962C8B-B14F-4D97-AF65-F5344CB8AC3E}">
+        <p14:creationId xmlns:p14="http://schemas.microsoft.com/office/powerpoint/2010/main" val="3296424572"/>
+      </p:ext>
+    </p:extLst>
+  </p:cSld>
+  <p:clrMapOvr>
+    <a:masterClrMapping/>
+  </p:clrMapOvr>
+</p:sld>
+</file>
+
+<file path=ppt/slides/slide9.xml><?xml version="1.0" encoding="utf-8"?>
+<p:sld xmlns:a="http://schemas.openxmlformats.org/drawingml/2006/main" xmlns:r="http://schemas.openxmlformats.org/officeDocument/2006/relationships" xmlns:p="http://schemas.openxmlformats.org/presentationml/2006/main">
+  <p:cSld>
+    <p:spTree>
+      <p:nvGrpSpPr>
+        <p:cNvPr id="1" name="">
+          <a:extLst>
+            <a:ext uri="{FF2B5EF4-FFF2-40B4-BE49-F238E27FC236}">
+              <a16:creationId xmlns:a16="http://schemas.microsoft.com/office/drawing/2014/main" id="{1D08595B-B0F6-3D15-07B7-C94576D901BB}"/>
+            </a:ext>
+          </a:extLst>
+        </p:cNvPr>
+        <p:cNvGrpSpPr/>
+        <p:nvPr/>
+      </p:nvGrpSpPr>
+      <p:grpSpPr>
+        <a:xfrm>
+          <a:off x="0" y="0"/>
+          <a:ext cx="0" cy="0"/>
+          <a:chOff x="0" y="0"/>
+          <a:chExt cx="0" cy="0"/>
+        </a:xfrm>
+      </p:grpSpPr>
+      <p:sp>
+        <p:nvSpPr>
+          <p:cNvPr id="4" name="Rectangle 3">
+            <a:extLst>
+              <a:ext uri="{FF2B5EF4-FFF2-40B4-BE49-F238E27FC236}">
+                <a16:creationId xmlns:a16="http://schemas.microsoft.com/office/drawing/2014/main" id="{D2164974-38B7-0BB3-1F4A-12AF2DBA4615}"/>
+              </a:ext>
+            </a:extLst>
+          </p:cNvPr>
+          <p:cNvSpPr/>
+          <p:nvPr/>
+        </p:nvSpPr>
+        <p:spPr>
+          <a:xfrm>
+            <a:off x="10820400" y="0"/>
+            <a:ext cx="7467600" cy="10287000"/>
+          </a:xfrm>
+          <a:prstGeom prst="rect">
+            <a:avLst/>
+          </a:prstGeom>
+          <a:solidFill>
+            <a:srgbClr val="CF3338"/>
+          </a:solidFill>
+          <a:ln>
+            <a:noFill/>
+          </a:ln>
+        </p:spPr>
+        <p:style>
+          <a:lnRef idx="2">
+            <a:schemeClr val="accent1">
+              <a:shade val="50000"/>
+            </a:schemeClr>
+          </a:lnRef>
+          <a:fillRef idx="1">
+            <a:schemeClr val="accent1"/>
+          </a:fillRef>
+          <a:effectRef idx="0">
+            <a:schemeClr val="accent1"/>
+          </a:effectRef>
+          <a:fontRef idx="minor">
+            <a:schemeClr val="lt1"/>
+          </a:fontRef>
+        </p:style>
+        <p:txBody>
+          <a:bodyPr rtlCol="0" anchor="ctr"/>
+          <a:lstStyle/>
+          <a:p>
+            <a:pPr algn="ctr"/>
+            <a:endParaRPr lang="en-US" sz="2700"/>
+          </a:p>
+        </p:txBody>
+      </p:sp>
+      <p:pic>
+        <p:nvPicPr>
+          <p:cNvPr id="2" name="Picture 1">
+            <a:extLst>
+              <a:ext uri="{FF2B5EF4-FFF2-40B4-BE49-F238E27FC236}">
+                <a16:creationId xmlns:a16="http://schemas.microsoft.com/office/drawing/2014/main" id="{3B16401F-D91C-1A9E-AB41-9BB7999B59A3}"/>
+              </a:ext>
+            </a:extLst>
+          </p:cNvPr>
+          <p:cNvPicPr>
+            <a:picLocks noChangeAspect="1"/>
+          </p:cNvPicPr>
+          <p:nvPr/>
+        </p:nvPicPr>
+        <p:blipFill rotWithShape="1">
+          <a:blip r:embed="rId3">
+            <a:extLst>
+              <a:ext uri="{28A0092B-C50C-407E-A947-70E740481C1C}">
+                <a14:useLocalDpi xmlns:a14="http://schemas.microsoft.com/office/drawing/2010/main" val="0"/>
+              </a:ext>
+            </a:extLst>
+          </a:blip>
+          <a:srcRect l="69227" t="33418" r="20112" b="50548"/>
+          <a:stretch/>
+        </p:blipFill>
+        <p:spPr>
+          <a:xfrm>
+            <a:off x="15579524" y="7544693"/>
+            <a:ext cx="2708477" cy="2987579"/>
+          </a:xfrm>
+          <a:prstGeom prst="rect">
+            <a:avLst/>
+          </a:prstGeom>
+        </p:spPr>
+      </p:pic>
+      <p:sp>
+        <p:nvSpPr>
+          <p:cNvPr id="3" name="TextBox 2">
+            <a:extLst>
+              <a:ext uri="{FF2B5EF4-FFF2-40B4-BE49-F238E27FC236}">
+                <a16:creationId xmlns:a16="http://schemas.microsoft.com/office/drawing/2014/main" id="{E68C40A9-B365-4386-CB2C-8AB566EEE6AD}"/>
+              </a:ext>
+            </a:extLst>
+          </p:cNvPr>
+          <p:cNvSpPr txBox="1"/>
+          <p:nvPr/>
+        </p:nvSpPr>
+        <p:spPr>
+          <a:xfrm>
+            <a:off x="228600" y="114300"/>
+            <a:ext cx="10352567" cy="10365915"/>
+          </a:xfrm>
+          <a:prstGeom prst="rect">
+            <a:avLst/>
+          </a:prstGeom>
+          <a:noFill/>
+        </p:spPr>
+        <p:txBody>
+          <a:bodyPr wrap="square" rtlCol="0">
+            <a:spAutoFit/>
+          </a:bodyPr>
+          <a:lstStyle/>
+          <a:p>
+            <a:r>
+              <a:rPr lang="en-US" sz="6000" b="1" dirty="0">
+                <a:solidFill>
+                  <a:srgbClr val="CF3338"/>
+                </a:solidFill>
+                <a:latin typeface="Pragmatica" panose="020B0403040502020204" pitchFamily="34" charset="0"/>
+              </a:rPr>
+              <a:t>Creating advanced data visualizations with Copilot EXERCISE</a:t>
+            </a:r>
+          </a:p>
+          <a:p>
+            <a:pPr marL="142875">
+              <a:lnSpc>
+                <a:spcPct val="115000"/>
+              </a:lnSpc>
+              <a:spcBef>
+                <a:spcPts val="1125"/>
+              </a:spcBef>
+              <a:buClr>
+                <a:srgbClr val="C00000"/>
+              </a:buClr>
+              <a:buSzPts val="2100"/>
+            </a:pPr>
+            <a:r>
+              <a:rPr lang="en-US" sz="3600" dirty="0">
+                <a:solidFill>
+                  <a:srgbClr val="C00000"/>
+                </a:solidFill>
+                <a:latin typeface="Pragmatica" panose="020B0403040502020204"/>
+                <a:sym typeface="Consolas"/>
+              </a:rPr>
+              <a:t>Dataset: copilot-dashboard-start.xlsx</a:t>
+            </a:r>
+          </a:p>
+          <a:p>
+            <a:pPr marL="714375" indent="-571500">
+              <a:lnSpc>
+                <a:spcPct val="115000"/>
+              </a:lnSpc>
+              <a:spcBef>
+                <a:spcPts val="1125"/>
+              </a:spcBef>
+              <a:buClr>
+                <a:srgbClr val="C00000"/>
+              </a:buClr>
+              <a:buSzPts val="2100"/>
+              <a:buFont typeface="Arial" panose="020B0604020202020204" pitchFamily="34" charset="0"/>
+              <a:buChar char="•"/>
+            </a:pPr>
+            <a:endParaRPr lang="en-US" sz="3600" dirty="0">
+              <a:solidFill>
+                <a:srgbClr val="C00000"/>
+              </a:solidFill>
+              <a:latin typeface="Pragmatica" panose="020B0403040502020204"/>
+              <a:sym typeface="Consolas"/>
+            </a:endParaRPr>
+          </a:p>
+          <a:p>
+            <a:pPr marL="714375" indent="-571500">
+              <a:lnSpc>
+                <a:spcPct val="115000"/>
+              </a:lnSpc>
+              <a:spcBef>
+                <a:spcPts val="1125"/>
+              </a:spcBef>
+              <a:buClr>
+                <a:srgbClr val="C00000"/>
+              </a:buClr>
+              <a:buSzPts val="2100"/>
+              <a:buFont typeface="Arial" panose="020B0604020202020204" pitchFamily="34" charset="0"/>
+              <a:buChar char="•"/>
+            </a:pPr>
+            <a:r>
+              <a:rPr lang="en-US" sz="3600" dirty="0">
+                <a:solidFill>
+                  <a:srgbClr val="C00000"/>
+                </a:solidFill>
+                <a:latin typeface="Pragmatica" panose="020B0403040502020204"/>
+                <a:sym typeface="Consolas"/>
+              </a:rPr>
+              <a:t>Use Advanced Analysis to create visualizations for a dashboard</a:t>
+            </a:r>
+          </a:p>
+          <a:p>
+            <a:pPr marL="714375" indent="-571500">
+              <a:lnSpc>
+                <a:spcPct val="115000"/>
+              </a:lnSpc>
+              <a:spcBef>
+                <a:spcPts val="1125"/>
+              </a:spcBef>
+              <a:buClr>
+                <a:srgbClr val="C00000"/>
+              </a:buClr>
+              <a:buSzPts val="2100"/>
+              <a:buFont typeface="Arial" panose="020B0604020202020204" pitchFamily="34" charset="0"/>
+              <a:buChar char="•"/>
+            </a:pPr>
+            <a:r>
+              <a:rPr lang="en-US" sz="3600" dirty="0">
+                <a:solidFill>
+                  <a:srgbClr val="C00000"/>
+                </a:solidFill>
+                <a:latin typeface="Pragmatica" panose="020B0403040502020204"/>
+                <a:sym typeface="Consolas"/>
+              </a:rPr>
+              <a:t>Check mpg-dashboard-prompt.txt for a sample input prompt</a:t>
+            </a:r>
+          </a:p>
+          <a:p>
+            <a:pPr marL="714375" indent="-571500">
+              <a:lnSpc>
+                <a:spcPct val="115000"/>
+              </a:lnSpc>
+              <a:spcBef>
+                <a:spcPts val="1125"/>
+              </a:spcBef>
+              <a:buClr>
+                <a:srgbClr val="C00000"/>
+              </a:buClr>
+              <a:buSzPts val="2100"/>
+              <a:buFont typeface="Arial" panose="020B0604020202020204" pitchFamily="34" charset="0"/>
+              <a:buChar char="•"/>
+            </a:pPr>
+            <a:r>
+              <a:rPr lang="en-US" sz="3600" dirty="0">
+                <a:solidFill>
+                  <a:srgbClr val="C00000"/>
+                </a:solidFill>
+                <a:latin typeface="Pragmatica" panose="020B0403040502020204"/>
+                <a:sym typeface="Consolas"/>
+              </a:rPr>
+              <a:t>We’ll walk through assembling the dashboard together</a:t>
+            </a:r>
+          </a:p>
+          <a:p>
+            <a:pPr marL="714375" indent="-571500">
+              <a:lnSpc>
+                <a:spcPct val="115000"/>
+              </a:lnSpc>
+              <a:spcBef>
+                <a:spcPts val="1125"/>
+              </a:spcBef>
+              <a:buClr>
+                <a:srgbClr val="C00000"/>
+              </a:buClr>
+              <a:buSzPts val="2100"/>
+              <a:buFont typeface="Arial" panose="020B0604020202020204" pitchFamily="34" charset="0"/>
+              <a:buChar char="•"/>
+            </a:pPr>
+            <a:r>
+              <a:rPr lang="en-US" sz="3600" dirty="0">
+                <a:solidFill>
+                  <a:srgbClr val="C00000"/>
+                </a:solidFill>
+                <a:latin typeface="Pragmatica" panose="020B0403040502020204"/>
+                <a:sym typeface="Consolas"/>
+              </a:rPr>
+              <a:t>Your results will vary from mine… embrace it!</a:t>
+            </a:r>
+          </a:p>
+          <a:p>
+            <a:endParaRPr lang="en-US" sz="6000" dirty="0">
+              <a:solidFill>
+                <a:srgbClr val="CF3338"/>
+              </a:solidFill>
+              <a:latin typeface="Pragmatica" panose="020B0403040502020204" pitchFamily="34" charset="0"/>
+            </a:endParaRPr>
+          </a:p>
+        </p:txBody>
+      </p:sp>
+    </p:spTree>
+    <p:extLst>
+      <p:ext uri="{BB962C8B-B14F-4D97-AF65-F5344CB8AC3E}">
+        <p14:creationId xmlns:p14="http://schemas.microsoft.com/office/powerpoint/2010/main" val="1152180219"/>
       </p:ext>
     </p:extLst>
   </p:cSld>

--- a/2-excel-ai-magic-with-copilot/2-excel-ai-magic-with-copilot.pptx
+++ b/2-excel-ai-magic-with-copilot/2-excel-ai-magic-with-copilot.pptx
@@ -5,30 +5,31 @@
     <p:sldMasterId id="2147483648" r:id="rId1"/>
   </p:sldMasterIdLst>
   <p:notesMasterIdLst>
-    <p:notesMasterId r:id="rId23"/>
+    <p:notesMasterId r:id="rId24"/>
   </p:notesMasterIdLst>
   <p:sldIdLst>
     <p:sldId id="463" r:id="rId2"/>
     <p:sldId id="464" r:id="rId3"/>
-    <p:sldId id="404" r:id="rId4"/>
-    <p:sldId id="407" r:id="rId5"/>
-    <p:sldId id="469" r:id="rId6"/>
-    <p:sldId id="465" r:id="rId7"/>
-    <p:sldId id="466" r:id="rId8"/>
-    <p:sldId id="467" r:id="rId9"/>
-    <p:sldId id="468" r:id="rId10"/>
-    <p:sldId id="415" r:id="rId11"/>
-    <p:sldId id="405" r:id="rId12"/>
-    <p:sldId id="412" r:id="rId13"/>
-    <p:sldId id="470" r:id="rId14"/>
-    <p:sldId id="471" r:id="rId15"/>
-    <p:sldId id="413" r:id="rId16"/>
-    <p:sldId id="434" r:id="rId17"/>
-    <p:sldId id="433" r:id="rId18"/>
-    <p:sldId id="418" r:id="rId19"/>
-    <p:sldId id="472" r:id="rId20"/>
-    <p:sldId id="414" r:id="rId21"/>
-    <p:sldId id="417" r:id="rId22"/>
+    <p:sldId id="473" r:id="rId4"/>
+    <p:sldId id="404" r:id="rId5"/>
+    <p:sldId id="407" r:id="rId6"/>
+    <p:sldId id="469" r:id="rId7"/>
+    <p:sldId id="465" r:id="rId8"/>
+    <p:sldId id="466" r:id="rId9"/>
+    <p:sldId id="467" r:id="rId10"/>
+    <p:sldId id="468" r:id="rId11"/>
+    <p:sldId id="415" r:id="rId12"/>
+    <p:sldId id="405" r:id="rId13"/>
+    <p:sldId id="412" r:id="rId14"/>
+    <p:sldId id="470" r:id="rId15"/>
+    <p:sldId id="471" r:id="rId16"/>
+    <p:sldId id="413" r:id="rId17"/>
+    <p:sldId id="434" r:id="rId18"/>
+    <p:sldId id="433" r:id="rId19"/>
+    <p:sldId id="418" r:id="rId20"/>
+    <p:sldId id="472" r:id="rId21"/>
+    <p:sldId id="414" r:id="rId22"/>
+    <p:sldId id="417" r:id="rId23"/>
   </p:sldIdLst>
   <p:sldSz cx="18288000" cy="10287000"/>
   <p:notesSz cx="6858000" cy="9144000"/>
@@ -246,7 +247,7 @@
           <a:p>
             <a:fld id="{17A98A70-FA8C-4354-959C-C70678AC9BCF}" type="datetimeFigureOut">
               <a:rPr lang="en-US" smtClean="0"/>
-              <a:t>6/20/2025</a:t>
+              <a:t>6/24/2025</a:t>
             </a:fld>
             <a:endParaRPr lang="en-US"/>
           </a:p>
@@ -518,7 +519,13 @@
   <p:cSld>
     <p:spTree>
       <p:nvGrpSpPr>
-        <p:cNvPr id="1" name=""/>
+        <p:cNvPr id="1" name="">
+          <a:extLst>
+            <a:ext uri="{FF2B5EF4-FFF2-40B4-BE49-F238E27FC236}">
+              <a16:creationId xmlns:a16="http://schemas.microsoft.com/office/drawing/2014/main" id="{AAA6A1B6-C972-DDDC-F345-5529F07D8550}"/>
+            </a:ext>
+          </a:extLst>
+        </p:cNvPr>
         <p:cNvGrpSpPr/>
         <p:nvPr/>
       </p:nvGrpSpPr>
@@ -532,7 +539,13 @@
       </p:grpSpPr>
       <p:sp>
         <p:nvSpPr>
-          <p:cNvPr id="2" name="Slide Image Placeholder 1"/>
+          <p:cNvPr id="2" name="Slide Image Placeholder 1">
+            <a:extLst>
+              <a:ext uri="{FF2B5EF4-FFF2-40B4-BE49-F238E27FC236}">
+                <a16:creationId xmlns:a16="http://schemas.microsoft.com/office/drawing/2014/main" id="{5E2F6E4D-6A33-B880-06D1-D298153BC011}"/>
+              </a:ext>
+            </a:extLst>
+          </p:cNvPr>
           <p:cNvSpPr>
             <a:spLocks noGrp="1" noRot="1" noChangeAspect="1"/>
           </p:cNvSpPr>
@@ -544,7 +557,13 @@
       </p:sp>
       <p:sp>
         <p:nvSpPr>
-          <p:cNvPr id="3" name="Notes Placeholder 2"/>
+          <p:cNvPr id="3" name="Notes Placeholder 2">
+            <a:extLst>
+              <a:ext uri="{FF2B5EF4-FFF2-40B4-BE49-F238E27FC236}">
+                <a16:creationId xmlns:a16="http://schemas.microsoft.com/office/drawing/2014/main" id="{C623C8AA-D177-A9E0-0488-88C3D06372F8}"/>
+              </a:ext>
+            </a:extLst>
+          </p:cNvPr>
           <p:cNvSpPr>
             <a:spLocks noGrp="1"/>
           </p:cNvSpPr>
@@ -587,7 +606,13 @@
       </p:sp>
       <p:sp>
         <p:nvSpPr>
-          <p:cNvPr id="4" name="Slide Number Placeholder 3"/>
+          <p:cNvPr id="4" name="Slide Number Placeholder 3">
+            <a:extLst>
+              <a:ext uri="{FF2B5EF4-FFF2-40B4-BE49-F238E27FC236}">
+                <a16:creationId xmlns:a16="http://schemas.microsoft.com/office/drawing/2014/main" id="{DA96FB52-806F-E1C8-543D-0B805241C555}"/>
+              </a:ext>
+            </a:extLst>
+          </p:cNvPr>
           <p:cNvSpPr>
             <a:spLocks noGrp="1"/>
           </p:cNvSpPr>
@@ -602,7 +627,7 @@
           <a:p>
             <a:fld id="{1300335D-9F13-4B80-ADC5-B0EA3E10FF6B}" type="slidenum">
               <a:rPr lang="en-US" smtClean="0"/>
-              <a:t>4</a:t>
+              <a:t>3</a:t>
             </a:fld>
             <a:endParaRPr lang="en-US"/>
           </a:p>
@@ -611,7 +636,7 @@
     </p:spTree>
     <p:extLst>
       <p:ext uri="{BB962C8B-B14F-4D97-AF65-F5344CB8AC3E}">
-        <p14:creationId xmlns:p14="http://schemas.microsoft.com/office/powerpoint/2010/main" val="624549242"/>
+        <p14:creationId xmlns:p14="http://schemas.microsoft.com/office/powerpoint/2010/main" val="3967726866"/>
       </p:ext>
     </p:extLst>
   </p:cSld>
@@ -622,6 +647,138 @@
 </file>
 
 <file path=ppt/notesSlides/notesSlide10.xml><?xml version="1.0" encoding="utf-8"?>
+<p:notes xmlns:a="http://schemas.openxmlformats.org/drawingml/2006/main" xmlns:r="http://schemas.openxmlformats.org/officeDocument/2006/relationships" xmlns:p="http://schemas.openxmlformats.org/presentationml/2006/main">
+  <p:cSld>
+    <p:spTree>
+      <p:nvGrpSpPr>
+        <p:cNvPr id="1" name="">
+          <a:extLst>
+            <a:ext uri="{FF2B5EF4-FFF2-40B4-BE49-F238E27FC236}">
+              <a16:creationId xmlns:a16="http://schemas.microsoft.com/office/drawing/2014/main" id="{743C6F7D-97C7-02B4-D001-3BB80C0461D8}"/>
+            </a:ext>
+          </a:extLst>
+        </p:cNvPr>
+        <p:cNvGrpSpPr/>
+        <p:nvPr/>
+      </p:nvGrpSpPr>
+      <p:grpSpPr>
+        <a:xfrm>
+          <a:off x="0" y="0"/>
+          <a:ext cx="0" cy="0"/>
+          <a:chOff x="0" y="0"/>
+          <a:chExt cx="0" cy="0"/>
+        </a:xfrm>
+      </p:grpSpPr>
+      <p:sp>
+        <p:nvSpPr>
+          <p:cNvPr id="2" name="Slide Image Placeholder 1">
+            <a:extLst>
+              <a:ext uri="{FF2B5EF4-FFF2-40B4-BE49-F238E27FC236}">
+                <a16:creationId xmlns:a16="http://schemas.microsoft.com/office/drawing/2014/main" id="{87B25713-6F20-663A-BDEA-AC7A95CE251C}"/>
+              </a:ext>
+            </a:extLst>
+          </p:cNvPr>
+          <p:cNvSpPr>
+            <a:spLocks noGrp="1" noRot="1" noChangeAspect="1"/>
+          </p:cNvSpPr>
+          <p:nvPr>
+            <p:ph type="sldImg"/>
+          </p:nvPr>
+        </p:nvSpPr>
+        <p:spPr/>
+      </p:sp>
+      <p:sp>
+        <p:nvSpPr>
+          <p:cNvPr id="3" name="Notes Placeholder 2">
+            <a:extLst>
+              <a:ext uri="{FF2B5EF4-FFF2-40B4-BE49-F238E27FC236}">
+                <a16:creationId xmlns:a16="http://schemas.microsoft.com/office/drawing/2014/main" id="{7AB4FCBA-8619-28D7-714F-2FEA94758FA4}"/>
+              </a:ext>
+            </a:extLst>
+          </p:cNvPr>
+          <p:cNvSpPr>
+            <a:spLocks noGrp="1"/>
+          </p:cNvSpPr>
+          <p:nvPr>
+            <p:ph type="body" idx="1"/>
+          </p:nvPr>
+        </p:nvSpPr>
+        <p:spPr/>
+        <p:txBody>
+          <a:bodyPr/>
+          <a:lstStyle/>
+          <a:p>
+            <a:pPr marL="228600" indent="-228600">
+              <a:buAutoNum type="arabicPeriod"/>
+            </a:pPr>
+            <a:r>
+              <a:rPr lang="en-US" dirty="0"/>
+              <a:t>False!</a:t>
+            </a:r>
+          </a:p>
+          <a:p>
+            <a:pPr marL="228600" indent="-228600">
+              <a:buAutoNum type="arabicPeriod"/>
+            </a:pPr>
+            <a:r>
+              <a:rPr lang="en-US" dirty="0"/>
+              <a:t>Function, Formula, Function</a:t>
+            </a:r>
+          </a:p>
+          <a:p>
+            <a:pPr marL="228600" indent="-228600">
+              <a:buAutoNum type="arabicPeriod"/>
+            </a:pPr>
+            <a:r>
+              <a:rPr lang="en-US" dirty="0"/>
+              <a:t>Argument</a:t>
+            </a:r>
+          </a:p>
+        </p:txBody>
+      </p:sp>
+      <p:sp>
+        <p:nvSpPr>
+          <p:cNvPr id="4" name="Slide Number Placeholder 3">
+            <a:extLst>
+              <a:ext uri="{FF2B5EF4-FFF2-40B4-BE49-F238E27FC236}">
+                <a16:creationId xmlns:a16="http://schemas.microsoft.com/office/drawing/2014/main" id="{BD7E59B3-12B6-E800-523D-931F46836A80}"/>
+              </a:ext>
+            </a:extLst>
+          </p:cNvPr>
+          <p:cNvSpPr>
+            <a:spLocks noGrp="1"/>
+          </p:cNvSpPr>
+          <p:nvPr>
+            <p:ph type="sldNum" sz="quarter" idx="5"/>
+          </p:nvPr>
+        </p:nvSpPr>
+        <p:spPr/>
+        <p:txBody>
+          <a:bodyPr/>
+          <a:lstStyle/>
+          <a:p>
+            <a:fld id="{1300335D-9F13-4B80-ADC5-B0EA3E10FF6B}" type="slidenum">
+              <a:rPr lang="en-US" smtClean="0"/>
+              <a:t>19</a:t>
+            </a:fld>
+            <a:endParaRPr lang="en-US"/>
+          </a:p>
+        </p:txBody>
+      </p:sp>
+    </p:spTree>
+    <p:extLst>
+      <p:ext uri="{BB962C8B-B14F-4D97-AF65-F5344CB8AC3E}">
+        <p14:creationId xmlns:p14="http://schemas.microsoft.com/office/powerpoint/2010/main" val="3425286875"/>
+      </p:ext>
+    </p:extLst>
+  </p:cSld>
+  <p:clrMapOvr>
+    <a:masterClrMapping/>
+  </p:clrMapOvr>
+</p:notes>
+</file>
+
+<file path=ppt/notesSlides/notesSlide11.xml><?xml version="1.0" encoding="utf-8"?>
 <p:notes xmlns:a="http://schemas.openxmlformats.org/drawingml/2006/main" xmlns:r="http://schemas.openxmlformats.org/officeDocument/2006/relationships" xmlns:p="http://schemas.openxmlformats.org/presentationml/2006/main">
   <p:cSld>
     <p:spTree>
@@ -734,7 +891,7 @@
           <a:p>
             <a:fld id="{1300335D-9F13-4B80-ADC5-B0EA3E10FF6B}" type="slidenum">
               <a:rPr lang="en-US" smtClean="0"/>
-              <a:t>19</a:t>
+              <a:t>20</a:t>
             </a:fld>
             <a:endParaRPr lang="en-US"/>
           </a:p>
@@ -754,6 +911,114 @@
 </file>
 
 <file path=ppt/notesSlides/notesSlide2.xml><?xml version="1.0" encoding="utf-8"?>
+<p:notes xmlns:a="http://schemas.openxmlformats.org/drawingml/2006/main" xmlns:r="http://schemas.openxmlformats.org/officeDocument/2006/relationships" xmlns:p="http://schemas.openxmlformats.org/presentationml/2006/main">
+  <p:cSld>
+    <p:spTree>
+      <p:nvGrpSpPr>
+        <p:cNvPr id="1" name=""/>
+        <p:cNvGrpSpPr/>
+        <p:nvPr/>
+      </p:nvGrpSpPr>
+      <p:grpSpPr>
+        <a:xfrm>
+          <a:off x="0" y="0"/>
+          <a:ext cx="0" cy="0"/>
+          <a:chOff x="0" y="0"/>
+          <a:chExt cx="0" cy="0"/>
+        </a:xfrm>
+      </p:grpSpPr>
+      <p:sp>
+        <p:nvSpPr>
+          <p:cNvPr id="2" name="Slide Image Placeholder 1"/>
+          <p:cNvSpPr>
+            <a:spLocks noGrp="1" noRot="1" noChangeAspect="1"/>
+          </p:cNvSpPr>
+          <p:nvPr>
+            <p:ph type="sldImg"/>
+          </p:nvPr>
+        </p:nvSpPr>
+        <p:spPr/>
+      </p:sp>
+      <p:sp>
+        <p:nvSpPr>
+          <p:cNvPr id="3" name="Notes Placeholder 2"/>
+          <p:cNvSpPr>
+            <a:spLocks noGrp="1"/>
+          </p:cNvSpPr>
+          <p:nvPr>
+            <p:ph type="body" idx="1"/>
+          </p:nvPr>
+        </p:nvSpPr>
+        <p:spPr/>
+        <p:txBody>
+          <a:bodyPr/>
+          <a:lstStyle/>
+          <a:p>
+            <a:pPr marL="228600" indent="-228600">
+              <a:buAutoNum type="arabicPeriod"/>
+            </a:pPr>
+            <a:r>
+              <a:rPr lang="en-US" dirty="0"/>
+              <a:t>False!</a:t>
+            </a:r>
+          </a:p>
+          <a:p>
+            <a:pPr marL="228600" indent="-228600">
+              <a:buAutoNum type="arabicPeriod"/>
+            </a:pPr>
+            <a:r>
+              <a:rPr lang="en-US" dirty="0"/>
+              <a:t>Function, Formula, Function</a:t>
+            </a:r>
+          </a:p>
+          <a:p>
+            <a:pPr marL="228600" indent="-228600">
+              <a:buAutoNum type="arabicPeriod"/>
+            </a:pPr>
+            <a:r>
+              <a:rPr lang="en-US" dirty="0"/>
+              <a:t>Argument</a:t>
+            </a:r>
+          </a:p>
+        </p:txBody>
+      </p:sp>
+      <p:sp>
+        <p:nvSpPr>
+          <p:cNvPr id="4" name="Slide Number Placeholder 3"/>
+          <p:cNvSpPr>
+            <a:spLocks noGrp="1"/>
+          </p:cNvSpPr>
+          <p:nvPr>
+            <p:ph type="sldNum" sz="quarter" idx="5"/>
+          </p:nvPr>
+        </p:nvSpPr>
+        <p:spPr/>
+        <p:txBody>
+          <a:bodyPr/>
+          <a:lstStyle/>
+          <a:p>
+            <a:fld id="{1300335D-9F13-4B80-ADC5-B0EA3E10FF6B}" type="slidenum">
+              <a:rPr lang="en-US" smtClean="0"/>
+              <a:t>5</a:t>
+            </a:fld>
+            <a:endParaRPr lang="en-US"/>
+          </a:p>
+        </p:txBody>
+      </p:sp>
+    </p:spTree>
+    <p:extLst>
+      <p:ext uri="{BB962C8B-B14F-4D97-AF65-F5344CB8AC3E}">
+        <p14:creationId xmlns:p14="http://schemas.microsoft.com/office/powerpoint/2010/main" val="624549242"/>
+      </p:ext>
+    </p:extLst>
+  </p:cSld>
+  <p:clrMapOvr>
+    <a:masterClrMapping/>
+  </p:clrMapOvr>
+</p:notes>
+</file>
+
+<file path=ppt/notesSlides/notesSlide3.xml><?xml version="1.0" encoding="utf-8"?>
 <p:notes xmlns:a="http://schemas.openxmlformats.org/drawingml/2006/main" xmlns:r="http://schemas.openxmlformats.org/officeDocument/2006/relationships" xmlns:p="http://schemas.openxmlformats.org/presentationml/2006/main">
   <p:cSld>
     <p:spTree>
@@ -866,7 +1131,7 @@
           <a:p>
             <a:fld id="{1300335D-9F13-4B80-ADC5-B0EA3E10FF6B}" type="slidenum">
               <a:rPr lang="en-US" smtClean="0"/>
-              <a:t>7</a:t>
+              <a:t>8</a:t>
             </a:fld>
             <a:endParaRPr lang="en-US"/>
           </a:p>
@@ -885,7 +1150,7 @@
 </p:notes>
 </file>
 
-<file path=ppt/notesSlides/notesSlide3.xml><?xml version="1.0" encoding="utf-8"?>
+<file path=ppt/notesSlides/notesSlide4.xml><?xml version="1.0" encoding="utf-8"?>
 <p:notes xmlns:a="http://schemas.openxmlformats.org/drawingml/2006/main" xmlns:r="http://schemas.openxmlformats.org/officeDocument/2006/relationships" xmlns:p="http://schemas.openxmlformats.org/presentationml/2006/main">
   <p:cSld>
     <p:spTree>
@@ -998,7 +1263,7 @@
           <a:p>
             <a:fld id="{1300335D-9F13-4B80-ADC5-B0EA3E10FF6B}" type="slidenum">
               <a:rPr lang="en-US" smtClean="0"/>
-              <a:t>8</a:t>
+              <a:t>9</a:t>
             </a:fld>
             <a:endParaRPr lang="en-US"/>
           </a:p>
@@ -1017,7 +1282,7 @@
 </p:notes>
 </file>
 
-<file path=ppt/notesSlides/notesSlide4.xml><?xml version="1.0" encoding="utf-8"?>
+<file path=ppt/notesSlides/notesSlide5.xml><?xml version="1.0" encoding="utf-8"?>
 <p:notes xmlns:a="http://schemas.openxmlformats.org/drawingml/2006/main" xmlns:r="http://schemas.openxmlformats.org/officeDocument/2006/relationships" xmlns:p="http://schemas.openxmlformats.org/presentationml/2006/main">
   <p:cSld>
     <p:spTree>
@@ -1130,7 +1395,7 @@
           <a:p>
             <a:fld id="{1300335D-9F13-4B80-ADC5-B0EA3E10FF6B}" type="slidenum">
               <a:rPr lang="en-US" smtClean="0"/>
-              <a:t>9</a:t>
+              <a:t>10</a:t>
             </a:fld>
             <a:endParaRPr lang="en-US"/>
           </a:p>
@@ -1149,7 +1414,7 @@
 </p:notes>
 </file>
 
-<file path=ppt/notesSlides/notesSlide5.xml><?xml version="1.0" encoding="utf-8"?>
+<file path=ppt/notesSlides/notesSlide6.xml><?xml version="1.0" encoding="utf-8"?>
 <p:notes xmlns:a="http://schemas.openxmlformats.org/drawingml/2006/main" xmlns:r="http://schemas.openxmlformats.org/officeDocument/2006/relationships" xmlns:p="http://schemas.openxmlformats.org/presentationml/2006/main">
   <p:cSld>
     <p:spTree>
@@ -1238,7 +1503,7 @@
           <a:p>
             <a:fld id="{1300335D-9F13-4B80-ADC5-B0EA3E10FF6B}" type="slidenum">
               <a:rPr lang="en-US" smtClean="0"/>
-              <a:t>12</a:t>
+              <a:t>13</a:t>
             </a:fld>
             <a:endParaRPr lang="en-US"/>
           </a:p>
@@ -1257,7 +1522,7 @@
 </p:notes>
 </file>
 
-<file path=ppt/notesSlides/notesSlide6.xml><?xml version="1.0" encoding="utf-8"?>
+<file path=ppt/notesSlides/notesSlide7.xml><?xml version="1.0" encoding="utf-8"?>
 <p:notes xmlns:a="http://schemas.openxmlformats.org/drawingml/2006/main" xmlns:r="http://schemas.openxmlformats.org/officeDocument/2006/relationships" xmlns:p="http://schemas.openxmlformats.org/presentationml/2006/main">
   <p:cSld>
     <p:spTree>
@@ -1370,7 +1635,7 @@
           <a:p>
             <a:fld id="{1300335D-9F13-4B80-ADC5-B0EA3E10FF6B}" type="slidenum">
               <a:rPr lang="en-US" smtClean="0"/>
-              <a:t>13</a:t>
+              <a:t>14</a:t>
             </a:fld>
             <a:endParaRPr lang="en-US"/>
           </a:p>
@@ -1389,7 +1654,7 @@
 </p:notes>
 </file>
 
-<file path=ppt/notesSlides/notesSlide7.xml><?xml version="1.0" encoding="utf-8"?>
+<file path=ppt/notesSlides/notesSlide8.xml><?xml version="1.0" encoding="utf-8"?>
 <p:notes xmlns:a="http://schemas.openxmlformats.org/drawingml/2006/main" xmlns:r="http://schemas.openxmlformats.org/officeDocument/2006/relationships" xmlns:p="http://schemas.openxmlformats.org/presentationml/2006/main">
   <p:cSld>
     <p:spTree>
@@ -1502,7 +1767,7 @@
           <a:p>
             <a:fld id="{1300335D-9F13-4B80-ADC5-B0EA3E10FF6B}" type="slidenum">
               <a:rPr lang="en-US" smtClean="0"/>
-              <a:t>14</a:t>
+              <a:t>15</a:t>
             </a:fld>
             <a:endParaRPr lang="en-US"/>
           </a:p>
@@ -1521,7 +1786,7 @@
 </p:notes>
 </file>
 
-<file path=ppt/notesSlides/notesSlide8.xml><?xml version="1.0" encoding="utf-8"?>
+<file path=ppt/notesSlides/notesSlide9.xml><?xml version="1.0" encoding="utf-8"?>
 <p:notes xmlns:a="http://schemas.openxmlformats.org/drawingml/2006/main" xmlns:r="http://schemas.openxmlformats.org/officeDocument/2006/relationships" xmlns:p="http://schemas.openxmlformats.org/presentationml/2006/main">
   <p:cSld>
     <p:spTree>
@@ -1610,7 +1875,7 @@
           <a:p>
             <a:fld id="{1300335D-9F13-4B80-ADC5-B0EA3E10FF6B}" type="slidenum">
               <a:rPr lang="en-US" smtClean="0"/>
-              <a:t>15</a:t>
+              <a:t>16</a:t>
             </a:fld>
             <a:endParaRPr lang="en-US"/>
           </a:p>
@@ -1620,138 +1885,6 @@
     <p:extLst>
       <p:ext uri="{BB962C8B-B14F-4D97-AF65-F5344CB8AC3E}">
         <p14:creationId xmlns:p14="http://schemas.microsoft.com/office/powerpoint/2010/main" val="377014208"/>
-      </p:ext>
-    </p:extLst>
-  </p:cSld>
-  <p:clrMapOvr>
-    <a:masterClrMapping/>
-  </p:clrMapOvr>
-</p:notes>
-</file>
-
-<file path=ppt/notesSlides/notesSlide9.xml><?xml version="1.0" encoding="utf-8"?>
-<p:notes xmlns:a="http://schemas.openxmlformats.org/drawingml/2006/main" xmlns:r="http://schemas.openxmlformats.org/officeDocument/2006/relationships" xmlns:p="http://schemas.openxmlformats.org/presentationml/2006/main">
-  <p:cSld>
-    <p:spTree>
-      <p:nvGrpSpPr>
-        <p:cNvPr id="1" name="">
-          <a:extLst>
-            <a:ext uri="{FF2B5EF4-FFF2-40B4-BE49-F238E27FC236}">
-              <a16:creationId xmlns:a16="http://schemas.microsoft.com/office/drawing/2014/main" id="{743C6F7D-97C7-02B4-D001-3BB80C0461D8}"/>
-            </a:ext>
-          </a:extLst>
-        </p:cNvPr>
-        <p:cNvGrpSpPr/>
-        <p:nvPr/>
-      </p:nvGrpSpPr>
-      <p:grpSpPr>
-        <a:xfrm>
-          <a:off x="0" y="0"/>
-          <a:ext cx="0" cy="0"/>
-          <a:chOff x="0" y="0"/>
-          <a:chExt cx="0" cy="0"/>
-        </a:xfrm>
-      </p:grpSpPr>
-      <p:sp>
-        <p:nvSpPr>
-          <p:cNvPr id="2" name="Slide Image Placeholder 1">
-            <a:extLst>
-              <a:ext uri="{FF2B5EF4-FFF2-40B4-BE49-F238E27FC236}">
-                <a16:creationId xmlns:a16="http://schemas.microsoft.com/office/drawing/2014/main" id="{87B25713-6F20-663A-BDEA-AC7A95CE251C}"/>
-              </a:ext>
-            </a:extLst>
-          </p:cNvPr>
-          <p:cNvSpPr>
-            <a:spLocks noGrp="1" noRot="1" noChangeAspect="1"/>
-          </p:cNvSpPr>
-          <p:nvPr>
-            <p:ph type="sldImg"/>
-          </p:nvPr>
-        </p:nvSpPr>
-        <p:spPr/>
-      </p:sp>
-      <p:sp>
-        <p:nvSpPr>
-          <p:cNvPr id="3" name="Notes Placeholder 2">
-            <a:extLst>
-              <a:ext uri="{FF2B5EF4-FFF2-40B4-BE49-F238E27FC236}">
-                <a16:creationId xmlns:a16="http://schemas.microsoft.com/office/drawing/2014/main" id="{7AB4FCBA-8619-28D7-714F-2FEA94758FA4}"/>
-              </a:ext>
-            </a:extLst>
-          </p:cNvPr>
-          <p:cNvSpPr>
-            <a:spLocks noGrp="1"/>
-          </p:cNvSpPr>
-          <p:nvPr>
-            <p:ph type="body" idx="1"/>
-          </p:nvPr>
-        </p:nvSpPr>
-        <p:spPr/>
-        <p:txBody>
-          <a:bodyPr/>
-          <a:lstStyle/>
-          <a:p>
-            <a:pPr marL="228600" indent="-228600">
-              <a:buAutoNum type="arabicPeriod"/>
-            </a:pPr>
-            <a:r>
-              <a:rPr lang="en-US" dirty="0"/>
-              <a:t>False!</a:t>
-            </a:r>
-          </a:p>
-          <a:p>
-            <a:pPr marL="228600" indent="-228600">
-              <a:buAutoNum type="arabicPeriod"/>
-            </a:pPr>
-            <a:r>
-              <a:rPr lang="en-US" dirty="0"/>
-              <a:t>Function, Formula, Function</a:t>
-            </a:r>
-          </a:p>
-          <a:p>
-            <a:pPr marL="228600" indent="-228600">
-              <a:buAutoNum type="arabicPeriod"/>
-            </a:pPr>
-            <a:r>
-              <a:rPr lang="en-US" dirty="0"/>
-              <a:t>Argument</a:t>
-            </a:r>
-          </a:p>
-        </p:txBody>
-      </p:sp>
-      <p:sp>
-        <p:nvSpPr>
-          <p:cNvPr id="4" name="Slide Number Placeholder 3">
-            <a:extLst>
-              <a:ext uri="{FF2B5EF4-FFF2-40B4-BE49-F238E27FC236}">
-                <a16:creationId xmlns:a16="http://schemas.microsoft.com/office/drawing/2014/main" id="{BD7E59B3-12B6-E800-523D-931F46836A80}"/>
-              </a:ext>
-            </a:extLst>
-          </p:cNvPr>
-          <p:cNvSpPr>
-            <a:spLocks noGrp="1"/>
-          </p:cNvSpPr>
-          <p:nvPr>
-            <p:ph type="sldNum" sz="quarter" idx="5"/>
-          </p:nvPr>
-        </p:nvSpPr>
-        <p:spPr/>
-        <p:txBody>
-          <a:bodyPr/>
-          <a:lstStyle/>
-          <a:p>
-            <a:fld id="{1300335D-9F13-4B80-ADC5-B0EA3E10FF6B}" type="slidenum">
-              <a:rPr lang="en-US" smtClean="0"/>
-              <a:t>18</a:t>
-            </a:fld>
-            <a:endParaRPr lang="en-US"/>
-          </a:p>
-        </p:txBody>
-      </p:sp>
-    </p:spTree>
-    <p:extLst>
-      <p:ext uri="{BB962C8B-B14F-4D97-AF65-F5344CB8AC3E}">
-        <p14:creationId xmlns:p14="http://schemas.microsoft.com/office/powerpoint/2010/main" val="3425286875"/>
       </p:ext>
     </p:extLst>
   </p:cSld>
@@ -1941,7 +2074,7 @@
             <a:fld id="{1D8BD707-D9CF-40AE-B4C6-C98DA3205C09}" type="datetimeFigureOut">
               <a:rPr lang="en-US" smtClean="0"/>
               <a:pPr/>
-              <a:t>6/20/2025</a:t>
+              <a:t>6/24/2025</a:t>
             </a:fld>
             <a:endParaRPr lang="en-US"/>
           </a:p>
@@ -2106,7 +2239,7 @@
             <a:fld id="{1D8BD707-D9CF-40AE-B4C6-C98DA3205C09}" type="datetimeFigureOut">
               <a:rPr lang="en-US" smtClean="0"/>
               <a:pPr/>
-              <a:t>6/20/2025</a:t>
+              <a:t>6/24/2025</a:t>
             </a:fld>
             <a:endParaRPr lang="en-US"/>
           </a:p>
@@ -2281,7 +2414,7 @@
             <a:fld id="{1D8BD707-D9CF-40AE-B4C6-C98DA3205C09}" type="datetimeFigureOut">
               <a:rPr lang="en-US" smtClean="0"/>
               <a:pPr/>
-              <a:t>6/20/2025</a:t>
+              <a:t>6/24/2025</a:t>
             </a:fld>
             <a:endParaRPr lang="en-US"/>
           </a:p>
@@ -2446,7 +2579,7 @@
             <a:fld id="{1D8BD707-D9CF-40AE-B4C6-C98DA3205C09}" type="datetimeFigureOut">
               <a:rPr lang="en-US" smtClean="0"/>
               <a:pPr/>
-              <a:t>6/20/2025</a:t>
+              <a:t>6/24/2025</a:t>
             </a:fld>
             <a:endParaRPr lang="en-US"/>
           </a:p>
@@ -2688,7 +2821,7 @@
             <a:fld id="{1D8BD707-D9CF-40AE-B4C6-C98DA3205C09}" type="datetimeFigureOut">
               <a:rPr lang="en-US" smtClean="0"/>
               <a:pPr/>
-              <a:t>6/20/2025</a:t>
+              <a:t>6/24/2025</a:t>
             </a:fld>
             <a:endParaRPr lang="en-US"/>
           </a:p>
@@ -2970,7 +3103,7 @@
             <a:fld id="{1D8BD707-D9CF-40AE-B4C6-C98DA3205C09}" type="datetimeFigureOut">
               <a:rPr lang="en-US" smtClean="0"/>
               <a:pPr/>
-              <a:t>6/20/2025</a:t>
+              <a:t>6/24/2025</a:t>
             </a:fld>
             <a:endParaRPr lang="en-US"/>
           </a:p>
@@ -3386,7 +3519,7 @@
             <a:fld id="{1D8BD707-D9CF-40AE-B4C6-C98DA3205C09}" type="datetimeFigureOut">
               <a:rPr lang="en-US" smtClean="0"/>
               <a:pPr/>
-              <a:t>6/20/2025</a:t>
+              <a:t>6/24/2025</a:t>
             </a:fld>
             <a:endParaRPr lang="en-US"/>
           </a:p>
@@ -3500,7 +3633,7 @@
             <a:fld id="{1D8BD707-D9CF-40AE-B4C6-C98DA3205C09}" type="datetimeFigureOut">
               <a:rPr lang="en-US" smtClean="0"/>
               <a:pPr/>
-              <a:t>6/20/2025</a:t>
+              <a:t>6/24/2025</a:t>
             </a:fld>
             <a:endParaRPr lang="en-US"/>
           </a:p>
@@ -3592,7 +3725,7 @@
             <a:fld id="{1D8BD707-D9CF-40AE-B4C6-C98DA3205C09}" type="datetimeFigureOut">
               <a:rPr lang="en-US" smtClean="0"/>
               <a:pPr/>
-              <a:t>6/20/2025</a:t>
+              <a:t>6/24/2025</a:t>
             </a:fld>
             <a:endParaRPr lang="en-US"/>
           </a:p>
@@ -3864,7 +3997,7 @@
             <a:fld id="{1D8BD707-D9CF-40AE-B4C6-C98DA3205C09}" type="datetimeFigureOut">
               <a:rPr lang="en-US" smtClean="0"/>
               <a:pPr/>
-              <a:t>6/20/2025</a:t>
+              <a:t>6/24/2025</a:t>
             </a:fld>
             <a:endParaRPr lang="en-US"/>
           </a:p>
@@ -4113,7 +4246,7 @@
             <a:fld id="{1D8BD707-D9CF-40AE-B4C6-C98DA3205C09}" type="datetimeFigureOut">
               <a:rPr lang="en-US" smtClean="0"/>
               <a:pPr/>
-              <a:t>6/20/2025</a:t>
+              <a:t>6/24/2025</a:t>
             </a:fld>
             <a:endParaRPr lang="en-US"/>
           </a:p>
@@ -4326,7 +4459,7 @@
             <a:fld id="{1D8BD707-D9CF-40AE-B4C6-C98DA3205C09}" type="datetimeFigureOut">
               <a:rPr lang="en-US" smtClean="0"/>
               <a:pPr/>
-              <a:t>6/20/2025</a:t>
+              <a:t>6/24/2025</a:t>
             </a:fld>
             <a:endParaRPr lang="en-US"/>
           </a:p>
@@ -4867,6 +5000,328 @@
   <p:cSld>
     <p:spTree>
       <p:nvGrpSpPr>
+        <p:cNvPr id="1" name="">
+          <a:extLst>
+            <a:ext uri="{FF2B5EF4-FFF2-40B4-BE49-F238E27FC236}">
+              <a16:creationId xmlns:a16="http://schemas.microsoft.com/office/drawing/2014/main" id="{1D08595B-B0F6-3D15-07B7-C94576D901BB}"/>
+            </a:ext>
+          </a:extLst>
+        </p:cNvPr>
+        <p:cNvGrpSpPr/>
+        <p:nvPr/>
+      </p:nvGrpSpPr>
+      <p:grpSpPr>
+        <a:xfrm>
+          <a:off x="0" y="0"/>
+          <a:ext cx="0" cy="0"/>
+          <a:chOff x="0" y="0"/>
+          <a:chExt cx="0" cy="0"/>
+        </a:xfrm>
+      </p:grpSpPr>
+      <p:sp>
+        <p:nvSpPr>
+          <p:cNvPr id="4" name="Rectangle 3">
+            <a:extLst>
+              <a:ext uri="{FF2B5EF4-FFF2-40B4-BE49-F238E27FC236}">
+                <a16:creationId xmlns:a16="http://schemas.microsoft.com/office/drawing/2014/main" id="{D2164974-38B7-0BB3-1F4A-12AF2DBA4615}"/>
+              </a:ext>
+            </a:extLst>
+          </p:cNvPr>
+          <p:cNvSpPr/>
+          <p:nvPr/>
+        </p:nvSpPr>
+        <p:spPr>
+          <a:xfrm>
+            <a:off x="10820400" y="0"/>
+            <a:ext cx="7467600" cy="10287000"/>
+          </a:xfrm>
+          <a:prstGeom prst="rect">
+            <a:avLst/>
+          </a:prstGeom>
+          <a:solidFill>
+            <a:srgbClr val="CF3338"/>
+          </a:solidFill>
+          <a:ln>
+            <a:noFill/>
+          </a:ln>
+        </p:spPr>
+        <p:style>
+          <a:lnRef idx="2">
+            <a:schemeClr val="accent1">
+              <a:shade val="50000"/>
+            </a:schemeClr>
+          </a:lnRef>
+          <a:fillRef idx="1">
+            <a:schemeClr val="accent1"/>
+          </a:fillRef>
+          <a:effectRef idx="0">
+            <a:schemeClr val="accent1"/>
+          </a:effectRef>
+          <a:fontRef idx="minor">
+            <a:schemeClr val="lt1"/>
+          </a:fontRef>
+        </p:style>
+        <p:txBody>
+          <a:bodyPr rtlCol="0" anchor="ctr"/>
+          <a:lstStyle/>
+          <a:p>
+            <a:pPr algn="ctr"/>
+            <a:endParaRPr lang="en-US" sz="2700"/>
+          </a:p>
+        </p:txBody>
+      </p:sp>
+      <p:pic>
+        <p:nvPicPr>
+          <p:cNvPr id="2" name="Picture 1">
+            <a:extLst>
+              <a:ext uri="{FF2B5EF4-FFF2-40B4-BE49-F238E27FC236}">
+                <a16:creationId xmlns:a16="http://schemas.microsoft.com/office/drawing/2014/main" id="{3B16401F-D91C-1A9E-AB41-9BB7999B59A3}"/>
+              </a:ext>
+            </a:extLst>
+          </p:cNvPr>
+          <p:cNvPicPr>
+            <a:picLocks noChangeAspect="1"/>
+          </p:cNvPicPr>
+          <p:nvPr/>
+        </p:nvPicPr>
+        <p:blipFill rotWithShape="1">
+          <a:blip r:embed="rId3">
+            <a:extLst>
+              <a:ext uri="{28A0092B-C50C-407E-A947-70E740481C1C}">
+                <a14:useLocalDpi xmlns:a14="http://schemas.microsoft.com/office/drawing/2010/main" val="0"/>
+              </a:ext>
+            </a:extLst>
+          </a:blip>
+          <a:srcRect l="69227" t="33418" r="20112" b="50548"/>
+          <a:stretch/>
+        </p:blipFill>
+        <p:spPr>
+          <a:xfrm>
+            <a:off x="15579524" y="7544693"/>
+            <a:ext cx="2708477" cy="2987579"/>
+          </a:xfrm>
+          <a:prstGeom prst="rect">
+            <a:avLst/>
+          </a:prstGeom>
+        </p:spPr>
+      </p:pic>
+      <p:sp>
+        <p:nvSpPr>
+          <p:cNvPr id="3" name="TextBox 2">
+            <a:extLst>
+              <a:ext uri="{FF2B5EF4-FFF2-40B4-BE49-F238E27FC236}">
+                <a16:creationId xmlns:a16="http://schemas.microsoft.com/office/drawing/2014/main" id="{E68C40A9-B365-4386-CB2C-8AB566EEE6AD}"/>
+              </a:ext>
+            </a:extLst>
+          </p:cNvPr>
+          <p:cNvSpPr txBox="1"/>
+          <p:nvPr/>
+        </p:nvSpPr>
+        <p:spPr>
+          <a:xfrm>
+            <a:off x="228600" y="114300"/>
+            <a:ext cx="10352567" cy="10365915"/>
+          </a:xfrm>
+          <a:prstGeom prst="rect">
+            <a:avLst/>
+          </a:prstGeom>
+          <a:noFill/>
+        </p:spPr>
+        <p:txBody>
+          <a:bodyPr wrap="square" rtlCol="0">
+            <a:spAutoFit/>
+          </a:bodyPr>
+          <a:lstStyle/>
+          <a:p>
+            <a:r>
+              <a:rPr lang="en-US" sz="6000" b="1" dirty="0">
+                <a:solidFill>
+                  <a:srgbClr val="CF3338"/>
+                </a:solidFill>
+                <a:latin typeface="Pragmatica" panose="020B0403040502020204" pitchFamily="34" charset="0"/>
+              </a:rPr>
+              <a:t>Creating advanced data visualizations with Copilot EXERCISE</a:t>
+            </a:r>
+          </a:p>
+          <a:p>
+            <a:pPr marL="142875">
+              <a:lnSpc>
+                <a:spcPct val="115000"/>
+              </a:lnSpc>
+              <a:spcBef>
+                <a:spcPts val="1125"/>
+              </a:spcBef>
+              <a:buClr>
+                <a:srgbClr val="C00000"/>
+              </a:buClr>
+              <a:buSzPts val="2100"/>
+            </a:pPr>
+            <a:r>
+              <a:rPr lang="en-US" sz="3600" dirty="0">
+                <a:solidFill>
+                  <a:srgbClr val="C00000"/>
+                </a:solidFill>
+                <a:latin typeface="Pragmatica" panose="020B0403040502020204"/>
+                <a:sym typeface="Consolas"/>
+              </a:rPr>
+              <a:t>Dataset: copilot-dashboard-start.xlsx</a:t>
+            </a:r>
+          </a:p>
+          <a:p>
+            <a:pPr marL="714375" indent="-571500">
+              <a:lnSpc>
+                <a:spcPct val="115000"/>
+              </a:lnSpc>
+              <a:spcBef>
+                <a:spcPts val="1125"/>
+              </a:spcBef>
+              <a:buClr>
+                <a:srgbClr val="C00000"/>
+              </a:buClr>
+              <a:buSzPts val="2100"/>
+              <a:buFont typeface="Arial" panose="020B0604020202020204" pitchFamily="34" charset="0"/>
+              <a:buChar char="•"/>
+            </a:pPr>
+            <a:endParaRPr lang="en-US" sz="3600" dirty="0">
+              <a:solidFill>
+                <a:srgbClr val="C00000"/>
+              </a:solidFill>
+              <a:latin typeface="Pragmatica" panose="020B0403040502020204"/>
+              <a:sym typeface="Consolas"/>
+            </a:endParaRPr>
+          </a:p>
+          <a:p>
+            <a:pPr marL="714375" indent="-571500">
+              <a:lnSpc>
+                <a:spcPct val="115000"/>
+              </a:lnSpc>
+              <a:spcBef>
+                <a:spcPts val="1125"/>
+              </a:spcBef>
+              <a:buClr>
+                <a:srgbClr val="C00000"/>
+              </a:buClr>
+              <a:buSzPts val="2100"/>
+              <a:buFont typeface="Arial" panose="020B0604020202020204" pitchFamily="34" charset="0"/>
+              <a:buChar char="•"/>
+            </a:pPr>
+            <a:r>
+              <a:rPr lang="en-US" sz="3600" dirty="0">
+                <a:solidFill>
+                  <a:srgbClr val="C00000"/>
+                </a:solidFill>
+                <a:latin typeface="Pragmatica" panose="020B0403040502020204"/>
+                <a:sym typeface="Consolas"/>
+              </a:rPr>
+              <a:t>Use Advanced Analysis to create visualizations for a dashboard</a:t>
+            </a:r>
+          </a:p>
+          <a:p>
+            <a:pPr marL="714375" indent="-571500">
+              <a:lnSpc>
+                <a:spcPct val="115000"/>
+              </a:lnSpc>
+              <a:spcBef>
+                <a:spcPts val="1125"/>
+              </a:spcBef>
+              <a:buClr>
+                <a:srgbClr val="C00000"/>
+              </a:buClr>
+              <a:buSzPts val="2100"/>
+              <a:buFont typeface="Arial" panose="020B0604020202020204" pitchFamily="34" charset="0"/>
+              <a:buChar char="•"/>
+            </a:pPr>
+            <a:r>
+              <a:rPr lang="en-US" sz="3600" dirty="0">
+                <a:solidFill>
+                  <a:srgbClr val="C00000"/>
+                </a:solidFill>
+                <a:latin typeface="Pragmatica" panose="020B0403040502020204"/>
+                <a:sym typeface="Consolas"/>
+              </a:rPr>
+              <a:t>Check mpg-dashboard-prompt.txt for a sample input prompt</a:t>
+            </a:r>
+          </a:p>
+          <a:p>
+            <a:pPr marL="714375" indent="-571500">
+              <a:lnSpc>
+                <a:spcPct val="115000"/>
+              </a:lnSpc>
+              <a:spcBef>
+                <a:spcPts val="1125"/>
+              </a:spcBef>
+              <a:buClr>
+                <a:srgbClr val="C00000"/>
+              </a:buClr>
+              <a:buSzPts val="2100"/>
+              <a:buFont typeface="Arial" panose="020B0604020202020204" pitchFamily="34" charset="0"/>
+              <a:buChar char="•"/>
+            </a:pPr>
+            <a:r>
+              <a:rPr lang="en-US" sz="3600" dirty="0">
+                <a:solidFill>
+                  <a:srgbClr val="C00000"/>
+                </a:solidFill>
+                <a:latin typeface="Pragmatica" panose="020B0403040502020204"/>
+                <a:sym typeface="Consolas"/>
+              </a:rPr>
+              <a:t>We’ll walk through assembling the dashboard together</a:t>
+            </a:r>
+          </a:p>
+          <a:p>
+            <a:pPr marL="714375" indent="-571500">
+              <a:lnSpc>
+                <a:spcPct val="115000"/>
+              </a:lnSpc>
+              <a:spcBef>
+                <a:spcPts val="1125"/>
+              </a:spcBef>
+              <a:buClr>
+                <a:srgbClr val="C00000"/>
+              </a:buClr>
+              <a:buSzPts val="2100"/>
+              <a:buFont typeface="Arial" panose="020B0604020202020204" pitchFamily="34" charset="0"/>
+              <a:buChar char="•"/>
+            </a:pPr>
+            <a:r>
+              <a:rPr lang="en-US" sz="3600" dirty="0">
+                <a:solidFill>
+                  <a:srgbClr val="C00000"/>
+                </a:solidFill>
+                <a:latin typeface="Pragmatica" panose="020B0403040502020204"/>
+                <a:sym typeface="Consolas"/>
+              </a:rPr>
+              <a:t>Your results will vary from mine… embrace it!</a:t>
+            </a:r>
+          </a:p>
+          <a:p>
+            <a:endParaRPr lang="en-US" sz="6000" dirty="0">
+              <a:solidFill>
+                <a:srgbClr val="CF3338"/>
+              </a:solidFill>
+              <a:latin typeface="Pragmatica" panose="020B0403040502020204" pitchFamily="34" charset="0"/>
+            </a:endParaRPr>
+          </a:p>
+        </p:txBody>
+      </p:sp>
+    </p:spTree>
+    <p:extLst>
+      <p:ext uri="{BB962C8B-B14F-4D97-AF65-F5344CB8AC3E}">
+        <p14:creationId xmlns:p14="http://schemas.microsoft.com/office/powerpoint/2010/main" val="1152180219"/>
+      </p:ext>
+    </p:extLst>
+  </p:cSld>
+  <p:clrMapOvr>
+    <a:masterClrMapping/>
+  </p:clrMapOvr>
+</p:sld>
+</file>
+
+<file path=ppt/slides/slide11.xml><?xml version="1.0" encoding="utf-8"?>
+<p:sld xmlns:a="http://schemas.openxmlformats.org/drawingml/2006/main" xmlns:r="http://schemas.openxmlformats.org/officeDocument/2006/relationships" xmlns:p="http://schemas.openxmlformats.org/presentationml/2006/main">
+  <p:cSld>
+    <p:spTree>
+      <p:nvGrpSpPr>
         <p:cNvPr id="1" name=""/>
         <p:cNvGrpSpPr/>
         <p:nvPr/>
@@ -5020,7 +5475,7 @@
 </p:sld>
 </file>
 
-<file path=ppt/slides/slide11.xml><?xml version="1.0" encoding="utf-8"?>
+<file path=ppt/slides/slide12.xml><?xml version="1.0" encoding="utf-8"?>
 <p:sld xmlns:a="http://schemas.openxmlformats.org/drawingml/2006/main" xmlns:r="http://schemas.openxmlformats.org/officeDocument/2006/relationships" xmlns:p="http://schemas.openxmlformats.org/presentationml/2006/main">
   <p:cSld>
     <p:spTree>
@@ -5130,7 +5585,7 @@
 </p:sld>
 </file>
 
-<file path=ppt/slides/slide12.xml><?xml version="1.0" encoding="utf-8"?>
+<file path=ppt/slides/slide13.xml><?xml version="1.0" encoding="utf-8"?>
 <p:sld xmlns:a="http://schemas.openxmlformats.org/drawingml/2006/main" xmlns:r="http://schemas.openxmlformats.org/officeDocument/2006/relationships" xmlns:p="http://schemas.openxmlformats.org/presentationml/2006/main">
   <p:cSld>
     <p:spTree>
@@ -5408,7 +5863,7 @@
 </p:sld>
 </file>
 
-<file path=ppt/slides/slide13.xml><?xml version="1.0" encoding="utf-8"?>
+<file path=ppt/slides/slide14.xml><?xml version="1.0" encoding="utf-8"?>
 <p:sld xmlns:a="http://schemas.openxmlformats.org/drawingml/2006/main" xmlns:r="http://schemas.openxmlformats.org/officeDocument/2006/relationships" xmlns:p="http://schemas.openxmlformats.org/presentationml/2006/main">
   <p:cSld>
     <p:spTree>
@@ -5736,7 +6191,7 @@
 </p:sld>
 </file>
 
-<file path=ppt/slides/slide14.xml><?xml version="1.0" encoding="utf-8"?>
+<file path=ppt/slides/slide15.xml><?xml version="1.0" encoding="utf-8"?>
 <p:sld xmlns:a="http://schemas.openxmlformats.org/drawingml/2006/main" xmlns:r="http://schemas.openxmlformats.org/officeDocument/2006/relationships" xmlns:p="http://schemas.openxmlformats.org/presentationml/2006/main">
   <p:cSld>
     <p:spTree>
@@ -6038,7 +6493,7 @@
 </p:sld>
 </file>
 
-<file path=ppt/slides/slide15.xml><?xml version="1.0" encoding="utf-8"?>
+<file path=ppt/slides/slide16.xml><?xml version="1.0" encoding="utf-8"?>
 <p:sld xmlns:a="http://schemas.openxmlformats.org/drawingml/2006/main" xmlns:r="http://schemas.openxmlformats.org/officeDocument/2006/relationships" xmlns:p="http://schemas.openxmlformats.org/presentationml/2006/main">
   <p:cSld>
     <p:spTree>
@@ -6331,7 +6786,7 @@
 </p:sld>
 </file>
 
-<file path=ppt/slides/slide16.xml><?xml version="1.0" encoding="utf-8"?>
+<file path=ppt/slides/slide17.xml><?xml version="1.0" encoding="utf-8"?>
 <p:sld xmlns:a="http://schemas.openxmlformats.org/drawingml/2006/main" xmlns:r="http://schemas.openxmlformats.org/officeDocument/2006/relationships" xmlns:p="http://schemas.openxmlformats.org/presentationml/2006/main">
   <p:cSld>
     <p:spTree>
@@ -6513,7 +6968,7 @@
 </p:sld>
 </file>
 
-<file path=ppt/slides/slide17.xml><?xml version="1.0" encoding="utf-8"?>
+<file path=ppt/slides/slide18.xml><?xml version="1.0" encoding="utf-8"?>
 <p:sld xmlns:a="http://schemas.openxmlformats.org/drawingml/2006/main" xmlns:r="http://schemas.openxmlformats.org/officeDocument/2006/relationships" xmlns:p="http://schemas.openxmlformats.org/presentationml/2006/main">
   <p:cSld>
     <p:spTree>
@@ -6641,7 +7096,7 @@
 </p:sld>
 </file>
 
-<file path=ppt/slides/slide18.xml><?xml version="1.0" encoding="utf-8"?>
+<file path=ppt/slides/slide19.xml><?xml version="1.0" encoding="utf-8"?>
 <p:sld xmlns:a="http://schemas.openxmlformats.org/drawingml/2006/main" xmlns:r="http://schemas.openxmlformats.org/officeDocument/2006/relationships" xmlns:p="http://schemas.openxmlformats.org/presentationml/2006/main">
   <p:cSld>
     <p:spTree>
@@ -6941,319 +7396,6 @@
     <p:extLst>
       <p:ext uri="{BB962C8B-B14F-4D97-AF65-F5344CB8AC3E}">
         <p14:creationId xmlns:p14="http://schemas.microsoft.com/office/powerpoint/2010/main" val="3435722049"/>
-      </p:ext>
-    </p:extLst>
-  </p:cSld>
-  <p:clrMapOvr>
-    <a:masterClrMapping/>
-  </p:clrMapOvr>
-</p:sld>
-</file>
-
-<file path=ppt/slides/slide19.xml><?xml version="1.0" encoding="utf-8"?>
-<p:sld xmlns:a="http://schemas.openxmlformats.org/drawingml/2006/main" xmlns:r="http://schemas.openxmlformats.org/officeDocument/2006/relationships" xmlns:p="http://schemas.openxmlformats.org/presentationml/2006/main">
-  <p:cSld>
-    <p:spTree>
-      <p:nvGrpSpPr>
-        <p:cNvPr id="1" name="">
-          <a:extLst>
-            <a:ext uri="{FF2B5EF4-FFF2-40B4-BE49-F238E27FC236}">
-              <a16:creationId xmlns:a16="http://schemas.microsoft.com/office/drawing/2014/main" id="{8C48D4C6-B9FA-7672-C04D-8197E0C63666}"/>
-            </a:ext>
-          </a:extLst>
-        </p:cNvPr>
-        <p:cNvGrpSpPr/>
-        <p:nvPr/>
-      </p:nvGrpSpPr>
-      <p:grpSpPr>
-        <a:xfrm>
-          <a:off x="0" y="0"/>
-          <a:ext cx="0" cy="0"/>
-          <a:chOff x="0" y="0"/>
-          <a:chExt cx="0" cy="0"/>
-        </a:xfrm>
-      </p:grpSpPr>
-      <p:sp>
-        <p:nvSpPr>
-          <p:cNvPr id="4" name="Rectangle 3">
-            <a:extLst>
-              <a:ext uri="{FF2B5EF4-FFF2-40B4-BE49-F238E27FC236}">
-                <a16:creationId xmlns:a16="http://schemas.microsoft.com/office/drawing/2014/main" id="{E4A882A5-11FC-4C29-C4E0-4E178992806D}"/>
-              </a:ext>
-            </a:extLst>
-          </p:cNvPr>
-          <p:cNvSpPr/>
-          <p:nvPr/>
-        </p:nvSpPr>
-        <p:spPr>
-          <a:xfrm>
-            <a:off x="13639800" y="0"/>
-            <a:ext cx="4648200" cy="10287000"/>
-          </a:xfrm>
-          <a:prstGeom prst="rect">
-            <a:avLst/>
-          </a:prstGeom>
-          <a:solidFill>
-            <a:srgbClr val="CF3338"/>
-          </a:solidFill>
-          <a:ln>
-            <a:noFill/>
-          </a:ln>
-        </p:spPr>
-        <p:style>
-          <a:lnRef idx="2">
-            <a:schemeClr val="accent1">
-              <a:shade val="50000"/>
-            </a:schemeClr>
-          </a:lnRef>
-          <a:fillRef idx="1">
-            <a:schemeClr val="accent1"/>
-          </a:fillRef>
-          <a:effectRef idx="0">
-            <a:schemeClr val="accent1"/>
-          </a:effectRef>
-          <a:fontRef idx="minor">
-            <a:schemeClr val="lt1"/>
-          </a:fontRef>
-        </p:style>
-        <p:txBody>
-          <a:bodyPr rtlCol="0" anchor="ctr"/>
-          <a:lstStyle/>
-          <a:p>
-            <a:pPr algn="ctr"/>
-            <a:endParaRPr lang="en-US" sz="2700"/>
-          </a:p>
-        </p:txBody>
-      </p:sp>
-      <p:pic>
-        <p:nvPicPr>
-          <p:cNvPr id="2" name="Picture 1">
-            <a:extLst>
-              <a:ext uri="{FF2B5EF4-FFF2-40B4-BE49-F238E27FC236}">
-                <a16:creationId xmlns:a16="http://schemas.microsoft.com/office/drawing/2014/main" id="{0BD9C0FB-1716-0FB1-A6C3-7BF95597E59E}"/>
-              </a:ext>
-            </a:extLst>
-          </p:cNvPr>
-          <p:cNvPicPr>
-            <a:picLocks noChangeAspect="1"/>
-          </p:cNvPicPr>
-          <p:nvPr/>
-        </p:nvPicPr>
-        <p:blipFill rotWithShape="1">
-          <a:blip r:embed="rId3">
-            <a:extLst>
-              <a:ext uri="{28A0092B-C50C-407E-A947-70E740481C1C}">
-                <a14:useLocalDpi xmlns:a14="http://schemas.microsoft.com/office/drawing/2010/main" val="0"/>
-              </a:ext>
-            </a:extLst>
-          </a:blip>
-          <a:srcRect l="69227" t="33418" r="20112" b="50548"/>
-          <a:stretch/>
-        </p:blipFill>
-        <p:spPr>
-          <a:xfrm>
-            <a:off x="15579524" y="7544693"/>
-            <a:ext cx="2708477" cy="2987579"/>
-          </a:xfrm>
-          <a:prstGeom prst="rect">
-            <a:avLst/>
-          </a:prstGeom>
-        </p:spPr>
-      </p:pic>
-      <p:sp>
-        <p:nvSpPr>
-          <p:cNvPr id="3" name="TextBox 2">
-            <a:extLst>
-              <a:ext uri="{FF2B5EF4-FFF2-40B4-BE49-F238E27FC236}">
-                <a16:creationId xmlns:a16="http://schemas.microsoft.com/office/drawing/2014/main" id="{06E31731-9E14-75BD-E6F9-954AD4E559FB}"/>
-              </a:ext>
-            </a:extLst>
-          </p:cNvPr>
-          <p:cNvSpPr txBox="1"/>
-          <p:nvPr/>
-        </p:nvSpPr>
-        <p:spPr>
-          <a:xfrm>
-            <a:off x="260431" y="329879"/>
-            <a:ext cx="9035970" cy="8391528"/>
-          </a:xfrm>
-          <a:prstGeom prst="rect">
-            <a:avLst/>
-          </a:prstGeom>
-          <a:noFill/>
-        </p:spPr>
-        <p:txBody>
-          <a:bodyPr wrap="square" rtlCol="0">
-            <a:spAutoFit/>
-          </a:bodyPr>
-          <a:lstStyle/>
-          <a:p>
-            <a:r>
-              <a:rPr lang="en-US" sz="6000" b="1" dirty="0">
-                <a:solidFill>
-                  <a:srgbClr val="CF3338"/>
-                </a:solidFill>
-                <a:latin typeface="Pragmatica" panose="020B0403040502020204" pitchFamily="34" charset="0"/>
-              </a:rPr>
-              <a:t>Cross-checking AI-Powered Excel</a:t>
-            </a:r>
-          </a:p>
-          <a:p>
-            <a:endParaRPr lang="en-US" sz="4200" dirty="0">
-              <a:solidFill>
-                <a:srgbClr val="CF3338"/>
-              </a:solidFill>
-              <a:latin typeface="Pragmatica" panose="020B0403040502020204" pitchFamily="34" charset="0"/>
-            </a:endParaRPr>
-          </a:p>
-          <a:p>
-            <a:pPr marL="714375" indent="-571500">
-              <a:lnSpc>
-                <a:spcPct val="115000"/>
-              </a:lnSpc>
-              <a:spcBef>
-                <a:spcPts val="1125"/>
-              </a:spcBef>
-              <a:buClr>
-                <a:srgbClr val="C00000"/>
-              </a:buClr>
-              <a:buSzPts val="2100"/>
-              <a:buFont typeface="Arial" panose="020B0604020202020204" pitchFamily="34" charset="0"/>
-              <a:buChar char="•"/>
-            </a:pPr>
-            <a:r>
-              <a:rPr lang="en-US" sz="3600" dirty="0">
-                <a:solidFill>
-                  <a:srgbClr val="C00000"/>
-                </a:solidFill>
-                <a:latin typeface="Pragmatica" panose="020B0403040502020204"/>
-                <a:sym typeface="Consolas"/>
-              </a:rPr>
-              <a:t>What processes can we follow to safeguard and cross-check our Python-Copilot-Excel workflow? </a:t>
-            </a:r>
-          </a:p>
-          <a:p>
-            <a:pPr marL="714375" indent="-571500">
-              <a:lnSpc>
-                <a:spcPct val="115000"/>
-              </a:lnSpc>
-              <a:spcBef>
-                <a:spcPts val="1125"/>
-              </a:spcBef>
-              <a:buClr>
-                <a:srgbClr val="C00000"/>
-              </a:buClr>
-              <a:buSzPts val="2100"/>
-              <a:buFont typeface="Arial" panose="020B0604020202020204" pitchFamily="34" charset="0"/>
-              <a:buChar char="•"/>
-            </a:pPr>
-            <a:r>
-              <a:rPr lang="en-US" sz="3600" dirty="0">
-                <a:solidFill>
-                  <a:srgbClr val="C00000"/>
-                </a:solidFill>
-                <a:latin typeface="Pragmatica" panose="020B0403040502020204"/>
-                <a:sym typeface="Consolas"/>
-              </a:rPr>
-              <a:t>Resource: </a:t>
-            </a:r>
-            <a:r>
-              <a:rPr lang="en-US" sz="3600" dirty="0">
-                <a:solidFill>
-                  <a:srgbClr val="C00000"/>
-                </a:solidFill>
-                <a:latin typeface="Pragmatica" panose="020B0403040502020204"/>
-                <a:sym typeface="Consolas"/>
-                <a:hlinkClick r:id="rId4">
-                  <a:extLst>
-                    <a:ext uri="{A12FA001-AC4F-418D-AE19-62706E023703}">
-                      <ahyp:hlinkClr xmlns:ahyp="http://schemas.microsoft.com/office/drawing/2018/hyperlinkcolor" val="tx"/>
-                    </a:ext>
-                  </a:extLst>
-                </a:hlinkClick>
-              </a:rPr>
-              <a:t>https://stringfestanalytics.com/how-to-cross-check-ai-generated-insights-in-excel/</a:t>
-            </a:r>
-            <a:r>
-              <a:rPr lang="en-US" sz="3600" dirty="0">
-                <a:solidFill>
-                  <a:srgbClr val="C00000"/>
-                </a:solidFill>
-                <a:latin typeface="Pragmatica" panose="020B0403040502020204"/>
-                <a:sym typeface="Consolas"/>
-              </a:rPr>
-              <a:t> </a:t>
-            </a:r>
-          </a:p>
-          <a:p>
-            <a:pPr marL="1171575" lvl="1" indent="-571500">
-              <a:lnSpc>
-                <a:spcPct val="115000"/>
-              </a:lnSpc>
-              <a:spcBef>
-                <a:spcPts val="1125"/>
-              </a:spcBef>
-              <a:buClr>
-                <a:srgbClr val="C00000"/>
-              </a:buClr>
-              <a:buSzPts val="2100"/>
-              <a:buFont typeface="Arial" panose="020B0604020202020204" pitchFamily="34" charset="0"/>
-              <a:buChar char="•"/>
-            </a:pPr>
-            <a:r>
-              <a:rPr lang="en-US" sz="3600" dirty="0">
-                <a:solidFill>
-                  <a:srgbClr val="C00000"/>
-                </a:solidFill>
-                <a:latin typeface="Pragmatica" panose="020B0403040502020204"/>
-                <a:sym typeface="Consolas"/>
-              </a:rPr>
-              <a:t>“Treat AI like an intern” </a:t>
-            </a:r>
-          </a:p>
-          <a:p>
-            <a:endParaRPr lang="en-US" sz="6000" dirty="0">
-              <a:solidFill>
-                <a:srgbClr val="CF3338"/>
-              </a:solidFill>
-              <a:latin typeface="Pragmatica" panose="020B0403040502020204" pitchFamily="34" charset="0"/>
-            </a:endParaRPr>
-          </a:p>
-        </p:txBody>
-      </p:sp>
-      <p:pic>
-        <p:nvPicPr>
-          <p:cNvPr id="5" name="Picture 4" descr="A person with a blue mask&#10;&#10;AI-generated content may be incorrect.">
-            <a:extLst>
-              <a:ext uri="{FF2B5EF4-FFF2-40B4-BE49-F238E27FC236}">
-                <a16:creationId xmlns:a16="http://schemas.microsoft.com/office/drawing/2014/main" id="{3A0F90B0-E13D-877C-1E91-A7BA2E51A4DD}"/>
-              </a:ext>
-            </a:extLst>
-          </p:cNvPr>
-          <p:cNvPicPr>
-            <a:picLocks noChangeAspect="1"/>
-          </p:cNvPicPr>
-          <p:nvPr/>
-        </p:nvPicPr>
-        <p:blipFill>
-          <a:blip r:embed="rId5"/>
-          <a:srcRect l="25704" r="29233" b="8030"/>
-          <a:stretch/>
-        </p:blipFill>
-        <p:spPr>
-          <a:xfrm>
-            <a:off x="9982200" y="571500"/>
-            <a:ext cx="4152900" cy="8475789"/>
-          </a:xfrm>
-          <a:prstGeom prst="rect">
-            <a:avLst/>
-          </a:prstGeom>
-        </p:spPr>
-      </p:pic>
-    </p:spTree>
-    <p:extLst>
-      <p:ext uri="{BB962C8B-B14F-4D97-AF65-F5344CB8AC3E}">
-        <p14:creationId xmlns:p14="http://schemas.microsoft.com/office/powerpoint/2010/main" val="3903585909"/>
       </p:ext>
     </p:extLst>
   </p:cSld>
@@ -7450,7 +7592,13 @@
   <p:cSld>
     <p:spTree>
       <p:nvGrpSpPr>
-        <p:cNvPr id="1" name=""/>
+        <p:cNvPr id="1" name="">
+          <a:extLst>
+            <a:ext uri="{FF2B5EF4-FFF2-40B4-BE49-F238E27FC236}">
+              <a16:creationId xmlns:a16="http://schemas.microsoft.com/office/drawing/2014/main" id="{8C48D4C6-B9FA-7672-C04D-8197E0C63666}"/>
+            </a:ext>
+          </a:extLst>
+        </p:cNvPr>
         <p:cNvGrpSpPr/>
         <p:nvPr/>
       </p:nvGrpSpPr>
@@ -7462,44 +7610,73 @@
           <a:chExt cx="0" cy="0"/>
         </a:xfrm>
       </p:grpSpPr>
+      <p:sp>
+        <p:nvSpPr>
+          <p:cNvPr id="4" name="Rectangle 3">
+            <a:extLst>
+              <a:ext uri="{FF2B5EF4-FFF2-40B4-BE49-F238E27FC236}">
+                <a16:creationId xmlns:a16="http://schemas.microsoft.com/office/drawing/2014/main" id="{E4A882A5-11FC-4C29-C4E0-4E178992806D}"/>
+              </a:ext>
+            </a:extLst>
+          </p:cNvPr>
+          <p:cNvSpPr/>
+          <p:nvPr/>
+        </p:nvSpPr>
+        <p:spPr>
+          <a:xfrm>
+            <a:off x="13639800" y="0"/>
+            <a:ext cx="4648200" cy="10287000"/>
+          </a:xfrm>
+          <a:prstGeom prst="rect">
+            <a:avLst/>
+          </a:prstGeom>
+          <a:solidFill>
+            <a:srgbClr val="CF3338"/>
+          </a:solidFill>
+          <a:ln>
+            <a:noFill/>
+          </a:ln>
+        </p:spPr>
+        <p:style>
+          <a:lnRef idx="2">
+            <a:schemeClr val="accent1">
+              <a:shade val="50000"/>
+            </a:schemeClr>
+          </a:lnRef>
+          <a:fillRef idx="1">
+            <a:schemeClr val="accent1"/>
+          </a:fillRef>
+          <a:effectRef idx="0">
+            <a:schemeClr val="accent1"/>
+          </a:effectRef>
+          <a:fontRef idx="minor">
+            <a:schemeClr val="lt1"/>
+          </a:fontRef>
+        </p:style>
+        <p:txBody>
+          <a:bodyPr rtlCol="0" anchor="ctr"/>
+          <a:lstStyle/>
+          <a:p>
+            <a:pPr algn="ctr"/>
+            <a:endParaRPr lang="en-US" sz="2700"/>
+          </a:p>
+        </p:txBody>
+      </p:sp>
       <p:pic>
         <p:nvPicPr>
-          <p:cNvPr id="10" name="Picture 9"/>
+          <p:cNvPr id="2" name="Picture 1">
+            <a:extLst>
+              <a:ext uri="{FF2B5EF4-FFF2-40B4-BE49-F238E27FC236}">
+                <a16:creationId xmlns:a16="http://schemas.microsoft.com/office/drawing/2014/main" id="{0BD9C0FB-1716-0FB1-A6C3-7BF95597E59E}"/>
+              </a:ext>
+            </a:extLst>
+          </p:cNvPr>
           <p:cNvPicPr>
             <a:picLocks noChangeAspect="1"/>
           </p:cNvPicPr>
           <p:nvPr/>
         </p:nvPicPr>
         <p:blipFill rotWithShape="1">
-          <a:blip r:embed="rId2">
-            <a:extLst>
-              <a:ext uri="{28A0092B-C50C-407E-A947-70E740481C1C}">
-                <a14:useLocalDpi xmlns:a14="http://schemas.microsoft.com/office/drawing/2010/main" val="0"/>
-              </a:ext>
-            </a:extLst>
-          </a:blip>
-          <a:srcRect l="50728" t="56371"/>
-          <a:stretch/>
-        </p:blipFill>
-        <p:spPr>
-          <a:xfrm>
-            <a:off x="12204691" y="3316148"/>
-            <a:ext cx="6083309" cy="6970854"/>
-          </a:xfrm>
-          <a:prstGeom prst="rect">
-            <a:avLst/>
-          </a:prstGeom>
-        </p:spPr>
-      </p:pic>
-      <p:pic>
-        <p:nvPicPr>
-          <p:cNvPr id="4" name="Picture 3"/>
-          <p:cNvPicPr>
-            <a:picLocks noChangeAspect="1"/>
-          </p:cNvPicPr>
-          <p:nvPr/>
-        </p:nvPicPr>
-        <p:blipFill>
           <a:blip r:embed="rId3">
             <a:extLst>
               <a:ext uri="{28A0092B-C50C-407E-A947-70E740481C1C}">
@@ -7507,14 +7684,13 @@
               </a:ext>
             </a:extLst>
           </a:blip>
-          <a:stretch>
-            <a:fillRect/>
-          </a:stretch>
+          <a:srcRect l="69227" t="33418" r="20112" b="50548"/>
+          <a:stretch/>
         </p:blipFill>
         <p:spPr>
           <a:xfrm>
-            <a:off x="-807744" y="-3724155"/>
-            <a:ext cx="15257208" cy="11189825"/>
+            <a:off x="15579524" y="7544693"/>
+            <a:ext cx="2708477" cy="2987579"/>
           </a:xfrm>
           <a:prstGeom prst="rect">
             <a:avLst/>
@@ -7523,14 +7699,20 @@
       </p:pic>
       <p:sp>
         <p:nvSpPr>
-          <p:cNvPr id="11" name="TextBox 10"/>
+          <p:cNvPr id="3" name="TextBox 2">
+            <a:extLst>
+              <a:ext uri="{FF2B5EF4-FFF2-40B4-BE49-F238E27FC236}">
+                <a16:creationId xmlns:a16="http://schemas.microsoft.com/office/drawing/2014/main" id="{06E31731-9E14-75BD-E6F9-954AD4E559FB}"/>
+              </a:ext>
+            </a:extLst>
+          </p:cNvPr>
           <p:cNvSpPr txBox="1"/>
           <p:nvPr/>
         </p:nvSpPr>
         <p:spPr>
           <a:xfrm>
-            <a:off x="486137" y="2531318"/>
-            <a:ext cx="11979797" cy="923330"/>
+            <a:off x="260431" y="329879"/>
+            <a:ext cx="9035970" cy="8391528"/>
           </a:xfrm>
           <a:prstGeom prst="rect">
             <a:avLst/>
@@ -7544,23 +7726,144 @@
           <a:lstStyle/>
           <a:p>
             <a:r>
-              <a:rPr lang="en-US" sz="5400" b="1" dirty="0">
+              <a:rPr lang="en-US" sz="6000" b="1" dirty="0">
                 <a:solidFill>
                   <a:srgbClr val="CF3338"/>
                 </a:solidFill>
                 <a:latin typeface="Pragmatica" panose="020B0403040502020204" pitchFamily="34" charset="0"/>
               </a:rPr>
-              <a:t>Questions?</a:t>
-            </a:r>
+              <a:t>Cross-checking AI-Powered Excel</a:t>
+            </a:r>
+          </a:p>
+          <a:p>
+            <a:endParaRPr lang="en-US" sz="4200" dirty="0">
+              <a:solidFill>
+                <a:srgbClr val="CF3338"/>
+              </a:solidFill>
+              <a:latin typeface="Pragmatica" panose="020B0403040502020204" pitchFamily="34" charset="0"/>
+            </a:endParaRPr>
+          </a:p>
+          <a:p>
+            <a:pPr marL="714375" indent="-571500">
+              <a:lnSpc>
+                <a:spcPct val="115000"/>
+              </a:lnSpc>
+              <a:spcBef>
+                <a:spcPts val="1125"/>
+              </a:spcBef>
+              <a:buClr>
+                <a:srgbClr val="C00000"/>
+              </a:buClr>
+              <a:buSzPts val="2100"/>
+              <a:buFont typeface="Arial" panose="020B0604020202020204" pitchFamily="34" charset="0"/>
+              <a:buChar char="•"/>
+            </a:pPr>
+            <a:r>
+              <a:rPr lang="en-US" sz="3600" dirty="0">
+                <a:solidFill>
+                  <a:srgbClr val="C00000"/>
+                </a:solidFill>
+                <a:latin typeface="Pragmatica" panose="020B0403040502020204"/>
+                <a:sym typeface="Consolas"/>
+              </a:rPr>
+              <a:t>What processes can we follow to safeguard and cross-check our Python-Copilot-Excel workflow? </a:t>
+            </a:r>
+          </a:p>
+          <a:p>
+            <a:pPr marL="714375" indent="-571500">
+              <a:lnSpc>
+                <a:spcPct val="115000"/>
+              </a:lnSpc>
+              <a:spcBef>
+                <a:spcPts val="1125"/>
+              </a:spcBef>
+              <a:buClr>
+                <a:srgbClr val="C00000"/>
+              </a:buClr>
+              <a:buSzPts val="2100"/>
+              <a:buFont typeface="Arial" panose="020B0604020202020204" pitchFamily="34" charset="0"/>
+              <a:buChar char="•"/>
+            </a:pPr>
+            <a:r>
+              <a:rPr lang="en-US" sz="3600" dirty="0">
+                <a:solidFill>
+                  <a:srgbClr val="C00000"/>
+                </a:solidFill>
+                <a:latin typeface="Pragmatica" panose="020B0403040502020204"/>
+                <a:sym typeface="Consolas"/>
+              </a:rPr>
+              <a:t>Resource: </a:t>
+            </a:r>
+            <a:r>
+              <a:rPr lang="en-US" sz="3600" dirty="0">
+                <a:solidFill>
+                  <a:srgbClr val="C00000"/>
+                </a:solidFill>
+                <a:latin typeface="Pragmatica" panose="020B0403040502020204"/>
+                <a:sym typeface="Consolas"/>
+                <a:hlinkClick r:id="rId4">
+                  <a:extLst>
+                    <a:ext uri="{A12FA001-AC4F-418D-AE19-62706E023703}">
+                      <ahyp:hlinkClr xmlns:ahyp="http://schemas.microsoft.com/office/drawing/2018/hyperlinkcolor" val="tx"/>
+                    </a:ext>
+                  </a:extLst>
+                </a:hlinkClick>
+              </a:rPr>
+              <a:t>https://stringfestanalytics.com/how-to-cross-check-ai-generated-insights-in-excel/</a:t>
+            </a:r>
+            <a:r>
+              <a:rPr lang="en-US" sz="3600" dirty="0">
+                <a:solidFill>
+                  <a:srgbClr val="C00000"/>
+                </a:solidFill>
+                <a:latin typeface="Pragmatica" panose="020B0403040502020204"/>
+                <a:sym typeface="Consolas"/>
+              </a:rPr>
+              <a:t> </a:t>
+            </a:r>
+          </a:p>
+          <a:p>
+            <a:pPr marL="1171575" lvl="1" indent="-571500">
+              <a:lnSpc>
+                <a:spcPct val="115000"/>
+              </a:lnSpc>
+              <a:spcBef>
+                <a:spcPts val="1125"/>
+              </a:spcBef>
+              <a:buClr>
+                <a:srgbClr val="C00000"/>
+              </a:buClr>
+              <a:buSzPts val="2100"/>
+              <a:buFont typeface="Arial" panose="020B0604020202020204" pitchFamily="34" charset="0"/>
+              <a:buChar char="•"/>
+            </a:pPr>
+            <a:r>
+              <a:rPr lang="en-US" sz="3600" dirty="0">
+                <a:solidFill>
+                  <a:srgbClr val="C00000"/>
+                </a:solidFill>
+                <a:latin typeface="Pragmatica" panose="020B0403040502020204"/>
+                <a:sym typeface="Consolas"/>
+              </a:rPr>
+              <a:t>“Treat AI like an intern” </a:t>
+            </a:r>
+          </a:p>
+          <a:p>
+            <a:endParaRPr lang="en-US" sz="6000" dirty="0">
+              <a:solidFill>
+                <a:srgbClr val="CF3338"/>
+              </a:solidFill>
+              <a:latin typeface="Pragmatica" panose="020B0403040502020204" pitchFamily="34" charset="0"/>
+            </a:endParaRPr>
           </a:p>
         </p:txBody>
       </p:sp>
       <p:pic>
         <p:nvPicPr>
-          <p:cNvPr id="5" name="Picture 4">
+          <p:cNvPr id="5" name="Picture 4" descr="A person with a blue mask&#10;&#10;AI-generated content may be incorrect.">
             <a:extLst>
               <a:ext uri="{FF2B5EF4-FFF2-40B4-BE49-F238E27FC236}">
-                <a16:creationId xmlns:a16="http://schemas.microsoft.com/office/drawing/2014/main" id="{54A06221-5316-4BCF-9FDA-BDB95FF4A778}"/>
+                <a16:creationId xmlns:a16="http://schemas.microsoft.com/office/drawing/2014/main" id="{3A0F90B0-E13D-877C-1E91-A7BA2E51A4DD}"/>
               </a:ext>
             </a:extLst>
           </p:cNvPr>
@@ -7570,20 +7873,14 @@
           <p:nvPr/>
         </p:nvPicPr>
         <p:blipFill>
-          <a:blip r:embed="rId4">
-            <a:extLst>
-              <a:ext uri="{28A0092B-C50C-407E-A947-70E740481C1C}">
-                <a14:useLocalDpi xmlns:a14="http://schemas.microsoft.com/office/drawing/2010/main" val="0"/>
-              </a:ext>
-            </a:extLst>
-          </a:blip>
-          <a:srcRect/>
+          <a:blip r:embed="rId5"/>
+          <a:srcRect l="25704" r="29233" b="8030"/>
           <a:stretch/>
         </p:blipFill>
         <p:spPr>
           <a:xfrm>
-            <a:off x="12204691" y="3317239"/>
-            <a:ext cx="6083309" cy="6968672"/>
+            <a:off x="9982200" y="571500"/>
+            <a:ext cx="4152900" cy="8475789"/>
           </a:xfrm>
           <a:prstGeom prst="rect">
             <a:avLst/>
@@ -7593,7 +7890,7 @@
     </p:spTree>
     <p:extLst>
       <p:ext uri="{BB962C8B-B14F-4D97-AF65-F5344CB8AC3E}">
-        <p14:creationId xmlns:p14="http://schemas.microsoft.com/office/powerpoint/2010/main" val="2899625024"/>
+        <p14:creationId xmlns:p14="http://schemas.microsoft.com/office/powerpoint/2010/main" val="3903585909"/>
       </p:ext>
     </p:extLst>
   </p:cSld>
@@ -7688,6 +7985,164 @@
         <p:spPr>
           <a:xfrm>
             <a:off x="486137" y="2531318"/>
+            <a:ext cx="11979797" cy="923330"/>
+          </a:xfrm>
+          <a:prstGeom prst="rect">
+            <a:avLst/>
+          </a:prstGeom>
+          <a:noFill/>
+        </p:spPr>
+        <p:txBody>
+          <a:bodyPr wrap="square" rtlCol="0">
+            <a:spAutoFit/>
+          </a:bodyPr>
+          <a:lstStyle/>
+          <a:p>
+            <a:r>
+              <a:rPr lang="en-US" sz="5400" b="1" dirty="0">
+                <a:solidFill>
+                  <a:srgbClr val="CF3338"/>
+                </a:solidFill>
+                <a:latin typeface="Pragmatica" panose="020B0403040502020204" pitchFamily="34" charset="0"/>
+              </a:rPr>
+              <a:t>Questions?</a:t>
+            </a:r>
+          </a:p>
+        </p:txBody>
+      </p:sp>
+      <p:pic>
+        <p:nvPicPr>
+          <p:cNvPr id="5" name="Picture 4">
+            <a:extLst>
+              <a:ext uri="{FF2B5EF4-FFF2-40B4-BE49-F238E27FC236}">
+                <a16:creationId xmlns:a16="http://schemas.microsoft.com/office/drawing/2014/main" id="{54A06221-5316-4BCF-9FDA-BDB95FF4A778}"/>
+              </a:ext>
+            </a:extLst>
+          </p:cNvPr>
+          <p:cNvPicPr>
+            <a:picLocks noChangeAspect="1"/>
+          </p:cNvPicPr>
+          <p:nvPr/>
+        </p:nvPicPr>
+        <p:blipFill>
+          <a:blip r:embed="rId4">
+            <a:extLst>
+              <a:ext uri="{28A0092B-C50C-407E-A947-70E740481C1C}">
+                <a14:useLocalDpi xmlns:a14="http://schemas.microsoft.com/office/drawing/2010/main" val="0"/>
+              </a:ext>
+            </a:extLst>
+          </a:blip>
+          <a:srcRect/>
+          <a:stretch/>
+        </p:blipFill>
+        <p:spPr>
+          <a:xfrm>
+            <a:off x="12204691" y="3317239"/>
+            <a:ext cx="6083309" cy="6968672"/>
+          </a:xfrm>
+          <a:prstGeom prst="rect">
+            <a:avLst/>
+          </a:prstGeom>
+        </p:spPr>
+      </p:pic>
+    </p:spTree>
+    <p:extLst>
+      <p:ext uri="{BB962C8B-B14F-4D97-AF65-F5344CB8AC3E}">
+        <p14:creationId xmlns:p14="http://schemas.microsoft.com/office/powerpoint/2010/main" val="2899625024"/>
+      </p:ext>
+    </p:extLst>
+  </p:cSld>
+  <p:clrMapOvr>
+    <a:masterClrMapping/>
+  </p:clrMapOvr>
+</p:sld>
+</file>
+
+<file path=ppt/slides/slide22.xml><?xml version="1.0" encoding="utf-8"?>
+<p:sld xmlns:a="http://schemas.openxmlformats.org/drawingml/2006/main" xmlns:r="http://schemas.openxmlformats.org/officeDocument/2006/relationships" xmlns:p="http://schemas.openxmlformats.org/presentationml/2006/main">
+  <p:cSld>
+    <p:spTree>
+      <p:nvGrpSpPr>
+        <p:cNvPr id="1" name=""/>
+        <p:cNvGrpSpPr/>
+        <p:nvPr/>
+      </p:nvGrpSpPr>
+      <p:grpSpPr>
+        <a:xfrm>
+          <a:off x="0" y="0"/>
+          <a:ext cx="0" cy="0"/>
+          <a:chOff x="0" y="0"/>
+          <a:chExt cx="0" cy="0"/>
+        </a:xfrm>
+      </p:grpSpPr>
+      <p:pic>
+        <p:nvPicPr>
+          <p:cNvPr id="10" name="Picture 9"/>
+          <p:cNvPicPr>
+            <a:picLocks noChangeAspect="1"/>
+          </p:cNvPicPr>
+          <p:nvPr/>
+        </p:nvPicPr>
+        <p:blipFill rotWithShape="1">
+          <a:blip r:embed="rId2">
+            <a:extLst>
+              <a:ext uri="{28A0092B-C50C-407E-A947-70E740481C1C}">
+                <a14:useLocalDpi xmlns:a14="http://schemas.microsoft.com/office/drawing/2010/main" val="0"/>
+              </a:ext>
+            </a:extLst>
+          </a:blip>
+          <a:srcRect l="50728" t="56371"/>
+          <a:stretch/>
+        </p:blipFill>
+        <p:spPr>
+          <a:xfrm>
+            <a:off x="12204691" y="3316148"/>
+            <a:ext cx="6083309" cy="6970854"/>
+          </a:xfrm>
+          <a:prstGeom prst="rect">
+            <a:avLst/>
+          </a:prstGeom>
+        </p:spPr>
+      </p:pic>
+      <p:pic>
+        <p:nvPicPr>
+          <p:cNvPr id="4" name="Picture 3"/>
+          <p:cNvPicPr>
+            <a:picLocks noChangeAspect="1"/>
+          </p:cNvPicPr>
+          <p:nvPr/>
+        </p:nvPicPr>
+        <p:blipFill>
+          <a:blip r:embed="rId3">
+            <a:extLst>
+              <a:ext uri="{28A0092B-C50C-407E-A947-70E740481C1C}">
+                <a14:useLocalDpi xmlns:a14="http://schemas.microsoft.com/office/drawing/2010/main" val="0"/>
+              </a:ext>
+            </a:extLst>
+          </a:blip>
+          <a:stretch>
+            <a:fillRect/>
+          </a:stretch>
+        </p:blipFill>
+        <p:spPr>
+          <a:xfrm>
+            <a:off x="-807744" y="-3724155"/>
+            <a:ext cx="15257208" cy="11189825"/>
+          </a:xfrm>
+          <a:prstGeom prst="rect">
+            <a:avLst/>
+          </a:prstGeom>
+        </p:spPr>
+      </p:pic>
+      <p:sp>
+        <p:nvSpPr>
+          <p:cNvPr id="11" name="TextBox 10"/>
+          <p:cNvSpPr txBox="1"/>
+          <p:nvPr/>
+        </p:nvSpPr>
+        <p:spPr>
+          <a:xfrm>
+            <a:off x="486137" y="2531318"/>
             <a:ext cx="11979797" cy="5078313"/>
           </a:xfrm>
           <a:prstGeom prst="rect">
@@ -7855,6 +8310,352 @@
   <p:cSld>
     <p:spTree>
       <p:nvGrpSpPr>
+        <p:cNvPr id="1" name="">
+          <a:extLst>
+            <a:ext uri="{FF2B5EF4-FFF2-40B4-BE49-F238E27FC236}">
+              <a16:creationId xmlns:a16="http://schemas.microsoft.com/office/drawing/2014/main" id="{AFD94376-F1A9-FF20-66A2-05AFEE791D7C}"/>
+            </a:ext>
+          </a:extLst>
+        </p:cNvPr>
+        <p:cNvGrpSpPr/>
+        <p:nvPr/>
+      </p:nvGrpSpPr>
+      <p:grpSpPr>
+        <a:xfrm>
+          <a:off x="0" y="0"/>
+          <a:ext cx="0" cy="0"/>
+          <a:chOff x="0" y="0"/>
+          <a:chExt cx="0" cy="0"/>
+        </a:xfrm>
+      </p:grpSpPr>
+      <p:sp>
+        <p:nvSpPr>
+          <p:cNvPr id="4" name="Rectangle 3">
+            <a:extLst>
+              <a:ext uri="{FF2B5EF4-FFF2-40B4-BE49-F238E27FC236}">
+                <a16:creationId xmlns:a16="http://schemas.microsoft.com/office/drawing/2014/main" id="{9370B26B-5BBB-A334-192B-F5B0FDDC1D32}"/>
+              </a:ext>
+            </a:extLst>
+          </p:cNvPr>
+          <p:cNvSpPr/>
+          <p:nvPr/>
+        </p:nvSpPr>
+        <p:spPr>
+          <a:xfrm>
+            <a:off x="10591800" y="0"/>
+            <a:ext cx="7696200" cy="10287000"/>
+          </a:xfrm>
+          <a:prstGeom prst="rect">
+            <a:avLst/>
+          </a:prstGeom>
+          <a:solidFill>
+            <a:srgbClr val="CF3338"/>
+          </a:solidFill>
+          <a:ln>
+            <a:noFill/>
+          </a:ln>
+        </p:spPr>
+        <p:style>
+          <a:lnRef idx="2">
+            <a:schemeClr val="accent1">
+              <a:shade val="50000"/>
+            </a:schemeClr>
+          </a:lnRef>
+          <a:fillRef idx="1">
+            <a:schemeClr val="accent1"/>
+          </a:fillRef>
+          <a:effectRef idx="0">
+            <a:schemeClr val="accent1"/>
+          </a:effectRef>
+          <a:fontRef idx="minor">
+            <a:schemeClr val="lt1"/>
+          </a:fontRef>
+        </p:style>
+        <p:txBody>
+          <a:bodyPr rtlCol="0" anchor="ctr"/>
+          <a:lstStyle/>
+          <a:p>
+            <a:pPr algn="ctr"/>
+            <a:endParaRPr lang="en-US" sz="2700"/>
+          </a:p>
+        </p:txBody>
+      </p:sp>
+      <p:pic>
+        <p:nvPicPr>
+          <p:cNvPr id="2" name="Picture 1">
+            <a:extLst>
+              <a:ext uri="{FF2B5EF4-FFF2-40B4-BE49-F238E27FC236}">
+                <a16:creationId xmlns:a16="http://schemas.microsoft.com/office/drawing/2014/main" id="{9715CCA2-92FF-1D8B-CA38-609E06D57870}"/>
+              </a:ext>
+            </a:extLst>
+          </p:cNvPr>
+          <p:cNvPicPr>
+            <a:picLocks noChangeAspect="1"/>
+          </p:cNvPicPr>
+          <p:nvPr/>
+        </p:nvPicPr>
+        <p:blipFill rotWithShape="1">
+          <a:blip r:embed="rId3">
+            <a:extLst>
+              <a:ext uri="{28A0092B-C50C-407E-A947-70E740481C1C}">
+                <a14:useLocalDpi xmlns:a14="http://schemas.microsoft.com/office/drawing/2010/main" val="0"/>
+              </a:ext>
+            </a:extLst>
+          </a:blip>
+          <a:srcRect l="69227" t="33418" r="20112" b="50548"/>
+          <a:stretch/>
+        </p:blipFill>
+        <p:spPr>
+          <a:xfrm>
+            <a:off x="15579524" y="7544693"/>
+            <a:ext cx="2708477" cy="2987579"/>
+          </a:xfrm>
+          <a:prstGeom prst="rect">
+            <a:avLst/>
+          </a:prstGeom>
+        </p:spPr>
+      </p:pic>
+      <p:sp>
+        <p:nvSpPr>
+          <p:cNvPr id="3" name="TextBox 2">
+            <a:extLst>
+              <a:ext uri="{FF2B5EF4-FFF2-40B4-BE49-F238E27FC236}">
+                <a16:creationId xmlns:a16="http://schemas.microsoft.com/office/drawing/2014/main" id="{CB0A0824-E00E-6FFB-4DEE-F26019985651}"/>
+              </a:ext>
+            </a:extLst>
+          </p:cNvPr>
+          <p:cNvSpPr txBox="1"/>
+          <p:nvPr/>
+        </p:nvSpPr>
+        <p:spPr>
+          <a:xfrm>
+            <a:off x="260430" y="329879"/>
+            <a:ext cx="10255169" cy="9864752"/>
+          </a:xfrm>
+          <a:prstGeom prst="rect">
+            <a:avLst/>
+          </a:prstGeom>
+          <a:noFill/>
+        </p:spPr>
+        <p:txBody>
+          <a:bodyPr wrap="square" rtlCol="0">
+            <a:spAutoFit/>
+          </a:bodyPr>
+          <a:lstStyle/>
+          <a:p>
+            <a:r>
+              <a:rPr lang="en-US" sz="6000" b="1" dirty="0">
+                <a:solidFill>
+                  <a:srgbClr val="CF3338"/>
+                </a:solidFill>
+                <a:latin typeface="Pragmatica" panose="020B0403040502020204" pitchFamily="34" charset="0"/>
+              </a:rPr>
+              <a:t>Exercise: Python in Excel essentials</a:t>
+            </a:r>
+          </a:p>
+          <a:p>
+            <a:r>
+              <a:rPr lang="en-US" sz="3600" dirty="0">
+                <a:solidFill>
+                  <a:srgbClr val="CF3338"/>
+                </a:solidFill>
+                <a:latin typeface="Pragmatica" panose="020B0403040502020204" pitchFamily="34" charset="0"/>
+              </a:rPr>
+              <a:t>Dataset: wholesale-customers.csv </a:t>
+            </a:r>
+            <a:endParaRPr lang="en-US" sz="6600" b="1" dirty="0">
+              <a:solidFill>
+                <a:srgbClr val="CF3338"/>
+              </a:solidFill>
+              <a:latin typeface="Pragmatica" panose="020B0403040502020204" pitchFamily="34" charset="0"/>
+            </a:endParaRPr>
+          </a:p>
+          <a:p>
+            <a:endParaRPr lang="en-US" sz="4200" dirty="0">
+              <a:solidFill>
+                <a:srgbClr val="CF3338"/>
+              </a:solidFill>
+              <a:latin typeface="Pragmatica" panose="020B0403040502020204" pitchFamily="34" charset="0"/>
+            </a:endParaRPr>
+          </a:p>
+          <a:p>
+            <a:pPr marL="714375" indent="-571500">
+              <a:lnSpc>
+                <a:spcPct val="115000"/>
+              </a:lnSpc>
+              <a:spcBef>
+                <a:spcPts val="1125"/>
+              </a:spcBef>
+              <a:buClr>
+                <a:srgbClr val="C00000"/>
+              </a:buClr>
+              <a:buSzPts val="2100"/>
+              <a:buFont typeface="Arial" panose="020B0604020202020204" pitchFamily="34" charset="0"/>
+              <a:buChar char="•"/>
+            </a:pPr>
+            <a:r>
+              <a:rPr lang="en-US" sz="3600" dirty="0">
+                <a:solidFill>
+                  <a:srgbClr val="C00000"/>
+                </a:solidFill>
+                <a:latin typeface="Pragmatica" panose="020B0403040502020204"/>
+                <a:sym typeface="Consolas"/>
+              </a:rPr>
+              <a:t>Import into Excel via Power Query (Get Data &gt; From File &gt; From Text/CSV)</a:t>
+            </a:r>
+          </a:p>
+          <a:p>
+            <a:pPr marL="714375" indent="-571500">
+              <a:lnSpc>
+                <a:spcPct val="115000"/>
+              </a:lnSpc>
+              <a:spcBef>
+                <a:spcPts val="1125"/>
+              </a:spcBef>
+              <a:buClr>
+                <a:srgbClr val="C00000"/>
+              </a:buClr>
+              <a:buSzPts val="2100"/>
+              <a:buFont typeface="Arial" panose="020B0604020202020204" pitchFamily="34" charset="0"/>
+              <a:buChar char="•"/>
+            </a:pPr>
+            <a:r>
+              <a:rPr lang="en-US" sz="3600" dirty="0">
+                <a:solidFill>
+                  <a:srgbClr val="C00000"/>
+                </a:solidFill>
+                <a:latin typeface="Pragmatica" panose="020B0403040502020204"/>
+                <a:sym typeface="Consolas"/>
+              </a:rPr>
+              <a:t>Unpivot the Fresh through </a:t>
+            </a:r>
+            <a:r>
+              <a:rPr lang="en-US" sz="3600" dirty="0" err="1">
+                <a:solidFill>
+                  <a:srgbClr val="C00000"/>
+                </a:solidFill>
+                <a:latin typeface="Pragmatica" panose="020B0403040502020204"/>
+                <a:sym typeface="Consolas"/>
+              </a:rPr>
+              <a:t>Delicassen</a:t>
+            </a:r>
+            <a:r>
+              <a:rPr lang="en-US" sz="3600" dirty="0">
+                <a:solidFill>
+                  <a:srgbClr val="C00000"/>
+                </a:solidFill>
+                <a:latin typeface="Pragmatica" panose="020B0403040502020204"/>
+                <a:sym typeface="Consolas"/>
+              </a:rPr>
+              <a:t> [sic] columns</a:t>
+            </a:r>
+          </a:p>
+          <a:p>
+            <a:pPr marL="714375" indent="-571500">
+              <a:lnSpc>
+                <a:spcPct val="115000"/>
+              </a:lnSpc>
+              <a:spcBef>
+                <a:spcPts val="1125"/>
+              </a:spcBef>
+              <a:buClr>
+                <a:srgbClr val="C00000"/>
+              </a:buClr>
+              <a:buSzPts val="2100"/>
+              <a:buFont typeface="Arial" panose="020B0604020202020204" pitchFamily="34" charset="0"/>
+              <a:buChar char="•"/>
+            </a:pPr>
+            <a:r>
+              <a:rPr lang="en-US" sz="3600" dirty="0">
+                <a:solidFill>
+                  <a:srgbClr val="C00000"/>
+                </a:solidFill>
+                <a:latin typeface="Pragmatica" panose="020B0403040502020204"/>
+                <a:sym typeface="Consolas"/>
+              </a:rPr>
+              <a:t>Load as connection into Python in Excel</a:t>
+            </a:r>
+          </a:p>
+          <a:p>
+            <a:pPr marL="714375" indent="-571500">
+              <a:lnSpc>
+                <a:spcPct val="115000"/>
+              </a:lnSpc>
+              <a:spcBef>
+                <a:spcPts val="1125"/>
+              </a:spcBef>
+              <a:buClr>
+                <a:srgbClr val="C00000"/>
+              </a:buClr>
+              <a:buSzPts val="2100"/>
+              <a:buFont typeface="Arial" panose="020B0604020202020204" pitchFamily="34" charset="0"/>
+              <a:buChar char="•"/>
+            </a:pPr>
+            <a:r>
+              <a:rPr lang="en-US" sz="3600" dirty="0">
+                <a:solidFill>
+                  <a:srgbClr val="C00000"/>
+                </a:solidFill>
+                <a:latin typeface="Pragmatica" panose="020B0403040502020204"/>
+                <a:sym typeface="Consolas"/>
+              </a:rPr>
+              <a:t>Preview the data with a linked data type</a:t>
+            </a:r>
+          </a:p>
+          <a:p>
+            <a:pPr marL="714375" indent="-571500">
+              <a:lnSpc>
+                <a:spcPct val="115000"/>
+              </a:lnSpc>
+              <a:spcBef>
+                <a:spcPts val="1125"/>
+              </a:spcBef>
+              <a:buClr>
+                <a:srgbClr val="C00000"/>
+              </a:buClr>
+              <a:buSzPts val="2100"/>
+              <a:buFont typeface="Arial" panose="020B0604020202020204" pitchFamily="34" charset="0"/>
+              <a:buChar char="•"/>
+            </a:pPr>
+            <a:r>
+              <a:rPr lang="en-US" sz="3600" dirty="0">
+                <a:solidFill>
+                  <a:srgbClr val="C00000"/>
+                </a:solidFill>
+                <a:latin typeface="Pragmatica" panose="020B0403040502020204"/>
+                <a:sym typeface="Consolas"/>
+              </a:rPr>
+              <a:t>Count the number of nonblank cells in the preview area with a spill operator</a:t>
+            </a:r>
+          </a:p>
+          <a:p>
+            <a:endParaRPr lang="en-US" sz="6000" dirty="0">
+              <a:solidFill>
+                <a:srgbClr val="CF3338"/>
+              </a:solidFill>
+              <a:latin typeface="Pragmatica" panose="020B0403040502020204" pitchFamily="34" charset="0"/>
+            </a:endParaRPr>
+          </a:p>
+        </p:txBody>
+      </p:sp>
+    </p:spTree>
+    <p:extLst>
+      <p:ext uri="{BB962C8B-B14F-4D97-AF65-F5344CB8AC3E}">
+        <p14:creationId xmlns:p14="http://schemas.microsoft.com/office/powerpoint/2010/main" val="3341142562"/>
+      </p:ext>
+    </p:extLst>
+  </p:cSld>
+  <p:clrMapOvr>
+    <a:masterClrMapping/>
+  </p:clrMapOvr>
+</p:sld>
+</file>
+
+<file path=ppt/slides/slide4.xml><?xml version="1.0" encoding="utf-8"?>
+<p:sld xmlns:a="http://schemas.openxmlformats.org/drawingml/2006/main" xmlns:r="http://schemas.openxmlformats.org/officeDocument/2006/relationships" xmlns:p="http://schemas.openxmlformats.org/presentationml/2006/main">
+  <p:cSld>
+    <p:spTree>
+      <p:nvGrpSpPr>
         <p:cNvPr id="1" name=""/>
         <p:cNvGrpSpPr/>
         <p:nvPr/>
@@ -7960,7 +8761,7 @@
 </p:sld>
 </file>
 
-<file path=ppt/slides/slide4.xml><?xml version="1.0" encoding="utf-8"?>
+<file path=ppt/slides/slide5.xml><?xml version="1.0" encoding="utf-8"?>
 <p:sld xmlns:a="http://schemas.openxmlformats.org/drawingml/2006/main" xmlns:r="http://schemas.openxmlformats.org/officeDocument/2006/relationships" xmlns:p="http://schemas.openxmlformats.org/presentationml/2006/main">
   <p:cSld>
     <p:spTree>
@@ -8260,7 +9061,7 @@
 </p:sld>
 </file>
 
-<file path=ppt/slides/slide5.xml><?xml version="1.0" encoding="utf-8"?>
+<file path=ppt/slides/slide6.xml><?xml version="1.0" encoding="utf-8"?>
 <p:sld xmlns:a="http://schemas.openxmlformats.org/drawingml/2006/main" xmlns:r="http://schemas.openxmlformats.org/officeDocument/2006/relationships" xmlns:p="http://schemas.openxmlformats.org/presentationml/2006/main">
   <p:cSld>
     <p:spTree>
@@ -8442,7 +9243,7 @@
 </p:sld>
 </file>
 
-<file path=ppt/slides/slide6.xml><?xml version="1.0" encoding="utf-8"?>
+<file path=ppt/slides/slide7.xml><?xml version="1.0" encoding="utf-8"?>
 <p:sld xmlns:a="http://schemas.openxmlformats.org/drawingml/2006/main" xmlns:r="http://schemas.openxmlformats.org/officeDocument/2006/relationships" xmlns:p="http://schemas.openxmlformats.org/presentationml/2006/main">
   <p:cSld>
     <p:spTree>
@@ -8570,7 +9371,7 @@
 </p:sld>
 </file>
 
-<file path=ppt/slides/slide7.xml><?xml version="1.0" encoding="utf-8"?>
+<file path=ppt/slides/slide8.xml><?xml version="1.0" encoding="utf-8"?>
 <p:sld xmlns:a="http://schemas.openxmlformats.org/drawingml/2006/main" xmlns:r="http://schemas.openxmlformats.org/officeDocument/2006/relationships" xmlns:p="http://schemas.openxmlformats.org/presentationml/2006/main">
   <p:cSld>
     <p:spTree>
@@ -8848,7 +9649,7 @@
 </p:sld>
 </file>
 
-<file path=ppt/slides/slide8.xml><?xml version="1.0" encoding="utf-8"?>
+<file path=ppt/slides/slide9.xml><?xml version="1.0" encoding="utf-8"?>
 <p:sld xmlns:a="http://schemas.openxmlformats.org/drawingml/2006/main" xmlns:r="http://schemas.openxmlformats.org/officeDocument/2006/relationships" xmlns:p="http://schemas.openxmlformats.org/presentationml/2006/main">
   <p:cSld>
     <p:spTree>
@@ -9201,328 +10002,6 @@
     <p:extLst>
       <p:ext uri="{BB962C8B-B14F-4D97-AF65-F5344CB8AC3E}">
         <p14:creationId xmlns:p14="http://schemas.microsoft.com/office/powerpoint/2010/main" val="3296424572"/>
-      </p:ext>
-    </p:extLst>
-  </p:cSld>
-  <p:clrMapOvr>
-    <a:masterClrMapping/>
-  </p:clrMapOvr>
-</p:sld>
-</file>
-
-<file path=ppt/slides/slide9.xml><?xml version="1.0" encoding="utf-8"?>
-<p:sld xmlns:a="http://schemas.openxmlformats.org/drawingml/2006/main" xmlns:r="http://schemas.openxmlformats.org/officeDocument/2006/relationships" xmlns:p="http://schemas.openxmlformats.org/presentationml/2006/main">
-  <p:cSld>
-    <p:spTree>
-      <p:nvGrpSpPr>
-        <p:cNvPr id="1" name="">
-          <a:extLst>
-            <a:ext uri="{FF2B5EF4-FFF2-40B4-BE49-F238E27FC236}">
-              <a16:creationId xmlns:a16="http://schemas.microsoft.com/office/drawing/2014/main" id="{1D08595B-B0F6-3D15-07B7-C94576D901BB}"/>
-            </a:ext>
-          </a:extLst>
-        </p:cNvPr>
-        <p:cNvGrpSpPr/>
-        <p:nvPr/>
-      </p:nvGrpSpPr>
-      <p:grpSpPr>
-        <a:xfrm>
-          <a:off x="0" y="0"/>
-          <a:ext cx="0" cy="0"/>
-          <a:chOff x="0" y="0"/>
-          <a:chExt cx="0" cy="0"/>
-        </a:xfrm>
-      </p:grpSpPr>
-      <p:sp>
-        <p:nvSpPr>
-          <p:cNvPr id="4" name="Rectangle 3">
-            <a:extLst>
-              <a:ext uri="{FF2B5EF4-FFF2-40B4-BE49-F238E27FC236}">
-                <a16:creationId xmlns:a16="http://schemas.microsoft.com/office/drawing/2014/main" id="{D2164974-38B7-0BB3-1F4A-12AF2DBA4615}"/>
-              </a:ext>
-            </a:extLst>
-          </p:cNvPr>
-          <p:cNvSpPr/>
-          <p:nvPr/>
-        </p:nvSpPr>
-        <p:spPr>
-          <a:xfrm>
-            <a:off x="10820400" y="0"/>
-            <a:ext cx="7467600" cy="10287000"/>
-          </a:xfrm>
-          <a:prstGeom prst="rect">
-            <a:avLst/>
-          </a:prstGeom>
-          <a:solidFill>
-            <a:srgbClr val="CF3338"/>
-          </a:solidFill>
-          <a:ln>
-            <a:noFill/>
-          </a:ln>
-        </p:spPr>
-        <p:style>
-          <a:lnRef idx="2">
-            <a:schemeClr val="accent1">
-              <a:shade val="50000"/>
-            </a:schemeClr>
-          </a:lnRef>
-          <a:fillRef idx="1">
-            <a:schemeClr val="accent1"/>
-          </a:fillRef>
-          <a:effectRef idx="0">
-            <a:schemeClr val="accent1"/>
-          </a:effectRef>
-          <a:fontRef idx="minor">
-            <a:schemeClr val="lt1"/>
-          </a:fontRef>
-        </p:style>
-        <p:txBody>
-          <a:bodyPr rtlCol="0" anchor="ctr"/>
-          <a:lstStyle/>
-          <a:p>
-            <a:pPr algn="ctr"/>
-            <a:endParaRPr lang="en-US" sz="2700"/>
-          </a:p>
-        </p:txBody>
-      </p:sp>
-      <p:pic>
-        <p:nvPicPr>
-          <p:cNvPr id="2" name="Picture 1">
-            <a:extLst>
-              <a:ext uri="{FF2B5EF4-FFF2-40B4-BE49-F238E27FC236}">
-                <a16:creationId xmlns:a16="http://schemas.microsoft.com/office/drawing/2014/main" id="{3B16401F-D91C-1A9E-AB41-9BB7999B59A3}"/>
-              </a:ext>
-            </a:extLst>
-          </p:cNvPr>
-          <p:cNvPicPr>
-            <a:picLocks noChangeAspect="1"/>
-          </p:cNvPicPr>
-          <p:nvPr/>
-        </p:nvPicPr>
-        <p:blipFill rotWithShape="1">
-          <a:blip r:embed="rId3">
-            <a:extLst>
-              <a:ext uri="{28A0092B-C50C-407E-A947-70E740481C1C}">
-                <a14:useLocalDpi xmlns:a14="http://schemas.microsoft.com/office/drawing/2010/main" val="0"/>
-              </a:ext>
-            </a:extLst>
-          </a:blip>
-          <a:srcRect l="69227" t="33418" r="20112" b="50548"/>
-          <a:stretch/>
-        </p:blipFill>
-        <p:spPr>
-          <a:xfrm>
-            <a:off x="15579524" y="7544693"/>
-            <a:ext cx="2708477" cy="2987579"/>
-          </a:xfrm>
-          <a:prstGeom prst="rect">
-            <a:avLst/>
-          </a:prstGeom>
-        </p:spPr>
-      </p:pic>
-      <p:sp>
-        <p:nvSpPr>
-          <p:cNvPr id="3" name="TextBox 2">
-            <a:extLst>
-              <a:ext uri="{FF2B5EF4-FFF2-40B4-BE49-F238E27FC236}">
-                <a16:creationId xmlns:a16="http://schemas.microsoft.com/office/drawing/2014/main" id="{E68C40A9-B365-4386-CB2C-8AB566EEE6AD}"/>
-              </a:ext>
-            </a:extLst>
-          </p:cNvPr>
-          <p:cNvSpPr txBox="1"/>
-          <p:nvPr/>
-        </p:nvSpPr>
-        <p:spPr>
-          <a:xfrm>
-            <a:off x="228600" y="114300"/>
-            <a:ext cx="10352567" cy="10365915"/>
-          </a:xfrm>
-          <a:prstGeom prst="rect">
-            <a:avLst/>
-          </a:prstGeom>
-          <a:noFill/>
-        </p:spPr>
-        <p:txBody>
-          <a:bodyPr wrap="square" rtlCol="0">
-            <a:spAutoFit/>
-          </a:bodyPr>
-          <a:lstStyle/>
-          <a:p>
-            <a:r>
-              <a:rPr lang="en-US" sz="6000" b="1" dirty="0">
-                <a:solidFill>
-                  <a:srgbClr val="CF3338"/>
-                </a:solidFill>
-                <a:latin typeface="Pragmatica" panose="020B0403040502020204" pitchFamily="34" charset="0"/>
-              </a:rPr>
-              <a:t>Creating advanced data visualizations with Copilot EXERCISE</a:t>
-            </a:r>
-          </a:p>
-          <a:p>
-            <a:pPr marL="142875">
-              <a:lnSpc>
-                <a:spcPct val="115000"/>
-              </a:lnSpc>
-              <a:spcBef>
-                <a:spcPts val="1125"/>
-              </a:spcBef>
-              <a:buClr>
-                <a:srgbClr val="C00000"/>
-              </a:buClr>
-              <a:buSzPts val="2100"/>
-            </a:pPr>
-            <a:r>
-              <a:rPr lang="en-US" sz="3600" dirty="0">
-                <a:solidFill>
-                  <a:srgbClr val="C00000"/>
-                </a:solidFill>
-                <a:latin typeface="Pragmatica" panose="020B0403040502020204"/>
-                <a:sym typeface="Consolas"/>
-              </a:rPr>
-              <a:t>Dataset: copilot-dashboard-start.xlsx</a:t>
-            </a:r>
-          </a:p>
-          <a:p>
-            <a:pPr marL="714375" indent="-571500">
-              <a:lnSpc>
-                <a:spcPct val="115000"/>
-              </a:lnSpc>
-              <a:spcBef>
-                <a:spcPts val="1125"/>
-              </a:spcBef>
-              <a:buClr>
-                <a:srgbClr val="C00000"/>
-              </a:buClr>
-              <a:buSzPts val="2100"/>
-              <a:buFont typeface="Arial" panose="020B0604020202020204" pitchFamily="34" charset="0"/>
-              <a:buChar char="•"/>
-            </a:pPr>
-            <a:endParaRPr lang="en-US" sz="3600" dirty="0">
-              <a:solidFill>
-                <a:srgbClr val="C00000"/>
-              </a:solidFill>
-              <a:latin typeface="Pragmatica" panose="020B0403040502020204"/>
-              <a:sym typeface="Consolas"/>
-            </a:endParaRPr>
-          </a:p>
-          <a:p>
-            <a:pPr marL="714375" indent="-571500">
-              <a:lnSpc>
-                <a:spcPct val="115000"/>
-              </a:lnSpc>
-              <a:spcBef>
-                <a:spcPts val="1125"/>
-              </a:spcBef>
-              <a:buClr>
-                <a:srgbClr val="C00000"/>
-              </a:buClr>
-              <a:buSzPts val="2100"/>
-              <a:buFont typeface="Arial" panose="020B0604020202020204" pitchFamily="34" charset="0"/>
-              <a:buChar char="•"/>
-            </a:pPr>
-            <a:r>
-              <a:rPr lang="en-US" sz="3600" dirty="0">
-                <a:solidFill>
-                  <a:srgbClr val="C00000"/>
-                </a:solidFill>
-                <a:latin typeface="Pragmatica" panose="020B0403040502020204"/>
-                <a:sym typeface="Consolas"/>
-              </a:rPr>
-              <a:t>Use Advanced Analysis to create visualizations for a dashboard</a:t>
-            </a:r>
-          </a:p>
-          <a:p>
-            <a:pPr marL="714375" indent="-571500">
-              <a:lnSpc>
-                <a:spcPct val="115000"/>
-              </a:lnSpc>
-              <a:spcBef>
-                <a:spcPts val="1125"/>
-              </a:spcBef>
-              <a:buClr>
-                <a:srgbClr val="C00000"/>
-              </a:buClr>
-              <a:buSzPts val="2100"/>
-              <a:buFont typeface="Arial" panose="020B0604020202020204" pitchFamily="34" charset="0"/>
-              <a:buChar char="•"/>
-            </a:pPr>
-            <a:r>
-              <a:rPr lang="en-US" sz="3600" dirty="0">
-                <a:solidFill>
-                  <a:srgbClr val="C00000"/>
-                </a:solidFill>
-                <a:latin typeface="Pragmatica" panose="020B0403040502020204"/>
-                <a:sym typeface="Consolas"/>
-              </a:rPr>
-              <a:t>Check mpg-dashboard-prompt.txt for a sample input prompt</a:t>
-            </a:r>
-          </a:p>
-          <a:p>
-            <a:pPr marL="714375" indent="-571500">
-              <a:lnSpc>
-                <a:spcPct val="115000"/>
-              </a:lnSpc>
-              <a:spcBef>
-                <a:spcPts val="1125"/>
-              </a:spcBef>
-              <a:buClr>
-                <a:srgbClr val="C00000"/>
-              </a:buClr>
-              <a:buSzPts val="2100"/>
-              <a:buFont typeface="Arial" panose="020B0604020202020204" pitchFamily="34" charset="0"/>
-              <a:buChar char="•"/>
-            </a:pPr>
-            <a:r>
-              <a:rPr lang="en-US" sz="3600" dirty="0">
-                <a:solidFill>
-                  <a:srgbClr val="C00000"/>
-                </a:solidFill>
-                <a:latin typeface="Pragmatica" panose="020B0403040502020204"/>
-                <a:sym typeface="Consolas"/>
-              </a:rPr>
-              <a:t>We’ll walk through assembling the dashboard together</a:t>
-            </a:r>
-          </a:p>
-          <a:p>
-            <a:pPr marL="714375" indent="-571500">
-              <a:lnSpc>
-                <a:spcPct val="115000"/>
-              </a:lnSpc>
-              <a:spcBef>
-                <a:spcPts val="1125"/>
-              </a:spcBef>
-              <a:buClr>
-                <a:srgbClr val="C00000"/>
-              </a:buClr>
-              <a:buSzPts val="2100"/>
-              <a:buFont typeface="Arial" panose="020B0604020202020204" pitchFamily="34" charset="0"/>
-              <a:buChar char="•"/>
-            </a:pPr>
-            <a:r>
-              <a:rPr lang="en-US" sz="3600" dirty="0">
-                <a:solidFill>
-                  <a:srgbClr val="C00000"/>
-                </a:solidFill>
-                <a:latin typeface="Pragmatica" panose="020B0403040502020204"/>
-                <a:sym typeface="Consolas"/>
-              </a:rPr>
-              <a:t>Your results will vary from mine… embrace it!</a:t>
-            </a:r>
-          </a:p>
-          <a:p>
-            <a:endParaRPr lang="en-US" sz="6000" dirty="0">
-              <a:solidFill>
-                <a:srgbClr val="CF3338"/>
-              </a:solidFill>
-              <a:latin typeface="Pragmatica" panose="020B0403040502020204" pitchFamily="34" charset="0"/>
-            </a:endParaRPr>
-          </a:p>
-        </p:txBody>
-      </p:sp>
-    </p:spTree>
-    <p:extLst>
-      <p:ext uri="{BB962C8B-B14F-4D97-AF65-F5344CB8AC3E}">
-        <p14:creationId xmlns:p14="http://schemas.microsoft.com/office/powerpoint/2010/main" val="1152180219"/>
       </p:ext>
     </p:extLst>
   </p:cSld>
